--- a/first-excel-agent.pptx
+++ b/first-excel-agent.pptx
@@ -5,7 +5,7 @@
     <p:sldMasterId id="2147483648" r:id="rId1"/>
   </p:sldMasterIdLst>
   <p:notesMasterIdLst>
-    <p:notesMasterId r:id="rId15"/>
+    <p:notesMasterId r:id="rId16"/>
   </p:notesMasterIdLst>
   <p:sldIdLst>
     <p:sldId id="256" r:id="rId2"/>
@@ -15,22 +15,23 @@
     <p:sldId id="436" r:id="rId6"/>
     <p:sldId id="437" r:id="rId7"/>
     <p:sldId id="438" r:id="rId8"/>
-    <p:sldId id="439" r:id="rId9"/>
+    <p:sldId id="443" r:id="rId9"/>
     <p:sldId id="407" r:id="rId10"/>
-    <p:sldId id="441" r:id="rId11"/>
-    <p:sldId id="442" r:id="rId12"/>
-    <p:sldId id="415" r:id="rId13"/>
-    <p:sldId id="427" r:id="rId14"/>
+    <p:sldId id="439" r:id="rId11"/>
+    <p:sldId id="441" r:id="rId12"/>
+    <p:sldId id="442" r:id="rId13"/>
+    <p:sldId id="415" r:id="rId14"/>
+    <p:sldId id="427" r:id="rId15"/>
   </p:sldIdLst>
   <p:sldSz cx="18288000" cy="10287000"/>
   <p:notesSz cx="6858000" cy="9144000"/>
   <p:embeddedFontLst>
     <p:embeddedFont>
       <p:font typeface="Consolas" panose="020B0609020204030204" pitchFamily="49" charset="0"/>
-      <p:regular r:id="rId16"/>
-      <p:bold r:id="rId17"/>
-      <p:italic r:id="rId18"/>
-      <p:boldItalic r:id="rId19"/>
+      <p:regular r:id="rId17"/>
+      <p:bold r:id="rId18"/>
+      <p:italic r:id="rId19"/>
+      <p:boldItalic r:id="rId20"/>
     </p:embeddedFont>
   </p:embeddedFontLst>
   <p:defaultTextStyle>
@@ -6163,7 +6164,7 @@
           <a:p>
             <a:fld id="{17A98A70-FA8C-4354-959C-C70678AC9BCF}" type="datetimeFigureOut">
               <a:rPr lang="en-US" smtClean="0"/>
-              <a:t>10/22/2025</a:t>
+              <a:t>11/9/2025</a:t>
             </a:fld>
             <a:endParaRPr lang="en-US"/>
           </a:p>
@@ -6570,6 +6571,270 @@
         <p:cNvPr id="1" name="">
           <a:extLst>
             <a:ext uri="{FF2B5EF4-FFF2-40B4-BE49-F238E27FC236}">
+              <a16:creationId xmlns:a16="http://schemas.microsoft.com/office/drawing/2014/main" id="{CA550340-90B9-3E9E-2C44-E53E1F5BC816}"/>
+            </a:ext>
+          </a:extLst>
+        </p:cNvPr>
+        <p:cNvGrpSpPr/>
+        <p:nvPr/>
+      </p:nvGrpSpPr>
+      <p:grpSpPr>
+        <a:xfrm>
+          <a:off x="0" y="0"/>
+          <a:ext cx="0" cy="0"/>
+          <a:chOff x="0" y="0"/>
+          <a:chExt cx="0" cy="0"/>
+        </a:xfrm>
+      </p:grpSpPr>
+      <p:sp>
+        <p:nvSpPr>
+          <p:cNvPr id="2" name="Slide Image Placeholder 1">
+            <a:extLst>
+              <a:ext uri="{FF2B5EF4-FFF2-40B4-BE49-F238E27FC236}">
+                <a16:creationId xmlns:a16="http://schemas.microsoft.com/office/drawing/2014/main" id="{61416F7D-80C0-0BF0-5DAE-28EECF9522BA}"/>
+              </a:ext>
+            </a:extLst>
+          </p:cNvPr>
+          <p:cNvSpPr>
+            <a:spLocks noGrp="1" noRot="1" noChangeAspect="1"/>
+          </p:cNvSpPr>
+          <p:nvPr>
+            <p:ph type="sldImg"/>
+          </p:nvPr>
+        </p:nvSpPr>
+        <p:spPr/>
+      </p:sp>
+      <p:sp>
+        <p:nvSpPr>
+          <p:cNvPr id="3" name="Notes Placeholder 2">
+            <a:extLst>
+              <a:ext uri="{FF2B5EF4-FFF2-40B4-BE49-F238E27FC236}">
+                <a16:creationId xmlns:a16="http://schemas.microsoft.com/office/drawing/2014/main" id="{51923542-0F7D-E832-E549-540653D47B72}"/>
+              </a:ext>
+            </a:extLst>
+          </p:cNvPr>
+          <p:cNvSpPr>
+            <a:spLocks noGrp="1"/>
+          </p:cNvSpPr>
+          <p:nvPr>
+            <p:ph type="body" idx="1"/>
+          </p:nvPr>
+        </p:nvSpPr>
+        <p:spPr/>
+        <p:txBody>
+          <a:bodyPr/>
+          <a:lstStyle/>
+          <a:p>
+            <a:r>
+              <a:rPr lang="en-US" sz="900" dirty="0"/>
+              <a:t>When people hear Copilot and Agent Mode, they often assume they are the same thing, but they represent very different stages in how AI works inside Excel.</a:t>
+            </a:r>
+          </a:p>
+          <a:p>
+            <a:endParaRPr lang="en-US" sz="900" dirty="0"/>
+          </a:p>
+          <a:p>
+            <a:r>
+              <a:rPr lang="en-US" sz="900" dirty="0"/>
+              <a:t>Copilot is what most of us have used so far. It is a great assistant when you need to generate a formula, summarize some data, or clean up a quick report. You ask it a question, it gives an answer, and then it is up to you to decide what to do next. It is reactive. It waits for your prompt each time.</a:t>
+            </a:r>
+          </a:p>
+          <a:p>
+            <a:endParaRPr lang="en-US" sz="900" dirty="0"/>
+          </a:p>
+          <a:p>
+            <a:r>
+              <a:rPr lang="en-US" sz="900" dirty="0"/>
+              <a:t>Agent Mode takes this a step further. Instead of a single prompt and response, the agent can plan, execute, and evaluate multiple steps on its own. It does not just answer you, it actually works with you, refining its approach until it gets the result right. Think of it as the difference between giving someone an instruction versus giving them a project.</a:t>
+            </a:r>
+          </a:p>
+          <a:p>
+            <a:endParaRPr lang="en-US" sz="900" dirty="0"/>
+          </a:p>
+          <a:p>
+            <a:r>
+              <a:rPr lang="en-US" sz="900" dirty="0"/>
+              <a:t>That also changes your role as the analyst. With Copilot, you are still the one doing the work, just faster. With Agent Mode, you become more of a manager or reviewer, someone who guides, oversees, and checks the agent’s work. The focus shifts from “Can I get this formula right?” to “Can I structure and verify the workflow my agent is running?”</a:t>
+            </a:r>
+          </a:p>
+          <a:p>
+            <a:endParaRPr lang="en-US" sz="900" dirty="0"/>
+          </a:p>
+          <a:p>
+            <a:r>
+              <a:rPr lang="en-US" sz="900" dirty="0"/>
+              <a:t>In terms of output, Copilot is great for speed. You will get something usable right away. Agent Mode is built for reliability. It double checks itself, validates formulas, and produces outputs that are more auditable and refreshable. That is what makes it better suited for more complex or higher stakes workflows like financial models, reconciliations, or recurring dashboards.</a:t>
+            </a:r>
+          </a:p>
+          <a:p>
+            <a:endParaRPr lang="en-US" sz="900" dirty="0"/>
+          </a:p>
+          <a:p>
+            <a:r>
+              <a:rPr lang="en-US" sz="900" dirty="0"/>
+              <a:t>So the short version is: Copilot accelerates your work. Agent Mode begins to do the work. The real opportunity for Excel professionals is learning how to manage and guide these new digital teammates effectively.</a:t>
+            </a:r>
+          </a:p>
+        </p:txBody>
+      </p:sp>
+      <p:sp>
+        <p:nvSpPr>
+          <p:cNvPr id="4" name="Slide Number Placeholder 3">
+            <a:extLst>
+              <a:ext uri="{FF2B5EF4-FFF2-40B4-BE49-F238E27FC236}">
+                <a16:creationId xmlns:a16="http://schemas.microsoft.com/office/drawing/2014/main" id="{AD1320A6-67F7-AA40-1113-E4509F24AEFD}"/>
+              </a:ext>
+            </a:extLst>
+          </p:cNvPr>
+          <p:cNvSpPr>
+            <a:spLocks noGrp="1"/>
+          </p:cNvSpPr>
+          <p:nvPr>
+            <p:ph type="sldNum" sz="quarter" idx="5"/>
+          </p:nvPr>
+        </p:nvSpPr>
+        <p:spPr/>
+        <p:txBody>
+          <a:bodyPr/>
+          <a:lstStyle/>
+          <a:p>
+            <a:fld id="{FFB500C5-13F7-48FC-8160-C29AECF6C602}" type="slidenum">
+              <a:rPr lang="en-US" smtClean="0"/>
+              <a:t>8</a:t>
+            </a:fld>
+            <a:endParaRPr lang="en-US"/>
+          </a:p>
+        </p:txBody>
+      </p:sp>
+    </p:spTree>
+    <p:extLst>
+      <p:ext uri="{BB962C8B-B14F-4D97-AF65-F5344CB8AC3E}">
+        <p14:creationId xmlns:p14="http://schemas.microsoft.com/office/powerpoint/2010/main" val="649170800"/>
+      </p:ext>
+    </p:extLst>
+  </p:cSld>
+  <p:clrMapOvr>
+    <a:masterClrMapping/>
+  </p:clrMapOvr>
+</p:notes>
+</file>
+
+<file path=ppt/notesSlides/notesSlide3.xml><?xml version="1.0" encoding="utf-8"?>
+<p:notes xmlns:a="http://schemas.openxmlformats.org/drawingml/2006/main" xmlns:r="http://schemas.openxmlformats.org/officeDocument/2006/relationships" xmlns:p="http://schemas.openxmlformats.org/presentationml/2006/main">
+  <p:cSld>
+    <p:spTree>
+      <p:nvGrpSpPr>
+        <p:cNvPr id="1" name=""/>
+        <p:cNvGrpSpPr/>
+        <p:nvPr/>
+      </p:nvGrpSpPr>
+      <p:grpSpPr>
+        <a:xfrm>
+          <a:off x="0" y="0"/>
+          <a:ext cx="0" cy="0"/>
+          <a:chOff x="0" y="0"/>
+          <a:chExt cx="0" cy="0"/>
+        </a:xfrm>
+      </p:grpSpPr>
+      <p:sp>
+        <p:nvSpPr>
+          <p:cNvPr id="2" name="Slide Image Placeholder 1"/>
+          <p:cNvSpPr>
+            <a:spLocks noGrp="1" noRot="1" noChangeAspect="1"/>
+          </p:cNvSpPr>
+          <p:nvPr>
+            <p:ph type="sldImg"/>
+          </p:nvPr>
+        </p:nvSpPr>
+        <p:spPr/>
+      </p:sp>
+      <p:sp>
+        <p:nvSpPr>
+          <p:cNvPr id="3" name="Notes Placeholder 2"/>
+          <p:cNvSpPr>
+            <a:spLocks noGrp="1"/>
+          </p:cNvSpPr>
+          <p:nvPr>
+            <p:ph type="body" idx="1"/>
+          </p:nvPr>
+        </p:nvSpPr>
+        <p:spPr/>
+        <p:txBody>
+          <a:bodyPr/>
+          <a:lstStyle/>
+          <a:p>
+            <a:pPr marL="228600" indent="-228600">
+              <a:buAutoNum type="arabicPeriod"/>
+            </a:pPr>
+            <a:r>
+              <a:rPr lang="en-US" dirty="0"/>
+              <a:t>False!</a:t>
+            </a:r>
+          </a:p>
+          <a:p>
+            <a:pPr marL="228600" indent="-228600">
+              <a:buAutoNum type="arabicPeriod"/>
+            </a:pPr>
+            <a:r>
+              <a:rPr lang="en-US" dirty="0"/>
+              <a:t>Function, Formula, Function</a:t>
+            </a:r>
+          </a:p>
+          <a:p>
+            <a:pPr marL="228600" indent="-228600">
+              <a:buAutoNum type="arabicPeriod"/>
+            </a:pPr>
+            <a:r>
+              <a:rPr lang="en-US" dirty="0"/>
+              <a:t>Argument</a:t>
+            </a:r>
+          </a:p>
+        </p:txBody>
+      </p:sp>
+      <p:sp>
+        <p:nvSpPr>
+          <p:cNvPr id="4" name="Slide Number Placeholder 3"/>
+          <p:cNvSpPr>
+            <a:spLocks noGrp="1"/>
+          </p:cNvSpPr>
+          <p:nvPr>
+            <p:ph type="sldNum" sz="quarter" idx="5"/>
+          </p:nvPr>
+        </p:nvSpPr>
+        <p:spPr/>
+        <p:txBody>
+          <a:bodyPr/>
+          <a:lstStyle/>
+          <a:p>
+            <a:fld id="{1300335D-9F13-4B80-ADC5-B0EA3E10FF6B}" type="slidenum">
+              <a:rPr lang="en-US" smtClean="0"/>
+              <a:t>9</a:t>
+            </a:fld>
+            <a:endParaRPr lang="en-US"/>
+          </a:p>
+        </p:txBody>
+      </p:sp>
+    </p:spTree>
+    <p:extLst>
+      <p:ext uri="{BB962C8B-B14F-4D97-AF65-F5344CB8AC3E}">
+        <p14:creationId xmlns:p14="http://schemas.microsoft.com/office/powerpoint/2010/main" val="624549242"/>
+      </p:ext>
+    </p:extLst>
+  </p:cSld>
+  <p:clrMapOvr>
+    <a:masterClrMapping/>
+  </p:clrMapOvr>
+</p:notes>
+</file>
+
+<file path=ppt/notesSlides/notesSlide4.xml><?xml version="1.0" encoding="utf-8"?>
+<p:notes xmlns:a="http://schemas.openxmlformats.org/drawingml/2006/main" xmlns:r="http://schemas.openxmlformats.org/officeDocument/2006/relationships" xmlns:p="http://schemas.openxmlformats.org/presentationml/2006/main">
+  <p:cSld>
+    <p:spTree>
+      <p:nvGrpSpPr>
+        <p:cNvPr id="1" name="">
+          <a:extLst>
+            <a:ext uri="{FF2B5EF4-FFF2-40B4-BE49-F238E27FC236}">
               <a16:creationId xmlns:a16="http://schemas.microsoft.com/office/drawing/2014/main" id="{D1FD0B85-98DF-63EC-7C7D-B4D63483A913}"/>
             </a:ext>
           </a:extLst>
@@ -6791,7 +7056,7 @@
           <a:p>
             <a:fld id="{FFB500C5-13F7-48FC-8160-C29AECF6C602}" type="slidenum">
               <a:rPr lang="en-US" smtClean="0"/>
-              <a:t>8</a:t>
+              <a:t>10</a:t>
             </a:fld>
             <a:endParaRPr lang="en-US"/>
           </a:p>
@@ -6810,7 +7075,7 @@
 </p:notes>
 </file>
 
-<file path=ppt/notesSlides/notesSlide3.xml><?xml version="1.0" encoding="utf-8"?>
+<file path=ppt/notesSlides/notesSlide5.xml><?xml version="1.0" encoding="utf-8"?>
 <p:notes xmlns:a="http://schemas.openxmlformats.org/drawingml/2006/main" xmlns:r="http://schemas.openxmlformats.org/officeDocument/2006/relationships" xmlns:p="http://schemas.openxmlformats.org/presentationml/2006/main">
   <p:cSld>
     <p:spTree>
@@ -6854,31 +7119,46 @@
           <a:bodyPr/>
           <a:lstStyle/>
           <a:p>
-            <a:pPr marL="228600" indent="-228600">
-              <a:buAutoNum type="arabicPeriod"/>
-            </a:pPr>
             <a:r>
-              <a:rPr lang="en-US" dirty="0"/>
-              <a:t>False!</a:t>
+              <a:rPr lang="en-US" b="0" dirty="0"/>
+              <a:t>When I say audit your team’s data and automation skills, I mean really take stock of what you already have. Who knows Power Query? Who can write a bit of Python or create a simple flow in Power Automate? Before you chase shiny new AI tools, get a baseline of your current capabilities.</a:t>
             </a:r>
           </a:p>
           <a:p>
-            <a:pPr marL="228600" indent="-228600">
-              <a:buAutoNum type="arabicPeriod"/>
-            </a:pPr>
+            <a:endParaRPr lang="en-US" b="0" dirty="0"/>
+          </a:p>
+          <a:p>
             <a:r>
-              <a:rPr lang="en-US" dirty="0"/>
-              <a:t>Function, Formula, Function</a:t>
+              <a:rPr lang="en-US" b="0" dirty="0"/>
+              <a:t>Next, start small with Office Scripts and Power Automate. These are great low-risk ways to build repeatable logic and connect Excel to other systems. Once you understand how those pieces work, Agent Mode and Copilot will make a lot more sense.</a:t>
             </a:r>
           </a:p>
           <a:p>
-            <a:pPr marL="228600" indent="-228600">
-              <a:buAutoNum type="arabicPeriod"/>
-            </a:pPr>
+            <a:endParaRPr lang="en-US" b="0" dirty="0"/>
+          </a:p>
+          <a:p>
             <a:r>
-              <a:rPr lang="en-US" dirty="0"/>
-              <a:t>Argument</a:t>
+              <a:rPr lang="en-US" b="0" dirty="0"/>
+              <a:t>Then, experiment safely with Copilot and Agent Mode. Try them in sandboxed files or low-stakes tasks. Learn how they interpret prompts, where they struggle, and how they can support your workflows. The goal is to build trust with the tools before relying on them in production.</a:t>
             </a:r>
+          </a:p>
+          <a:p>
+            <a:r>
+              <a:rPr lang="en-US" b="0" dirty="0"/>
+              <a:t>From there, build a roadmap for AI adoption and governance. This is where system thinking comes in. Decide which processes to automate, who owns the workflows, and how you will review and audit results. This ensures the technology actually scales.</a:t>
+            </a:r>
+          </a:p>
+          <a:p>
+            <a:endParaRPr lang="en-US" b="0" dirty="0"/>
+          </a:p>
+          <a:p>
+            <a:r>
+              <a:rPr lang="en-US" b="0" dirty="0"/>
+              <a:t>Finally, book a discovery call to plan your next moves. Every organization is at a different stage with these tools, and having a plan makes all the difference. I can help you map the skills, systems, and priorities that will make this stack work for you.</a:t>
+            </a:r>
+          </a:p>
+          <a:p>
+            <a:endParaRPr lang="en-US" b="0" dirty="0"/>
           </a:p>
         </p:txBody>
       </p:sp>
@@ -6897,132 +7177,9 @@
           <a:bodyPr/>
           <a:lstStyle/>
           <a:p>
-            <a:fld id="{1300335D-9F13-4B80-ADC5-B0EA3E10FF6B}" type="slidenum">
-              <a:rPr lang="en-US" smtClean="0"/>
-              <a:t>9</a:t>
-            </a:fld>
-            <a:endParaRPr lang="en-US"/>
-          </a:p>
-        </p:txBody>
-      </p:sp>
-    </p:spTree>
-    <p:extLst>
-      <p:ext uri="{BB962C8B-B14F-4D97-AF65-F5344CB8AC3E}">
-        <p14:creationId xmlns:p14="http://schemas.microsoft.com/office/powerpoint/2010/main" val="624549242"/>
-      </p:ext>
-    </p:extLst>
-  </p:cSld>
-  <p:clrMapOvr>
-    <a:masterClrMapping/>
-  </p:clrMapOvr>
-</p:notes>
-</file>
-
-<file path=ppt/notesSlides/notesSlide4.xml><?xml version="1.0" encoding="utf-8"?>
-<p:notes xmlns:a="http://schemas.openxmlformats.org/drawingml/2006/main" xmlns:r="http://schemas.openxmlformats.org/officeDocument/2006/relationships" xmlns:p="http://schemas.openxmlformats.org/presentationml/2006/main">
-  <p:cSld>
-    <p:spTree>
-      <p:nvGrpSpPr>
-        <p:cNvPr id="1" name=""/>
-        <p:cNvGrpSpPr/>
-        <p:nvPr/>
-      </p:nvGrpSpPr>
-      <p:grpSpPr>
-        <a:xfrm>
-          <a:off x="0" y="0"/>
-          <a:ext cx="0" cy="0"/>
-          <a:chOff x="0" y="0"/>
-          <a:chExt cx="0" cy="0"/>
-        </a:xfrm>
-      </p:grpSpPr>
-      <p:sp>
-        <p:nvSpPr>
-          <p:cNvPr id="2" name="Slide Image Placeholder 1"/>
-          <p:cNvSpPr>
-            <a:spLocks noGrp="1" noRot="1" noChangeAspect="1"/>
-          </p:cNvSpPr>
-          <p:nvPr>
-            <p:ph type="sldImg"/>
-          </p:nvPr>
-        </p:nvSpPr>
-        <p:spPr/>
-      </p:sp>
-      <p:sp>
-        <p:nvSpPr>
-          <p:cNvPr id="3" name="Notes Placeholder 2"/>
-          <p:cNvSpPr>
-            <a:spLocks noGrp="1"/>
-          </p:cNvSpPr>
-          <p:nvPr>
-            <p:ph type="body" idx="1"/>
-          </p:nvPr>
-        </p:nvSpPr>
-        <p:spPr/>
-        <p:txBody>
-          <a:bodyPr/>
-          <a:lstStyle/>
-          <a:p>
-            <a:r>
-              <a:rPr lang="en-US" b="0" dirty="0"/>
-              <a:t>When I say audit your team’s data and automation skills, I mean really take stock of what you already have. Who knows Power Query? Who can write a bit of Python or create a simple flow in Power Automate? Before you chase shiny new AI tools, get a baseline of your current capabilities.</a:t>
-            </a:r>
-          </a:p>
-          <a:p>
-            <a:endParaRPr lang="en-US" b="0" dirty="0"/>
-          </a:p>
-          <a:p>
-            <a:r>
-              <a:rPr lang="en-US" b="0" dirty="0"/>
-              <a:t>Next, start small with Office Scripts and Power Automate. These are great low-risk ways to build repeatable logic and connect Excel to other systems. Once you understand how those pieces work, Agent Mode and Copilot will make a lot more sense.</a:t>
-            </a:r>
-          </a:p>
-          <a:p>
-            <a:endParaRPr lang="en-US" b="0" dirty="0"/>
-          </a:p>
-          <a:p>
-            <a:r>
-              <a:rPr lang="en-US" b="0" dirty="0"/>
-              <a:t>Then, experiment safely with Copilot and Agent Mode. Try them in sandboxed files or low-stakes tasks. Learn how they interpret prompts, where they struggle, and how they can support your workflows. The goal is to build trust with the tools before relying on them in production.</a:t>
-            </a:r>
-          </a:p>
-          <a:p>
-            <a:r>
-              <a:rPr lang="en-US" b="0" dirty="0"/>
-              <a:t>From there, build a roadmap for AI adoption and governance. This is where system thinking comes in. Decide which processes to automate, who owns the workflows, and how you will review and audit results. This ensures the technology actually scales.</a:t>
-            </a:r>
-          </a:p>
-          <a:p>
-            <a:endParaRPr lang="en-US" b="0" dirty="0"/>
-          </a:p>
-          <a:p>
-            <a:r>
-              <a:rPr lang="en-US" b="0" dirty="0"/>
-              <a:t>Finally, book a discovery call to plan your next moves. Every organization is at a different stage with these tools, and having a plan makes all the difference. I can help you map the skills, systems, and priorities that will make this stack work for you.</a:t>
-            </a:r>
-          </a:p>
-          <a:p>
-            <a:endParaRPr lang="en-US" b="0" dirty="0"/>
-          </a:p>
-        </p:txBody>
-      </p:sp>
-      <p:sp>
-        <p:nvSpPr>
-          <p:cNvPr id="4" name="Slide Number Placeholder 3"/>
-          <p:cNvSpPr>
-            <a:spLocks noGrp="1"/>
-          </p:cNvSpPr>
-          <p:nvPr>
-            <p:ph type="sldNum" sz="quarter" idx="5"/>
-          </p:nvPr>
-        </p:nvSpPr>
-        <p:spPr/>
-        <p:txBody>
-          <a:bodyPr/>
-          <a:lstStyle/>
-          <a:p>
             <a:fld id="{FFB500C5-13F7-48FC-8160-C29AECF6C602}" type="slidenum">
               <a:rPr lang="en-US" smtClean="0"/>
-              <a:t>11</a:t>
+              <a:t>12</a:t>
             </a:fld>
             <a:endParaRPr lang="en-US"/>
           </a:p>
@@ -7221,7 +7378,7 @@
             <a:fld id="{1D8BD707-D9CF-40AE-B4C6-C98DA3205C09}" type="datetimeFigureOut">
               <a:rPr lang="en-US" smtClean="0"/>
               <a:pPr/>
-              <a:t>10/22/2025</a:t>
+              <a:t>11/9/2025</a:t>
             </a:fld>
             <a:endParaRPr lang="en-US"/>
           </a:p>
@@ -7386,7 +7543,7 @@
             <a:fld id="{1D8BD707-D9CF-40AE-B4C6-C98DA3205C09}" type="datetimeFigureOut">
               <a:rPr lang="en-US" smtClean="0"/>
               <a:pPr/>
-              <a:t>10/22/2025</a:t>
+              <a:t>11/9/2025</a:t>
             </a:fld>
             <a:endParaRPr lang="en-US"/>
           </a:p>
@@ -7561,7 +7718,7 @@
             <a:fld id="{1D8BD707-D9CF-40AE-B4C6-C98DA3205C09}" type="datetimeFigureOut">
               <a:rPr lang="en-US" smtClean="0"/>
               <a:pPr/>
-              <a:t>10/22/2025</a:t>
+              <a:t>11/9/2025</a:t>
             </a:fld>
             <a:endParaRPr lang="en-US"/>
           </a:p>
@@ -7726,7 +7883,7 @@
             <a:fld id="{1D8BD707-D9CF-40AE-B4C6-C98DA3205C09}" type="datetimeFigureOut">
               <a:rPr lang="en-US" smtClean="0"/>
               <a:pPr/>
-              <a:t>10/22/2025</a:t>
+              <a:t>11/9/2025</a:t>
             </a:fld>
             <a:endParaRPr lang="en-US"/>
           </a:p>
@@ -7968,7 +8125,7 @@
             <a:fld id="{1D8BD707-D9CF-40AE-B4C6-C98DA3205C09}" type="datetimeFigureOut">
               <a:rPr lang="en-US" smtClean="0"/>
               <a:pPr/>
-              <a:t>10/22/2025</a:t>
+              <a:t>11/9/2025</a:t>
             </a:fld>
             <a:endParaRPr lang="en-US"/>
           </a:p>
@@ -8250,7 +8407,7 @@
             <a:fld id="{1D8BD707-D9CF-40AE-B4C6-C98DA3205C09}" type="datetimeFigureOut">
               <a:rPr lang="en-US" smtClean="0"/>
               <a:pPr/>
-              <a:t>10/22/2025</a:t>
+              <a:t>11/9/2025</a:t>
             </a:fld>
             <a:endParaRPr lang="en-US"/>
           </a:p>
@@ -8666,7 +8823,7 @@
             <a:fld id="{1D8BD707-D9CF-40AE-B4C6-C98DA3205C09}" type="datetimeFigureOut">
               <a:rPr lang="en-US" smtClean="0"/>
               <a:pPr/>
-              <a:t>10/22/2025</a:t>
+              <a:t>11/9/2025</a:t>
             </a:fld>
             <a:endParaRPr lang="en-US"/>
           </a:p>
@@ -8780,7 +8937,7 @@
             <a:fld id="{1D8BD707-D9CF-40AE-B4C6-C98DA3205C09}" type="datetimeFigureOut">
               <a:rPr lang="en-US" smtClean="0"/>
               <a:pPr/>
-              <a:t>10/22/2025</a:t>
+              <a:t>11/9/2025</a:t>
             </a:fld>
             <a:endParaRPr lang="en-US"/>
           </a:p>
@@ -8872,7 +9029,7 @@
             <a:fld id="{1D8BD707-D9CF-40AE-B4C6-C98DA3205C09}" type="datetimeFigureOut">
               <a:rPr lang="en-US" smtClean="0"/>
               <a:pPr/>
-              <a:t>10/22/2025</a:t>
+              <a:t>11/9/2025</a:t>
             </a:fld>
             <a:endParaRPr lang="en-US"/>
           </a:p>
@@ -9144,7 +9301,7 @@
             <a:fld id="{1D8BD707-D9CF-40AE-B4C6-C98DA3205C09}" type="datetimeFigureOut">
               <a:rPr lang="en-US" smtClean="0"/>
               <a:pPr/>
-              <a:t>10/22/2025</a:t>
+              <a:t>11/9/2025</a:t>
             </a:fld>
             <a:endParaRPr lang="en-US"/>
           </a:p>
@@ -9393,7 +9550,7 @@
             <a:fld id="{1D8BD707-D9CF-40AE-B4C6-C98DA3205C09}" type="datetimeFigureOut">
               <a:rPr lang="en-US" smtClean="0"/>
               <a:pPr/>
-              <a:t>10/22/2025</a:t>
+              <a:t>11/9/2025</a:t>
             </a:fld>
             <a:endParaRPr lang="en-US"/>
           </a:p>
@@ -9606,7 +9763,7 @@
             <a:fld id="{1D8BD707-D9CF-40AE-B4C6-C98DA3205C09}" type="datetimeFigureOut">
               <a:rPr lang="en-US" smtClean="0"/>
               <a:pPr/>
-              <a:t>10/22/2025</a:t>
+              <a:t>11/9/2025</a:t>
             </a:fld>
             <a:endParaRPr lang="en-US"/>
           </a:p>
@@ -10136,6 +10293,1192 @@
         <p:cNvPr id="1" name="">
           <a:extLst>
             <a:ext uri="{FF2B5EF4-FFF2-40B4-BE49-F238E27FC236}">
+              <a16:creationId xmlns:a16="http://schemas.microsoft.com/office/drawing/2014/main" id="{F0AED226-3DBA-DD93-9D88-2CA1C2D33524}"/>
+            </a:ext>
+          </a:extLst>
+        </p:cNvPr>
+        <p:cNvGrpSpPr/>
+        <p:nvPr/>
+      </p:nvGrpSpPr>
+      <p:grpSpPr>
+        <a:xfrm>
+          <a:off x="0" y="0"/>
+          <a:ext cx="0" cy="0"/>
+          <a:chOff x="0" y="0"/>
+          <a:chExt cx="0" cy="0"/>
+        </a:xfrm>
+      </p:grpSpPr>
+      <p:sp>
+        <p:nvSpPr>
+          <p:cNvPr id="11" name="TextBox 10">
+            <a:extLst>
+              <a:ext uri="{FF2B5EF4-FFF2-40B4-BE49-F238E27FC236}">
+                <a16:creationId xmlns:a16="http://schemas.microsoft.com/office/drawing/2014/main" id="{F332240B-0B1D-9B77-F127-B2E40BB848A9}"/>
+              </a:ext>
+            </a:extLst>
+          </p:cNvPr>
+          <p:cNvSpPr txBox="1"/>
+          <p:nvPr/>
+        </p:nvSpPr>
+        <p:spPr>
+          <a:xfrm>
+            <a:off x="520861" y="170082"/>
+            <a:ext cx="16395539" cy="1200329"/>
+          </a:xfrm>
+          <a:prstGeom prst="rect">
+            <a:avLst/>
+          </a:prstGeom>
+          <a:noFill/>
+        </p:spPr>
+        <p:txBody>
+          <a:bodyPr wrap="square" rtlCol="0">
+            <a:spAutoFit/>
+          </a:bodyPr>
+          <a:lstStyle/>
+          <a:p>
+            <a:r>
+              <a:rPr lang="en-US" sz="7200" dirty="0">
+                <a:latin typeface="Aliens &amp; cows" panose="00000500000000000000" pitchFamily="2" charset="0"/>
+              </a:rPr>
+              <a:t>The emerging Excel AI stack</a:t>
+            </a:r>
+          </a:p>
+        </p:txBody>
+      </p:sp>
+      <p:pic>
+        <p:nvPicPr>
+          <p:cNvPr id="15" name="Picture 14" descr="A close up of a sign&#10;&#10;Description automatically generated">
+            <a:extLst>
+              <a:ext uri="{FF2B5EF4-FFF2-40B4-BE49-F238E27FC236}">
+                <a16:creationId xmlns:a16="http://schemas.microsoft.com/office/drawing/2014/main" id="{96AAE559-64C9-151C-D64A-C0AEFC85B0F7}"/>
+              </a:ext>
+            </a:extLst>
+          </p:cNvPr>
+          <p:cNvPicPr>
+            <a:picLocks noChangeAspect="1"/>
+          </p:cNvPicPr>
+          <p:nvPr/>
+        </p:nvPicPr>
+        <p:blipFill>
+          <a:blip r:embed="rId3">
+            <a:extLst>
+              <a:ext uri="{28A0092B-C50C-407E-A947-70E740481C1C}">
+                <a14:useLocalDpi xmlns:a14="http://schemas.microsoft.com/office/drawing/2010/main" val="0"/>
+              </a:ext>
+            </a:extLst>
+          </a:blip>
+          <a:stretch>
+            <a:fillRect/>
+          </a:stretch>
+        </p:blipFill>
+        <p:spPr>
+          <a:xfrm>
+            <a:off x="16341036" y="8058429"/>
+            <a:ext cx="1942857" cy="2228571"/>
+          </a:xfrm>
+          <a:prstGeom prst="rect">
+            <a:avLst/>
+          </a:prstGeom>
+        </p:spPr>
+      </p:pic>
+      <p:graphicFrame>
+        <p:nvGraphicFramePr>
+          <p:cNvPr id="5" name="Table 4">
+            <a:extLst>
+              <a:ext uri="{FF2B5EF4-FFF2-40B4-BE49-F238E27FC236}">
+                <a16:creationId xmlns:a16="http://schemas.microsoft.com/office/drawing/2014/main" id="{8F07E63D-491A-A37D-4C16-7341759B6F62}"/>
+              </a:ext>
+            </a:extLst>
+          </p:cNvPr>
+          <p:cNvGraphicFramePr>
+            <a:graphicFrameLocks noGrp="1"/>
+          </p:cNvGraphicFramePr>
+          <p:nvPr>
+            <p:extLst>
+              <p:ext uri="{D42A27DB-BD31-4B8C-83A1-F6EECF244321}">
+                <p14:modId xmlns:p14="http://schemas.microsoft.com/office/powerpoint/2010/main" val="1898181012"/>
+              </p:ext>
+            </p:extLst>
+          </p:nvPr>
+        </p:nvGraphicFramePr>
+        <p:xfrm>
+          <a:off x="457200" y="2080100"/>
+          <a:ext cx="15697200" cy="7178199"/>
+        </p:xfrm>
+        <a:graphic>
+          <a:graphicData uri="http://schemas.openxmlformats.org/drawingml/2006/table">
+            <a:tbl>
+              <a:tblPr/>
+              <a:tblGrid>
+                <a:gridCol w="5232400">
+                  <a:extLst>
+                    <a:ext uri="{9D8B030D-6E8A-4147-A177-3AD203B41FA5}">
+                      <a16:colId xmlns:a16="http://schemas.microsoft.com/office/drawing/2014/main" val="2728257828"/>
+                    </a:ext>
+                  </a:extLst>
+                </a:gridCol>
+                <a:gridCol w="5232400">
+                  <a:extLst>
+                    <a:ext uri="{9D8B030D-6E8A-4147-A177-3AD203B41FA5}">
+                      <a16:colId xmlns:a16="http://schemas.microsoft.com/office/drawing/2014/main" val="2961374483"/>
+                    </a:ext>
+                  </a:extLst>
+                </a:gridCol>
+                <a:gridCol w="5232400">
+                  <a:extLst>
+                    <a:ext uri="{9D8B030D-6E8A-4147-A177-3AD203B41FA5}">
+                      <a16:colId xmlns:a16="http://schemas.microsoft.com/office/drawing/2014/main" val="1198047383"/>
+                    </a:ext>
+                  </a:extLst>
+                </a:gridCol>
+              </a:tblGrid>
+              <a:tr h="703019">
+                <a:tc>
+                  <a:txBody>
+                    <a:bodyPr/>
+                    <a:lstStyle/>
+                    <a:p>
+                      <a:pPr>
+                        <a:buNone/>
+                      </a:pPr>
+                      <a:r>
+                        <a:rPr lang="en-US" sz="3200" b="1"/>
+                        <a:t>Stage</a:t>
+                      </a:r>
+                      <a:endParaRPr lang="en-US" sz="3200"/>
+                    </a:p>
+                  </a:txBody>
+                  <a:tcPr anchor="ctr">
+                    <a:lnL w="12700" cap="flat" cmpd="sng" algn="ctr">
+                      <a:solidFill>
+                        <a:schemeClr val="tx1"/>
+                      </a:solidFill>
+                      <a:prstDash val="solid"/>
+                      <a:round/>
+                      <a:headEnd type="none" w="med" len="med"/>
+                      <a:tailEnd type="none" w="med" len="med"/>
+                    </a:lnL>
+                    <a:lnR w="12700" cap="flat" cmpd="sng" algn="ctr">
+                      <a:solidFill>
+                        <a:schemeClr val="tx1"/>
+                      </a:solidFill>
+                      <a:prstDash val="solid"/>
+                      <a:round/>
+                      <a:headEnd type="none" w="med" len="med"/>
+                      <a:tailEnd type="none" w="med" len="med"/>
+                    </a:lnR>
+                    <a:lnT w="12700" cap="flat" cmpd="sng" algn="ctr">
+                      <a:solidFill>
+                        <a:schemeClr val="tx1"/>
+                      </a:solidFill>
+                      <a:prstDash val="solid"/>
+                      <a:round/>
+                      <a:headEnd type="none" w="med" len="med"/>
+                      <a:tailEnd type="none" w="med" len="med"/>
+                    </a:lnT>
+                    <a:lnB w="12700" cap="flat" cmpd="sng" algn="ctr">
+                      <a:solidFill>
+                        <a:schemeClr val="tx1"/>
+                      </a:solidFill>
+                      <a:prstDash val="solid"/>
+                      <a:round/>
+                      <a:headEnd type="none" w="med" len="med"/>
+                      <a:tailEnd type="none" w="med" len="med"/>
+                    </a:lnB>
+                    <a:noFill/>
+                  </a:tcPr>
+                </a:tc>
+                <a:tc>
+                  <a:txBody>
+                    <a:bodyPr/>
+                    <a:lstStyle/>
+                    <a:p>
+                      <a:pPr>
+                        <a:buNone/>
+                      </a:pPr>
+                      <a:r>
+                        <a:rPr lang="en-US" sz="3200" b="1"/>
+                        <a:t>Purpose</a:t>
+                      </a:r>
+                      <a:endParaRPr lang="en-US" sz="3200"/>
+                    </a:p>
+                  </a:txBody>
+                  <a:tcPr anchor="ctr">
+                    <a:lnL w="12700" cap="flat" cmpd="sng" algn="ctr">
+                      <a:solidFill>
+                        <a:schemeClr val="tx1"/>
+                      </a:solidFill>
+                      <a:prstDash val="solid"/>
+                      <a:round/>
+                      <a:headEnd type="none" w="med" len="med"/>
+                      <a:tailEnd type="none" w="med" len="med"/>
+                    </a:lnL>
+                    <a:lnR w="12700" cap="flat" cmpd="sng" algn="ctr">
+                      <a:solidFill>
+                        <a:schemeClr val="tx1"/>
+                      </a:solidFill>
+                      <a:prstDash val="solid"/>
+                      <a:round/>
+                      <a:headEnd type="none" w="med" len="med"/>
+                      <a:tailEnd type="none" w="med" len="med"/>
+                    </a:lnR>
+                    <a:lnT w="12700" cap="flat" cmpd="sng" algn="ctr">
+                      <a:solidFill>
+                        <a:schemeClr val="tx1"/>
+                      </a:solidFill>
+                      <a:prstDash val="solid"/>
+                      <a:round/>
+                      <a:headEnd type="none" w="med" len="med"/>
+                      <a:tailEnd type="none" w="med" len="med"/>
+                    </a:lnT>
+                    <a:lnB w="12700" cap="flat" cmpd="sng" algn="ctr">
+                      <a:solidFill>
+                        <a:schemeClr val="tx1"/>
+                      </a:solidFill>
+                      <a:prstDash val="solid"/>
+                      <a:round/>
+                      <a:headEnd type="none" w="med" len="med"/>
+                      <a:tailEnd type="none" w="med" len="med"/>
+                    </a:lnB>
+                    <a:noFill/>
+                  </a:tcPr>
+                </a:tc>
+                <a:tc>
+                  <a:txBody>
+                    <a:bodyPr/>
+                    <a:lstStyle/>
+                    <a:p>
+                      <a:pPr>
+                        <a:buNone/>
+                      </a:pPr>
+                      <a:r>
+                        <a:rPr lang="en-US" sz="3200" b="1"/>
+                        <a:t>Tools</a:t>
+                      </a:r>
+                      <a:endParaRPr lang="en-US" sz="3200"/>
+                    </a:p>
+                  </a:txBody>
+                  <a:tcPr anchor="ctr">
+                    <a:lnL w="12700" cap="flat" cmpd="sng" algn="ctr">
+                      <a:solidFill>
+                        <a:schemeClr val="tx1"/>
+                      </a:solidFill>
+                      <a:prstDash val="solid"/>
+                      <a:round/>
+                      <a:headEnd type="none" w="med" len="med"/>
+                      <a:tailEnd type="none" w="med" len="med"/>
+                    </a:lnL>
+                    <a:lnR w="12700" cap="flat" cmpd="sng" algn="ctr">
+                      <a:solidFill>
+                        <a:schemeClr val="tx1"/>
+                      </a:solidFill>
+                      <a:prstDash val="solid"/>
+                      <a:round/>
+                      <a:headEnd type="none" w="med" len="med"/>
+                      <a:tailEnd type="none" w="med" len="med"/>
+                    </a:lnR>
+                    <a:lnT w="12700" cap="flat" cmpd="sng" algn="ctr">
+                      <a:solidFill>
+                        <a:schemeClr val="tx1"/>
+                      </a:solidFill>
+                      <a:prstDash val="solid"/>
+                      <a:round/>
+                      <a:headEnd type="none" w="med" len="med"/>
+                      <a:tailEnd type="none" w="med" len="med"/>
+                    </a:lnT>
+                    <a:lnB w="12700" cap="flat" cmpd="sng" algn="ctr">
+                      <a:solidFill>
+                        <a:schemeClr val="tx1"/>
+                      </a:solidFill>
+                      <a:prstDash val="solid"/>
+                      <a:round/>
+                      <a:headEnd type="none" w="med" len="med"/>
+                      <a:tailEnd type="none" w="med" len="med"/>
+                    </a:lnB>
+                    <a:noFill/>
+                  </a:tcPr>
+                </a:tc>
+                <a:extLst>
+                  <a:ext uri="{0D108BD9-81ED-4DB2-BD59-A6C34878D82A}">
+                    <a16:rowId xmlns:a16="http://schemas.microsoft.com/office/drawing/2014/main" val="4207581723"/>
+                  </a:ext>
+                </a:extLst>
+              </a:tr>
+              <a:tr h="1295036">
+                <a:tc>
+                  <a:txBody>
+                    <a:bodyPr/>
+                    <a:lstStyle/>
+                    <a:p>
+                      <a:pPr>
+                        <a:buNone/>
+                      </a:pPr>
+                      <a:r>
+                        <a:rPr lang="en-US" sz="3200" b="1"/>
+                        <a:t>1. Data Foundation</a:t>
+                      </a:r>
+                      <a:endParaRPr lang="en-US" sz="3200"/>
+                    </a:p>
+                  </a:txBody>
+                  <a:tcPr anchor="ctr">
+                    <a:lnL w="12700" cap="flat" cmpd="sng" algn="ctr">
+                      <a:solidFill>
+                        <a:schemeClr val="tx1"/>
+                      </a:solidFill>
+                      <a:prstDash val="solid"/>
+                      <a:round/>
+                      <a:headEnd type="none" w="med" len="med"/>
+                      <a:tailEnd type="none" w="med" len="med"/>
+                    </a:lnL>
+                    <a:lnR w="12700" cap="flat" cmpd="sng" algn="ctr">
+                      <a:solidFill>
+                        <a:schemeClr val="tx1"/>
+                      </a:solidFill>
+                      <a:prstDash val="solid"/>
+                      <a:round/>
+                      <a:headEnd type="none" w="med" len="med"/>
+                      <a:tailEnd type="none" w="med" len="med"/>
+                    </a:lnR>
+                    <a:lnT w="12700" cap="flat" cmpd="sng" algn="ctr">
+                      <a:solidFill>
+                        <a:schemeClr val="tx1"/>
+                      </a:solidFill>
+                      <a:prstDash val="solid"/>
+                      <a:round/>
+                      <a:headEnd type="none" w="med" len="med"/>
+                      <a:tailEnd type="none" w="med" len="med"/>
+                    </a:lnT>
+                    <a:lnB w="12700" cap="flat" cmpd="sng" algn="ctr">
+                      <a:solidFill>
+                        <a:schemeClr val="tx1"/>
+                      </a:solidFill>
+                      <a:prstDash val="solid"/>
+                      <a:round/>
+                      <a:headEnd type="none" w="med" len="med"/>
+                      <a:tailEnd type="none" w="med" len="med"/>
+                    </a:lnB>
+                    <a:noFill/>
+                  </a:tcPr>
+                </a:tc>
+                <a:tc>
+                  <a:txBody>
+                    <a:bodyPr/>
+                    <a:lstStyle/>
+                    <a:p>
+                      <a:pPr>
+                        <a:buNone/>
+                      </a:pPr>
+                      <a:r>
+                        <a:rPr lang="en-US" sz="3200"/>
+                        <a:t>Store, structure, and retrieve data</a:t>
+                      </a:r>
+                    </a:p>
+                  </a:txBody>
+                  <a:tcPr anchor="ctr">
+                    <a:lnL w="12700" cap="flat" cmpd="sng" algn="ctr">
+                      <a:solidFill>
+                        <a:schemeClr val="tx1"/>
+                      </a:solidFill>
+                      <a:prstDash val="solid"/>
+                      <a:round/>
+                      <a:headEnd type="none" w="med" len="med"/>
+                      <a:tailEnd type="none" w="med" len="med"/>
+                    </a:lnL>
+                    <a:lnR w="12700" cap="flat" cmpd="sng" algn="ctr">
+                      <a:solidFill>
+                        <a:schemeClr val="tx1"/>
+                      </a:solidFill>
+                      <a:prstDash val="solid"/>
+                      <a:round/>
+                      <a:headEnd type="none" w="med" len="med"/>
+                      <a:tailEnd type="none" w="med" len="med"/>
+                    </a:lnR>
+                    <a:lnT w="12700" cap="flat" cmpd="sng" algn="ctr">
+                      <a:solidFill>
+                        <a:schemeClr val="tx1"/>
+                      </a:solidFill>
+                      <a:prstDash val="solid"/>
+                      <a:round/>
+                      <a:headEnd type="none" w="med" len="med"/>
+                      <a:tailEnd type="none" w="med" len="med"/>
+                    </a:lnT>
+                    <a:lnB w="12700" cap="flat" cmpd="sng" algn="ctr">
+                      <a:solidFill>
+                        <a:schemeClr val="tx1"/>
+                      </a:solidFill>
+                      <a:prstDash val="solid"/>
+                      <a:round/>
+                      <a:headEnd type="none" w="med" len="med"/>
+                      <a:tailEnd type="none" w="med" len="med"/>
+                    </a:lnB>
+                    <a:noFill/>
+                  </a:tcPr>
+                </a:tc>
+                <a:tc>
+                  <a:txBody>
+                    <a:bodyPr/>
+                    <a:lstStyle/>
+                    <a:p>
+                      <a:pPr>
+                        <a:buNone/>
+                      </a:pPr>
+                      <a:r>
+                        <a:rPr lang="en-US" sz="3200"/>
+                        <a:t>Power BI, Dataverse</a:t>
+                      </a:r>
+                    </a:p>
+                  </a:txBody>
+                  <a:tcPr anchor="ctr">
+                    <a:lnL w="12700" cap="flat" cmpd="sng" algn="ctr">
+                      <a:solidFill>
+                        <a:schemeClr val="tx1"/>
+                      </a:solidFill>
+                      <a:prstDash val="solid"/>
+                      <a:round/>
+                      <a:headEnd type="none" w="med" len="med"/>
+                      <a:tailEnd type="none" w="med" len="med"/>
+                    </a:lnL>
+                    <a:lnR w="12700" cap="flat" cmpd="sng" algn="ctr">
+                      <a:solidFill>
+                        <a:schemeClr val="tx1"/>
+                      </a:solidFill>
+                      <a:prstDash val="solid"/>
+                      <a:round/>
+                      <a:headEnd type="none" w="med" len="med"/>
+                      <a:tailEnd type="none" w="med" len="med"/>
+                    </a:lnR>
+                    <a:lnT w="12700" cap="flat" cmpd="sng" algn="ctr">
+                      <a:solidFill>
+                        <a:schemeClr val="tx1"/>
+                      </a:solidFill>
+                      <a:prstDash val="solid"/>
+                      <a:round/>
+                      <a:headEnd type="none" w="med" len="med"/>
+                      <a:tailEnd type="none" w="med" len="med"/>
+                    </a:lnT>
+                    <a:lnB w="12700" cap="flat" cmpd="sng" algn="ctr">
+                      <a:solidFill>
+                        <a:schemeClr val="tx1"/>
+                      </a:solidFill>
+                      <a:prstDash val="solid"/>
+                      <a:round/>
+                      <a:headEnd type="none" w="med" len="med"/>
+                      <a:tailEnd type="none" w="med" len="med"/>
+                    </a:lnB>
+                    <a:noFill/>
+                  </a:tcPr>
+                </a:tc>
+                <a:extLst>
+                  <a:ext uri="{0D108BD9-81ED-4DB2-BD59-A6C34878D82A}">
+                    <a16:rowId xmlns:a16="http://schemas.microsoft.com/office/drawing/2014/main" val="3297406007"/>
+                  </a:ext>
+                </a:extLst>
+              </a:tr>
+              <a:tr h="1295036">
+                <a:tc>
+                  <a:txBody>
+                    <a:bodyPr/>
+                    <a:lstStyle/>
+                    <a:p>
+                      <a:pPr>
+                        <a:buNone/>
+                      </a:pPr>
+                      <a:r>
+                        <a:rPr lang="en-US" sz="3200" b="1"/>
+                        <a:t>2. Data Preparation</a:t>
+                      </a:r>
+                      <a:endParaRPr lang="en-US" sz="3200"/>
+                    </a:p>
+                  </a:txBody>
+                  <a:tcPr anchor="ctr">
+                    <a:lnL w="12700" cap="flat" cmpd="sng" algn="ctr">
+                      <a:solidFill>
+                        <a:schemeClr val="tx1"/>
+                      </a:solidFill>
+                      <a:prstDash val="solid"/>
+                      <a:round/>
+                      <a:headEnd type="none" w="med" len="med"/>
+                      <a:tailEnd type="none" w="med" len="med"/>
+                    </a:lnL>
+                    <a:lnR w="12700" cap="flat" cmpd="sng" algn="ctr">
+                      <a:solidFill>
+                        <a:schemeClr val="tx1"/>
+                      </a:solidFill>
+                      <a:prstDash val="solid"/>
+                      <a:round/>
+                      <a:headEnd type="none" w="med" len="med"/>
+                      <a:tailEnd type="none" w="med" len="med"/>
+                    </a:lnR>
+                    <a:lnT w="12700" cap="flat" cmpd="sng" algn="ctr">
+                      <a:solidFill>
+                        <a:schemeClr val="tx1"/>
+                      </a:solidFill>
+                      <a:prstDash val="solid"/>
+                      <a:round/>
+                      <a:headEnd type="none" w="med" len="med"/>
+                      <a:tailEnd type="none" w="med" len="med"/>
+                    </a:lnT>
+                    <a:lnB w="12700" cap="flat" cmpd="sng" algn="ctr">
+                      <a:solidFill>
+                        <a:schemeClr val="tx1"/>
+                      </a:solidFill>
+                      <a:prstDash val="solid"/>
+                      <a:round/>
+                      <a:headEnd type="none" w="med" len="med"/>
+                      <a:tailEnd type="none" w="med" len="med"/>
+                    </a:lnB>
+                    <a:noFill/>
+                  </a:tcPr>
+                </a:tc>
+                <a:tc>
+                  <a:txBody>
+                    <a:bodyPr/>
+                    <a:lstStyle/>
+                    <a:p>
+                      <a:pPr>
+                        <a:buNone/>
+                      </a:pPr>
+                      <a:r>
+                        <a:rPr lang="en-US" sz="3200"/>
+                        <a:t>Clean, shape, and combine data</a:t>
+                      </a:r>
+                    </a:p>
+                  </a:txBody>
+                  <a:tcPr anchor="ctr">
+                    <a:lnL w="12700" cap="flat" cmpd="sng" algn="ctr">
+                      <a:solidFill>
+                        <a:schemeClr val="tx1"/>
+                      </a:solidFill>
+                      <a:prstDash val="solid"/>
+                      <a:round/>
+                      <a:headEnd type="none" w="med" len="med"/>
+                      <a:tailEnd type="none" w="med" len="med"/>
+                    </a:lnL>
+                    <a:lnR w="12700" cap="flat" cmpd="sng" algn="ctr">
+                      <a:solidFill>
+                        <a:schemeClr val="tx1"/>
+                      </a:solidFill>
+                      <a:prstDash val="solid"/>
+                      <a:round/>
+                      <a:headEnd type="none" w="med" len="med"/>
+                      <a:tailEnd type="none" w="med" len="med"/>
+                    </a:lnR>
+                    <a:lnT w="12700" cap="flat" cmpd="sng" algn="ctr">
+                      <a:solidFill>
+                        <a:schemeClr val="tx1"/>
+                      </a:solidFill>
+                      <a:prstDash val="solid"/>
+                      <a:round/>
+                      <a:headEnd type="none" w="med" len="med"/>
+                      <a:tailEnd type="none" w="med" len="med"/>
+                    </a:lnT>
+                    <a:lnB w="12700" cap="flat" cmpd="sng" algn="ctr">
+                      <a:solidFill>
+                        <a:schemeClr val="tx1"/>
+                      </a:solidFill>
+                      <a:prstDash val="solid"/>
+                      <a:round/>
+                      <a:headEnd type="none" w="med" len="med"/>
+                      <a:tailEnd type="none" w="med" len="med"/>
+                    </a:lnB>
+                    <a:noFill/>
+                  </a:tcPr>
+                </a:tc>
+                <a:tc>
+                  <a:txBody>
+                    <a:bodyPr/>
+                    <a:lstStyle/>
+                    <a:p>
+                      <a:pPr>
+                        <a:buNone/>
+                      </a:pPr>
+                      <a:r>
+                        <a:rPr lang="en-US" sz="3200" dirty="0"/>
+                        <a:t>Power Query/Dataflows</a:t>
+                      </a:r>
+                    </a:p>
+                  </a:txBody>
+                  <a:tcPr anchor="ctr">
+                    <a:lnL w="12700" cap="flat" cmpd="sng" algn="ctr">
+                      <a:solidFill>
+                        <a:schemeClr val="tx1"/>
+                      </a:solidFill>
+                      <a:prstDash val="solid"/>
+                      <a:round/>
+                      <a:headEnd type="none" w="med" len="med"/>
+                      <a:tailEnd type="none" w="med" len="med"/>
+                    </a:lnL>
+                    <a:lnR w="12700" cap="flat" cmpd="sng" algn="ctr">
+                      <a:solidFill>
+                        <a:schemeClr val="tx1"/>
+                      </a:solidFill>
+                      <a:prstDash val="solid"/>
+                      <a:round/>
+                      <a:headEnd type="none" w="med" len="med"/>
+                      <a:tailEnd type="none" w="med" len="med"/>
+                    </a:lnR>
+                    <a:lnT w="12700" cap="flat" cmpd="sng" algn="ctr">
+                      <a:solidFill>
+                        <a:schemeClr val="tx1"/>
+                      </a:solidFill>
+                      <a:prstDash val="solid"/>
+                      <a:round/>
+                      <a:headEnd type="none" w="med" len="med"/>
+                      <a:tailEnd type="none" w="med" len="med"/>
+                    </a:lnT>
+                    <a:lnB w="12700" cap="flat" cmpd="sng" algn="ctr">
+                      <a:solidFill>
+                        <a:schemeClr val="tx1"/>
+                      </a:solidFill>
+                      <a:prstDash val="solid"/>
+                      <a:round/>
+                      <a:headEnd type="none" w="med" len="med"/>
+                      <a:tailEnd type="none" w="med" len="med"/>
+                    </a:lnB>
+                    <a:noFill/>
+                  </a:tcPr>
+                </a:tc>
+                <a:extLst>
+                  <a:ext uri="{0D108BD9-81ED-4DB2-BD59-A6C34878D82A}">
+                    <a16:rowId xmlns:a16="http://schemas.microsoft.com/office/drawing/2014/main" val="616296996"/>
+                  </a:ext>
+                </a:extLst>
+              </a:tr>
+              <a:tr h="1295036">
+                <a:tc>
+                  <a:txBody>
+                    <a:bodyPr/>
+                    <a:lstStyle/>
+                    <a:p>
+                      <a:pPr>
+                        <a:buNone/>
+                      </a:pPr>
+                      <a:r>
+                        <a:rPr lang="en-US" sz="3200" b="1" dirty="0"/>
+                        <a:t>3. Analysis &amp; Intelligence</a:t>
+                      </a:r>
+                      <a:endParaRPr lang="en-US" sz="3200" dirty="0"/>
+                    </a:p>
+                  </a:txBody>
+                  <a:tcPr anchor="ctr">
+                    <a:lnL w="12700" cap="flat" cmpd="sng" algn="ctr">
+                      <a:solidFill>
+                        <a:schemeClr val="tx1"/>
+                      </a:solidFill>
+                      <a:prstDash val="solid"/>
+                      <a:round/>
+                      <a:headEnd type="none" w="med" len="med"/>
+                      <a:tailEnd type="none" w="med" len="med"/>
+                    </a:lnL>
+                    <a:lnR w="12700" cap="flat" cmpd="sng" algn="ctr">
+                      <a:solidFill>
+                        <a:schemeClr val="tx1"/>
+                      </a:solidFill>
+                      <a:prstDash val="solid"/>
+                      <a:round/>
+                      <a:headEnd type="none" w="med" len="med"/>
+                      <a:tailEnd type="none" w="med" len="med"/>
+                    </a:lnR>
+                    <a:lnT w="12700" cap="flat" cmpd="sng" algn="ctr">
+                      <a:solidFill>
+                        <a:schemeClr val="tx1"/>
+                      </a:solidFill>
+                      <a:prstDash val="solid"/>
+                      <a:round/>
+                      <a:headEnd type="none" w="med" len="med"/>
+                      <a:tailEnd type="none" w="med" len="med"/>
+                    </a:lnT>
+                    <a:lnB w="12700" cap="flat" cmpd="sng" algn="ctr">
+                      <a:solidFill>
+                        <a:schemeClr val="tx1"/>
+                      </a:solidFill>
+                      <a:prstDash val="solid"/>
+                      <a:round/>
+                      <a:headEnd type="none" w="med" len="med"/>
+                      <a:tailEnd type="none" w="med" len="med"/>
+                    </a:lnB>
+                    <a:noFill/>
+                  </a:tcPr>
+                </a:tc>
+                <a:tc>
+                  <a:txBody>
+                    <a:bodyPr/>
+                    <a:lstStyle/>
+                    <a:p>
+                      <a:pPr>
+                        <a:buNone/>
+                      </a:pPr>
+                      <a:r>
+                        <a:rPr lang="en-US" sz="3200" dirty="0"/>
+                        <a:t>Explore data and get insights</a:t>
+                      </a:r>
+                    </a:p>
+                  </a:txBody>
+                  <a:tcPr anchor="ctr">
+                    <a:lnL w="12700" cap="flat" cmpd="sng" algn="ctr">
+                      <a:solidFill>
+                        <a:schemeClr val="tx1"/>
+                      </a:solidFill>
+                      <a:prstDash val="solid"/>
+                      <a:round/>
+                      <a:headEnd type="none" w="med" len="med"/>
+                      <a:tailEnd type="none" w="med" len="med"/>
+                    </a:lnL>
+                    <a:lnR w="12700" cap="flat" cmpd="sng" algn="ctr">
+                      <a:solidFill>
+                        <a:schemeClr val="tx1"/>
+                      </a:solidFill>
+                      <a:prstDash val="solid"/>
+                      <a:round/>
+                      <a:headEnd type="none" w="med" len="med"/>
+                      <a:tailEnd type="none" w="med" len="med"/>
+                    </a:lnR>
+                    <a:lnT w="12700" cap="flat" cmpd="sng" algn="ctr">
+                      <a:solidFill>
+                        <a:schemeClr val="tx1"/>
+                      </a:solidFill>
+                      <a:prstDash val="solid"/>
+                      <a:round/>
+                      <a:headEnd type="none" w="med" len="med"/>
+                      <a:tailEnd type="none" w="med" len="med"/>
+                    </a:lnT>
+                    <a:lnB w="12700" cap="flat" cmpd="sng" algn="ctr">
+                      <a:solidFill>
+                        <a:schemeClr val="tx1"/>
+                      </a:solidFill>
+                      <a:prstDash val="solid"/>
+                      <a:round/>
+                      <a:headEnd type="none" w="med" len="med"/>
+                      <a:tailEnd type="none" w="med" len="med"/>
+                    </a:lnB>
+                    <a:noFill/>
+                  </a:tcPr>
+                </a:tc>
+                <a:tc>
+                  <a:txBody>
+                    <a:bodyPr/>
+                    <a:lstStyle/>
+                    <a:p>
+                      <a:pPr>
+                        <a:buNone/>
+                      </a:pPr>
+                      <a:r>
+                        <a:rPr lang="en-US" sz="3200" dirty="0"/>
+                        <a:t>Excel (with Copilot, Python, Agent Mode)</a:t>
+                      </a:r>
+                    </a:p>
+                  </a:txBody>
+                  <a:tcPr anchor="ctr">
+                    <a:lnL w="12700" cap="flat" cmpd="sng" algn="ctr">
+                      <a:solidFill>
+                        <a:schemeClr val="tx1"/>
+                      </a:solidFill>
+                      <a:prstDash val="solid"/>
+                      <a:round/>
+                      <a:headEnd type="none" w="med" len="med"/>
+                      <a:tailEnd type="none" w="med" len="med"/>
+                    </a:lnL>
+                    <a:lnR w="12700" cap="flat" cmpd="sng" algn="ctr">
+                      <a:solidFill>
+                        <a:schemeClr val="tx1"/>
+                      </a:solidFill>
+                      <a:prstDash val="solid"/>
+                      <a:round/>
+                      <a:headEnd type="none" w="med" len="med"/>
+                      <a:tailEnd type="none" w="med" len="med"/>
+                    </a:lnR>
+                    <a:lnT w="12700" cap="flat" cmpd="sng" algn="ctr">
+                      <a:solidFill>
+                        <a:schemeClr val="tx1"/>
+                      </a:solidFill>
+                      <a:prstDash val="solid"/>
+                      <a:round/>
+                      <a:headEnd type="none" w="med" len="med"/>
+                      <a:tailEnd type="none" w="med" len="med"/>
+                    </a:lnT>
+                    <a:lnB w="12700" cap="flat" cmpd="sng" algn="ctr">
+                      <a:solidFill>
+                        <a:schemeClr val="tx1"/>
+                      </a:solidFill>
+                      <a:prstDash val="solid"/>
+                      <a:round/>
+                      <a:headEnd type="none" w="med" len="med"/>
+                      <a:tailEnd type="none" w="med" len="med"/>
+                    </a:lnB>
+                    <a:noFill/>
+                  </a:tcPr>
+                </a:tc>
+                <a:extLst>
+                  <a:ext uri="{0D108BD9-81ED-4DB2-BD59-A6C34878D82A}">
+                    <a16:rowId xmlns:a16="http://schemas.microsoft.com/office/drawing/2014/main" val="1052852401"/>
+                  </a:ext>
+                </a:extLst>
+              </a:tr>
+              <a:tr h="1295036">
+                <a:tc>
+                  <a:txBody>
+                    <a:bodyPr/>
+                    <a:lstStyle/>
+                    <a:p>
+                      <a:pPr>
+                        <a:buNone/>
+                      </a:pPr>
+                      <a:r>
+                        <a:rPr lang="en-US" sz="3200" b="1"/>
+                        <a:t>4. Automation &amp; Extension</a:t>
+                      </a:r>
+                      <a:endParaRPr lang="en-US" sz="3200"/>
+                    </a:p>
+                  </a:txBody>
+                  <a:tcPr anchor="ctr">
+                    <a:lnL w="12700" cap="flat" cmpd="sng" algn="ctr">
+                      <a:solidFill>
+                        <a:schemeClr val="tx1"/>
+                      </a:solidFill>
+                      <a:prstDash val="solid"/>
+                      <a:round/>
+                      <a:headEnd type="none" w="med" len="med"/>
+                      <a:tailEnd type="none" w="med" len="med"/>
+                    </a:lnL>
+                    <a:lnR w="12700" cap="flat" cmpd="sng" algn="ctr">
+                      <a:solidFill>
+                        <a:schemeClr val="tx1"/>
+                      </a:solidFill>
+                      <a:prstDash val="solid"/>
+                      <a:round/>
+                      <a:headEnd type="none" w="med" len="med"/>
+                      <a:tailEnd type="none" w="med" len="med"/>
+                    </a:lnR>
+                    <a:lnT w="12700" cap="flat" cmpd="sng" algn="ctr">
+                      <a:solidFill>
+                        <a:schemeClr val="tx1"/>
+                      </a:solidFill>
+                      <a:prstDash val="solid"/>
+                      <a:round/>
+                      <a:headEnd type="none" w="med" len="med"/>
+                      <a:tailEnd type="none" w="med" len="med"/>
+                    </a:lnT>
+                    <a:lnB w="12700" cap="flat" cmpd="sng" algn="ctr">
+                      <a:solidFill>
+                        <a:schemeClr val="tx1"/>
+                      </a:solidFill>
+                      <a:prstDash val="solid"/>
+                      <a:round/>
+                      <a:headEnd type="none" w="med" len="med"/>
+                      <a:tailEnd type="none" w="med" len="med"/>
+                    </a:lnB>
+                    <a:noFill/>
+                  </a:tcPr>
+                </a:tc>
+                <a:tc>
+                  <a:txBody>
+                    <a:bodyPr/>
+                    <a:lstStyle/>
+                    <a:p>
+                      <a:pPr>
+                        <a:buNone/>
+                      </a:pPr>
+                      <a:r>
+                        <a:rPr lang="en-US" sz="3200" dirty="0"/>
+                        <a:t>Repeat, scale, and connect processes</a:t>
+                      </a:r>
+                    </a:p>
+                  </a:txBody>
+                  <a:tcPr anchor="ctr">
+                    <a:lnL w="12700" cap="flat" cmpd="sng" algn="ctr">
+                      <a:solidFill>
+                        <a:schemeClr val="tx1"/>
+                      </a:solidFill>
+                      <a:prstDash val="solid"/>
+                      <a:round/>
+                      <a:headEnd type="none" w="med" len="med"/>
+                      <a:tailEnd type="none" w="med" len="med"/>
+                    </a:lnL>
+                    <a:lnR w="12700" cap="flat" cmpd="sng" algn="ctr">
+                      <a:solidFill>
+                        <a:schemeClr val="tx1"/>
+                      </a:solidFill>
+                      <a:prstDash val="solid"/>
+                      <a:round/>
+                      <a:headEnd type="none" w="med" len="med"/>
+                      <a:tailEnd type="none" w="med" len="med"/>
+                    </a:lnR>
+                    <a:lnT w="12700" cap="flat" cmpd="sng" algn="ctr">
+                      <a:solidFill>
+                        <a:schemeClr val="tx1"/>
+                      </a:solidFill>
+                      <a:prstDash val="solid"/>
+                      <a:round/>
+                      <a:headEnd type="none" w="med" len="med"/>
+                      <a:tailEnd type="none" w="med" len="med"/>
+                    </a:lnT>
+                    <a:lnB w="12700" cap="flat" cmpd="sng" algn="ctr">
+                      <a:solidFill>
+                        <a:schemeClr val="tx1"/>
+                      </a:solidFill>
+                      <a:prstDash val="solid"/>
+                      <a:round/>
+                      <a:headEnd type="none" w="med" len="med"/>
+                      <a:tailEnd type="none" w="med" len="med"/>
+                    </a:lnB>
+                    <a:noFill/>
+                  </a:tcPr>
+                </a:tc>
+                <a:tc>
+                  <a:txBody>
+                    <a:bodyPr/>
+                    <a:lstStyle/>
+                    <a:p>
+                      <a:pPr>
+                        <a:buNone/>
+                      </a:pPr>
+                      <a:r>
+                        <a:rPr lang="en-US" sz="3200"/>
+                        <a:t>Office Scripts, Power Automate</a:t>
+                      </a:r>
+                    </a:p>
+                  </a:txBody>
+                  <a:tcPr anchor="ctr">
+                    <a:lnL w="12700" cap="flat" cmpd="sng" algn="ctr">
+                      <a:solidFill>
+                        <a:schemeClr val="tx1"/>
+                      </a:solidFill>
+                      <a:prstDash val="solid"/>
+                      <a:round/>
+                      <a:headEnd type="none" w="med" len="med"/>
+                      <a:tailEnd type="none" w="med" len="med"/>
+                    </a:lnL>
+                    <a:lnR w="12700" cap="flat" cmpd="sng" algn="ctr">
+                      <a:solidFill>
+                        <a:schemeClr val="tx1"/>
+                      </a:solidFill>
+                      <a:prstDash val="solid"/>
+                      <a:round/>
+                      <a:headEnd type="none" w="med" len="med"/>
+                      <a:tailEnd type="none" w="med" len="med"/>
+                    </a:lnR>
+                    <a:lnT w="12700" cap="flat" cmpd="sng" algn="ctr">
+                      <a:solidFill>
+                        <a:schemeClr val="tx1"/>
+                      </a:solidFill>
+                      <a:prstDash val="solid"/>
+                      <a:round/>
+                      <a:headEnd type="none" w="med" len="med"/>
+                      <a:tailEnd type="none" w="med" len="med"/>
+                    </a:lnT>
+                    <a:lnB w="12700" cap="flat" cmpd="sng" algn="ctr">
+                      <a:solidFill>
+                        <a:schemeClr val="tx1"/>
+                      </a:solidFill>
+                      <a:prstDash val="solid"/>
+                      <a:round/>
+                      <a:headEnd type="none" w="med" len="med"/>
+                      <a:tailEnd type="none" w="med" len="med"/>
+                    </a:lnB>
+                    <a:noFill/>
+                  </a:tcPr>
+                </a:tc>
+                <a:extLst>
+                  <a:ext uri="{0D108BD9-81ED-4DB2-BD59-A6C34878D82A}">
+                    <a16:rowId xmlns:a16="http://schemas.microsoft.com/office/drawing/2014/main" val="2692917109"/>
+                  </a:ext>
+                </a:extLst>
+              </a:tr>
+              <a:tr h="1295036">
+                <a:tc>
+                  <a:txBody>
+                    <a:bodyPr/>
+                    <a:lstStyle/>
+                    <a:p>
+                      <a:pPr>
+                        <a:buNone/>
+                      </a:pPr>
+                      <a:r>
+                        <a:rPr lang="en-US" sz="3200" b="1"/>
+                        <a:t>5. Customization &amp; Governance</a:t>
+                      </a:r>
+                      <a:endParaRPr lang="en-US" sz="3200"/>
+                    </a:p>
+                  </a:txBody>
+                  <a:tcPr anchor="ctr">
+                    <a:lnL w="12700" cap="flat" cmpd="sng" algn="ctr">
+                      <a:solidFill>
+                        <a:schemeClr val="tx1"/>
+                      </a:solidFill>
+                      <a:prstDash val="solid"/>
+                      <a:round/>
+                      <a:headEnd type="none" w="med" len="med"/>
+                      <a:tailEnd type="none" w="med" len="med"/>
+                    </a:lnL>
+                    <a:lnR w="12700" cap="flat" cmpd="sng" algn="ctr">
+                      <a:solidFill>
+                        <a:schemeClr val="tx1"/>
+                      </a:solidFill>
+                      <a:prstDash val="solid"/>
+                      <a:round/>
+                      <a:headEnd type="none" w="med" len="med"/>
+                      <a:tailEnd type="none" w="med" len="med"/>
+                    </a:lnR>
+                    <a:lnT w="12700" cap="flat" cmpd="sng" algn="ctr">
+                      <a:solidFill>
+                        <a:schemeClr val="tx1"/>
+                      </a:solidFill>
+                      <a:prstDash val="solid"/>
+                      <a:round/>
+                      <a:headEnd type="none" w="med" len="med"/>
+                      <a:tailEnd type="none" w="med" len="med"/>
+                    </a:lnT>
+                    <a:lnB w="12700" cap="flat" cmpd="sng" algn="ctr">
+                      <a:solidFill>
+                        <a:schemeClr val="tx1"/>
+                      </a:solidFill>
+                      <a:prstDash val="solid"/>
+                      <a:round/>
+                      <a:headEnd type="none" w="med" len="med"/>
+                      <a:tailEnd type="none" w="med" len="med"/>
+                    </a:lnB>
+                    <a:noFill/>
+                  </a:tcPr>
+                </a:tc>
+                <a:tc>
+                  <a:txBody>
+                    <a:bodyPr/>
+                    <a:lstStyle/>
+                    <a:p>
+                      <a:pPr>
+                        <a:buNone/>
+                      </a:pPr>
+                      <a:r>
+                        <a:rPr lang="en-US" sz="3200"/>
+                        <a:t>Control, deploy, and monitor AI agents</a:t>
+                      </a:r>
+                    </a:p>
+                  </a:txBody>
+                  <a:tcPr anchor="ctr">
+                    <a:lnL w="12700" cap="flat" cmpd="sng" algn="ctr">
+                      <a:solidFill>
+                        <a:schemeClr val="tx1"/>
+                      </a:solidFill>
+                      <a:prstDash val="solid"/>
+                      <a:round/>
+                      <a:headEnd type="none" w="med" len="med"/>
+                      <a:tailEnd type="none" w="med" len="med"/>
+                    </a:lnL>
+                    <a:lnR w="12700" cap="flat" cmpd="sng" algn="ctr">
+                      <a:solidFill>
+                        <a:schemeClr val="tx1"/>
+                      </a:solidFill>
+                      <a:prstDash val="solid"/>
+                      <a:round/>
+                      <a:headEnd type="none" w="med" len="med"/>
+                      <a:tailEnd type="none" w="med" len="med"/>
+                    </a:lnR>
+                    <a:lnT w="12700" cap="flat" cmpd="sng" algn="ctr">
+                      <a:solidFill>
+                        <a:schemeClr val="tx1"/>
+                      </a:solidFill>
+                      <a:prstDash val="solid"/>
+                      <a:round/>
+                      <a:headEnd type="none" w="med" len="med"/>
+                      <a:tailEnd type="none" w="med" len="med"/>
+                    </a:lnT>
+                    <a:lnB w="12700" cap="flat" cmpd="sng" algn="ctr">
+                      <a:solidFill>
+                        <a:schemeClr val="tx1"/>
+                      </a:solidFill>
+                      <a:prstDash val="solid"/>
+                      <a:round/>
+                      <a:headEnd type="none" w="med" len="med"/>
+                      <a:tailEnd type="none" w="med" len="med"/>
+                    </a:lnB>
+                    <a:noFill/>
+                  </a:tcPr>
+                </a:tc>
+                <a:tc>
+                  <a:txBody>
+                    <a:bodyPr/>
+                    <a:lstStyle/>
+                    <a:p>
+                      <a:pPr>
+                        <a:buNone/>
+                      </a:pPr>
+                      <a:r>
+                        <a:rPr lang="en-US" sz="3200" dirty="0"/>
+                        <a:t>Copilot Studio</a:t>
+                      </a:r>
+                    </a:p>
+                  </a:txBody>
+                  <a:tcPr anchor="ctr">
+                    <a:lnL w="12700" cap="flat" cmpd="sng" algn="ctr">
+                      <a:solidFill>
+                        <a:schemeClr val="tx1"/>
+                      </a:solidFill>
+                      <a:prstDash val="solid"/>
+                      <a:round/>
+                      <a:headEnd type="none" w="med" len="med"/>
+                      <a:tailEnd type="none" w="med" len="med"/>
+                    </a:lnL>
+                    <a:lnR w="12700" cap="flat" cmpd="sng" algn="ctr">
+                      <a:solidFill>
+                        <a:schemeClr val="tx1"/>
+                      </a:solidFill>
+                      <a:prstDash val="solid"/>
+                      <a:round/>
+                      <a:headEnd type="none" w="med" len="med"/>
+                      <a:tailEnd type="none" w="med" len="med"/>
+                    </a:lnR>
+                    <a:lnT w="12700" cap="flat" cmpd="sng" algn="ctr">
+                      <a:solidFill>
+                        <a:schemeClr val="tx1"/>
+                      </a:solidFill>
+                      <a:prstDash val="solid"/>
+                      <a:round/>
+                      <a:headEnd type="none" w="med" len="med"/>
+                      <a:tailEnd type="none" w="med" len="med"/>
+                    </a:lnT>
+                    <a:lnB w="12700" cap="flat" cmpd="sng" algn="ctr">
+                      <a:solidFill>
+                        <a:schemeClr val="tx1"/>
+                      </a:solidFill>
+                      <a:prstDash val="solid"/>
+                      <a:round/>
+                      <a:headEnd type="none" w="med" len="med"/>
+                      <a:tailEnd type="none" w="med" len="med"/>
+                    </a:lnB>
+                    <a:noFill/>
+                  </a:tcPr>
+                </a:tc>
+                <a:extLst>
+                  <a:ext uri="{0D108BD9-81ED-4DB2-BD59-A6C34878D82A}">
+                    <a16:rowId xmlns:a16="http://schemas.microsoft.com/office/drawing/2014/main" val="4036899994"/>
+                  </a:ext>
+                </a:extLst>
+              </a:tr>
+            </a:tbl>
+          </a:graphicData>
+        </a:graphic>
+      </p:graphicFrame>
+    </p:spTree>
+    <p:extLst>
+      <p:ext uri="{BB962C8B-B14F-4D97-AF65-F5344CB8AC3E}">
+        <p14:creationId xmlns:p14="http://schemas.microsoft.com/office/powerpoint/2010/main" val="2677091631"/>
+      </p:ext>
+    </p:extLst>
+  </p:cSld>
+  <p:clrMapOvr>
+    <a:masterClrMapping/>
+  </p:clrMapOvr>
+</p:sld>
+</file>
+
+<file path=ppt/slides/slide11.xml><?xml version="1.0" encoding="utf-8"?>
+<p:sld xmlns:a="http://schemas.openxmlformats.org/drawingml/2006/main" xmlns:r="http://schemas.openxmlformats.org/officeDocument/2006/relationships" xmlns:p="http://schemas.openxmlformats.org/presentationml/2006/main">
+  <p:cSld>
+    <p:spTree>
+      <p:nvGrpSpPr>
+        <p:cNvPr id="1" name="">
+          <a:extLst>
+            <a:ext uri="{FF2B5EF4-FFF2-40B4-BE49-F238E27FC236}">
               <a16:creationId xmlns:a16="http://schemas.microsoft.com/office/drawing/2014/main" id="{D13D58A7-5F6B-4F51-4398-479AFC189587}"/>
             </a:ext>
           </a:extLst>
@@ -10374,7 +11717,7 @@
 </p:sld>
 </file>
 
-<file path=ppt/slides/slide11.xml><?xml version="1.0" encoding="utf-8"?>
+<file path=ppt/slides/slide12.xml><?xml version="1.0" encoding="utf-8"?>
 <p:sld xmlns:a="http://schemas.openxmlformats.org/drawingml/2006/main" xmlns:r="http://schemas.openxmlformats.org/officeDocument/2006/relationships" xmlns:p="http://schemas.openxmlformats.org/presentationml/2006/main">
   <p:cSld>
     <p:spTree>
@@ -10602,7 +11945,7 @@
 </p:sld>
 </file>
 
-<file path=ppt/slides/slide12.xml><?xml version="1.0" encoding="utf-8"?>
+<file path=ppt/slides/slide13.xml><?xml version="1.0" encoding="utf-8"?>
 <p:sld xmlns:a="http://schemas.openxmlformats.org/drawingml/2006/main" xmlns:r="http://schemas.openxmlformats.org/officeDocument/2006/relationships" xmlns:p="http://schemas.openxmlformats.org/presentationml/2006/main">
   <p:cSld>
     <p:spTree>
@@ -10760,7 +12103,7 @@
 </p:sld>
 </file>
 
-<file path=ppt/slides/slide13.xml><?xml version="1.0" encoding="utf-8"?>
+<file path=ppt/slides/slide14.xml><?xml version="1.0" encoding="utf-8"?>
 <p:sld xmlns:a="http://schemas.openxmlformats.org/drawingml/2006/main" xmlns:r="http://schemas.openxmlformats.org/officeDocument/2006/relationships" xmlns:p="http://schemas.openxmlformats.org/presentationml/2006/main">
   <p:cSld>
     <p:spTree>
@@ -13490,7 +14833,7 @@
         <p:cNvPr id="1" name="">
           <a:extLst>
             <a:ext uri="{FF2B5EF4-FFF2-40B4-BE49-F238E27FC236}">
-              <a16:creationId xmlns:a16="http://schemas.microsoft.com/office/drawing/2014/main" id="{F0AED226-3DBA-DD93-9D88-2CA1C2D33524}"/>
+              <a16:creationId xmlns:a16="http://schemas.microsoft.com/office/drawing/2014/main" id="{320FB617-C0E7-3228-013C-BAC06730C5D4}"/>
             </a:ext>
           </a:extLst>
         </p:cNvPr>
@@ -13505,49 +14848,12 @@
           <a:chExt cx="0" cy="0"/>
         </a:xfrm>
       </p:grpSpPr>
-      <p:sp>
-        <p:nvSpPr>
-          <p:cNvPr id="11" name="TextBox 10">
-            <a:extLst>
-              <a:ext uri="{FF2B5EF4-FFF2-40B4-BE49-F238E27FC236}">
-                <a16:creationId xmlns:a16="http://schemas.microsoft.com/office/drawing/2014/main" id="{F332240B-0B1D-9B77-F127-B2E40BB848A9}"/>
-              </a:ext>
-            </a:extLst>
-          </p:cNvPr>
-          <p:cNvSpPr txBox="1"/>
-          <p:nvPr/>
-        </p:nvSpPr>
-        <p:spPr>
-          <a:xfrm>
-            <a:off x="520861" y="170082"/>
-            <a:ext cx="16395539" cy="1200329"/>
-          </a:xfrm>
-          <a:prstGeom prst="rect">
-            <a:avLst/>
-          </a:prstGeom>
-          <a:noFill/>
-        </p:spPr>
-        <p:txBody>
-          <a:bodyPr wrap="square" rtlCol="0">
-            <a:spAutoFit/>
-          </a:bodyPr>
-          <a:lstStyle/>
-          <a:p>
-            <a:r>
-              <a:rPr lang="en-US" sz="7200" dirty="0">
-                <a:latin typeface="Aliens &amp; cows" panose="00000500000000000000" pitchFamily="2" charset="0"/>
-              </a:rPr>
-              <a:t>The emerging Excel AI stack</a:t>
-            </a:r>
-          </a:p>
-        </p:txBody>
-      </p:sp>
       <p:pic>
         <p:nvPicPr>
           <p:cNvPr id="15" name="Picture 14" descr="A close up of a sign&#10;&#10;Description automatically generated">
             <a:extLst>
               <a:ext uri="{FF2B5EF4-FFF2-40B4-BE49-F238E27FC236}">
-                <a16:creationId xmlns:a16="http://schemas.microsoft.com/office/drawing/2014/main" id="{96AAE559-64C9-151C-D64A-C0AEFC85B0F7}"/>
+                <a16:creationId xmlns:a16="http://schemas.microsoft.com/office/drawing/2014/main" id="{E21B4799-3E87-1700-15F4-3686FC94E355}"/>
               </a:ext>
             </a:extLst>
           </p:cNvPr>
@@ -13578,1087 +14884,92 @@
           </a:prstGeom>
         </p:spPr>
       </p:pic>
-      <p:graphicFrame>
-        <p:nvGraphicFramePr>
-          <p:cNvPr id="5" name="Table 4">
+      <p:pic>
+        <p:nvPicPr>
+          <p:cNvPr id="1026" name="Picture 2">
             <a:extLst>
               <a:ext uri="{FF2B5EF4-FFF2-40B4-BE49-F238E27FC236}">
-                <a16:creationId xmlns:a16="http://schemas.microsoft.com/office/drawing/2014/main" id="{8F07E63D-491A-A37D-4C16-7341759B6F62}"/>
+                <a16:creationId xmlns:a16="http://schemas.microsoft.com/office/drawing/2014/main" id="{9F1D89B2-86AC-689C-CB18-860F1A902B8F}"/>
               </a:ext>
             </a:extLst>
           </p:cNvPr>
-          <p:cNvGraphicFramePr>
-            <a:graphicFrameLocks noGrp="1"/>
-          </p:cNvGraphicFramePr>
-          <p:nvPr>
-            <p:extLst>
-              <p:ext uri="{D42A27DB-BD31-4B8C-83A1-F6EECF244321}">
-                <p14:modId xmlns:p14="http://schemas.microsoft.com/office/powerpoint/2010/main" val="1898181012"/>
-              </p:ext>
-            </p:extLst>
-          </p:nvPr>
-        </p:nvGraphicFramePr>
-        <p:xfrm>
-          <a:off x="457200" y="2080100"/>
-          <a:ext cx="15697200" cy="7178199"/>
-        </p:xfrm>
-        <a:graphic>
-          <a:graphicData uri="http://schemas.openxmlformats.org/drawingml/2006/table">
-            <a:tbl>
-              <a:tblPr/>
-              <a:tblGrid>
-                <a:gridCol w="5232400">
-                  <a:extLst>
-                    <a:ext uri="{9D8B030D-6E8A-4147-A177-3AD203B41FA5}">
-                      <a16:colId xmlns:a16="http://schemas.microsoft.com/office/drawing/2014/main" val="2728257828"/>
-                    </a:ext>
-                  </a:extLst>
-                </a:gridCol>
-                <a:gridCol w="5232400">
-                  <a:extLst>
-                    <a:ext uri="{9D8B030D-6E8A-4147-A177-3AD203B41FA5}">
-                      <a16:colId xmlns:a16="http://schemas.microsoft.com/office/drawing/2014/main" val="2961374483"/>
-                    </a:ext>
-                  </a:extLst>
-                </a:gridCol>
-                <a:gridCol w="5232400">
-                  <a:extLst>
-                    <a:ext uri="{9D8B030D-6E8A-4147-A177-3AD203B41FA5}">
-                      <a16:colId xmlns:a16="http://schemas.microsoft.com/office/drawing/2014/main" val="1198047383"/>
-                    </a:ext>
-                  </a:extLst>
-                </a:gridCol>
-              </a:tblGrid>
-              <a:tr h="703019">
-                <a:tc>
-                  <a:txBody>
-                    <a:bodyPr/>
-                    <a:lstStyle/>
-                    <a:p>
-                      <a:pPr>
-                        <a:buNone/>
-                      </a:pPr>
-                      <a:r>
-                        <a:rPr lang="en-US" sz="3200" b="1"/>
-                        <a:t>Stage</a:t>
-                      </a:r>
-                      <a:endParaRPr lang="en-US" sz="3200"/>
-                    </a:p>
-                  </a:txBody>
-                  <a:tcPr anchor="ctr">
-                    <a:lnL w="12700" cap="flat" cmpd="sng" algn="ctr">
-                      <a:solidFill>
-                        <a:schemeClr val="tx1"/>
-                      </a:solidFill>
-                      <a:prstDash val="solid"/>
-                      <a:round/>
-                      <a:headEnd type="none" w="med" len="med"/>
-                      <a:tailEnd type="none" w="med" len="med"/>
-                    </a:lnL>
-                    <a:lnR w="12700" cap="flat" cmpd="sng" algn="ctr">
-                      <a:solidFill>
-                        <a:schemeClr val="tx1"/>
-                      </a:solidFill>
-                      <a:prstDash val="solid"/>
-                      <a:round/>
-                      <a:headEnd type="none" w="med" len="med"/>
-                      <a:tailEnd type="none" w="med" len="med"/>
-                    </a:lnR>
-                    <a:lnT w="12700" cap="flat" cmpd="sng" algn="ctr">
-                      <a:solidFill>
-                        <a:schemeClr val="tx1"/>
-                      </a:solidFill>
-                      <a:prstDash val="solid"/>
-                      <a:round/>
-                      <a:headEnd type="none" w="med" len="med"/>
-                      <a:tailEnd type="none" w="med" len="med"/>
-                    </a:lnT>
-                    <a:lnB w="12700" cap="flat" cmpd="sng" algn="ctr">
-                      <a:solidFill>
-                        <a:schemeClr val="tx1"/>
-                      </a:solidFill>
-                      <a:prstDash val="solid"/>
-                      <a:round/>
-                      <a:headEnd type="none" w="med" len="med"/>
-                      <a:tailEnd type="none" w="med" len="med"/>
-                    </a:lnB>
-                    <a:noFill/>
-                  </a:tcPr>
-                </a:tc>
-                <a:tc>
-                  <a:txBody>
-                    <a:bodyPr/>
-                    <a:lstStyle/>
-                    <a:p>
-                      <a:pPr>
-                        <a:buNone/>
-                      </a:pPr>
-                      <a:r>
-                        <a:rPr lang="en-US" sz="3200" b="1"/>
-                        <a:t>Purpose</a:t>
-                      </a:r>
-                      <a:endParaRPr lang="en-US" sz="3200"/>
-                    </a:p>
-                  </a:txBody>
-                  <a:tcPr anchor="ctr">
-                    <a:lnL w="12700" cap="flat" cmpd="sng" algn="ctr">
-                      <a:solidFill>
-                        <a:schemeClr val="tx1"/>
-                      </a:solidFill>
-                      <a:prstDash val="solid"/>
-                      <a:round/>
-                      <a:headEnd type="none" w="med" len="med"/>
-                      <a:tailEnd type="none" w="med" len="med"/>
-                    </a:lnL>
-                    <a:lnR w="12700" cap="flat" cmpd="sng" algn="ctr">
-                      <a:solidFill>
-                        <a:schemeClr val="tx1"/>
-                      </a:solidFill>
-                      <a:prstDash val="solid"/>
-                      <a:round/>
-                      <a:headEnd type="none" w="med" len="med"/>
-                      <a:tailEnd type="none" w="med" len="med"/>
-                    </a:lnR>
-                    <a:lnT w="12700" cap="flat" cmpd="sng" algn="ctr">
-                      <a:solidFill>
-                        <a:schemeClr val="tx1"/>
-                      </a:solidFill>
-                      <a:prstDash val="solid"/>
-                      <a:round/>
-                      <a:headEnd type="none" w="med" len="med"/>
-                      <a:tailEnd type="none" w="med" len="med"/>
-                    </a:lnT>
-                    <a:lnB w="12700" cap="flat" cmpd="sng" algn="ctr">
-                      <a:solidFill>
-                        <a:schemeClr val="tx1"/>
-                      </a:solidFill>
-                      <a:prstDash val="solid"/>
-                      <a:round/>
-                      <a:headEnd type="none" w="med" len="med"/>
-                      <a:tailEnd type="none" w="med" len="med"/>
-                    </a:lnB>
-                    <a:noFill/>
-                  </a:tcPr>
-                </a:tc>
-                <a:tc>
-                  <a:txBody>
-                    <a:bodyPr/>
-                    <a:lstStyle/>
-                    <a:p>
-                      <a:pPr>
-                        <a:buNone/>
-                      </a:pPr>
-                      <a:r>
-                        <a:rPr lang="en-US" sz="3200" b="1"/>
-                        <a:t>Tools</a:t>
-                      </a:r>
-                      <a:endParaRPr lang="en-US" sz="3200"/>
-                    </a:p>
-                  </a:txBody>
-                  <a:tcPr anchor="ctr">
-                    <a:lnL w="12700" cap="flat" cmpd="sng" algn="ctr">
-                      <a:solidFill>
-                        <a:schemeClr val="tx1"/>
-                      </a:solidFill>
-                      <a:prstDash val="solid"/>
-                      <a:round/>
-                      <a:headEnd type="none" w="med" len="med"/>
-                      <a:tailEnd type="none" w="med" len="med"/>
-                    </a:lnL>
-                    <a:lnR w="12700" cap="flat" cmpd="sng" algn="ctr">
-                      <a:solidFill>
-                        <a:schemeClr val="tx1"/>
-                      </a:solidFill>
-                      <a:prstDash val="solid"/>
-                      <a:round/>
-                      <a:headEnd type="none" w="med" len="med"/>
-                      <a:tailEnd type="none" w="med" len="med"/>
-                    </a:lnR>
-                    <a:lnT w="12700" cap="flat" cmpd="sng" algn="ctr">
-                      <a:solidFill>
-                        <a:schemeClr val="tx1"/>
-                      </a:solidFill>
-                      <a:prstDash val="solid"/>
-                      <a:round/>
-                      <a:headEnd type="none" w="med" len="med"/>
-                      <a:tailEnd type="none" w="med" len="med"/>
-                    </a:lnT>
-                    <a:lnB w="12700" cap="flat" cmpd="sng" algn="ctr">
-                      <a:solidFill>
-                        <a:schemeClr val="tx1"/>
-                      </a:solidFill>
-                      <a:prstDash val="solid"/>
-                      <a:round/>
-                      <a:headEnd type="none" w="med" len="med"/>
-                      <a:tailEnd type="none" w="med" len="med"/>
-                    </a:lnB>
-                    <a:noFill/>
-                  </a:tcPr>
-                </a:tc>
-                <a:extLst>
-                  <a:ext uri="{0D108BD9-81ED-4DB2-BD59-A6C34878D82A}">
-                    <a16:rowId xmlns:a16="http://schemas.microsoft.com/office/drawing/2014/main" val="4207581723"/>
-                  </a:ext>
-                </a:extLst>
-              </a:tr>
-              <a:tr h="1295036">
-                <a:tc>
-                  <a:txBody>
-                    <a:bodyPr/>
-                    <a:lstStyle/>
-                    <a:p>
-                      <a:pPr>
-                        <a:buNone/>
-                      </a:pPr>
-                      <a:r>
-                        <a:rPr lang="en-US" sz="3200" b="1"/>
-                        <a:t>1. Data Foundation</a:t>
-                      </a:r>
-                      <a:endParaRPr lang="en-US" sz="3200"/>
-                    </a:p>
-                  </a:txBody>
-                  <a:tcPr anchor="ctr">
-                    <a:lnL w="12700" cap="flat" cmpd="sng" algn="ctr">
-                      <a:solidFill>
-                        <a:schemeClr val="tx1"/>
-                      </a:solidFill>
-                      <a:prstDash val="solid"/>
-                      <a:round/>
-                      <a:headEnd type="none" w="med" len="med"/>
-                      <a:tailEnd type="none" w="med" len="med"/>
-                    </a:lnL>
-                    <a:lnR w="12700" cap="flat" cmpd="sng" algn="ctr">
-                      <a:solidFill>
-                        <a:schemeClr val="tx1"/>
-                      </a:solidFill>
-                      <a:prstDash val="solid"/>
-                      <a:round/>
-                      <a:headEnd type="none" w="med" len="med"/>
-                      <a:tailEnd type="none" w="med" len="med"/>
-                    </a:lnR>
-                    <a:lnT w="12700" cap="flat" cmpd="sng" algn="ctr">
-                      <a:solidFill>
-                        <a:schemeClr val="tx1"/>
-                      </a:solidFill>
-                      <a:prstDash val="solid"/>
-                      <a:round/>
-                      <a:headEnd type="none" w="med" len="med"/>
-                      <a:tailEnd type="none" w="med" len="med"/>
-                    </a:lnT>
-                    <a:lnB w="12700" cap="flat" cmpd="sng" algn="ctr">
-                      <a:solidFill>
-                        <a:schemeClr val="tx1"/>
-                      </a:solidFill>
-                      <a:prstDash val="solid"/>
-                      <a:round/>
-                      <a:headEnd type="none" w="med" len="med"/>
-                      <a:tailEnd type="none" w="med" len="med"/>
-                    </a:lnB>
-                    <a:noFill/>
-                  </a:tcPr>
-                </a:tc>
-                <a:tc>
-                  <a:txBody>
-                    <a:bodyPr/>
-                    <a:lstStyle/>
-                    <a:p>
-                      <a:pPr>
-                        <a:buNone/>
-                      </a:pPr>
-                      <a:r>
-                        <a:rPr lang="en-US" sz="3200"/>
-                        <a:t>Store, structure, and retrieve data</a:t>
-                      </a:r>
-                    </a:p>
-                  </a:txBody>
-                  <a:tcPr anchor="ctr">
-                    <a:lnL w="12700" cap="flat" cmpd="sng" algn="ctr">
-                      <a:solidFill>
-                        <a:schemeClr val="tx1"/>
-                      </a:solidFill>
-                      <a:prstDash val="solid"/>
-                      <a:round/>
-                      <a:headEnd type="none" w="med" len="med"/>
-                      <a:tailEnd type="none" w="med" len="med"/>
-                    </a:lnL>
-                    <a:lnR w="12700" cap="flat" cmpd="sng" algn="ctr">
-                      <a:solidFill>
-                        <a:schemeClr val="tx1"/>
-                      </a:solidFill>
-                      <a:prstDash val="solid"/>
-                      <a:round/>
-                      <a:headEnd type="none" w="med" len="med"/>
-                      <a:tailEnd type="none" w="med" len="med"/>
-                    </a:lnR>
-                    <a:lnT w="12700" cap="flat" cmpd="sng" algn="ctr">
-                      <a:solidFill>
-                        <a:schemeClr val="tx1"/>
-                      </a:solidFill>
-                      <a:prstDash val="solid"/>
-                      <a:round/>
-                      <a:headEnd type="none" w="med" len="med"/>
-                      <a:tailEnd type="none" w="med" len="med"/>
-                    </a:lnT>
-                    <a:lnB w="12700" cap="flat" cmpd="sng" algn="ctr">
-                      <a:solidFill>
-                        <a:schemeClr val="tx1"/>
-                      </a:solidFill>
-                      <a:prstDash val="solid"/>
-                      <a:round/>
-                      <a:headEnd type="none" w="med" len="med"/>
-                      <a:tailEnd type="none" w="med" len="med"/>
-                    </a:lnB>
-                    <a:noFill/>
-                  </a:tcPr>
-                </a:tc>
-                <a:tc>
-                  <a:txBody>
-                    <a:bodyPr/>
-                    <a:lstStyle/>
-                    <a:p>
-                      <a:pPr>
-                        <a:buNone/>
-                      </a:pPr>
-                      <a:r>
-                        <a:rPr lang="en-US" sz="3200"/>
-                        <a:t>Power BI, Dataverse</a:t>
-                      </a:r>
-                    </a:p>
-                  </a:txBody>
-                  <a:tcPr anchor="ctr">
-                    <a:lnL w="12700" cap="flat" cmpd="sng" algn="ctr">
-                      <a:solidFill>
-                        <a:schemeClr val="tx1"/>
-                      </a:solidFill>
-                      <a:prstDash val="solid"/>
-                      <a:round/>
-                      <a:headEnd type="none" w="med" len="med"/>
-                      <a:tailEnd type="none" w="med" len="med"/>
-                    </a:lnL>
-                    <a:lnR w="12700" cap="flat" cmpd="sng" algn="ctr">
-                      <a:solidFill>
-                        <a:schemeClr val="tx1"/>
-                      </a:solidFill>
-                      <a:prstDash val="solid"/>
-                      <a:round/>
-                      <a:headEnd type="none" w="med" len="med"/>
-                      <a:tailEnd type="none" w="med" len="med"/>
-                    </a:lnR>
-                    <a:lnT w="12700" cap="flat" cmpd="sng" algn="ctr">
-                      <a:solidFill>
-                        <a:schemeClr val="tx1"/>
-                      </a:solidFill>
-                      <a:prstDash val="solid"/>
-                      <a:round/>
-                      <a:headEnd type="none" w="med" len="med"/>
-                      <a:tailEnd type="none" w="med" len="med"/>
-                    </a:lnT>
-                    <a:lnB w="12700" cap="flat" cmpd="sng" algn="ctr">
-                      <a:solidFill>
-                        <a:schemeClr val="tx1"/>
-                      </a:solidFill>
-                      <a:prstDash val="solid"/>
-                      <a:round/>
-                      <a:headEnd type="none" w="med" len="med"/>
-                      <a:tailEnd type="none" w="med" len="med"/>
-                    </a:lnB>
-                    <a:noFill/>
-                  </a:tcPr>
-                </a:tc>
-                <a:extLst>
-                  <a:ext uri="{0D108BD9-81ED-4DB2-BD59-A6C34878D82A}">
-                    <a16:rowId xmlns:a16="http://schemas.microsoft.com/office/drawing/2014/main" val="3297406007"/>
-                  </a:ext>
-                </a:extLst>
-              </a:tr>
-              <a:tr h="1295036">
-                <a:tc>
-                  <a:txBody>
-                    <a:bodyPr/>
-                    <a:lstStyle/>
-                    <a:p>
-                      <a:pPr>
-                        <a:buNone/>
-                      </a:pPr>
-                      <a:r>
-                        <a:rPr lang="en-US" sz="3200" b="1"/>
-                        <a:t>2. Data Preparation</a:t>
-                      </a:r>
-                      <a:endParaRPr lang="en-US" sz="3200"/>
-                    </a:p>
-                  </a:txBody>
-                  <a:tcPr anchor="ctr">
-                    <a:lnL w="12700" cap="flat" cmpd="sng" algn="ctr">
-                      <a:solidFill>
-                        <a:schemeClr val="tx1"/>
-                      </a:solidFill>
-                      <a:prstDash val="solid"/>
-                      <a:round/>
-                      <a:headEnd type="none" w="med" len="med"/>
-                      <a:tailEnd type="none" w="med" len="med"/>
-                    </a:lnL>
-                    <a:lnR w="12700" cap="flat" cmpd="sng" algn="ctr">
-                      <a:solidFill>
-                        <a:schemeClr val="tx1"/>
-                      </a:solidFill>
-                      <a:prstDash val="solid"/>
-                      <a:round/>
-                      <a:headEnd type="none" w="med" len="med"/>
-                      <a:tailEnd type="none" w="med" len="med"/>
-                    </a:lnR>
-                    <a:lnT w="12700" cap="flat" cmpd="sng" algn="ctr">
-                      <a:solidFill>
-                        <a:schemeClr val="tx1"/>
-                      </a:solidFill>
-                      <a:prstDash val="solid"/>
-                      <a:round/>
-                      <a:headEnd type="none" w="med" len="med"/>
-                      <a:tailEnd type="none" w="med" len="med"/>
-                    </a:lnT>
-                    <a:lnB w="12700" cap="flat" cmpd="sng" algn="ctr">
-                      <a:solidFill>
-                        <a:schemeClr val="tx1"/>
-                      </a:solidFill>
-                      <a:prstDash val="solid"/>
-                      <a:round/>
-                      <a:headEnd type="none" w="med" len="med"/>
-                      <a:tailEnd type="none" w="med" len="med"/>
-                    </a:lnB>
-                    <a:noFill/>
-                  </a:tcPr>
-                </a:tc>
-                <a:tc>
-                  <a:txBody>
-                    <a:bodyPr/>
-                    <a:lstStyle/>
-                    <a:p>
-                      <a:pPr>
-                        <a:buNone/>
-                      </a:pPr>
-                      <a:r>
-                        <a:rPr lang="en-US" sz="3200"/>
-                        <a:t>Clean, shape, and combine data</a:t>
-                      </a:r>
-                    </a:p>
-                  </a:txBody>
-                  <a:tcPr anchor="ctr">
-                    <a:lnL w="12700" cap="flat" cmpd="sng" algn="ctr">
-                      <a:solidFill>
-                        <a:schemeClr val="tx1"/>
-                      </a:solidFill>
-                      <a:prstDash val="solid"/>
-                      <a:round/>
-                      <a:headEnd type="none" w="med" len="med"/>
-                      <a:tailEnd type="none" w="med" len="med"/>
-                    </a:lnL>
-                    <a:lnR w="12700" cap="flat" cmpd="sng" algn="ctr">
-                      <a:solidFill>
-                        <a:schemeClr val="tx1"/>
-                      </a:solidFill>
-                      <a:prstDash val="solid"/>
-                      <a:round/>
-                      <a:headEnd type="none" w="med" len="med"/>
-                      <a:tailEnd type="none" w="med" len="med"/>
-                    </a:lnR>
-                    <a:lnT w="12700" cap="flat" cmpd="sng" algn="ctr">
-                      <a:solidFill>
-                        <a:schemeClr val="tx1"/>
-                      </a:solidFill>
-                      <a:prstDash val="solid"/>
-                      <a:round/>
-                      <a:headEnd type="none" w="med" len="med"/>
-                      <a:tailEnd type="none" w="med" len="med"/>
-                    </a:lnT>
-                    <a:lnB w="12700" cap="flat" cmpd="sng" algn="ctr">
-                      <a:solidFill>
-                        <a:schemeClr val="tx1"/>
-                      </a:solidFill>
-                      <a:prstDash val="solid"/>
-                      <a:round/>
-                      <a:headEnd type="none" w="med" len="med"/>
-                      <a:tailEnd type="none" w="med" len="med"/>
-                    </a:lnB>
-                    <a:noFill/>
-                  </a:tcPr>
-                </a:tc>
-                <a:tc>
-                  <a:txBody>
-                    <a:bodyPr/>
-                    <a:lstStyle/>
-                    <a:p>
-                      <a:pPr>
-                        <a:buNone/>
-                      </a:pPr>
-                      <a:r>
-                        <a:rPr lang="en-US" sz="3200" dirty="0"/>
-                        <a:t>Power Query/Dataflows</a:t>
-                      </a:r>
-                    </a:p>
-                  </a:txBody>
-                  <a:tcPr anchor="ctr">
-                    <a:lnL w="12700" cap="flat" cmpd="sng" algn="ctr">
-                      <a:solidFill>
-                        <a:schemeClr val="tx1"/>
-                      </a:solidFill>
-                      <a:prstDash val="solid"/>
-                      <a:round/>
-                      <a:headEnd type="none" w="med" len="med"/>
-                      <a:tailEnd type="none" w="med" len="med"/>
-                    </a:lnL>
-                    <a:lnR w="12700" cap="flat" cmpd="sng" algn="ctr">
-                      <a:solidFill>
-                        <a:schemeClr val="tx1"/>
-                      </a:solidFill>
-                      <a:prstDash val="solid"/>
-                      <a:round/>
-                      <a:headEnd type="none" w="med" len="med"/>
-                      <a:tailEnd type="none" w="med" len="med"/>
-                    </a:lnR>
-                    <a:lnT w="12700" cap="flat" cmpd="sng" algn="ctr">
-                      <a:solidFill>
-                        <a:schemeClr val="tx1"/>
-                      </a:solidFill>
-                      <a:prstDash val="solid"/>
-                      <a:round/>
-                      <a:headEnd type="none" w="med" len="med"/>
-                      <a:tailEnd type="none" w="med" len="med"/>
-                    </a:lnT>
-                    <a:lnB w="12700" cap="flat" cmpd="sng" algn="ctr">
-                      <a:solidFill>
-                        <a:schemeClr val="tx1"/>
-                      </a:solidFill>
-                      <a:prstDash val="solid"/>
-                      <a:round/>
-                      <a:headEnd type="none" w="med" len="med"/>
-                      <a:tailEnd type="none" w="med" len="med"/>
-                    </a:lnB>
-                    <a:noFill/>
-                  </a:tcPr>
-                </a:tc>
-                <a:extLst>
-                  <a:ext uri="{0D108BD9-81ED-4DB2-BD59-A6C34878D82A}">
-                    <a16:rowId xmlns:a16="http://schemas.microsoft.com/office/drawing/2014/main" val="616296996"/>
-                  </a:ext>
-                </a:extLst>
-              </a:tr>
-              <a:tr h="1295036">
-                <a:tc>
-                  <a:txBody>
-                    <a:bodyPr/>
-                    <a:lstStyle/>
-                    <a:p>
-                      <a:pPr>
-                        <a:buNone/>
-                      </a:pPr>
-                      <a:r>
-                        <a:rPr lang="en-US" sz="3200" b="1" dirty="0"/>
-                        <a:t>3. Analysis &amp; Intelligence</a:t>
-                      </a:r>
-                      <a:endParaRPr lang="en-US" sz="3200" dirty="0"/>
-                    </a:p>
-                  </a:txBody>
-                  <a:tcPr anchor="ctr">
-                    <a:lnL w="12700" cap="flat" cmpd="sng" algn="ctr">
-                      <a:solidFill>
-                        <a:schemeClr val="tx1"/>
-                      </a:solidFill>
-                      <a:prstDash val="solid"/>
-                      <a:round/>
-                      <a:headEnd type="none" w="med" len="med"/>
-                      <a:tailEnd type="none" w="med" len="med"/>
-                    </a:lnL>
-                    <a:lnR w="12700" cap="flat" cmpd="sng" algn="ctr">
-                      <a:solidFill>
-                        <a:schemeClr val="tx1"/>
-                      </a:solidFill>
-                      <a:prstDash val="solid"/>
-                      <a:round/>
-                      <a:headEnd type="none" w="med" len="med"/>
-                      <a:tailEnd type="none" w="med" len="med"/>
-                    </a:lnR>
-                    <a:lnT w="12700" cap="flat" cmpd="sng" algn="ctr">
-                      <a:solidFill>
-                        <a:schemeClr val="tx1"/>
-                      </a:solidFill>
-                      <a:prstDash val="solid"/>
-                      <a:round/>
-                      <a:headEnd type="none" w="med" len="med"/>
-                      <a:tailEnd type="none" w="med" len="med"/>
-                    </a:lnT>
-                    <a:lnB w="12700" cap="flat" cmpd="sng" algn="ctr">
-                      <a:solidFill>
-                        <a:schemeClr val="tx1"/>
-                      </a:solidFill>
-                      <a:prstDash val="solid"/>
-                      <a:round/>
-                      <a:headEnd type="none" w="med" len="med"/>
-                      <a:tailEnd type="none" w="med" len="med"/>
-                    </a:lnB>
-                    <a:noFill/>
-                  </a:tcPr>
-                </a:tc>
-                <a:tc>
-                  <a:txBody>
-                    <a:bodyPr/>
-                    <a:lstStyle/>
-                    <a:p>
-                      <a:pPr>
-                        <a:buNone/>
-                      </a:pPr>
-                      <a:r>
-                        <a:rPr lang="en-US" sz="3200" dirty="0"/>
-                        <a:t>Explore data and get insights</a:t>
-                      </a:r>
-                    </a:p>
-                  </a:txBody>
-                  <a:tcPr anchor="ctr">
-                    <a:lnL w="12700" cap="flat" cmpd="sng" algn="ctr">
-                      <a:solidFill>
-                        <a:schemeClr val="tx1"/>
-                      </a:solidFill>
-                      <a:prstDash val="solid"/>
-                      <a:round/>
-                      <a:headEnd type="none" w="med" len="med"/>
-                      <a:tailEnd type="none" w="med" len="med"/>
-                    </a:lnL>
-                    <a:lnR w="12700" cap="flat" cmpd="sng" algn="ctr">
-                      <a:solidFill>
-                        <a:schemeClr val="tx1"/>
-                      </a:solidFill>
-                      <a:prstDash val="solid"/>
-                      <a:round/>
-                      <a:headEnd type="none" w="med" len="med"/>
-                      <a:tailEnd type="none" w="med" len="med"/>
-                    </a:lnR>
-                    <a:lnT w="12700" cap="flat" cmpd="sng" algn="ctr">
-                      <a:solidFill>
-                        <a:schemeClr val="tx1"/>
-                      </a:solidFill>
-                      <a:prstDash val="solid"/>
-                      <a:round/>
-                      <a:headEnd type="none" w="med" len="med"/>
-                      <a:tailEnd type="none" w="med" len="med"/>
-                    </a:lnT>
-                    <a:lnB w="12700" cap="flat" cmpd="sng" algn="ctr">
-                      <a:solidFill>
-                        <a:schemeClr val="tx1"/>
-                      </a:solidFill>
-                      <a:prstDash val="solid"/>
-                      <a:round/>
-                      <a:headEnd type="none" w="med" len="med"/>
-                      <a:tailEnd type="none" w="med" len="med"/>
-                    </a:lnB>
-                    <a:noFill/>
-                  </a:tcPr>
-                </a:tc>
-                <a:tc>
-                  <a:txBody>
-                    <a:bodyPr/>
-                    <a:lstStyle/>
-                    <a:p>
-                      <a:pPr>
-                        <a:buNone/>
-                      </a:pPr>
-                      <a:r>
-                        <a:rPr lang="en-US" sz="3200" dirty="0"/>
-                        <a:t>Excel (with Copilot, Python, Agent Mode)</a:t>
-                      </a:r>
-                    </a:p>
-                  </a:txBody>
-                  <a:tcPr anchor="ctr">
-                    <a:lnL w="12700" cap="flat" cmpd="sng" algn="ctr">
-                      <a:solidFill>
-                        <a:schemeClr val="tx1"/>
-                      </a:solidFill>
-                      <a:prstDash val="solid"/>
-                      <a:round/>
-                      <a:headEnd type="none" w="med" len="med"/>
-                      <a:tailEnd type="none" w="med" len="med"/>
-                    </a:lnL>
-                    <a:lnR w="12700" cap="flat" cmpd="sng" algn="ctr">
-                      <a:solidFill>
-                        <a:schemeClr val="tx1"/>
-                      </a:solidFill>
-                      <a:prstDash val="solid"/>
-                      <a:round/>
-                      <a:headEnd type="none" w="med" len="med"/>
-                      <a:tailEnd type="none" w="med" len="med"/>
-                    </a:lnR>
-                    <a:lnT w="12700" cap="flat" cmpd="sng" algn="ctr">
-                      <a:solidFill>
-                        <a:schemeClr val="tx1"/>
-                      </a:solidFill>
-                      <a:prstDash val="solid"/>
-                      <a:round/>
-                      <a:headEnd type="none" w="med" len="med"/>
-                      <a:tailEnd type="none" w="med" len="med"/>
-                    </a:lnT>
-                    <a:lnB w="12700" cap="flat" cmpd="sng" algn="ctr">
-                      <a:solidFill>
-                        <a:schemeClr val="tx1"/>
-                      </a:solidFill>
-                      <a:prstDash val="solid"/>
-                      <a:round/>
-                      <a:headEnd type="none" w="med" len="med"/>
-                      <a:tailEnd type="none" w="med" len="med"/>
-                    </a:lnB>
-                    <a:noFill/>
-                  </a:tcPr>
-                </a:tc>
-                <a:extLst>
-                  <a:ext uri="{0D108BD9-81ED-4DB2-BD59-A6C34878D82A}">
-                    <a16:rowId xmlns:a16="http://schemas.microsoft.com/office/drawing/2014/main" val="1052852401"/>
-                  </a:ext>
-                </a:extLst>
-              </a:tr>
-              <a:tr h="1295036">
-                <a:tc>
-                  <a:txBody>
-                    <a:bodyPr/>
-                    <a:lstStyle/>
-                    <a:p>
-                      <a:pPr>
-                        <a:buNone/>
-                      </a:pPr>
-                      <a:r>
-                        <a:rPr lang="en-US" sz="3200" b="1"/>
-                        <a:t>4. Automation &amp; Extension</a:t>
-                      </a:r>
-                      <a:endParaRPr lang="en-US" sz="3200"/>
-                    </a:p>
-                  </a:txBody>
-                  <a:tcPr anchor="ctr">
-                    <a:lnL w="12700" cap="flat" cmpd="sng" algn="ctr">
-                      <a:solidFill>
-                        <a:schemeClr val="tx1"/>
-                      </a:solidFill>
-                      <a:prstDash val="solid"/>
-                      <a:round/>
-                      <a:headEnd type="none" w="med" len="med"/>
-                      <a:tailEnd type="none" w="med" len="med"/>
-                    </a:lnL>
-                    <a:lnR w="12700" cap="flat" cmpd="sng" algn="ctr">
-                      <a:solidFill>
-                        <a:schemeClr val="tx1"/>
-                      </a:solidFill>
-                      <a:prstDash val="solid"/>
-                      <a:round/>
-                      <a:headEnd type="none" w="med" len="med"/>
-                      <a:tailEnd type="none" w="med" len="med"/>
-                    </a:lnR>
-                    <a:lnT w="12700" cap="flat" cmpd="sng" algn="ctr">
-                      <a:solidFill>
-                        <a:schemeClr val="tx1"/>
-                      </a:solidFill>
-                      <a:prstDash val="solid"/>
-                      <a:round/>
-                      <a:headEnd type="none" w="med" len="med"/>
-                      <a:tailEnd type="none" w="med" len="med"/>
-                    </a:lnT>
-                    <a:lnB w="12700" cap="flat" cmpd="sng" algn="ctr">
-                      <a:solidFill>
-                        <a:schemeClr val="tx1"/>
-                      </a:solidFill>
-                      <a:prstDash val="solid"/>
-                      <a:round/>
-                      <a:headEnd type="none" w="med" len="med"/>
-                      <a:tailEnd type="none" w="med" len="med"/>
-                    </a:lnB>
-                    <a:noFill/>
-                  </a:tcPr>
-                </a:tc>
-                <a:tc>
-                  <a:txBody>
-                    <a:bodyPr/>
-                    <a:lstStyle/>
-                    <a:p>
-                      <a:pPr>
-                        <a:buNone/>
-                      </a:pPr>
-                      <a:r>
-                        <a:rPr lang="en-US" sz="3200" dirty="0"/>
-                        <a:t>Repeat, scale, and connect processes</a:t>
-                      </a:r>
-                    </a:p>
-                  </a:txBody>
-                  <a:tcPr anchor="ctr">
-                    <a:lnL w="12700" cap="flat" cmpd="sng" algn="ctr">
-                      <a:solidFill>
-                        <a:schemeClr val="tx1"/>
-                      </a:solidFill>
-                      <a:prstDash val="solid"/>
-                      <a:round/>
-                      <a:headEnd type="none" w="med" len="med"/>
-                      <a:tailEnd type="none" w="med" len="med"/>
-                    </a:lnL>
-                    <a:lnR w="12700" cap="flat" cmpd="sng" algn="ctr">
-                      <a:solidFill>
-                        <a:schemeClr val="tx1"/>
-                      </a:solidFill>
-                      <a:prstDash val="solid"/>
-                      <a:round/>
-                      <a:headEnd type="none" w="med" len="med"/>
-                      <a:tailEnd type="none" w="med" len="med"/>
-                    </a:lnR>
-                    <a:lnT w="12700" cap="flat" cmpd="sng" algn="ctr">
-                      <a:solidFill>
-                        <a:schemeClr val="tx1"/>
-                      </a:solidFill>
-                      <a:prstDash val="solid"/>
-                      <a:round/>
-                      <a:headEnd type="none" w="med" len="med"/>
-                      <a:tailEnd type="none" w="med" len="med"/>
-                    </a:lnT>
-                    <a:lnB w="12700" cap="flat" cmpd="sng" algn="ctr">
-                      <a:solidFill>
-                        <a:schemeClr val="tx1"/>
-                      </a:solidFill>
-                      <a:prstDash val="solid"/>
-                      <a:round/>
-                      <a:headEnd type="none" w="med" len="med"/>
-                      <a:tailEnd type="none" w="med" len="med"/>
-                    </a:lnB>
-                    <a:noFill/>
-                  </a:tcPr>
-                </a:tc>
-                <a:tc>
-                  <a:txBody>
-                    <a:bodyPr/>
-                    <a:lstStyle/>
-                    <a:p>
-                      <a:pPr>
-                        <a:buNone/>
-                      </a:pPr>
-                      <a:r>
-                        <a:rPr lang="en-US" sz="3200"/>
-                        <a:t>Office Scripts, Power Automate</a:t>
-                      </a:r>
-                    </a:p>
-                  </a:txBody>
-                  <a:tcPr anchor="ctr">
-                    <a:lnL w="12700" cap="flat" cmpd="sng" algn="ctr">
-                      <a:solidFill>
-                        <a:schemeClr val="tx1"/>
-                      </a:solidFill>
-                      <a:prstDash val="solid"/>
-                      <a:round/>
-                      <a:headEnd type="none" w="med" len="med"/>
-                      <a:tailEnd type="none" w="med" len="med"/>
-                    </a:lnL>
-                    <a:lnR w="12700" cap="flat" cmpd="sng" algn="ctr">
-                      <a:solidFill>
-                        <a:schemeClr val="tx1"/>
-                      </a:solidFill>
-                      <a:prstDash val="solid"/>
-                      <a:round/>
-                      <a:headEnd type="none" w="med" len="med"/>
-                      <a:tailEnd type="none" w="med" len="med"/>
-                    </a:lnR>
-                    <a:lnT w="12700" cap="flat" cmpd="sng" algn="ctr">
-                      <a:solidFill>
-                        <a:schemeClr val="tx1"/>
-                      </a:solidFill>
-                      <a:prstDash val="solid"/>
-                      <a:round/>
-                      <a:headEnd type="none" w="med" len="med"/>
-                      <a:tailEnd type="none" w="med" len="med"/>
-                    </a:lnT>
-                    <a:lnB w="12700" cap="flat" cmpd="sng" algn="ctr">
-                      <a:solidFill>
-                        <a:schemeClr val="tx1"/>
-                      </a:solidFill>
-                      <a:prstDash val="solid"/>
-                      <a:round/>
-                      <a:headEnd type="none" w="med" len="med"/>
-                      <a:tailEnd type="none" w="med" len="med"/>
-                    </a:lnB>
-                    <a:noFill/>
-                  </a:tcPr>
-                </a:tc>
-                <a:extLst>
-                  <a:ext uri="{0D108BD9-81ED-4DB2-BD59-A6C34878D82A}">
-                    <a16:rowId xmlns:a16="http://schemas.microsoft.com/office/drawing/2014/main" val="2692917109"/>
-                  </a:ext>
-                </a:extLst>
-              </a:tr>
-              <a:tr h="1295036">
-                <a:tc>
-                  <a:txBody>
-                    <a:bodyPr/>
-                    <a:lstStyle/>
-                    <a:p>
-                      <a:pPr>
-                        <a:buNone/>
-                      </a:pPr>
-                      <a:r>
-                        <a:rPr lang="en-US" sz="3200" b="1"/>
-                        <a:t>5. Customization &amp; Governance</a:t>
-                      </a:r>
-                      <a:endParaRPr lang="en-US" sz="3200"/>
-                    </a:p>
-                  </a:txBody>
-                  <a:tcPr anchor="ctr">
-                    <a:lnL w="12700" cap="flat" cmpd="sng" algn="ctr">
-                      <a:solidFill>
-                        <a:schemeClr val="tx1"/>
-                      </a:solidFill>
-                      <a:prstDash val="solid"/>
-                      <a:round/>
-                      <a:headEnd type="none" w="med" len="med"/>
-                      <a:tailEnd type="none" w="med" len="med"/>
-                    </a:lnL>
-                    <a:lnR w="12700" cap="flat" cmpd="sng" algn="ctr">
-                      <a:solidFill>
-                        <a:schemeClr val="tx1"/>
-                      </a:solidFill>
-                      <a:prstDash val="solid"/>
-                      <a:round/>
-                      <a:headEnd type="none" w="med" len="med"/>
-                      <a:tailEnd type="none" w="med" len="med"/>
-                    </a:lnR>
-                    <a:lnT w="12700" cap="flat" cmpd="sng" algn="ctr">
-                      <a:solidFill>
-                        <a:schemeClr val="tx1"/>
-                      </a:solidFill>
-                      <a:prstDash val="solid"/>
-                      <a:round/>
-                      <a:headEnd type="none" w="med" len="med"/>
-                      <a:tailEnd type="none" w="med" len="med"/>
-                    </a:lnT>
-                    <a:lnB w="12700" cap="flat" cmpd="sng" algn="ctr">
-                      <a:solidFill>
-                        <a:schemeClr val="tx1"/>
-                      </a:solidFill>
-                      <a:prstDash val="solid"/>
-                      <a:round/>
-                      <a:headEnd type="none" w="med" len="med"/>
-                      <a:tailEnd type="none" w="med" len="med"/>
-                    </a:lnB>
-                    <a:noFill/>
-                  </a:tcPr>
-                </a:tc>
-                <a:tc>
-                  <a:txBody>
-                    <a:bodyPr/>
-                    <a:lstStyle/>
-                    <a:p>
-                      <a:pPr>
-                        <a:buNone/>
-                      </a:pPr>
-                      <a:r>
-                        <a:rPr lang="en-US" sz="3200"/>
-                        <a:t>Control, deploy, and monitor AI agents</a:t>
-                      </a:r>
-                    </a:p>
-                  </a:txBody>
-                  <a:tcPr anchor="ctr">
-                    <a:lnL w="12700" cap="flat" cmpd="sng" algn="ctr">
-                      <a:solidFill>
-                        <a:schemeClr val="tx1"/>
-                      </a:solidFill>
-                      <a:prstDash val="solid"/>
-                      <a:round/>
-                      <a:headEnd type="none" w="med" len="med"/>
-                      <a:tailEnd type="none" w="med" len="med"/>
-                    </a:lnL>
-                    <a:lnR w="12700" cap="flat" cmpd="sng" algn="ctr">
-                      <a:solidFill>
-                        <a:schemeClr val="tx1"/>
-                      </a:solidFill>
-                      <a:prstDash val="solid"/>
-                      <a:round/>
-                      <a:headEnd type="none" w="med" len="med"/>
-                      <a:tailEnd type="none" w="med" len="med"/>
-                    </a:lnR>
-                    <a:lnT w="12700" cap="flat" cmpd="sng" algn="ctr">
-                      <a:solidFill>
-                        <a:schemeClr val="tx1"/>
-                      </a:solidFill>
-                      <a:prstDash val="solid"/>
-                      <a:round/>
-                      <a:headEnd type="none" w="med" len="med"/>
-                      <a:tailEnd type="none" w="med" len="med"/>
-                    </a:lnT>
-                    <a:lnB w="12700" cap="flat" cmpd="sng" algn="ctr">
-                      <a:solidFill>
-                        <a:schemeClr val="tx1"/>
-                      </a:solidFill>
-                      <a:prstDash val="solid"/>
-                      <a:round/>
-                      <a:headEnd type="none" w="med" len="med"/>
-                      <a:tailEnd type="none" w="med" len="med"/>
-                    </a:lnB>
-                    <a:noFill/>
-                  </a:tcPr>
-                </a:tc>
-                <a:tc>
-                  <a:txBody>
-                    <a:bodyPr/>
-                    <a:lstStyle/>
-                    <a:p>
-                      <a:pPr>
-                        <a:buNone/>
-                      </a:pPr>
-                      <a:r>
-                        <a:rPr lang="en-US" sz="3200" dirty="0"/>
-                        <a:t>Copilot Studio</a:t>
-                      </a:r>
-                    </a:p>
-                  </a:txBody>
-                  <a:tcPr anchor="ctr">
-                    <a:lnL w="12700" cap="flat" cmpd="sng" algn="ctr">
-                      <a:solidFill>
-                        <a:schemeClr val="tx1"/>
-                      </a:solidFill>
-                      <a:prstDash val="solid"/>
-                      <a:round/>
-                      <a:headEnd type="none" w="med" len="med"/>
-                      <a:tailEnd type="none" w="med" len="med"/>
-                    </a:lnL>
-                    <a:lnR w="12700" cap="flat" cmpd="sng" algn="ctr">
-                      <a:solidFill>
-                        <a:schemeClr val="tx1"/>
-                      </a:solidFill>
-                      <a:prstDash val="solid"/>
-                      <a:round/>
-                      <a:headEnd type="none" w="med" len="med"/>
-                      <a:tailEnd type="none" w="med" len="med"/>
-                    </a:lnR>
-                    <a:lnT w="12700" cap="flat" cmpd="sng" algn="ctr">
-                      <a:solidFill>
-                        <a:schemeClr val="tx1"/>
-                      </a:solidFill>
-                      <a:prstDash val="solid"/>
-                      <a:round/>
-                      <a:headEnd type="none" w="med" len="med"/>
-                      <a:tailEnd type="none" w="med" len="med"/>
-                    </a:lnT>
-                    <a:lnB w="12700" cap="flat" cmpd="sng" algn="ctr">
-                      <a:solidFill>
-                        <a:schemeClr val="tx1"/>
-                      </a:solidFill>
-                      <a:prstDash val="solid"/>
-                      <a:round/>
-                      <a:headEnd type="none" w="med" len="med"/>
-                      <a:tailEnd type="none" w="med" len="med"/>
-                    </a:lnB>
-                    <a:noFill/>
-                  </a:tcPr>
-                </a:tc>
-                <a:extLst>
-                  <a:ext uri="{0D108BD9-81ED-4DB2-BD59-A6C34878D82A}">
-                    <a16:rowId xmlns:a16="http://schemas.microsoft.com/office/drawing/2014/main" val="4036899994"/>
-                  </a:ext>
-                </a:extLst>
-              </a:tr>
-            </a:tbl>
-          </a:graphicData>
-        </a:graphic>
-      </p:graphicFrame>
+          <p:cNvPicPr>
+            <a:picLocks noChangeAspect="1" noChangeArrowheads="1"/>
+          </p:cNvPicPr>
+          <p:nvPr/>
+        </p:nvPicPr>
+        <p:blipFill>
+          <a:blip r:embed="rId4">
+            <a:extLst>
+              <a:ext uri="{28A0092B-C50C-407E-A947-70E740481C1C}">
+                <a14:useLocalDpi xmlns:a14="http://schemas.microsoft.com/office/drawing/2010/main" val="0"/>
+              </a:ext>
+            </a:extLst>
+          </a:blip>
+          <a:srcRect/>
+          <a:stretch>
+            <a:fillRect/>
+          </a:stretch>
+        </p:blipFill>
+        <p:spPr bwMode="auto">
+          <a:xfrm>
+            <a:off x="4267200" y="266700"/>
+            <a:ext cx="9753600" cy="9753600"/>
+          </a:xfrm>
+          <a:prstGeom prst="rect">
+            <a:avLst/>
+          </a:prstGeom>
+          <a:noFill/>
+          <a:extLst>
+            <a:ext uri="{909E8E84-426E-40DD-AFC4-6F175D3DCCD1}">
+              <a14:hiddenFill xmlns:a14="http://schemas.microsoft.com/office/drawing/2010/main">
+                <a:solidFill>
+                  <a:srgbClr val="FFFFFF"/>
+                </a:solidFill>
+              </a14:hiddenFill>
+            </a:ext>
+          </a:extLst>
+        </p:spPr>
+      </p:pic>
+      <p:sp>
+        <p:nvSpPr>
+          <p:cNvPr id="4" name="TextBox 3">
+            <a:extLst>
+              <a:ext uri="{FF2B5EF4-FFF2-40B4-BE49-F238E27FC236}">
+                <a16:creationId xmlns:a16="http://schemas.microsoft.com/office/drawing/2014/main" id="{94252A70-2368-1C9D-63DF-7611C458B4EF}"/>
+              </a:ext>
+            </a:extLst>
+          </p:cNvPr>
+          <p:cNvSpPr txBox="1"/>
+          <p:nvPr/>
+        </p:nvSpPr>
+        <p:spPr>
+          <a:xfrm>
+            <a:off x="516282" y="8648700"/>
+            <a:ext cx="2590800" cy="1200329"/>
+          </a:xfrm>
+          <a:prstGeom prst="rect">
+            <a:avLst/>
+          </a:prstGeom>
+          <a:noFill/>
+        </p:spPr>
+        <p:txBody>
+          <a:bodyPr wrap="square">
+            <a:spAutoFit/>
+          </a:bodyPr>
+          <a:lstStyle/>
+          <a:p>
+            <a:r>
+              <a:rPr lang="en-US" dirty="0"/>
+              <a:t>https://stringfestanalytics.com/how-to-understand-the-modern-excel-ai-stack/</a:t>
+            </a:r>
+          </a:p>
+        </p:txBody>
+      </p:sp>
     </p:spTree>
     <p:extLst>
       <p:ext uri="{BB962C8B-B14F-4D97-AF65-F5344CB8AC3E}">
-        <p14:creationId xmlns:p14="http://schemas.microsoft.com/office/powerpoint/2010/main" val="2677091631"/>
+        <p14:creationId xmlns:p14="http://schemas.microsoft.com/office/powerpoint/2010/main" val="1116754903"/>
       </p:ext>
     </p:extLst>
   </p:cSld>

--- a/first-excel-agent.pptx
+++ b/first-excel-agent.pptx
@@ -5,33 +5,36 @@
     <p:sldMasterId id="2147483648" r:id="rId1"/>
   </p:sldMasterIdLst>
   <p:notesMasterIdLst>
-    <p:notesMasterId r:id="rId16"/>
+    <p:notesMasterId r:id="rId19"/>
   </p:notesMasterIdLst>
   <p:sldIdLst>
-    <p:sldId id="256" r:id="rId2"/>
+    <p:sldId id="444" r:id="rId2"/>
     <p:sldId id="425" r:id="rId3"/>
     <p:sldId id="426" r:id="rId4"/>
     <p:sldId id="435" r:id="rId5"/>
     <p:sldId id="436" r:id="rId6"/>
-    <p:sldId id="437" r:id="rId7"/>
-    <p:sldId id="438" r:id="rId8"/>
-    <p:sldId id="443" r:id="rId9"/>
+    <p:sldId id="471" r:id="rId7"/>
+    <p:sldId id="437" r:id="rId8"/>
+    <p:sldId id="438" r:id="rId9"/>
     <p:sldId id="407" r:id="rId10"/>
-    <p:sldId id="439" r:id="rId11"/>
-    <p:sldId id="441" r:id="rId12"/>
-    <p:sldId id="442" r:id="rId13"/>
-    <p:sldId id="415" r:id="rId14"/>
-    <p:sldId id="427" r:id="rId15"/>
+    <p:sldId id="443" r:id="rId11"/>
+    <p:sldId id="467" r:id="rId12"/>
+    <p:sldId id="470" r:id="rId13"/>
+    <p:sldId id="446" r:id="rId14"/>
+    <p:sldId id="469" r:id="rId15"/>
+    <p:sldId id="442" r:id="rId16"/>
+    <p:sldId id="415" r:id="rId17"/>
+    <p:sldId id="468" r:id="rId18"/>
   </p:sldIdLst>
   <p:sldSz cx="18288000" cy="10287000"/>
   <p:notesSz cx="6858000" cy="9144000"/>
   <p:embeddedFontLst>
     <p:embeddedFont>
       <p:font typeface="Consolas" panose="020B0609020204030204" pitchFamily="49" charset="0"/>
-      <p:regular r:id="rId17"/>
-      <p:bold r:id="rId18"/>
-      <p:italic r:id="rId19"/>
-      <p:boldItalic r:id="rId20"/>
+      <p:regular r:id="rId20"/>
+      <p:bold r:id="rId21"/>
+      <p:italic r:id="rId22"/>
+      <p:boldItalic r:id="rId23"/>
     </p:embeddedFont>
   </p:embeddedFontLst>
   <p:defaultTextStyle>
@@ -6164,7 +6167,7 @@
           <a:p>
             <a:fld id="{17A98A70-FA8C-4354-959C-C70678AC9BCF}" type="datetimeFigureOut">
               <a:rPr lang="en-US" smtClean="0"/>
-              <a:t>11/9/2025</a:t>
+              <a:t>11/11/2025</a:t>
             </a:fld>
             <a:endParaRPr lang="en-US"/>
           </a:p>
@@ -6436,6 +6439,138 @@
   <p:cSld>
     <p:spTree>
       <p:nvGrpSpPr>
+        <p:cNvPr id="1" name="">
+          <a:extLst>
+            <a:ext uri="{FF2B5EF4-FFF2-40B4-BE49-F238E27FC236}">
+              <a16:creationId xmlns:a16="http://schemas.microsoft.com/office/drawing/2014/main" id="{D25235D5-173D-7E79-17DB-4B2F9677D6A1}"/>
+            </a:ext>
+          </a:extLst>
+        </p:cNvPr>
+        <p:cNvGrpSpPr/>
+        <p:nvPr/>
+      </p:nvGrpSpPr>
+      <p:grpSpPr>
+        <a:xfrm>
+          <a:off x="0" y="0"/>
+          <a:ext cx="0" cy="0"/>
+          <a:chOff x="0" y="0"/>
+          <a:chExt cx="0" cy="0"/>
+        </a:xfrm>
+      </p:grpSpPr>
+      <p:sp>
+        <p:nvSpPr>
+          <p:cNvPr id="2" name="Slide Image Placeholder 1">
+            <a:extLst>
+              <a:ext uri="{FF2B5EF4-FFF2-40B4-BE49-F238E27FC236}">
+                <a16:creationId xmlns:a16="http://schemas.microsoft.com/office/drawing/2014/main" id="{322173F3-81EB-36E0-5B1E-56098D6D4318}"/>
+              </a:ext>
+            </a:extLst>
+          </p:cNvPr>
+          <p:cNvSpPr>
+            <a:spLocks noGrp="1" noRot="1" noChangeAspect="1"/>
+          </p:cNvSpPr>
+          <p:nvPr>
+            <p:ph type="sldImg"/>
+          </p:nvPr>
+        </p:nvSpPr>
+        <p:spPr/>
+      </p:sp>
+      <p:sp>
+        <p:nvSpPr>
+          <p:cNvPr id="3" name="Notes Placeholder 2">
+            <a:extLst>
+              <a:ext uri="{FF2B5EF4-FFF2-40B4-BE49-F238E27FC236}">
+                <a16:creationId xmlns:a16="http://schemas.microsoft.com/office/drawing/2014/main" id="{CBE57913-0448-2B5D-AB0C-7861C360FFC1}"/>
+              </a:ext>
+            </a:extLst>
+          </p:cNvPr>
+          <p:cNvSpPr>
+            <a:spLocks noGrp="1"/>
+          </p:cNvSpPr>
+          <p:nvPr>
+            <p:ph type="body" idx="1"/>
+          </p:nvPr>
+        </p:nvSpPr>
+        <p:spPr/>
+        <p:txBody>
+          <a:bodyPr/>
+          <a:lstStyle/>
+          <a:p>
+            <a:pPr marL="228600" indent="-228600">
+              <a:buAutoNum type="arabicPeriod"/>
+            </a:pPr>
+            <a:r>
+              <a:rPr lang="en-US" dirty="0"/>
+              <a:t>False!</a:t>
+            </a:r>
+          </a:p>
+          <a:p>
+            <a:pPr marL="228600" indent="-228600">
+              <a:buAutoNum type="arabicPeriod"/>
+            </a:pPr>
+            <a:r>
+              <a:rPr lang="en-US" dirty="0"/>
+              <a:t>Function, Formula, Function</a:t>
+            </a:r>
+          </a:p>
+          <a:p>
+            <a:pPr marL="228600" indent="-228600">
+              <a:buAutoNum type="arabicPeriod"/>
+            </a:pPr>
+            <a:r>
+              <a:rPr lang="en-US" dirty="0"/>
+              <a:t>Argument</a:t>
+            </a:r>
+          </a:p>
+        </p:txBody>
+      </p:sp>
+      <p:sp>
+        <p:nvSpPr>
+          <p:cNvPr id="4" name="Slide Number Placeholder 3">
+            <a:extLst>
+              <a:ext uri="{FF2B5EF4-FFF2-40B4-BE49-F238E27FC236}">
+                <a16:creationId xmlns:a16="http://schemas.microsoft.com/office/drawing/2014/main" id="{A02CB03B-FCC0-A40A-B1C4-9F60245A8137}"/>
+              </a:ext>
+            </a:extLst>
+          </p:cNvPr>
+          <p:cNvSpPr>
+            <a:spLocks noGrp="1"/>
+          </p:cNvSpPr>
+          <p:nvPr>
+            <p:ph type="sldNum" sz="quarter" idx="5"/>
+          </p:nvPr>
+        </p:nvSpPr>
+        <p:spPr/>
+        <p:txBody>
+          <a:bodyPr/>
+          <a:lstStyle/>
+          <a:p>
+            <a:fld id="{1300335D-9F13-4B80-ADC5-B0EA3E10FF6B}" type="slidenum">
+              <a:rPr lang="en-US" smtClean="0"/>
+              <a:t>6</a:t>
+            </a:fld>
+            <a:endParaRPr lang="en-US"/>
+          </a:p>
+        </p:txBody>
+      </p:sp>
+    </p:spTree>
+    <p:extLst>
+      <p:ext uri="{BB962C8B-B14F-4D97-AF65-F5344CB8AC3E}">
+        <p14:creationId xmlns:p14="http://schemas.microsoft.com/office/powerpoint/2010/main" val="683163244"/>
+      </p:ext>
+    </p:extLst>
+  </p:cSld>
+  <p:clrMapOvr>
+    <a:masterClrMapping/>
+  </p:clrMapOvr>
+</p:notes>
+</file>
+
+<file path=ppt/notesSlides/notesSlide2.xml><?xml version="1.0" encoding="utf-8"?>
+<p:notes xmlns:a="http://schemas.openxmlformats.org/drawingml/2006/main" xmlns:r="http://schemas.openxmlformats.org/officeDocument/2006/relationships" xmlns:p="http://schemas.openxmlformats.org/presentationml/2006/main">
+  <p:cSld>
+    <p:spTree>
+      <p:nvGrpSpPr>
         <p:cNvPr id="1" name=""/>
         <p:cNvGrpSpPr/>
         <p:nvPr/>
@@ -6544,7 +6679,7 @@
           <a:p>
             <a:fld id="{FFB500C5-13F7-48FC-8160-C29AECF6C602}" type="slidenum">
               <a:rPr lang="en-US" smtClean="0"/>
-              <a:t>7</a:t>
+              <a:t>8</a:t>
             </a:fld>
             <a:endParaRPr lang="en-US"/>
           </a:p>
@@ -6563,7 +6698,97 @@
 </p:notes>
 </file>
 
-<file path=ppt/notesSlides/notesSlide2.xml><?xml version="1.0" encoding="utf-8"?>
+<file path=ppt/notesSlides/notesSlide3.xml><?xml version="1.0" encoding="utf-8"?>
+<p:notes xmlns:a="http://schemas.openxmlformats.org/drawingml/2006/main" xmlns:r="http://schemas.openxmlformats.org/officeDocument/2006/relationships" xmlns:p="http://schemas.openxmlformats.org/presentationml/2006/main">
+  <p:cSld>
+    <p:spTree>
+      <p:nvGrpSpPr>
+        <p:cNvPr id="1" name=""/>
+        <p:cNvGrpSpPr/>
+        <p:nvPr/>
+      </p:nvGrpSpPr>
+      <p:grpSpPr>
+        <a:xfrm>
+          <a:off x="0" y="0"/>
+          <a:ext cx="0" cy="0"/>
+          <a:chOff x="0" y="0"/>
+          <a:chExt cx="0" cy="0"/>
+        </a:xfrm>
+      </p:grpSpPr>
+      <p:sp>
+        <p:nvSpPr>
+          <p:cNvPr id="2" name="Slide Image Placeholder 1"/>
+          <p:cNvSpPr>
+            <a:spLocks noGrp="1" noRot="1" noChangeAspect="1"/>
+          </p:cNvSpPr>
+          <p:nvPr>
+            <p:ph type="sldImg"/>
+          </p:nvPr>
+        </p:nvSpPr>
+        <p:spPr/>
+      </p:sp>
+      <p:sp>
+        <p:nvSpPr>
+          <p:cNvPr id="3" name="Notes Placeholder 2"/>
+          <p:cNvSpPr>
+            <a:spLocks noGrp="1"/>
+          </p:cNvSpPr>
+          <p:nvPr>
+            <p:ph type="body" idx="1"/>
+          </p:nvPr>
+        </p:nvSpPr>
+        <p:spPr/>
+        <p:txBody>
+          <a:bodyPr/>
+          <a:lstStyle/>
+          <a:p>
+            <a:pPr marL="0" indent="0">
+              <a:buNone/>
+            </a:pPr>
+            <a:r>
+              <a:rPr lang="en-US" dirty="0"/>
+              <a:t>https://stringfestanalytics.com/how-to-get-started-with-agent-mode-in-excel/</a:t>
+            </a:r>
+          </a:p>
+        </p:txBody>
+      </p:sp>
+      <p:sp>
+        <p:nvSpPr>
+          <p:cNvPr id="4" name="Slide Number Placeholder 3"/>
+          <p:cNvSpPr>
+            <a:spLocks noGrp="1"/>
+          </p:cNvSpPr>
+          <p:nvPr>
+            <p:ph type="sldNum" sz="quarter" idx="5"/>
+          </p:nvPr>
+        </p:nvSpPr>
+        <p:spPr/>
+        <p:txBody>
+          <a:bodyPr/>
+          <a:lstStyle/>
+          <a:p>
+            <a:fld id="{1300335D-9F13-4B80-ADC5-B0EA3E10FF6B}" type="slidenum">
+              <a:rPr lang="en-US" smtClean="0"/>
+              <a:t>9</a:t>
+            </a:fld>
+            <a:endParaRPr lang="en-US"/>
+          </a:p>
+        </p:txBody>
+      </p:sp>
+    </p:spTree>
+    <p:extLst>
+      <p:ext uri="{BB962C8B-B14F-4D97-AF65-F5344CB8AC3E}">
+        <p14:creationId xmlns:p14="http://schemas.microsoft.com/office/powerpoint/2010/main" val="624549242"/>
+      </p:ext>
+    </p:extLst>
+  </p:cSld>
+  <p:clrMapOvr>
+    <a:masterClrMapping/>
+  </p:clrMapOvr>
+</p:notes>
+</file>
+
+<file path=ppt/notesSlides/notesSlide4.xml><?xml version="1.0" encoding="utf-8"?>
 <p:notes xmlns:a="http://schemas.openxmlformats.org/drawingml/2006/main" xmlns:r="http://schemas.openxmlformats.org/officeDocument/2006/relationships" xmlns:p="http://schemas.openxmlformats.org/presentationml/2006/main">
   <p:cSld>
     <p:spTree>
@@ -6700,7 +6925,7 @@
           <a:p>
             <a:fld id="{FFB500C5-13F7-48FC-8160-C29AECF6C602}" type="slidenum">
               <a:rPr lang="en-US" smtClean="0"/>
-              <a:t>8</a:t>
+              <a:t>10</a:t>
             </a:fld>
             <a:endParaRPr lang="en-US"/>
           </a:p>
@@ -6719,7 +6944,121 @@
 </p:notes>
 </file>
 
-<file path=ppt/notesSlides/notesSlide3.xml><?xml version="1.0" encoding="utf-8"?>
+<file path=ppt/notesSlides/notesSlide5.xml><?xml version="1.0" encoding="utf-8"?>
+<p:notes xmlns:a="http://schemas.openxmlformats.org/drawingml/2006/main" xmlns:r="http://schemas.openxmlformats.org/officeDocument/2006/relationships" xmlns:p="http://schemas.openxmlformats.org/presentationml/2006/main">
+  <p:cSld>
+    <p:spTree>
+      <p:nvGrpSpPr>
+        <p:cNvPr id="1" name="">
+          <a:extLst>
+            <a:ext uri="{FF2B5EF4-FFF2-40B4-BE49-F238E27FC236}">
+              <a16:creationId xmlns:a16="http://schemas.microsoft.com/office/drawing/2014/main" id="{3814B1B5-A60D-967D-49BC-6F3ABD430E95}"/>
+            </a:ext>
+          </a:extLst>
+        </p:cNvPr>
+        <p:cNvGrpSpPr/>
+        <p:nvPr/>
+      </p:nvGrpSpPr>
+      <p:grpSpPr>
+        <a:xfrm>
+          <a:off x="0" y="0"/>
+          <a:ext cx="0" cy="0"/>
+          <a:chOff x="0" y="0"/>
+          <a:chExt cx="0" cy="0"/>
+        </a:xfrm>
+      </p:grpSpPr>
+      <p:sp>
+        <p:nvSpPr>
+          <p:cNvPr id="2" name="Slide Image Placeholder 1">
+            <a:extLst>
+              <a:ext uri="{FF2B5EF4-FFF2-40B4-BE49-F238E27FC236}">
+                <a16:creationId xmlns:a16="http://schemas.microsoft.com/office/drawing/2014/main" id="{8BF92654-5E87-00BA-6746-303D497ED469}"/>
+              </a:ext>
+            </a:extLst>
+          </p:cNvPr>
+          <p:cNvSpPr>
+            <a:spLocks noGrp="1" noRot="1" noChangeAspect="1"/>
+          </p:cNvSpPr>
+          <p:nvPr>
+            <p:ph type="sldImg"/>
+          </p:nvPr>
+        </p:nvSpPr>
+        <p:spPr/>
+      </p:sp>
+      <p:sp>
+        <p:nvSpPr>
+          <p:cNvPr id="3" name="Notes Placeholder 2">
+            <a:extLst>
+              <a:ext uri="{FF2B5EF4-FFF2-40B4-BE49-F238E27FC236}">
+                <a16:creationId xmlns:a16="http://schemas.microsoft.com/office/drawing/2014/main" id="{1EBC1A70-63B8-CA42-42BB-70F21EDD71D7}"/>
+              </a:ext>
+            </a:extLst>
+          </p:cNvPr>
+          <p:cNvSpPr>
+            <a:spLocks noGrp="1"/>
+          </p:cNvSpPr>
+          <p:nvPr>
+            <p:ph type="body" idx="1"/>
+          </p:nvPr>
+        </p:nvSpPr>
+        <p:spPr/>
+        <p:txBody>
+          <a:bodyPr/>
+          <a:lstStyle/>
+          <a:p>
+            <a:pPr marL="0" indent="0">
+              <a:buNone/>
+            </a:pPr>
+            <a:r>
+              <a:rPr lang="en-US" dirty="0"/>
+              <a:t>https://stringfestanalytics.com/how-to-turn-your-excel-workbook-into-a-chatbot-with-copilot-studio/</a:t>
+            </a:r>
+          </a:p>
+        </p:txBody>
+      </p:sp>
+      <p:sp>
+        <p:nvSpPr>
+          <p:cNvPr id="4" name="Slide Number Placeholder 3">
+            <a:extLst>
+              <a:ext uri="{FF2B5EF4-FFF2-40B4-BE49-F238E27FC236}">
+                <a16:creationId xmlns:a16="http://schemas.microsoft.com/office/drawing/2014/main" id="{62A5ACB8-FCC1-D3E3-8AE3-DDDF3FBF49DE}"/>
+              </a:ext>
+            </a:extLst>
+          </p:cNvPr>
+          <p:cNvSpPr>
+            <a:spLocks noGrp="1"/>
+          </p:cNvSpPr>
+          <p:nvPr>
+            <p:ph type="sldNum" sz="quarter" idx="5"/>
+          </p:nvPr>
+        </p:nvSpPr>
+        <p:spPr/>
+        <p:txBody>
+          <a:bodyPr/>
+          <a:lstStyle/>
+          <a:p>
+            <a:fld id="{1300335D-9F13-4B80-ADC5-B0EA3E10FF6B}" type="slidenum">
+              <a:rPr lang="en-US" smtClean="0"/>
+              <a:t>11</a:t>
+            </a:fld>
+            <a:endParaRPr lang="en-US"/>
+          </a:p>
+        </p:txBody>
+      </p:sp>
+    </p:spTree>
+    <p:extLst>
+      <p:ext uri="{BB962C8B-B14F-4D97-AF65-F5344CB8AC3E}">
+        <p14:creationId xmlns:p14="http://schemas.microsoft.com/office/powerpoint/2010/main" val="2699619239"/>
+      </p:ext>
+    </p:extLst>
+  </p:cSld>
+  <p:clrMapOvr>
+    <a:masterClrMapping/>
+  </p:clrMapOvr>
+</p:notes>
+</file>
+
+<file path=ppt/notesSlides/notesSlide6.xml><?xml version="1.0" encoding="utf-8"?>
 <p:notes xmlns:a="http://schemas.openxmlformats.org/drawingml/2006/main" xmlns:r="http://schemas.openxmlformats.org/officeDocument/2006/relationships" xmlns:p="http://schemas.openxmlformats.org/presentationml/2006/main">
   <p:cSld>
     <p:spTree>
@@ -6763,31 +7102,81 @@
           <a:bodyPr/>
           <a:lstStyle/>
           <a:p>
-            <a:pPr marL="228600" indent="-228600">
-              <a:buAutoNum type="arabicPeriod"/>
-            </a:pPr>
             <a:r>
               <a:rPr lang="en-US" dirty="0"/>
-              <a:t>False!</a:t>
-            </a:r>
-          </a:p>
-          <a:p>
-            <a:pPr marL="228600" indent="-228600">
-              <a:buAutoNum type="arabicPeriod"/>
-            </a:pPr>
+              <a:t>This diagram shows what an automated AI workflow looks like — a sequence of predefined steps that move from a trigger to a final output. You can think of it as a chain reaction: something starts the process, different actions happen automatically, and along the way, AI steps in to add intelligence or decision-making.</a:t>
+            </a:r>
+          </a:p>
+          <a:p>
             <a:r>
               <a:rPr lang="en-US" dirty="0"/>
-              <a:t>Function, Formula, Function</a:t>
-            </a:r>
-          </a:p>
-          <a:p>
-            <a:pPr marL="228600" indent="-228600">
-              <a:buAutoNum type="arabicPeriod"/>
-            </a:pPr>
+              <a:t>It all begins with a </a:t>
+            </a:r>
+            <a:r>
+              <a:rPr lang="en-US" b="1" dirty="0"/>
+              <a:t>trigger</a:t>
+            </a:r>
             <a:r>
               <a:rPr lang="en-US" dirty="0"/>
-              <a:t>Argument</a:t>
-            </a:r>
+              <a:t> — something that tells the workflow to start. In Excel or Power Automate, that could be a new row added to a table, a file uploaded to OneDrive, or even a scheduled time like “every Monday morning.” The trigger is what kicks everything off without you having to manually do anything.</a:t>
+            </a:r>
+          </a:p>
+          <a:p>
+            <a:r>
+              <a:rPr lang="en-US" dirty="0"/>
+              <a:t>Then we have </a:t>
+            </a:r>
+            <a:r>
+              <a:rPr lang="en-US" b="1" dirty="0"/>
+              <a:t>Step 1</a:t>
+            </a:r>
+            <a:r>
+              <a:rPr lang="en-US" dirty="0"/>
+              <a:t>, which is often a preparation step. Maybe it’s collecting the data, formatting it, or sending it into Excel. This could be where Power Automate connects to a SharePoint list, a form submission, or a Teams message and feeds that data into your workbook.</a:t>
+            </a:r>
+          </a:p>
+          <a:p>
+            <a:r>
+              <a:rPr lang="en-US" dirty="0"/>
+              <a:t>Next comes the </a:t>
+            </a:r>
+            <a:r>
+              <a:rPr lang="en-US" b="1" dirty="0"/>
+              <a:t>AI Step</a:t>
+            </a:r>
+            <a:r>
+              <a:rPr lang="en-US" dirty="0"/>
+              <a:t> — this is where Copilot or another AI model gets involved. This could be an AI Builder action inside Power Automate that summarizes text, classifies feedback, or extracts key details from a document. Or it might be Copilot inside Excel generating a formula, building a chart, or explaining data patterns automatically. The AI step takes what used to be manual analysis and turns it into an automated, intelligent action.</a:t>
+            </a:r>
+          </a:p>
+          <a:p>
+            <a:r>
+              <a:rPr lang="en-US" dirty="0"/>
+              <a:t>After that, there can be more steps — maybe sending results back to Excel, notifying someone in Teams, or updating a dashboard. Each step builds on the last, flowing seamlessly without human intervention.</a:t>
+            </a:r>
+          </a:p>
+          <a:p>
+            <a:r>
+              <a:rPr lang="en-US" dirty="0"/>
+              <a:t>Finally, we reach the </a:t>
+            </a:r>
+            <a:r>
+              <a:rPr lang="en-US" b="1" dirty="0"/>
+              <a:t>output</a:t>
+            </a:r>
+            <a:r>
+              <a:rPr lang="en-US" dirty="0"/>
+              <a:t>, which is the end goal of the automation. That might be a refreshed Excel report, an email summary, or a new dataset ready for review. The beauty of it is that the whole process runs automatically once it’s designed — no constant copying, pasting, or checking formulas.</a:t>
+            </a:r>
+          </a:p>
+          <a:p>
+            <a:r>
+              <a:rPr lang="en-US" dirty="0"/>
+              <a:t>So, in short, this kind of workflow connects automation tools like Power Automate with AI capabilities from Copilot or AI Builder to take everyday Excel tasks — things like reporting, data cleaning, or summarizing — and turn them into intelligent, repeatable processes.</a:t>
+            </a:r>
+          </a:p>
+          <a:p>
+            <a:endParaRPr lang="en-US" dirty="0"/>
           </a:p>
         </p:txBody>
       </p:sp>
@@ -6806,9 +7195,9 @@
           <a:bodyPr/>
           <a:lstStyle/>
           <a:p>
-            <a:fld id="{1300335D-9F13-4B80-ADC5-B0EA3E10FF6B}" type="slidenum">
+            <a:fld id="{FFB500C5-13F7-48FC-8160-C29AECF6C602}" type="slidenum">
               <a:rPr lang="en-US" smtClean="0"/>
-              <a:t>9</a:t>
+              <a:t>13</a:t>
             </a:fld>
             <a:endParaRPr lang="en-US"/>
           </a:p>
@@ -6817,7 +7206,7 @@
     </p:spTree>
     <p:extLst>
       <p:ext uri="{BB962C8B-B14F-4D97-AF65-F5344CB8AC3E}">
-        <p14:creationId xmlns:p14="http://schemas.microsoft.com/office/powerpoint/2010/main" val="624549242"/>
+        <p14:creationId xmlns:p14="http://schemas.microsoft.com/office/powerpoint/2010/main" val="4064505773"/>
       </p:ext>
     </p:extLst>
   </p:cSld>
@@ -6827,255 +7216,7 @@
 </p:notes>
 </file>
 
-<file path=ppt/notesSlides/notesSlide4.xml><?xml version="1.0" encoding="utf-8"?>
-<p:notes xmlns:a="http://schemas.openxmlformats.org/drawingml/2006/main" xmlns:r="http://schemas.openxmlformats.org/officeDocument/2006/relationships" xmlns:p="http://schemas.openxmlformats.org/presentationml/2006/main">
-  <p:cSld>
-    <p:spTree>
-      <p:nvGrpSpPr>
-        <p:cNvPr id="1" name="">
-          <a:extLst>
-            <a:ext uri="{FF2B5EF4-FFF2-40B4-BE49-F238E27FC236}">
-              <a16:creationId xmlns:a16="http://schemas.microsoft.com/office/drawing/2014/main" id="{D1FD0B85-98DF-63EC-7C7D-B4D63483A913}"/>
-            </a:ext>
-          </a:extLst>
-        </p:cNvPr>
-        <p:cNvGrpSpPr/>
-        <p:nvPr/>
-      </p:nvGrpSpPr>
-      <p:grpSpPr>
-        <a:xfrm>
-          <a:off x="0" y="0"/>
-          <a:ext cx="0" cy="0"/>
-          <a:chOff x="0" y="0"/>
-          <a:chExt cx="0" cy="0"/>
-        </a:xfrm>
-      </p:grpSpPr>
-      <p:sp>
-        <p:nvSpPr>
-          <p:cNvPr id="2" name="Slide Image Placeholder 1">
-            <a:extLst>
-              <a:ext uri="{FF2B5EF4-FFF2-40B4-BE49-F238E27FC236}">
-                <a16:creationId xmlns:a16="http://schemas.microsoft.com/office/drawing/2014/main" id="{1F8B8970-CF57-F212-C7B6-C3F26AC0E031}"/>
-              </a:ext>
-            </a:extLst>
-          </p:cNvPr>
-          <p:cNvSpPr>
-            <a:spLocks noGrp="1" noRot="1" noChangeAspect="1"/>
-          </p:cNvSpPr>
-          <p:nvPr>
-            <p:ph type="sldImg"/>
-          </p:nvPr>
-        </p:nvSpPr>
-        <p:spPr/>
-      </p:sp>
-      <p:sp>
-        <p:nvSpPr>
-          <p:cNvPr id="3" name="Notes Placeholder 2">
-            <a:extLst>
-              <a:ext uri="{FF2B5EF4-FFF2-40B4-BE49-F238E27FC236}">
-                <a16:creationId xmlns:a16="http://schemas.microsoft.com/office/drawing/2014/main" id="{F01BFCFF-4A1F-8955-470F-D45E7155B4B7}"/>
-              </a:ext>
-            </a:extLst>
-          </p:cNvPr>
-          <p:cNvSpPr>
-            <a:spLocks noGrp="1"/>
-          </p:cNvSpPr>
-          <p:nvPr>
-            <p:ph type="body" idx="1"/>
-          </p:nvPr>
-        </p:nvSpPr>
-        <p:spPr/>
-        <p:txBody>
-          <a:bodyPr/>
-          <a:lstStyle/>
-          <a:p>
-            <a:r>
-              <a:rPr lang="en-US" sz="900" dirty="0"/>
-              <a:t>This table shows how the tools in the Excel AI stack fit together and build on one another. It follows the natural flow of how data moves through a modern analytics process — from storage, to preparation, to analysis, to automation, and finally to customization and governance.</a:t>
-            </a:r>
-          </a:p>
-          <a:p>
-            <a:r>
-              <a:rPr lang="en-US" sz="900" dirty="0"/>
-              <a:t>At the foundation are </a:t>
-            </a:r>
-            <a:r>
-              <a:rPr lang="en-US" sz="900" b="1" dirty="0"/>
-              <a:t>Power BI and Dataverse</a:t>
-            </a:r>
-            <a:r>
-              <a:rPr lang="en-US" sz="900" dirty="0"/>
-              <a:t>, which serve as the data backbone. They provide the structured, secure, and governed data sources that every other layer depends on. This is where the organization’s single source of truth lives.</a:t>
-            </a:r>
-          </a:p>
-          <a:p>
-            <a:r>
-              <a:rPr lang="en-US" sz="900" dirty="0"/>
-              <a:t>Just above that are </a:t>
-            </a:r>
-            <a:r>
-              <a:rPr lang="en-US" sz="900" b="1" dirty="0"/>
-              <a:t>Power Query and Dataflows</a:t>
-            </a:r>
-            <a:r>
-              <a:rPr lang="en-US" sz="900" dirty="0"/>
-              <a:t>, which handle data preparation. Power Query is built into Excel and Power BI, allowing users to clean, reshape, and combine data within a workbook or report. </a:t>
-            </a:r>
-            <a:r>
-              <a:rPr lang="en-US" sz="900" b="1" dirty="0"/>
-              <a:t>Dataflows</a:t>
-            </a:r>
-            <a:r>
-              <a:rPr lang="en-US" sz="900" dirty="0"/>
-              <a:t> take those same transformation steps and run them in the cloud, making them reusable across different files and apps. Together, they form the data preparation layer that ensures agents and copilots are working from high-quality, consistent information.</a:t>
-            </a:r>
-          </a:p>
-          <a:p>
-            <a:r>
-              <a:rPr lang="en-US" sz="900" dirty="0"/>
-              <a:t>Then we reach the </a:t>
-            </a:r>
-            <a:r>
-              <a:rPr lang="en-US" sz="900" b="1" dirty="0"/>
-              <a:t>Excel layer</a:t>
-            </a:r>
-            <a:r>
-              <a:rPr lang="en-US" sz="900" dirty="0"/>
-              <a:t>, which is where most users spend their time. Inside Excel we now have three main AI tools: </a:t>
-            </a:r>
-            <a:r>
-              <a:rPr lang="en-US" sz="900" b="1" dirty="0"/>
-              <a:t>Copilot in Excel</a:t>
-            </a:r>
-            <a:r>
-              <a:rPr lang="en-US" sz="900" dirty="0"/>
-              <a:t>, </a:t>
-            </a:r>
-            <a:r>
-              <a:rPr lang="en-US" sz="900" b="1" dirty="0"/>
-              <a:t>Python in Excel</a:t>
-            </a:r>
-            <a:r>
-              <a:rPr lang="en-US" sz="900" dirty="0"/>
-              <a:t>, and </a:t>
-            </a:r>
-            <a:r>
-              <a:rPr lang="en-US" sz="900" b="1" dirty="0"/>
-              <a:t>Agent Mode</a:t>
-            </a:r>
-            <a:r>
-              <a:rPr lang="en-US" sz="900" dirty="0"/>
-              <a:t>.</a:t>
-            </a:r>
-            <a:br>
-              <a:rPr lang="en-US" sz="900" dirty="0"/>
-            </a:br>
-            <a:r>
-              <a:rPr lang="en-US" sz="900" dirty="0"/>
-              <a:t>Copilot helps with quick insights and formula generation through natural language.</a:t>
-            </a:r>
-            <a:br>
-              <a:rPr lang="en-US" sz="900" dirty="0"/>
-            </a:br>
-            <a:r>
-              <a:rPr lang="en-US" sz="900" dirty="0"/>
-              <a:t>Python in Excel brings advanced analytics, modeling, and visualization right inside the workbook.</a:t>
-            </a:r>
-            <a:br>
-              <a:rPr lang="en-US" sz="900" dirty="0"/>
-            </a:br>
-            <a:r>
-              <a:rPr lang="en-US" sz="900" dirty="0"/>
-              <a:t>And Agent Mode takes it further by allowing AI to plan, act, and refine multi-step tasks on its own. These three tools make Excel both a familiar workspace and a full-fledged AI analysis platform.</a:t>
-            </a:r>
-          </a:p>
-          <a:p>
-            <a:r>
-              <a:rPr lang="en-US" sz="900" dirty="0"/>
-              <a:t>Above that come </a:t>
-            </a:r>
-            <a:r>
-              <a:rPr lang="en-US" sz="900" b="1" dirty="0"/>
-              <a:t>Office Scripts</a:t>
-            </a:r>
-            <a:r>
-              <a:rPr lang="en-US" sz="900" dirty="0"/>
-              <a:t> and </a:t>
-            </a:r>
-            <a:r>
-              <a:rPr lang="en-US" sz="900" b="1" dirty="0"/>
-              <a:t>Power Automate</a:t>
-            </a:r>
-            <a:r>
-              <a:rPr lang="en-US" sz="900" dirty="0"/>
-              <a:t>, which handle logic and automation. Office Scripts define repeatable workflows that can be triggered inside Excel, while Power Automate connects those workflows across Microsoft 365 and beyond. They turn your Excel agents into active participants in larger business processes.</a:t>
-            </a:r>
-          </a:p>
-          <a:p>
-            <a:r>
-              <a:rPr lang="en-US" sz="900" dirty="0"/>
-              <a:t>At the top is </a:t>
-            </a:r>
-            <a:r>
-              <a:rPr lang="en-US" sz="900" b="1" dirty="0"/>
-              <a:t>Copilot Studio</a:t>
-            </a:r>
-            <a:r>
-              <a:rPr lang="en-US" sz="900" dirty="0"/>
-              <a:t>, which provides customization and governance. This is where organizations build, deploy, and manage their own copilots and agents, deciding what they can do, how they behave, and what data they can access.</a:t>
-            </a:r>
-          </a:p>
-          <a:p>
-            <a:r>
-              <a:rPr lang="en-US" sz="900" dirty="0"/>
-              <a:t>Altogether, this stack shows how Excel has evolved from a standalone spreadsheet into a connected, intelligent platform. Power Query and Dataflows prepare the data, Excel tools like Copilot, Python, and Agent Mode turn that data into insight, and automation layers like Office Scripts and Power Automate put it into action — all governed and managed through Copilot Studio.</a:t>
-            </a:r>
-          </a:p>
-        </p:txBody>
-      </p:sp>
-      <p:sp>
-        <p:nvSpPr>
-          <p:cNvPr id="4" name="Slide Number Placeholder 3">
-            <a:extLst>
-              <a:ext uri="{FF2B5EF4-FFF2-40B4-BE49-F238E27FC236}">
-                <a16:creationId xmlns:a16="http://schemas.microsoft.com/office/drawing/2014/main" id="{800E4A3B-8591-F9E9-A8B1-4D9BB2A4BE03}"/>
-              </a:ext>
-            </a:extLst>
-          </p:cNvPr>
-          <p:cNvSpPr>
-            <a:spLocks noGrp="1"/>
-          </p:cNvSpPr>
-          <p:nvPr>
-            <p:ph type="sldNum" sz="quarter" idx="5"/>
-          </p:nvPr>
-        </p:nvSpPr>
-        <p:spPr/>
-        <p:txBody>
-          <a:bodyPr/>
-          <a:lstStyle/>
-          <a:p>
-            <a:fld id="{FFB500C5-13F7-48FC-8160-C29AECF6C602}" type="slidenum">
-              <a:rPr lang="en-US" smtClean="0"/>
-              <a:t>10</a:t>
-            </a:fld>
-            <a:endParaRPr lang="en-US"/>
-          </a:p>
-        </p:txBody>
-      </p:sp>
-    </p:spTree>
-    <p:extLst>
-      <p:ext uri="{BB962C8B-B14F-4D97-AF65-F5344CB8AC3E}">
-        <p14:creationId xmlns:p14="http://schemas.microsoft.com/office/powerpoint/2010/main" val="254682407"/>
-      </p:ext>
-    </p:extLst>
-  </p:cSld>
-  <p:clrMapOvr>
-    <a:masterClrMapping/>
-  </p:clrMapOvr>
-</p:notes>
-</file>
-
-<file path=ppt/notesSlides/notesSlide5.xml><?xml version="1.0" encoding="utf-8"?>
+<file path=ppt/notesSlides/notesSlide7.xml><?xml version="1.0" encoding="utf-8"?>
 <p:notes xmlns:a="http://schemas.openxmlformats.org/drawingml/2006/main" xmlns:r="http://schemas.openxmlformats.org/officeDocument/2006/relationships" xmlns:p="http://schemas.openxmlformats.org/presentationml/2006/main">
   <p:cSld>
     <p:spTree>
@@ -7120,45 +7261,86 @@
           <a:lstStyle/>
           <a:p>
             <a:r>
-              <a:rPr lang="en-US" b="0" dirty="0"/>
-              <a:t>When I say audit your team’s data and automation skills, I mean really take stock of what you already have. Who knows Power Query? Who can write a bit of Python or create a simple flow in Power Automate? Before you chase shiny new AI tools, get a baseline of your current capabilities.</a:t>
-            </a:r>
-          </a:p>
-          <a:p>
-            <a:endParaRPr lang="en-US" b="0" dirty="0"/>
-          </a:p>
-          <a:p>
-            <a:r>
-              <a:rPr lang="en-US" b="0" dirty="0"/>
-              <a:t>Next, start small with Office Scripts and Power Automate. These are great low-risk ways to build repeatable logic and connect Excel to other systems. Once you understand how those pieces work, Agent Mode and Copilot will make a lot more sense.</a:t>
-            </a:r>
-          </a:p>
-          <a:p>
-            <a:endParaRPr lang="en-US" b="0" dirty="0"/>
-          </a:p>
-          <a:p>
-            <a:r>
-              <a:rPr lang="en-US" b="0" dirty="0"/>
-              <a:t>Then, experiment safely with Copilot and Agent Mode. Try them in sandboxed files or low-stakes tasks. Learn how they interpret prompts, where they struggle, and how they can support your workflows. The goal is to build trust with the tools before relying on them in production.</a:t>
-            </a:r>
-          </a:p>
-          <a:p>
-            <a:r>
-              <a:rPr lang="en-US" b="0" dirty="0"/>
-              <a:t>From there, build a roadmap for AI adoption and governance. This is where system thinking comes in. Decide which processes to automate, who owns the workflows, and how you will review and audit results. This ensures the technology actually scales.</a:t>
-            </a:r>
-          </a:p>
-          <a:p>
-            <a:endParaRPr lang="en-US" b="0" dirty="0"/>
-          </a:p>
-          <a:p>
-            <a:r>
-              <a:rPr lang="en-US" b="0" dirty="0"/>
-              <a:t>Finally, book a discovery call to plan your next moves. Every organization is at a different stage with these tools, and having a plan makes all the difference. I can help you map the skills, systems, and priorities that will make this stack work for you.</a:t>
-            </a:r>
-          </a:p>
-          <a:p>
-            <a:endParaRPr lang="en-US" b="0" dirty="0"/>
+              <a:rPr lang="en-US" dirty="0"/>
+              <a:t>Now, this next diagram shows the big shift we’re seeing with AI — moving from </a:t>
+            </a:r>
+            <a:r>
+              <a:rPr lang="en-US" b="1" dirty="0"/>
+              <a:t>automation</a:t>
+            </a:r>
+            <a:r>
+              <a:rPr lang="en-US" dirty="0"/>
+              <a:t> to </a:t>
+            </a:r>
+            <a:r>
+              <a:rPr lang="en-US" b="1" dirty="0"/>
+              <a:t>agency</a:t>
+            </a:r>
+            <a:r>
+              <a:rPr lang="en-US" dirty="0"/>
+              <a:t>. In the previous model, we had a predefined sequence of steps. Everything had to be mapped out ahead of time — if X happens, then do Y, then Z. That’s great for structured processes, but it doesn’t leave room for flexibility or judgment.</a:t>
+            </a:r>
+          </a:p>
+          <a:p>
+            <a:r>
+              <a:rPr lang="en-US" dirty="0"/>
+              <a:t>In this model, the </a:t>
+            </a:r>
+            <a:r>
+              <a:rPr lang="en-US" b="1" dirty="0"/>
+              <a:t>AI Agent</a:t>
+            </a:r>
+            <a:r>
+              <a:rPr lang="en-US" dirty="0"/>
+              <a:t> doesn’t just follow a script — it thinks through what to do next. When the trigger fires, the agent decides on its own which actions to take and which tools to use to reach the goal. It can pull from its </a:t>
+            </a:r>
+            <a:r>
+              <a:rPr lang="en-US" b="1" dirty="0"/>
+              <a:t>instructions</a:t>
+            </a:r>
+            <a:r>
+              <a:rPr lang="en-US" dirty="0"/>
+              <a:t> — what it’s been told it’s allowed or supposed to do — along with </a:t>
+            </a:r>
+            <a:r>
+              <a:rPr lang="en-US" b="1" dirty="0"/>
+              <a:t>memory</a:t>
+            </a:r>
+            <a:r>
+              <a:rPr lang="en-US" dirty="0"/>
+              <a:t>, which helps it recall past context, and </a:t>
+            </a:r>
+            <a:r>
+              <a:rPr lang="en-US" b="1" dirty="0"/>
+              <a:t>tools</a:t>
+            </a:r>
+            <a:r>
+              <a:rPr lang="en-US" dirty="0"/>
+              <a:t>, which might include things like Excel, Power Automate, or SharePoint.</a:t>
+            </a:r>
+          </a:p>
+          <a:p>
+            <a:r>
+              <a:rPr lang="en-US" dirty="0"/>
+              <a:t>For example, instead of a static Power Automate flow that’s hard-coded to send an email every time a report updates, an agent could look at the new data, decide if a report even needs to be generated, check who the right stakeholders are, and then use the right tool — maybe Copilot in Excel to summarize the data, or Power Automate to share the results. The key difference is that the agent chooses the path dynamically, based on what it knows and what it’s trying to accomplish — not just what’s been pre-programmed.</a:t>
+            </a:r>
+          </a:p>
+          <a:p>
+            <a:r>
+              <a:rPr lang="en-US" dirty="0"/>
+              <a:t>This is what we mean when we talk about Copilot moving into the </a:t>
+            </a:r>
+            <a:r>
+              <a:rPr lang="en-US" b="1" dirty="0"/>
+              <a:t>agentic era</a:t>
+            </a:r>
+            <a:r>
+              <a:rPr lang="en-US" dirty="0"/>
+              <a:t> — it’s not just automating, it’s adapting. It’s capable of reasoning, taking initiative, and using multiple Microsoft 365 tools together to achieve an outcome — all without you needing to define every single step.</a:t>
+            </a:r>
+          </a:p>
+          <a:p>
+            <a:endParaRPr lang="en-US" dirty="0"/>
           </a:p>
         </p:txBody>
       </p:sp>
@@ -7179,7 +7361,130 @@
           <a:p>
             <a:fld id="{FFB500C5-13F7-48FC-8160-C29AECF6C602}" type="slidenum">
               <a:rPr lang="en-US" smtClean="0"/>
-              <a:t>12</a:t>
+              <a:t>14</a:t>
+            </a:fld>
+            <a:endParaRPr lang="en-US"/>
+          </a:p>
+        </p:txBody>
+      </p:sp>
+    </p:spTree>
+    <p:extLst>
+      <p:ext uri="{BB962C8B-B14F-4D97-AF65-F5344CB8AC3E}">
+        <p14:creationId xmlns:p14="http://schemas.microsoft.com/office/powerpoint/2010/main" val="3297094883"/>
+      </p:ext>
+    </p:extLst>
+  </p:cSld>
+  <p:clrMapOvr>
+    <a:masterClrMapping/>
+  </p:clrMapOvr>
+</p:notes>
+</file>
+
+<file path=ppt/notesSlides/notesSlide8.xml><?xml version="1.0" encoding="utf-8"?>
+<p:notes xmlns:a="http://schemas.openxmlformats.org/drawingml/2006/main" xmlns:r="http://schemas.openxmlformats.org/officeDocument/2006/relationships" xmlns:p="http://schemas.openxmlformats.org/presentationml/2006/main">
+  <p:cSld>
+    <p:spTree>
+      <p:nvGrpSpPr>
+        <p:cNvPr id="1" name=""/>
+        <p:cNvGrpSpPr/>
+        <p:nvPr/>
+      </p:nvGrpSpPr>
+      <p:grpSpPr>
+        <a:xfrm>
+          <a:off x="0" y="0"/>
+          <a:ext cx="0" cy="0"/>
+          <a:chOff x="0" y="0"/>
+          <a:chExt cx="0" cy="0"/>
+        </a:xfrm>
+      </p:grpSpPr>
+      <p:sp>
+        <p:nvSpPr>
+          <p:cNvPr id="2" name="Slide Image Placeholder 1"/>
+          <p:cNvSpPr>
+            <a:spLocks noGrp="1" noRot="1" noChangeAspect="1"/>
+          </p:cNvSpPr>
+          <p:nvPr>
+            <p:ph type="sldImg"/>
+          </p:nvPr>
+        </p:nvSpPr>
+        <p:spPr/>
+      </p:sp>
+      <p:sp>
+        <p:nvSpPr>
+          <p:cNvPr id="3" name="Notes Placeholder 2"/>
+          <p:cNvSpPr>
+            <a:spLocks noGrp="1"/>
+          </p:cNvSpPr>
+          <p:nvPr>
+            <p:ph type="body" idx="1"/>
+          </p:nvPr>
+        </p:nvSpPr>
+        <p:spPr/>
+        <p:txBody>
+          <a:bodyPr/>
+          <a:lstStyle/>
+          <a:p>
+            <a:r>
+              <a:rPr lang="en-US" b="0" dirty="0"/>
+              <a:t>When I say audit your team’s data and automation skills, I mean really take stock of what you already have. Who knows Power Query? Who can write a bit of Python or create a simple flow in Power Automate? Before you chase shiny new AI tools, get a baseline of your current capabilities.</a:t>
+            </a:r>
+          </a:p>
+          <a:p>
+            <a:endParaRPr lang="en-US" b="0" dirty="0"/>
+          </a:p>
+          <a:p>
+            <a:r>
+              <a:rPr lang="en-US" b="0" dirty="0"/>
+              <a:t>Next, start small with Office Scripts and Power Automate. These are great low-risk ways to build repeatable logic and connect Excel to other systems. Once you understand how those pieces work, Agent Mode and Copilot will make a lot more sense.</a:t>
+            </a:r>
+          </a:p>
+          <a:p>
+            <a:endParaRPr lang="en-US" b="0" dirty="0"/>
+          </a:p>
+          <a:p>
+            <a:r>
+              <a:rPr lang="en-US" b="0" dirty="0"/>
+              <a:t>Then, experiment safely with Copilot and Agent Mode. Try them in sandboxed files or low-stakes tasks. Learn how they interpret prompts, where they struggle, and how they can support your workflows. The goal is to build trust with the tools before relying on them in production.</a:t>
+            </a:r>
+          </a:p>
+          <a:p>
+            <a:r>
+              <a:rPr lang="en-US" b="0" dirty="0"/>
+              <a:t>From there, build a roadmap for AI adoption and governance. This is where system thinking comes in. Decide which processes to automate, who owns the workflows, and how you will review and audit results. This ensures the technology actually scales.</a:t>
+            </a:r>
+          </a:p>
+          <a:p>
+            <a:endParaRPr lang="en-US" b="0" dirty="0"/>
+          </a:p>
+          <a:p>
+            <a:r>
+              <a:rPr lang="en-US" b="0" dirty="0"/>
+              <a:t>Finally, book a discovery call to plan your next moves. Every organization is at a different stage with these tools, and having a plan makes all the difference. I can help you map the skills, systems, and priorities that will make this stack work for you.</a:t>
+            </a:r>
+          </a:p>
+          <a:p>
+            <a:endParaRPr lang="en-US" b="0" dirty="0"/>
+          </a:p>
+        </p:txBody>
+      </p:sp>
+      <p:sp>
+        <p:nvSpPr>
+          <p:cNvPr id="4" name="Slide Number Placeholder 3"/>
+          <p:cNvSpPr>
+            <a:spLocks noGrp="1"/>
+          </p:cNvSpPr>
+          <p:nvPr>
+            <p:ph type="sldNum" sz="quarter" idx="5"/>
+          </p:nvPr>
+        </p:nvSpPr>
+        <p:spPr/>
+        <p:txBody>
+          <a:bodyPr/>
+          <a:lstStyle/>
+          <a:p>
+            <a:fld id="{FFB500C5-13F7-48FC-8160-C29AECF6C602}" type="slidenum">
+              <a:rPr lang="en-US" smtClean="0"/>
+              <a:t>15</a:t>
             </a:fld>
             <a:endParaRPr lang="en-US"/>
           </a:p>
@@ -7378,7 +7683,7 @@
             <a:fld id="{1D8BD707-D9CF-40AE-B4C6-C98DA3205C09}" type="datetimeFigureOut">
               <a:rPr lang="en-US" smtClean="0"/>
               <a:pPr/>
-              <a:t>11/9/2025</a:t>
+              <a:t>11/11/2025</a:t>
             </a:fld>
             <a:endParaRPr lang="en-US"/>
           </a:p>
@@ -7543,7 +7848,7 @@
             <a:fld id="{1D8BD707-D9CF-40AE-B4C6-C98DA3205C09}" type="datetimeFigureOut">
               <a:rPr lang="en-US" smtClean="0"/>
               <a:pPr/>
-              <a:t>11/9/2025</a:t>
+              <a:t>11/11/2025</a:t>
             </a:fld>
             <a:endParaRPr lang="en-US"/>
           </a:p>
@@ -7718,7 +8023,7 @@
             <a:fld id="{1D8BD707-D9CF-40AE-B4C6-C98DA3205C09}" type="datetimeFigureOut">
               <a:rPr lang="en-US" smtClean="0"/>
               <a:pPr/>
-              <a:t>11/9/2025</a:t>
+              <a:t>11/11/2025</a:t>
             </a:fld>
             <a:endParaRPr lang="en-US"/>
           </a:p>
@@ -7883,7 +8188,7 @@
             <a:fld id="{1D8BD707-D9CF-40AE-B4C6-C98DA3205C09}" type="datetimeFigureOut">
               <a:rPr lang="en-US" smtClean="0"/>
               <a:pPr/>
-              <a:t>11/9/2025</a:t>
+              <a:t>11/11/2025</a:t>
             </a:fld>
             <a:endParaRPr lang="en-US"/>
           </a:p>
@@ -8125,7 +8430,7 @@
             <a:fld id="{1D8BD707-D9CF-40AE-B4C6-C98DA3205C09}" type="datetimeFigureOut">
               <a:rPr lang="en-US" smtClean="0"/>
               <a:pPr/>
-              <a:t>11/9/2025</a:t>
+              <a:t>11/11/2025</a:t>
             </a:fld>
             <a:endParaRPr lang="en-US"/>
           </a:p>
@@ -8407,7 +8712,7 @@
             <a:fld id="{1D8BD707-D9CF-40AE-B4C6-C98DA3205C09}" type="datetimeFigureOut">
               <a:rPr lang="en-US" smtClean="0"/>
               <a:pPr/>
-              <a:t>11/9/2025</a:t>
+              <a:t>11/11/2025</a:t>
             </a:fld>
             <a:endParaRPr lang="en-US"/>
           </a:p>
@@ -8823,7 +9128,7 @@
             <a:fld id="{1D8BD707-D9CF-40AE-B4C6-C98DA3205C09}" type="datetimeFigureOut">
               <a:rPr lang="en-US" smtClean="0"/>
               <a:pPr/>
-              <a:t>11/9/2025</a:t>
+              <a:t>11/11/2025</a:t>
             </a:fld>
             <a:endParaRPr lang="en-US"/>
           </a:p>
@@ -8937,7 +9242,7 @@
             <a:fld id="{1D8BD707-D9CF-40AE-B4C6-C98DA3205C09}" type="datetimeFigureOut">
               <a:rPr lang="en-US" smtClean="0"/>
               <a:pPr/>
-              <a:t>11/9/2025</a:t>
+              <a:t>11/11/2025</a:t>
             </a:fld>
             <a:endParaRPr lang="en-US"/>
           </a:p>
@@ -9029,7 +9334,7 @@
             <a:fld id="{1D8BD707-D9CF-40AE-B4C6-C98DA3205C09}" type="datetimeFigureOut">
               <a:rPr lang="en-US" smtClean="0"/>
               <a:pPr/>
-              <a:t>11/9/2025</a:t>
+              <a:t>11/11/2025</a:t>
             </a:fld>
             <a:endParaRPr lang="en-US"/>
           </a:p>
@@ -9301,7 +9606,7 @@
             <a:fld id="{1D8BD707-D9CF-40AE-B4C6-C98DA3205C09}" type="datetimeFigureOut">
               <a:rPr lang="en-US" smtClean="0"/>
               <a:pPr/>
-              <a:t>11/9/2025</a:t>
+              <a:t>11/11/2025</a:t>
             </a:fld>
             <a:endParaRPr lang="en-US"/>
           </a:p>
@@ -9550,7 +9855,7 @@
             <a:fld id="{1D8BD707-D9CF-40AE-B4C6-C98DA3205C09}" type="datetimeFigureOut">
               <a:rPr lang="en-US" smtClean="0"/>
               <a:pPr/>
-              <a:t>11/9/2025</a:t>
+              <a:t>11/11/2025</a:t>
             </a:fld>
             <a:endParaRPr lang="en-US"/>
           </a:p>
@@ -9763,7 +10068,7 @@
             <a:fld id="{1D8BD707-D9CF-40AE-B4C6-C98DA3205C09}" type="datetimeFigureOut">
               <a:rPr lang="en-US" smtClean="0"/>
               <a:pPr/>
-              <a:t>11/9/2025</a:t>
+              <a:t>11/11/2025</a:t>
             </a:fld>
             <a:endParaRPr lang="en-US"/>
           </a:p>
@@ -10136,57 +10441,27 @@
       </p:grpSpPr>
       <p:pic>
         <p:nvPicPr>
-          <p:cNvPr id="10" name="Picture 9"/>
+          <p:cNvPr id="5" name="Picture 4">
+            <a:extLst>
+              <a:ext uri="{FF2B5EF4-FFF2-40B4-BE49-F238E27FC236}">
+                <a16:creationId xmlns:a16="http://schemas.microsoft.com/office/drawing/2014/main" id="{58EB9D66-9CB4-B474-27D6-F594F19E2A76}"/>
+              </a:ext>
+            </a:extLst>
+          </p:cNvPr>
           <p:cNvPicPr>
             <a:picLocks noChangeAspect="1"/>
           </p:cNvPicPr>
           <p:nvPr/>
         </p:nvPicPr>
         <p:blipFill>
-          <a:blip r:embed="rId2">
-            <a:extLst>
-              <a:ext uri="{28A0092B-C50C-407E-A947-70E740481C1C}">
-                <a14:useLocalDpi xmlns:a14="http://schemas.microsoft.com/office/drawing/2010/main" val="0"/>
-              </a:ext>
-            </a:extLst>
-          </a:blip>
+          <a:blip r:embed="rId2"/>
           <a:srcRect/>
           <a:stretch/>
         </p:blipFill>
         <p:spPr>
           <a:xfrm>
-            <a:off x="13542796" y="4850092"/>
-            <a:ext cx="4745204" cy="5435819"/>
-          </a:xfrm>
-          <a:prstGeom prst="rect">
-            <a:avLst/>
-          </a:prstGeom>
-        </p:spPr>
-      </p:pic>
-      <p:pic>
-        <p:nvPicPr>
-          <p:cNvPr id="4" name="Picture 3"/>
-          <p:cNvPicPr>
-            <a:picLocks noChangeAspect="1"/>
-          </p:cNvPicPr>
-          <p:nvPr/>
-        </p:nvPicPr>
-        <p:blipFill>
-          <a:blip r:embed="rId3">
-            <a:extLst>
-              <a:ext uri="{28A0092B-C50C-407E-A947-70E740481C1C}">
-                <a14:useLocalDpi xmlns:a14="http://schemas.microsoft.com/office/drawing/2010/main" val="0"/>
-              </a:ext>
-            </a:extLst>
-          </a:blip>
-          <a:stretch>
-            <a:fillRect/>
-          </a:stretch>
-        </p:blipFill>
-        <p:spPr>
-          <a:xfrm>
-            <a:off x="-914400" y="-3440159"/>
-            <a:ext cx="15257208" cy="11189825"/>
+            <a:off x="0" y="0"/>
+            <a:ext cx="18288000" cy="10287000"/>
           </a:xfrm>
           <a:prstGeom prst="rect">
             <a:avLst/>
@@ -10195,87 +10470,148 @@
       </p:pic>
       <p:sp>
         <p:nvSpPr>
-          <p:cNvPr id="11" name="TextBox 10"/>
-          <p:cNvSpPr txBox="1"/>
+          <p:cNvPr id="2" name="Title 1">
+            <a:extLst>
+              <a:ext uri="{FF2B5EF4-FFF2-40B4-BE49-F238E27FC236}">
+                <a16:creationId xmlns:a16="http://schemas.microsoft.com/office/drawing/2014/main" id="{6F578B23-3522-A45E-113D-CFC55209E2C5}"/>
+              </a:ext>
+            </a:extLst>
+          </p:cNvPr>
+          <p:cNvSpPr>
+            <a:spLocks noGrp="1"/>
+          </p:cNvSpPr>
+          <p:nvPr>
+            <p:ph type="ctrTitle"/>
+          </p:nvPr>
+        </p:nvSpPr>
+        <p:spPr>
+          <a:xfrm>
+            <a:off x="2286000" y="2598656"/>
+            <a:ext cx="13716000" cy="3581400"/>
+          </a:xfrm>
+        </p:spPr>
+        <p:txBody>
+          <a:bodyPr>
+            <a:normAutofit fontScale="90000"/>
+          </a:bodyPr>
+          <a:lstStyle/>
+          <a:p>
+            <a:r>
+              <a:rPr lang="en-US" sz="9900" b="1" dirty="0">
+                <a:solidFill>
+                  <a:srgbClr val="241F62"/>
+                </a:solidFill>
+                <a:latin typeface="+mn-lt"/>
+              </a:rPr>
+              <a:t>AI comes to Excel: Building your first Excel agent</a:t>
+            </a:r>
+            <a:endParaRPr lang="en-BG" sz="9900" b="1" dirty="0">
+              <a:solidFill>
+                <a:srgbClr val="241F62"/>
+              </a:solidFill>
+              <a:latin typeface="+mn-lt"/>
+            </a:endParaRPr>
+          </a:p>
+        </p:txBody>
+      </p:sp>
+      <p:pic>
+        <p:nvPicPr>
+          <p:cNvPr id="7" name="Picture 6">
+            <a:extLst>
+              <a:ext uri="{FF2B5EF4-FFF2-40B4-BE49-F238E27FC236}">
+                <a16:creationId xmlns:a16="http://schemas.microsoft.com/office/drawing/2014/main" id="{CADADD3B-A58B-45A3-D5DF-D99E4EB05D2C}"/>
+              </a:ext>
+            </a:extLst>
+          </p:cNvPr>
+          <p:cNvPicPr>
+            <a:picLocks noChangeAspect="1"/>
+          </p:cNvPicPr>
+          <p:nvPr/>
+        </p:nvPicPr>
+        <p:blipFill>
+          <a:blip r:embed="rId3"/>
+          <a:srcRect b="22069"/>
+          <a:stretch/>
+        </p:blipFill>
+        <p:spPr>
+          <a:xfrm>
+            <a:off x="8153400" y="8430867"/>
+            <a:ext cx="1981200" cy="979833"/>
+          </a:xfrm>
+          <a:prstGeom prst="rect">
+            <a:avLst/>
+          </a:prstGeom>
+        </p:spPr>
+      </p:pic>
+      <p:sp>
+        <p:nvSpPr>
+          <p:cNvPr id="3" name="Title 1">
+            <a:extLst>
+              <a:ext uri="{FF2B5EF4-FFF2-40B4-BE49-F238E27FC236}">
+                <a16:creationId xmlns:a16="http://schemas.microsoft.com/office/drawing/2014/main" id="{51C8D1E5-24B9-FEAC-440F-B059007D73CE}"/>
+              </a:ext>
+            </a:extLst>
+          </p:cNvPr>
+          <p:cNvSpPr txBox="1">
+            <a:spLocks/>
+          </p:cNvSpPr>
           <p:nvPr/>
         </p:nvSpPr>
         <p:spPr>
           <a:xfrm>
-            <a:off x="486137" y="2531318"/>
-            <a:ext cx="11979797" cy="1754326"/>
+            <a:off x="13454742" y="548858"/>
+            <a:ext cx="4082145" cy="945771"/>
           </a:xfrm>
           <a:prstGeom prst="rect">
             <a:avLst/>
           </a:prstGeom>
-          <a:noFill/>
         </p:spPr>
         <p:txBody>
-          <a:bodyPr wrap="square" rtlCol="0">
-            <a:spAutoFit/>
+          <a:bodyPr vert="horz" lIns="137160" tIns="68580" rIns="137160" bIns="68580" rtlCol="0" anchor="ctr">
+            <a:normAutofit/>
           </a:bodyPr>
-          <a:lstStyle/>
-          <a:p>
-            <a:r>
-              <a:rPr lang="en-US" sz="5400" b="1" dirty="0">
+          <a:lstStyle>
+            <a:lvl1pPr algn="l" defTabSz="914400" rtl="0" eaLnBrk="1" latinLnBrk="0" hangingPunct="1">
+              <a:lnSpc>
+                <a:spcPct val="90000"/>
+              </a:lnSpc>
+              <a:spcBef>
+                <a:spcPct val="0"/>
+              </a:spcBef>
+              <a:buNone/>
+              <a:defRPr sz="4800" b="1" kern="1200">
                 <a:solidFill>
-                  <a:srgbClr val="CF3338"/>
+                  <a:schemeClr val="bg1"/>
                 </a:solidFill>
-                <a:latin typeface="Pragmatica" panose="020B0403040502020204" pitchFamily="34" charset="0"/>
+                <a:latin typeface="+mn-lt"/>
+                <a:ea typeface="+mj-ea"/>
+                <a:cs typeface="+mj-cs"/>
+              </a:defRPr>
+            </a:lvl1pPr>
+          </a:lstStyle>
+          <a:p>
+            <a:r>
+              <a:rPr lang="en-GB" sz="4200" dirty="0">
+                <a:solidFill>
+                  <a:srgbClr val="241F62"/>
+                </a:solidFill>
+                <a:latin typeface="+mj-lt"/>
               </a:rPr>
-              <a:t>AI comes to Excel: Building your first Excel agent</a:t>
-            </a:r>
-          </a:p>
-        </p:txBody>
-      </p:sp>
-      <p:sp>
-        <p:nvSpPr>
-          <p:cNvPr id="2" name="AutoShape 2" descr="Home | Full Stack Modeller">
-            <a:extLst>
-              <a:ext uri="{FF2B5EF4-FFF2-40B4-BE49-F238E27FC236}">
-                <a16:creationId xmlns:a16="http://schemas.microsoft.com/office/drawing/2014/main" id="{6CCAA77C-4E76-640C-066C-F3E39EE1AC92}"/>
-              </a:ext>
-            </a:extLst>
-          </p:cNvPr>
-          <p:cNvSpPr>
-            <a:spLocks noChangeAspect="1" noChangeArrowheads="1"/>
-          </p:cNvSpPr>
-          <p:nvPr/>
-        </p:nvSpPr>
-        <p:spPr bwMode="auto">
-          <a:xfrm>
-            <a:off x="8991600" y="4991100"/>
-            <a:ext cx="304800" cy="304800"/>
-          </a:xfrm>
-          <a:prstGeom prst="rect">
-            <a:avLst/>
-          </a:prstGeom>
-          <a:noFill/>
-          <a:extLst>
-            <a:ext uri="{909E8E84-426E-40DD-AFC4-6F175D3DCCD1}">
-              <a14:hiddenFill xmlns:a14="http://schemas.microsoft.com/office/drawing/2010/main">
-                <a:solidFill>
-                  <a:srgbClr val="FFFFFF"/>
-                </a:solidFill>
-              </a14:hiddenFill>
-            </a:ext>
-          </a:extLst>
-        </p:spPr>
-        <p:txBody>
-          <a:bodyPr vert="horz" wrap="square" lIns="91440" tIns="45720" rIns="91440" bIns="45720" numCol="1" anchor="t" anchorCtr="0" compatLnSpc="1">
-            <a:prstTxWarp prst="textNoShape">
-              <a:avLst/>
-            </a:prstTxWarp>
-          </a:bodyPr>
-          <a:lstStyle/>
-          <a:p>
-            <a:endParaRPr lang="en-US"/>
+              <a:t>George Mount</a:t>
+            </a:r>
+            <a:endParaRPr lang="en-BG" sz="4200" dirty="0">
+              <a:solidFill>
+                <a:srgbClr val="241F62"/>
+              </a:solidFill>
+              <a:latin typeface="+mj-lt"/>
+            </a:endParaRPr>
           </a:p>
         </p:txBody>
       </p:sp>
     </p:spTree>
     <p:extLst>
       <p:ext uri="{BB962C8B-B14F-4D97-AF65-F5344CB8AC3E}">
-        <p14:creationId xmlns:p14="http://schemas.microsoft.com/office/powerpoint/2010/main" val="355659117"/>
+        <p14:creationId xmlns:p14="http://schemas.microsoft.com/office/powerpoint/2010/main" val="2757564342"/>
       </p:ext>
     </p:extLst>
   </p:cSld>
@@ -10293,7 +10629,7 @@
         <p:cNvPr id="1" name="">
           <a:extLst>
             <a:ext uri="{FF2B5EF4-FFF2-40B4-BE49-F238E27FC236}">
-              <a16:creationId xmlns:a16="http://schemas.microsoft.com/office/drawing/2014/main" id="{F0AED226-3DBA-DD93-9D88-2CA1C2D33524}"/>
+              <a16:creationId xmlns:a16="http://schemas.microsoft.com/office/drawing/2014/main" id="{320FB617-C0E7-3228-013C-BAC06730C5D4}"/>
             </a:ext>
           </a:extLst>
         </p:cNvPr>
@@ -10308,49 +10644,12 @@
           <a:chExt cx="0" cy="0"/>
         </a:xfrm>
       </p:grpSpPr>
-      <p:sp>
-        <p:nvSpPr>
-          <p:cNvPr id="11" name="TextBox 10">
-            <a:extLst>
-              <a:ext uri="{FF2B5EF4-FFF2-40B4-BE49-F238E27FC236}">
-                <a16:creationId xmlns:a16="http://schemas.microsoft.com/office/drawing/2014/main" id="{F332240B-0B1D-9B77-F127-B2E40BB848A9}"/>
-              </a:ext>
-            </a:extLst>
-          </p:cNvPr>
-          <p:cNvSpPr txBox="1"/>
-          <p:nvPr/>
-        </p:nvSpPr>
-        <p:spPr>
-          <a:xfrm>
-            <a:off x="520861" y="170082"/>
-            <a:ext cx="16395539" cy="1200329"/>
-          </a:xfrm>
-          <a:prstGeom prst="rect">
-            <a:avLst/>
-          </a:prstGeom>
-          <a:noFill/>
-        </p:spPr>
-        <p:txBody>
-          <a:bodyPr wrap="square" rtlCol="0">
-            <a:spAutoFit/>
-          </a:bodyPr>
-          <a:lstStyle/>
-          <a:p>
-            <a:r>
-              <a:rPr lang="en-US" sz="7200" dirty="0">
-                <a:latin typeface="Aliens &amp; cows" panose="00000500000000000000" pitchFamily="2" charset="0"/>
-              </a:rPr>
-              <a:t>The emerging Excel AI stack</a:t>
-            </a:r>
-          </a:p>
-        </p:txBody>
-      </p:sp>
       <p:pic>
         <p:nvPicPr>
           <p:cNvPr id="15" name="Picture 14" descr="A close up of a sign&#10;&#10;Description automatically generated">
             <a:extLst>
               <a:ext uri="{FF2B5EF4-FFF2-40B4-BE49-F238E27FC236}">
-                <a16:creationId xmlns:a16="http://schemas.microsoft.com/office/drawing/2014/main" id="{96AAE559-64C9-151C-D64A-C0AEFC85B0F7}"/>
+                <a16:creationId xmlns:a16="http://schemas.microsoft.com/office/drawing/2014/main" id="{E21B4799-3E87-1700-15F4-3686FC94E355}"/>
               </a:ext>
             </a:extLst>
           </p:cNvPr>
@@ -10381,1087 +10680,92 @@
           </a:prstGeom>
         </p:spPr>
       </p:pic>
-      <p:graphicFrame>
-        <p:nvGraphicFramePr>
-          <p:cNvPr id="5" name="Table 4">
+      <p:pic>
+        <p:nvPicPr>
+          <p:cNvPr id="1026" name="Picture 2">
             <a:extLst>
               <a:ext uri="{FF2B5EF4-FFF2-40B4-BE49-F238E27FC236}">
-                <a16:creationId xmlns:a16="http://schemas.microsoft.com/office/drawing/2014/main" id="{8F07E63D-491A-A37D-4C16-7341759B6F62}"/>
+                <a16:creationId xmlns:a16="http://schemas.microsoft.com/office/drawing/2014/main" id="{9F1D89B2-86AC-689C-CB18-860F1A902B8F}"/>
               </a:ext>
             </a:extLst>
           </p:cNvPr>
-          <p:cNvGraphicFramePr>
-            <a:graphicFrameLocks noGrp="1"/>
-          </p:cNvGraphicFramePr>
-          <p:nvPr>
-            <p:extLst>
-              <p:ext uri="{D42A27DB-BD31-4B8C-83A1-F6EECF244321}">
-                <p14:modId xmlns:p14="http://schemas.microsoft.com/office/powerpoint/2010/main" val="1898181012"/>
-              </p:ext>
-            </p:extLst>
-          </p:nvPr>
-        </p:nvGraphicFramePr>
-        <p:xfrm>
-          <a:off x="457200" y="2080100"/>
-          <a:ext cx="15697200" cy="7178199"/>
-        </p:xfrm>
-        <a:graphic>
-          <a:graphicData uri="http://schemas.openxmlformats.org/drawingml/2006/table">
-            <a:tbl>
-              <a:tblPr/>
-              <a:tblGrid>
-                <a:gridCol w="5232400">
-                  <a:extLst>
-                    <a:ext uri="{9D8B030D-6E8A-4147-A177-3AD203B41FA5}">
-                      <a16:colId xmlns:a16="http://schemas.microsoft.com/office/drawing/2014/main" val="2728257828"/>
-                    </a:ext>
-                  </a:extLst>
-                </a:gridCol>
-                <a:gridCol w="5232400">
-                  <a:extLst>
-                    <a:ext uri="{9D8B030D-6E8A-4147-A177-3AD203B41FA5}">
-                      <a16:colId xmlns:a16="http://schemas.microsoft.com/office/drawing/2014/main" val="2961374483"/>
-                    </a:ext>
-                  </a:extLst>
-                </a:gridCol>
-                <a:gridCol w="5232400">
-                  <a:extLst>
-                    <a:ext uri="{9D8B030D-6E8A-4147-A177-3AD203B41FA5}">
-                      <a16:colId xmlns:a16="http://schemas.microsoft.com/office/drawing/2014/main" val="1198047383"/>
-                    </a:ext>
-                  </a:extLst>
-                </a:gridCol>
-              </a:tblGrid>
-              <a:tr h="703019">
-                <a:tc>
-                  <a:txBody>
-                    <a:bodyPr/>
-                    <a:lstStyle/>
-                    <a:p>
-                      <a:pPr>
-                        <a:buNone/>
-                      </a:pPr>
-                      <a:r>
-                        <a:rPr lang="en-US" sz="3200" b="1"/>
-                        <a:t>Stage</a:t>
-                      </a:r>
-                      <a:endParaRPr lang="en-US" sz="3200"/>
-                    </a:p>
-                  </a:txBody>
-                  <a:tcPr anchor="ctr">
-                    <a:lnL w="12700" cap="flat" cmpd="sng" algn="ctr">
-                      <a:solidFill>
-                        <a:schemeClr val="tx1"/>
-                      </a:solidFill>
-                      <a:prstDash val="solid"/>
-                      <a:round/>
-                      <a:headEnd type="none" w="med" len="med"/>
-                      <a:tailEnd type="none" w="med" len="med"/>
-                    </a:lnL>
-                    <a:lnR w="12700" cap="flat" cmpd="sng" algn="ctr">
-                      <a:solidFill>
-                        <a:schemeClr val="tx1"/>
-                      </a:solidFill>
-                      <a:prstDash val="solid"/>
-                      <a:round/>
-                      <a:headEnd type="none" w="med" len="med"/>
-                      <a:tailEnd type="none" w="med" len="med"/>
-                    </a:lnR>
-                    <a:lnT w="12700" cap="flat" cmpd="sng" algn="ctr">
-                      <a:solidFill>
-                        <a:schemeClr val="tx1"/>
-                      </a:solidFill>
-                      <a:prstDash val="solid"/>
-                      <a:round/>
-                      <a:headEnd type="none" w="med" len="med"/>
-                      <a:tailEnd type="none" w="med" len="med"/>
-                    </a:lnT>
-                    <a:lnB w="12700" cap="flat" cmpd="sng" algn="ctr">
-                      <a:solidFill>
-                        <a:schemeClr val="tx1"/>
-                      </a:solidFill>
-                      <a:prstDash val="solid"/>
-                      <a:round/>
-                      <a:headEnd type="none" w="med" len="med"/>
-                      <a:tailEnd type="none" w="med" len="med"/>
-                    </a:lnB>
-                    <a:noFill/>
-                  </a:tcPr>
-                </a:tc>
-                <a:tc>
-                  <a:txBody>
-                    <a:bodyPr/>
-                    <a:lstStyle/>
-                    <a:p>
-                      <a:pPr>
-                        <a:buNone/>
-                      </a:pPr>
-                      <a:r>
-                        <a:rPr lang="en-US" sz="3200" b="1"/>
-                        <a:t>Purpose</a:t>
-                      </a:r>
-                      <a:endParaRPr lang="en-US" sz="3200"/>
-                    </a:p>
-                  </a:txBody>
-                  <a:tcPr anchor="ctr">
-                    <a:lnL w="12700" cap="flat" cmpd="sng" algn="ctr">
-                      <a:solidFill>
-                        <a:schemeClr val="tx1"/>
-                      </a:solidFill>
-                      <a:prstDash val="solid"/>
-                      <a:round/>
-                      <a:headEnd type="none" w="med" len="med"/>
-                      <a:tailEnd type="none" w="med" len="med"/>
-                    </a:lnL>
-                    <a:lnR w="12700" cap="flat" cmpd="sng" algn="ctr">
-                      <a:solidFill>
-                        <a:schemeClr val="tx1"/>
-                      </a:solidFill>
-                      <a:prstDash val="solid"/>
-                      <a:round/>
-                      <a:headEnd type="none" w="med" len="med"/>
-                      <a:tailEnd type="none" w="med" len="med"/>
-                    </a:lnR>
-                    <a:lnT w="12700" cap="flat" cmpd="sng" algn="ctr">
-                      <a:solidFill>
-                        <a:schemeClr val="tx1"/>
-                      </a:solidFill>
-                      <a:prstDash val="solid"/>
-                      <a:round/>
-                      <a:headEnd type="none" w="med" len="med"/>
-                      <a:tailEnd type="none" w="med" len="med"/>
-                    </a:lnT>
-                    <a:lnB w="12700" cap="flat" cmpd="sng" algn="ctr">
-                      <a:solidFill>
-                        <a:schemeClr val="tx1"/>
-                      </a:solidFill>
-                      <a:prstDash val="solid"/>
-                      <a:round/>
-                      <a:headEnd type="none" w="med" len="med"/>
-                      <a:tailEnd type="none" w="med" len="med"/>
-                    </a:lnB>
-                    <a:noFill/>
-                  </a:tcPr>
-                </a:tc>
-                <a:tc>
-                  <a:txBody>
-                    <a:bodyPr/>
-                    <a:lstStyle/>
-                    <a:p>
-                      <a:pPr>
-                        <a:buNone/>
-                      </a:pPr>
-                      <a:r>
-                        <a:rPr lang="en-US" sz="3200" b="1"/>
-                        <a:t>Tools</a:t>
-                      </a:r>
-                      <a:endParaRPr lang="en-US" sz="3200"/>
-                    </a:p>
-                  </a:txBody>
-                  <a:tcPr anchor="ctr">
-                    <a:lnL w="12700" cap="flat" cmpd="sng" algn="ctr">
-                      <a:solidFill>
-                        <a:schemeClr val="tx1"/>
-                      </a:solidFill>
-                      <a:prstDash val="solid"/>
-                      <a:round/>
-                      <a:headEnd type="none" w="med" len="med"/>
-                      <a:tailEnd type="none" w="med" len="med"/>
-                    </a:lnL>
-                    <a:lnR w="12700" cap="flat" cmpd="sng" algn="ctr">
-                      <a:solidFill>
-                        <a:schemeClr val="tx1"/>
-                      </a:solidFill>
-                      <a:prstDash val="solid"/>
-                      <a:round/>
-                      <a:headEnd type="none" w="med" len="med"/>
-                      <a:tailEnd type="none" w="med" len="med"/>
-                    </a:lnR>
-                    <a:lnT w="12700" cap="flat" cmpd="sng" algn="ctr">
-                      <a:solidFill>
-                        <a:schemeClr val="tx1"/>
-                      </a:solidFill>
-                      <a:prstDash val="solid"/>
-                      <a:round/>
-                      <a:headEnd type="none" w="med" len="med"/>
-                      <a:tailEnd type="none" w="med" len="med"/>
-                    </a:lnT>
-                    <a:lnB w="12700" cap="flat" cmpd="sng" algn="ctr">
-                      <a:solidFill>
-                        <a:schemeClr val="tx1"/>
-                      </a:solidFill>
-                      <a:prstDash val="solid"/>
-                      <a:round/>
-                      <a:headEnd type="none" w="med" len="med"/>
-                      <a:tailEnd type="none" w="med" len="med"/>
-                    </a:lnB>
-                    <a:noFill/>
-                  </a:tcPr>
-                </a:tc>
-                <a:extLst>
-                  <a:ext uri="{0D108BD9-81ED-4DB2-BD59-A6C34878D82A}">
-                    <a16:rowId xmlns:a16="http://schemas.microsoft.com/office/drawing/2014/main" val="4207581723"/>
-                  </a:ext>
-                </a:extLst>
-              </a:tr>
-              <a:tr h="1295036">
-                <a:tc>
-                  <a:txBody>
-                    <a:bodyPr/>
-                    <a:lstStyle/>
-                    <a:p>
-                      <a:pPr>
-                        <a:buNone/>
-                      </a:pPr>
-                      <a:r>
-                        <a:rPr lang="en-US" sz="3200" b="1"/>
-                        <a:t>1. Data Foundation</a:t>
-                      </a:r>
-                      <a:endParaRPr lang="en-US" sz="3200"/>
-                    </a:p>
-                  </a:txBody>
-                  <a:tcPr anchor="ctr">
-                    <a:lnL w="12700" cap="flat" cmpd="sng" algn="ctr">
-                      <a:solidFill>
-                        <a:schemeClr val="tx1"/>
-                      </a:solidFill>
-                      <a:prstDash val="solid"/>
-                      <a:round/>
-                      <a:headEnd type="none" w="med" len="med"/>
-                      <a:tailEnd type="none" w="med" len="med"/>
-                    </a:lnL>
-                    <a:lnR w="12700" cap="flat" cmpd="sng" algn="ctr">
-                      <a:solidFill>
-                        <a:schemeClr val="tx1"/>
-                      </a:solidFill>
-                      <a:prstDash val="solid"/>
-                      <a:round/>
-                      <a:headEnd type="none" w="med" len="med"/>
-                      <a:tailEnd type="none" w="med" len="med"/>
-                    </a:lnR>
-                    <a:lnT w="12700" cap="flat" cmpd="sng" algn="ctr">
-                      <a:solidFill>
-                        <a:schemeClr val="tx1"/>
-                      </a:solidFill>
-                      <a:prstDash val="solid"/>
-                      <a:round/>
-                      <a:headEnd type="none" w="med" len="med"/>
-                      <a:tailEnd type="none" w="med" len="med"/>
-                    </a:lnT>
-                    <a:lnB w="12700" cap="flat" cmpd="sng" algn="ctr">
-                      <a:solidFill>
-                        <a:schemeClr val="tx1"/>
-                      </a:solidFill>
-                      <a:prstDash val="solid"/>
-                      <a:round/>
-                      <a:headEnd type="none" w="med" len="med"/>
-                      <a:tailEnd type="none" w="med" len="med"/>
-                    </a:lnB>
-                    <a:noFill/>
-                  </a:tcPr>
-                </a:tc>
-                <a:tc>
-                  <a:txBody>
-                    <a:bodyPr/>
-                    <a:lstStyle/>
-                    <a:p>
-                      <a:pPr>
-                        <a:buNone/>
-                      </a:pPr>
-                      <a:r>
-                        <a:rPr lang="en-US" sz="3200"/>
-                        <a:t>Store, structure, and retrieve data</a:t>
-                      </a:r>
-                    </a:p>
-                  </a:txBody>
-                  <a:tcPr anchor="ctr">
-                    <a:lnL w="12700" cap="flat" cmpd="sng" algn="ctr">
-                      <a:solidFill>
-                        <a:schemeClr val="tx1"/>
-                      </a:solidFill>
-                      <a:prstDash val="solid"/>
-                      <a:round/>
-                      <a:headEnd type="none" w="med" len="med"/>
-                      <a:tailEnd type="none" w="med" len="med"/>
-                    </a:lnL>
-                    <a:lnR w="12700" cap="flat" cmpd="sng" algn="ctr">
-                      <a:solidFill>
-                        <a:schemeClr val="tx1"/>
-                      </a:solidFill>
-                      <a:prstDash val="solid"/>
-                      <a:round/>
-                      <a:headEnd type="none" w="med" len="med"/>
-                      <a:tailEnd type="none" w="med" len="med"/>
-                    </a:lnR>
-                    <a:lnT w="12700" cap="flat" cmpd="sng" algn="ctr">
-                      <a:solidFill>
-                        <a:schemeClr val="tx1"/>
-                      </a:solidFill>
-                      <a:prstDash val="solid"/>
-                      <a:round/>
-                      <a:headEnd type="none" w="med" len="med"/>
-                      <a:tailEnd type="none" w="med" len="med"/>
-                    </a:lnT>
-                    <a:lnB w="12700" cap="flat" cmpd="sng" algn="ctr">
-                      <a:solidFill>
-                        <a:schemeClr val="tx1"/>
-                      </a:solidFill>
-                      <a:prstDash val="solid"/>
-                      <a:round/>
-                      <a:headEnd type="none" w="med" len="med"/>
-                      <a:tailEnd type="none" w="med" len="med"/>
-                    </a:lnB>
-                    <a:noFill/>
-                  </a:tcPr>
-                </a:tc>
-                <a:tc>
-                  <a:txBody>
-                    <a:bodyPr/>
-                    <a:lstStyle/>
-                    <a:p>
-                      <a:pPr>
-                        <a:buNone/>
-                      </a:pPr>
-                      <a:r>
-                        <a:rPr lang="en-US" sz="3200"/>
-                        <a:t>Power BI, Dataverse</a:t>
-                      </a:r>
-                    </a:p>
-                  </a:txBody>
-                  <a:tcPr anchor="ctr">
-                    <a:lnL w="12700" cap="flat" cmpd="sng" algn="ctr">
-                      <a:solidFill>
-                        <a:schemeClr val="tx1"/>
-                      </a:solidFill>
-                      <a:prstDash val="solid"/>
-                      <a:round/>
-                      <a:headEnd type="none" w="med" len="med"/>
-                      <a:tailEnd type="none" w="med" len="med"/>
-                    </a:lnL>
-                    <a:lnR w="12700" cap="flat" cmpd="sng" algn="ctr">
-                      <a:solidFill>
-                        <a:schemeClr val="tx1"/>
-                      </a:solidFill>
-                      <a:prstDash val="solid"/>
-                      <a:round/>
-                      <a:headEnd type="none" w="med" len="med"/>
-                      <a:tailEnd type="none" w="med" len="med"/>
-                    </a:lnR>
-                    <a:lnT w="12700" cap="flat" cmpd="sng" algn="ctr">
-                      <a:solidFill>
-                        <a:schemeClr val="tx1"/>
-                      </a:solidFill>
-                      <a:prstDash val="solid"/>
-                      <a:round/>
-                      <a:headEnd type="none" w="med" len="med"/>
-                      <a:tailEnd type="none" w="med" len="med"/>
-                    </a:lnT>
-                    <a:lnB w="12700" cap="flat" cmpd="sng" algn="ctr">
-                      <a:solidFill>
-                        <a:schemeClr val="tx1"/>
-                      </a:solidFill>
-                      <a:prstDash val="solid"/>
-                      <a:round/>
-                      <a:headEnd type="none" w="med" len="med"/>
-                      <a:tailEnd type="none" w="med" len="med"/>
-                    </a:lnB>
-                    <a:noFill/>
-                  </a:tcPr>
-                </a:tc>
-                <a:extLst>
-                  <a:ext uri="{0D108BD9-81ED-4DB2-BD59-A6C34878D82A}">
-                    <a16:rowId xmlns:a16="http://schemas.microsoft.com/office/drawing/2014/main" val="3297406007"/>
-                  </a:ext>
-                </a:extLst>
-              </a:tr>
-              <a:tr h="1295036">
-                <a:tc>
-                  <a:txBody>
-                    <a:bodyPr/>
-                    <a:lstStyle/>
-                    <a:p>
-                      <a:pPr>
-                        <a:buNone/>
-                      </a:pPr>
-                      <a:r>
-                        <a:rPr lang="en-US" sz="3200" b="1"/>
-                        <a:t>2. Data Preparation</a:t>
-                      </a:r>
-                      <a:endParaRPr lang="en-US" sz="3200"/>
-                    </a:p>
-                  </a:txBody>
-                  <a:tcPr anchor="ctr">
-                    <a:lnL w="12700" cap="flat" cmpd="sng" algn="ctr">
-                      <a:solidFill>
-                        <a:schemeClr val="tx1"/>
-                      </a:solidFill>
-                      <a:prstDash val="solid"/>
-                      <a:round/>
-                      <a:headEnd type="none" w="med" len="med"/>
-                      <a:tailEnd type="none" w="med" len="med"/>
-                    </a:lnL>
-                    <a:lnR w="12700" cap="flat" cmpd="sng" algn="ctr">
-                      <a:solidFill>
-                        <a:schemeClr val="tx1"/>
-                      </a:solidFill>
-                      <a:prstDash val="solid"/>
-                      <a:round/>
-                      <a:headEnd type="none" w="med" len="med"/>
-                      <a:tailEnd type="none" w="med" len="med"/>
-                    </a:lnR>
-                    <a:lnT w="12700" cap="flat" cmpd="sng" algn="ctr">
-                      <a:solidFill>
-                        <a:schemeClr val="tx1"/>
-                      </a:solidFill>
-                      <a:prstDash val="solid"/>
-                      <a:round/>
-                      <a:headEnd type="none" w="med" len="med"/>
-                      <a:tailEnd type="none" w="med" len="med"/>
-                    </a:lnT>
-                    <a:lnB w="12700" cap="flat" cmpd="sng" algn="ctr">
-                      <a:solidFill>
-                        <a:schemeClr val="tx1"/>
-                      </a:solidFill>
-                      <a:prstDash val="solid"/>
-                      <a:round/>
-                      <a:headEnd type="none" w="med" len="med"/>
-                      <a:tailEnd type="none" w="med" len="med"/>
-                    </a:lnB>
-                    <a:noFill/>
-                  </a:tcPr>
-                </a:tc>
-                <a:tc>
-                  <a:txBody>
-                    <a:bodyPr/>
-                    <a:lstStyle/>
-                    <a:p>
-                      <a:pPr>
-                        <a:buNone/>
-                      </a:pPr>
-                      <a:r>
-                        <a:rPr lang="en-US" sz="3200"/>
-                        <a:t>Clean, shape, and combine data</a:t>
-                      </a:r>
-                    </a:p>
-                  </a:txBody>
-                  <a:tcPr anchor="ctr">
-                    <a:lnL w="12700" cap="flat" cmpd="sng" algn="ctr">
-                      <a:solidFill>
-                        <a:schemeClr val="tx1"/>
-                      </a:solidFill>
-                      <a:prstDash val="solid"/>
-                      <a:round/>
-                      <a:headEnd type="none" w="med" len="med"/>
-                      <a:tailEnd type="none" w="med" len="med"/>
-                    </a:lnL>
-                    <a:lnR w="12700" cap="flat" cmpd="sng" algn="ctr">
-                      <a:solidFill>
-                        <a:schemeClr val="tx1"/>
-                      </a:solidFill>
-                      <a:prstDash val="solid"/>
-                      <a:round/>
-                      <a:headEnd type="none" w="med" len="med"/>
-                      <a:tailEnd type="none" w="med" len="med"/>
-                    </a:lnR>
-                    <a:lnT w="12700" cap="flat" cmpd="sng" algn="ctr">
-                      <a:solidFill>
-                        <a:schemeClr val="tx1"/>
-                      </a:solidFill>
-                      <a:prstDash val="solid"/>
-                      <a:round/>
-                      <a:headEnd type="none" w="med" len="med"/>
-                      <a:tailEnd type="none" w="med" len="med"/>
-                    </a:lnT>
-                    <a:lnB w="12700" cap="flat" cmpd="sng" algn="ctr">
-                      <a:solidFill>
-                        <a:schemeClr val="tx1"/>
-                      </a:solidFill>
-                      <a:prstDash val="solid"/>
-                      <a:round/>
-                      <a:headEnd type="none" w="med" len="med"/>
-                      <a:tailEnd type="none" w="med" len="med"/>
-                    </a:lnB>
-                    <a:noFill/>
-                  </a:tcPr>
-                </a:tc>
-                <a:tc>
-                  <a:txBody>
-                    <a:bodyPr/>
-                    <a:lstStyle/>
-                    <a:p>
-                      <a:pPr>
-                        <a:buNone/>
-                      </a:pPr>
-                      <a:r>
-                        <a:rPr lang="en-US" sz="3200" dirty="0"/>
-                        <a:t>Power Query/Dataflows</a:t>
-                      </a:r>
-                    </a:p>
-                  </a:txBody>
-                  <a:tcPr anchor="ctr">
-                    <a:lnL w="12700" cap="flat" cmpd="sng" algn="ctr">
-                      <a:solidFill>
-                        <a:schemeClr val="tx1"/>
-                      </a:solidFill>
-                      <a:prstDash val="solid"/>
-                      <a:round/>
-                      <a:headEnd type="none" w="med" len="med"/>
-                      <a:tailEnd type="none" w="med" len="med"/>
-                    </a:lnL>
-                    <a:lnR w="12700" cap="flat" cmpd="sng" algn="ctr">
-                      <a:solidFill>
-                        <a:schemeClr val="tx1"/>
-                      </a:solidFill>
-                      <a:prstDash val="solid"/>
-                      <a:round/>
-                      <a:headEnd type="none" w="med" len="med"/>
-                      <a:tailEnd type="none" w="med" len="med"/>
-                    </a:lnR>
-                    <a:lnT w="12700" cap="flat" cmpd="sng" algn="ctr">
-                      <a:solidFill>
-                        <a:schemeClr val="tx1"/>
-                      </a:solidFill>
-                      <a:prstDash val="solid"/>
-                      <a:round/>
-                      <a:headEnd type="none" w="med" len="med"/>
-                      <a:tailEnd type="none" w="med" len="med"/>
-                    </a:lnT>
-                    <a:lnB w="12700" cap="flat" cmpd="sng" algn="ctr">
-                      <a:solidFill>
-                        <a:schemeClr val="tx1"/>
-                      </a:solidFill>
-                      <a:prstDash val="solid"/>
-                      <a:round/>
-                      <a:headEnd type="none" w="med" len="med"/>
-                      <a:tailEnd type="none" w="med" len="med"/>
-                    </a:lnB>
-                    <a:noFill/>
-                  </a:tcPr>
-                </a:tc>
-                <a:extLst>
-                  <a:ext uri="{0D108BD9-81ED-4DB2-BD59-A6C34878D82A}">
-                    <a16:rowId xmlns:a16="http://schemas.microsoft.com/office/drawing/2014/main" val="616296996"/>
-                  </a:ext>
-                </a:extLst>
-              </a:tr>
-              <a:tr h="1295036">
-                <a:tc>
-                  <a:txBody>
-                    <a:bodyPr/>
-                    <a:lstStyle/>
-                    <a:p>
-                      <a:pPr>
-                        <a:buNone/>
-                      </a:pPr>
-                      <a:r>
-                        <a:rPr lang="en-US" sz="3200" b="1" dirty="0"/>
-                        <a:t>3. Analysis &amp; Intelligence</a:t>
-                      </a:r>
-                      <a:endParaRPr lang="en-US" sz="3200" dirty="0"/>
-                    </a:p>
-                  </a:txBody>
-                  <a:tcPr anchor="ctr">
-                    <a:lnL w="12700" cap="flat" cmpd="sng" algn="ctr">
-                      <a:solidFill>
-                        <a:schemeClr val="tx1"/>
-                      </a:solidFill>
-                      <a:prstDash val="solid"/>
-                      <a:round/>
-                      <a:headEnd type="none" w="med" len="med"/>
-                      <a:tailEnd type="none" w="med" len="med"/>
-                    </a:lnL>
-                    <a:lnR w="12700" cap="flat" cmpd="sng" algn="ctr">
-                      <a:solidFill>
-                        <a:schemeClr val="tx1"/>
-                      </a:solidFill>
-                      <a:prstDash val="solid"/>
-                      <a:round/>
-                      <a:headEnd type="none" w="med" len="med"/>
-                      <a:tailEnd type="none" w="med" len="med"/>
-                    </a:lnR>
-                    <a:lnT w="12700" cap="flat" cmpd="sng" algn="ctr">
-                      <a:solidFill>
-                        <a:schemeClr val="tx1"/>
-                      </a:solidFill>
-                      <a:prstDash val="solid"/>
-                      <a:round/>
-                      <a:headEnd type="none" w="med" len="med"/>
-                      <a:tailEnd type="none" w="med" len="med"/>
-                    </a:lnT>
-                    <a:lnB w="12700" cap="flat" cmpd="sng" algn="ctr">
-                      <a:solidFill>
-                        <a:schemeClr val="tx1"/>
-                      </a:solidFill>
-                      <a:prstDash val="solid"/>
-                      <a:round/>
-                      <a:headEnd type="none" w="med" len="med"/>
-                      <a:tailEnd type="none" w="med" len="med"/>
-                    </a:lnB>
-                    <a:noFill/>
-                  </a:tcPr>
-                </a:tc>
-                <a:tc>
-                  <a:txBody>
-                    <a:bodyPr/>
-                    <a:lstStyle/>
-                    <a:p>
-                      <a:pPr>
-                        <a:buNone/>
-                      </a:pPr>
-                      <a:r>
-                        <a:rPr lang="en-US" sz="3200" dirty="0"/>
-                        <a:t>Explore data and get insights</a:t>
-                      </a:r>
-                    </a:p>
-                  </a:txBody>
-                  <a:tcPr anchor="ctr">
-                    <a:lnL w="12700" cap="flat" cmpd="sng" algn="ctr">
-                      <a:solidFill>
-                        <a:schemeClr val="tx1"/>
-                      </a:solidFill>
-                      <a:prstDash val="solid"/>
-                      <a:round/>
-                      <a:headEnd type="none" w="med" len="med"/>
-                      <a:tailEnd type="none" w="med" len="med"/>
-                    </a:lnL>
-                    <a:lnR w="12700" cap="flat" cmpd="sng" algn="ctr">
-                      <a:solidFill>
-                        <a:schemeClr val="tx1"/>
-                      </a:solidFill>
-                      <a:prstDash val="solid"/>
-                      <a:round/>
-                      <a:headEnd type="none" w="med" len="med"/>
-                      <a:tailEnd type="none" w="med" len="med"/>
-                    </a:lnR>
-                    <a:lnT w="12700" cap="flat" cmpd="sng" algn="ctr">
-                      <a:solidFill>
-                        <a:schemeClr val="tx1"/>
-                      </a:solidFill>
-                      <a:prstDash val="solid"/>
-                      <a:round/>
-                      <a:headEnd type="none" w="med" len="med"/>
-                      <a:tailEnd type="none" w="med" len="med"/>
-                    </a:lnT>
-                    <a:lnB w="12700" cap="flat" cmpd="sng" algn="ctr">
-                      <a:solidFill>
-                        <a:schemeClr val="tx1"/>
-                      </a:solidFill>
-                      <a:prstDash val="solid"/>
-                      <a:round/>
-                      <a:headEnd type="none" w="med" len="med"/>
-                      <a:tailEnd type="none" w="med" len="med"/>
-                    </a:lnB>
-                    <a:noFill/>
-                  </a:tcPr>
-                </a:tc>
-                <a:tc>
-                  <a:txBody>
-                    <a:bodyPr/>
-                    <a:lstStyle/>
-                    <a:p>
-                      <a:pPr>
-                        <a:buNone/>
-                      </a:pPr>
-                      <a:r>
-                        <a:rPr lang="en-US" sz="3200" dirty="0"/>
-                        <a:t>Excel (with Copilot, Python, Agent Mode)</a:t>
-                      </a:r>
-                    </a:p>
-                  </a:txBody>
-                  <a:tcPr anchor="ctr">
-                    <a:lnL w="12700" cap="flat" cmpd="sng" algn="ctr">
-                      <a:solidFill>
-                        <a:schemeClr val="tx1"/>
-                      </a:solidFill>
-                      <a:prstDash val="solid"/>
-                      <a:round/>
-                      <a:headEnd type="none" w="med" len="med"/>
-                      <a:tailEnd type="none" w="med" len="med"/>
-                    </a:lnL>
-                    <a:lnR w="12700" cap="flat" cmpd="sng" algn="ctr">
-                      <a:solidFill>
-                        <a:schemeClr val="tx1"/>
-                      </a:solidFill>
-                      <a:prstDash val="solid"/>
-                      <a:round/>
-                      <a:headEnd type="none" w="med" len="med"/>
-                      <a:tailEnd type="none" w="med" len="med"/>
-                    </a:lnR>
-                    <a:lnT w="12700" cap="flat" cmpd="sng" algn="ctr">
-                      <a:solidFill>
-                        <a:schemeClr val="tx1"/>
-                      </a:solidFill>
-                      <a:prstDash val="solid"/>
-                      <a:round/>
-                      <a:headEnd type="none" w="med" len="med"/>
-                      <a:tailEnd type="none" w="med" len="med"/>
-                    </a:lnT>
-                    <a:lnB w="12700" cap="flat" cmpd="sng" algn="ctr">
-                      <a:solidFill>
-                        <a:schemeClr val="tx1"/>
-                      </a:solidFill>
-                      <a:prstDash val="solid"/>
-                      <a:round/>
-                      <a:headEnd type="none" w="med" len="med"/>
-                      <a:tailEnd type="none" w="med" len="med"/>
-                    </a:lnB>
-                    <a:noFill/>
-                  </a:tcPr>
-                </a:tc>
-                <a:extLst>
-                  <a:ext uri="{0D108BD9-81ED-4DB2-BD59-A6C34878D82A}">
-                    <a16:rowId xmlns:a16="http://schemas.microsoft.com/office/drawing/2014/main" val="1052852401"/>
-                  </a:ext>
-                </a:extLst>
-              </a:tr>
-              <a:tr h="1295036">
-                <a:tc>
-                  <a:txBody>
-                    <a:bodyPr/>
-                    <a:lstStyle/>
-                    <a:p>
-                      <a:pPr>
-                        <a:buNone/>
-                      </a:pPr>
-                      <a:r>
-                        <a:rPr lang="en-US" sz="3200" b="1"/>
-                        <a:t>4. Automation &amp; Extension</a:t>
-                      </a:r>
-                      <a:endParaRPr lang="en-US" sz="3200"/>
-                    </a:p>
-                  </a:txBody>
-                  <a:tcPr anchor="ctr">
-                    <a:lnL w="12700" cap="flat" cmpd="sng" algn="ctr">
-                      <a:solidFill>
-                        <a:schemeClr val="tx1"/>
-                      </a:solidFill>
-                      <a:prstDash val="solid"/>
-                      <a:round/>
-                      <a:headEnd type="none" w="med" len="med"/>
-                      <a:tailEnd type="none" w="med" len="med"/>
-                    </a:lnL>
-                    <a:lnR w="12700" cap="flat" cmpd="sng" algn="ctr">
-                      <a:solidFill>
-                        <a:schemeClr val="tx1"/>
-                      </a:solidFill>
-                      <a:prstDash val="solid"/>
-                      <a:round/>
-                      <a:headEnd type="none" w="med" len="med"/>
-                      <a:tailEnd type="none" w="med" len="med"/>
-                    </a:lnR>
-                    <a:lnT w="12700" cap="flat" cmpd="sng" algn="ctr">
-                      <a:solidFill>
-                        <a:schemeClr val="tx1"/>
-                      </a:solidFill>
-                      <a:prstDash val="solid"/>
-                      <a:round/>
-                      <a:headEnd type="none" w="med" len="med"/>
-                      <a:tailEnd type="none" w="med" len="med"/>
-                    </a:lnT>
-                    <a:lnB w="12700" cap="flat" cmpd="sng" algn="ctr">
-                      <a:solidFill>
-                        <a:schemeClr val="tx1"/>
-                      </a:solidFill>
-                      <a:prstDash val="solid"/>
-                      <a:round/>
-                      <a:headEnd type="none" w="med" len="med"/>
-                      <a:tailEnd type="none" w="med" len="med"/>
-                    </a:lnB>
-                    <a:noFill/>
-                  </a:tcPr>
-                </a:tc>
-                <a:tc>
-                  <a:txBody>
-                    <a:bodyPr/>
-                    <a:lstStyle/>
-                    <a:p>
-                      <a:pPr>
-                        <a:buNone/>
-                      </a:pPr>
-                      <a:r>
-                        <a:rPr lang="en-US" sz="3200" dirty="0"/>
-                        <a:t>Repeat, scale, and connect processes</a:t>
-                      </a:r>
-                    </a:p>
-                  </a:txBody>
-                  <a:tcPr anchor="ctr">
-                    <a:lnL w="12700" cap="flat" cmpd="sng" algn="ctr">
-                      <a:solidFill>
-                        <a:schemeClr val="tx1"/>
-                      </a:solidFill>
-                      <a:prstDash val="solid"/>
-                      <a:round/>
-                      <a:headEnd type="none" w="med" len="med"/>
-                      <a:tailEnd type="none" w="med" len="med"/>
-                    </a:lnL>
-                    <a:lnR w="12700" cap="flat" cmpd="sng" algn="ctr">
-                      <a:solidFill>
-                        <a:schemeClr val="tx1"/>
-                      </a:solidFill>
-                      <a:prstDash val="solid"/>
-                      <a:round/>
-                      <a:headEnd type="none" w="med" len="med"/>
-                      <a:tailEnd type="none" w="med" len="med"/>
-                    </a:lnR>
-                    <a:lnT w="12700" cap="flat" cmpd="sng" algn="ctr">
-                      <a:solidFill>
-                        <a:schemeClr val="tx1"/>
-                      </a:solidFill>
-                      <a:prstDash val="solid"/>
-                      <a:round/>
-                      <a:headEnd type="none" w="med" len="med"/>
-                      <a:tailEnd type="none" w="med" len="med"/>
-                    </a:lnT>
-                    <a:lnB w="12700" cap="flat" cmpd="sng" algn="ctr">
-                      <a:solidFill>
-                        <a:schemeClr val="tx1"/>
-                      </a:solidFill>
-                      <a:prstDash val="solid"/>
-                      <a:round/>
-                      <a:headEnd type="none" w="med" len="med"/>
-                      <a:tailEnd type="none" w="med" len="med"/>
-                    </a:lnB>
-                    <a:noFill/>
-                  </a:tcPr>
-                </a:tc>
-                <a:tc>
-                  <a:txBody>
-                    <a:bodyPr/>
-                    <a:lstStyle/>
-                    <a:p>
-                      <a:pPr>
-                        <a:buNone/>
-                      </a:pPr>
-                      <a:r>
-                        <a:rPr lang="en-US" sz="3200"/>
-                        <a:t>Office Scripts, Power Automate</a:t>
-                      </a:r>
-                    </a:p>
-                  </a:txBody>
-                  <a:tcPr anchor="ctr">
-                    <a:lnL w="12700" cap="flat" cmpd="sng" algn="ctr">
-                      <a:solidFill>
-                        <a:schemeClr val="tx1"/>
-                      </a:solidFill>
-                      <a:prstDash val="solid"/>
-                      <a:round/>
-                      <a:headEnd type="none" w="med" len="med"/>
-                      <a:tailEnd type="none" w="med" len="med"/>
-                    </a:lnL>
-                    <a:lnR w="12700" cap="flat" cmpd="sng" algn="ctr">
-                      <a:solidFill>
-                        <a:schemeClr val="tx1"/>
-                      </a:solidFill>
-                      <a:prstDash val="solid"/>
-                      <a:round/>
-                      <a:headEnd type="none" w="med" len="med"/>
-                      <a:tailEnd type="none" w="med" len="med"/>
-                    </a:lnR>
-                    <a:lnT w="12700" cap="flat" cmpd="sng" algn="ctr">
-                      <a:solidFill>
-                        <a:schemeClr val="tx1"/>
-                      </a:solidFill>
-                      <a:prstDash val="solid"/>
-                      <a:round/>
-                      <a:headEnd type="none" w="med" len="med"/>
-                      <a:tailEnd type="none" w="med" len="med"/>
-                    </a:lnT>
-                    <a:lnB w="12700" cap="flat" cmpd="sng" algn="ctr">
-                      <a:solidFill>
-                        <a:schemeClr val="tx1"/>
-                      </a:solidFill>
-                      <a:prstDash val="solid"/>
-                      <a:round/>
-                      <a:headEnd type="none" w="med" len="med"/>
-                      <a:tailEnd type="none" w="med" len="med"/>
-                    </a:lnB>
-                    <a:noFill/>
-                  </a:tcPr>
-                </a:tc>
-                <a:extLst>
-                  <a:ext uri="{0D108BD9-81ED-4DB2-BD59-A6C34878D82A}">
-                    <a16:rowId xmlns:a16="http://schemas.microsoft.com/office/drawing/2014/main" val="2692917109"/>
-                  </a:ext>
-                </a:extLst>
-              </a:tr>
-              <a:tr h="1295036">
-                <a:tc>
-                  <a:txBody>
-                    <a:bodyPr/>
-                    <a:lstStyle/>
-                    <a:p>
-                      <a:pPr>
-                        <a:buNone/>
-                      </a:pPr>
-                      <a:r>
-                        <a:rPr lang="en-US" sz="3200" b="1"/>
-                        <a:t>5. Customization &amp; Governance</a:t>
-                      </a:r>
-                      <a:endParaRPr lang="en-US" sz="3200"/>
-                    </a:p>
-                  </a:txBody>
-                  <a:tcPr anchor="ctr">
-                    <a:lnL w="12700" cap="flat" cmpd="sng" algn="ctr">
-                      <a:solidFill>
-                        <a:schemeClr val="tx1"/>
-                      </a:solidFill>
-                      <a:prstDash val="solid"/>
-                      <a:round/>
-                      <a:headEnd type="none" w="med" len="med"/>
-                      <a:tailEnd type="none" w="med" len="med"/>
-                    </a:lnL>
-                    <a:lnR w="12700" cap="flat" cmpd="sng" algn="ctr">
-                      <a:solidFill>
-                        <a:schemeClr val="tx1"/>
-                      </a:solidFill>
-                      <a:prstDash val="solid"/>
-                      <a:round/>
-                      <a:headEnd type="none" w="med" len="med"/>
-                      <a:tailEnd type="none" w="med" len="med"/>
-                    </a:lnR>
-                    <a:lnT w="12700" cap="flat" cmpd="sng" algn="ctr">
-                      <a:solidFill>
-                        <a:schemeClr val="tx1"/>
-                      </a:solidFill>
-                      <a:prstDash val="solid"/>
-                      <a:round/>
-                      <a:headEnd type="none" w="med" len="med"/>
-                      <a:tailEnd type="none" w="med" len="med"/>
-                    </a:lnT>
-                    <a:lnB w="12700" cap="flat" cmpd="sng" algn="ctr">
-                      <a:solidFill>
-                        <a:schemeClr val="tx1"/>
-                      </a:solidFill>
-                      <a:prstDash val="solid"/>
-                      <a:round/>
-                      <a:headEnd type="none" w="med" len="med"/>
-                      <a:tailEnd type="none" w="med" len="med"/>
-                    </a:lnB>
-                    <a:noFill/>
-                  </a:tcPr>
-                </a:tc>
-                <a:tc>
-                  <a:txBody>
-                    <a:bodyPr/>
-                    <a:lstStyle/>
-                    <a:p>
-                      <a:pPr>
-                        <a:buNone/>
-                      </a:pPr>
-                      <a:r>
-                        <a:rPr lang="en-US" sz="3200"/>
-                        <a:t>Control, deploy, and monitor AI agents</a:t>
-                      </a:r>
-                    </a:p>
-                  </a:txBody>
-                  <a:tcPr anchor="ctr">
-                    <a:lnL w="12700" cap="flat" cmpd="sng" algn="ctr">
-                      <a:solidFill>
-                        <a:schemeClr val="tx1"/>
-                      </a:solidFill>
-                      <a:prstDash val="solid"/>
-                      <a:round/>
-                      <a:headEnd type="none" w="med" len="med"/>
-                      <a:tailEnd type="none" w="med" len="med"/>
-                    </a:lnL>
-                    <a:lnR w="12700" cap="flat" cmpd="sng" algn="ctr">
-                      <a:solidFill>
-                        <a:schemeClr val="tx1"/>
-                      </a:solidFill>
-                      <a:prstDash val="solid"/>
-                      <a:round/>
-                      <a:headEnd type="none" w="med" len="med"/>
-                      <a:tailEnd type="none" w="med" len="med"/>
-                    </a:lnR>
-                    <a:lnT w="12700" cap="flat" cmpd="sng" algn="ctr">
-                      <a:solidFill>
-                        <a:schemeClr val="tx1"/>
-                      </a:solidFill>
-                      <a:prstDash val="solid"/>
-                      <a:round/>
-                      <a:headEnd type="none" w="med" len="med"/>
-                      <a:tailEnd type="none" w="med" len="med"/>
-                    </a:lnT>
-                    <a:lnB w="12700" cap="flat" cmpd="sng" algn="ctr">
-                      <a:solidFill>
-                        <a:schemeClr val="tx1"/>
-                      </a:solidFill>
-                      <a:prstDash val="solid"/>
-                      <a:round/>
-                      <a:headEnd type="none" w="med" len="med"/>
-                      <a:tailEnd type="none" w="med" len="med"/>
-                    </a:lnB>
-                    <a:noFill/>
-                  </a:tcPr>
-                </a:tc>
-                <a:tc>
-                  <a:txBody>
-                    <a:bodyPr/>
-                    <a:lstStyle/>
-                    <a:p>
-                      <a:pPr>
-                        <a:buNone/>
-                      </a:pPr>
-                      <a:r>
-                        <a:rPr lang="en-US" sz="3200" dirty="0"/>
-                        <a:t>Copilot Studio</a:t>
-                      </a:r>
-                    </a:p>
-                  </a:txBody>
-                  <a:tcPr anchor="ctr">
-                    <a:lnL w="12700" cap="flat" cmpd="sng" algn="ctr">
-                      <a:solidFill>
-                        <a:schemeClr val="tx1"/>
-                      </a:solidFill>
-                      <a:prstDash val="solid"/>
-                      <a:round/>
-                      <a:headEnd type="none" w="med" len="med"/>
-                      <a:tailEnd type="none" w="med" len="med"/>
-                    </a:lnL>
-                    <a:lnR w="12700" cap="flat" cmpd="sng" algn="ctr">
-                      <a:solidFill>
-                        <a:schemeClr val="tx1"/>
-                      </a:solidFill>
-                      <a:prstDash val="solid"/>
-                      <a:round/>
-                      <a:headEnd type="none" w="med" len="med"/>
-                      <a:tailEnd type="none" w="med" len="med"/>
-                    </a:lnR>
-                    <a:lnT w="12700" cap="flat" cmpd="sng" algn="ctr">
-                      <a:solidFill>
-                        <a:schemeClr val="tx1"/>
-                      </a:solidFill>
-                      <a:prstDash val="solid"/>
-                      <a:round/>
-                      <a:headEnd type="none" w="med" len="med"/>
-                      <a:tailEnd type="none" w="med" len="med"/>
-                    </a:lnT>
-                    <a:lnB w="12700" cap="flat" cmpd="sng" algn="ctr">
-                      <a:solidFill>
-                        <a:schemeClr val="tx1"/>
-                      </a:solidFill>
-                      <a:prstDash val="solid"/>
-                      <a:round/>
-                      <a:headEnd type="none" w="med" len="med"/>
-                      <a:tailEnd type="none" w="med" len="med"/>
-                    </a:lnB>
-                    <a:noFill/>
-                  </a:tcPr>
-                </a:tc>
-                <a:extLst>
-                  <a:ext uri="{0D108BD9-81ED-4DB2-BD59-A6C34878D82A}">
-                    <a16:rowId xmlns:a16="http://schemas.microsoft.com/office/drawing/2014/main" val="4036899994"/>
-                  </a:ext>
-                </a:extLst>
-              </a:tr>
-            </a:tbl>
-          </a:graphicData>
-        </a:graphic>
-      </p:graphicFrame>
+          <p:cNvPicPr>
+            <a:picLocks noChangeAspect="1" noChangeArrowheads="1"/>
+          </p:cNvPicPr>
+          <p:nvPr/>
+        </p:nvPicPr>
+        <p:blipFill>
+          <a:blip r:embed="rId4">
+            <a:extLst>
+              <a:ext uri="{28A0092B-C50C-407E-A947-70E740481C1C}">
+                <a14:useLocalDpi xmlns:a14="http://schemas.microsoft.com/office/drawing/2010/main" val="0"/>
+              </a:ext>
+            </a:extLst>
+          </a:blip>
+          <a:srcRect/>
+          <a:stretch>
+            <a:fillRect/>
+          </a:stretch>
+        </p:blipFill>
+        <p:spPr bwMode="auto">
+          <a:xfrm>
+            <a:off x="4267200" y="266700"/>
+            <a:ext cx="9753600" cy="9753600"/>
+          </a:xfrm>
+          <a:prstGeom prst="rect">
+            <a:avLst/>
+          </a:prstGeom>
+          <a:noFill/>
+          <a:extLst>
+            <a:ext uri="{909E8E84-426E-40DD-AFC4-6F175D3DCCD1}">
+              <a14:hiddenFill xmlns:a14="http://schemas.microsoft.com/office/drawing/2010/main">
+                <a:solidFill>
+                  <a:srgbClr val="FFFFFF"/>
+                </a:solidFill>
+              </a14:hiddenFill>
+            </a:ext>
+          </a:extLst>
+        </p:spPr>
+      </p:pic>
+      <p:sp>
+        <p:nvSpPr>
+          <p:cNvPr id="4" name="TextBox 3">
+            <a:extLst>
+              <a:ext uri="{FF2B5EF4-FFF2-40B4-BE49-F238E27FC236}">
+                <a16:creationId xmlns:a16="http://schemas.microsoft.com/office/drawing/2014/main" id="{94252A70-2368-1C9D-63DF-7611C458B4EF}"/>
+              </a:ext>
+            </a:extLst>
+          </p:cNvPr>
+          <p:cNvSpPr txBox="1"/>
+          <p:nvPr/>
+        </p:nvSpPr>
+        <p:spPr>
+          <a:xfrm>
+            <a:off x="516282" y="8648700"/>
+            <a:ext cx="2590800" cy="1200329"/>
+          </a:xfrm>
+          <a:prstGeom prst="rect">
+            <a:avLst/>
+          </a:prstGeom>
+          <a:noFill/>
+        </p:spPr>
+        <p:txBody>
+          <a:bodyPr wrap="square">
+            <a:spAutoFit/>
+          </a:bodyPr>
+          <a:lstStyle/>
+          <a:p>
+            <a:r>
+              <a:rPr lang="en-US" dirty="0"/>
+              <a:t>https://stringfestanalytics.com/how-to-understand-the-modern-excel-ai-stack/</a:t>
+            </a:r>
+          </a:p>
+        </p:txBody>
+      </p:sp>
     </p:spTree>
     <p:extLst>
       <p:ext uri="{BB962C8B-B14F-4D97-AF65-F5344CB8AC3E}">
-        <p14:creationId xmlns:p14="http://schemas.microsoft.com/office/powerpoint/2010/main" val="2677091631"/>
+        <p14:creationId xmlns:p14="http://schemas.microsoft.com/office/powerpoint/2010/main" val="1116754903"/>
       </p:ext>
     </p:extLst>
   </p:cSld>
@@ -11479,7 +10783,472 @@
         <p:cNvPr id="1" name="">
           <a:extLst>
             <a:ext uri="{FF2B5EF4-FFF2-40B4-BE49-F238E27FC236}">
-              <a16:creationId xmlns:a16="http://schemas.microsoft.com/office/drawing/2014/main" id="{D13D58A7-5F6B-4F51-4398-479AFC189587}"/>
+              <a16:creationId xmlns:a16="http://schemas.microsoft.com/office/drawing/2014/main" id="{8D57B6D4-A9E1-18F2-6B90-35C6049AD10A}"/>
+            </a:ext>
+          </a:extLst>
+        </p:cNvPr>
+        <p:cNvGrpSpPr/>
+        <p:nvPr/>
+      </p:nvGrpSpPr>
+      <p:grpSpPr>
+        <a:xfrm>
+          <a:off x="0" y="0"/>
+          <a:ext cx="0" cy="0"/>
+          <a:chOff x="0" y="0"/>
+          <a:chExt cx="0" cy="0"/>
+        </a:xfrm>
+      </p:grpSpPr>
+      <p:sp>
+        <p:nvSpPr>
+          <p:cNvPr id="4" name="Rectangle 3">
+            <a:extLst>
+              <a:ext uri="{FF2B5EF4-FFF2-40B4-BE49-F238E27FC236}">
+                <a16:creationId xmlns:a16="http://schemas.microsoft.com/office/drawing/2014/main" id="{86E0BF99-428F-FCDD-2CFB-DD415B3C63E1}"/>
+              </a:ext>
+            </a:extLst>
+          </p:cNvPr>
+          <p:cNvSpPr/>
+          <p:nvPr/>
+        </p:nvSpPr>
+        <p:spPr>
+          <a:xfrm>
+            <a:off x="9861630" y="0"/>
+            <a:ext cx="8426370" cy="10287000"/>
+          </a:xfrm>
+          <a:prstGeom prst="rect">
+            <a:avLst/>
+          </a:prstGeom>
+          <a:solidFill>
+            <a:srgbClr val="CF3338"/>
+          </a:solidFill>
+          <a:ln>
+            <a:noFill/>
+          </a:ln>
+        </p:spPr>
+        <p:style>
+          <a:lnRef idx="2">
+            <a:schemeClr val="accent1">
+              <a:shade val="50000"/>
+            </a:schemeClr>
+          </a:lnRef>
+          <a:fillRef idx="1">
+            <a:schemeClr val="accent1"/>
+          </a:fillRef>
+          <a:effectRef idx="0">
+            <a:schemeClr val="accent1"/>
+          </a:effectRef>
+          <a:fontRef idx="minor">
+            <a:schemeClr val="lt1"/>
+          </a:fontRef>
+        </p:style>
+        <p:txBody>
+          <a:bodyPr rtlCol="0" anchor="ctr"/>
+          <a:lstStyle/>
+          <a:p>
+            <a:pPr algn="ctr"/>
+            <a:endParaRPr lang="en-US" sz="2700"/>
+          </a:p>
+        </p:txBody>
+      </p:sp>
+      <p:pic>
+        <p:nvPicPr>
+          <p:cNvPr id="2" name="Picture 1">
+            <a:extLst>
+              <a:ext uri="{FF2B5EF4-FFF2-40B4-BE49-F238E27FC236}">
+                <a16:creationId xmlns:a16="http://schemas.microsoft.com/office/drawing/2014/main" id="{84C0E755-7B20-E689-DED8-011B122B9B5A}"/>
+              </a:ext>
+            </a:extLst>
+          </p:cNvPr>
+          <p:cNvPicPr>
+            <a:picLocks noChangeAspect="1"/>
+          </p:cNvPicPr>
+          <p:nvPr/>
+        </p:nvPicPr>
+        <p:blipFill rotWithShape="1">
+          <a:blip r:embed="rId3">
+            <a:extLst>
+              <a:ext uri="{28A0092B-C50C-407E-A947-70E740481C1C}">
+                <a14:useLocalDpi xmlns:a14="http://schemas.microsoft.com/office/drawing/2010/main" val="0"/>
+              </a:ext>
+            </a:extLst>
+          </a:blip>
+          <a:srcRect l="69227" t="33418" r="20112" b="50548"/>
+          <a:stretch/>
+        </p:blipFill>
+        <p:spPr>
+          <a:xfrm>
+            <a:off x="15579524" y="7544693"/>
+            <a:ext cx="2708477" cy="2987579"/>
+          </a:xfrm>
+          <a:prstGeom prst="rect">
+            <a:avLst/>
+          </a:prstGeom>
+        </p:spPr>
+      </p:pic>
+      <p:sp>
+        <p:nvSpPr>
+          <p:cNvPr id="3" name="TextBox 2">
+            <a:extLst>
+              <a:ext uri="{FF2B5EF4-FFF2-40B4-BE49-F238E27FC236}">
+                <a16:creationId xmlns:a16="http://schemas.microsoft.com/office/drawing/2014/main" id="{45C6A793-A02D-6141-B68A-AED83B08EEA7}"/>
+              </a:ext>
+            </a:extLst>
+          </p:cNvPr>
+          <p:cNvSpPr txBox="1"/>
+          <p:nvPr/>
+        </p:nvSpPr>
+        <p:spPr>
+          <a:xfrm>
+            <a:off x="260431" y="329879"/>
+            <a:ext cx="8906720" cy="9480031"/>
+          </a:xfrm>
+          <a:prstGeom prst="rect">
+            <a:avLst/>
+          </a:prstGeom>
+          <a:noFill/>
+        </p:spPr>
+        <p:txBody>
+          <a:bodyPr wrap="square" rtlCol="0">
+            <a:spAutoFit/>
+          </a:bodyPr>
+          <a:lstStyle/>
+          <a:p>
+            <a:r>
+              <a:rPr lang="en-US" sz="6000" b="1" dirty="0">
+                <a:solidFill>
+                  <a:srgbClr val="CF3338"/>
+                </a:solidFill>
+                <a:latin typeface="Pragmatica" panose="020B0403040502020204" pitchFamily="34" charset="0"/>
+              </a:rPr>
+              <a:t>Creating an Excel MVP chatbot</a:t>
+            </a:r>
+          </a:p>
+          <a:p>
+            <a:endParaRPr lang="en-US" sz="4200" dirty="0">
+              <a:solidFill>
+                <a:srgbClr val="CF3338"/>
+              </a:solidFill>
+              <a:latin typeface="Pragmatica" panose="020B0403040502020204" pitchFamily="34" charset="0"/>
+            </a:endParaRPr>
+          </a:p>
+          <a:p>
+            <a:pPr marL="685800" indent="-542925">
+              <a:lnSpc>
+                <a:spcPct val="115000"/>
+              </a:lnSpc>
+              <a:spcBef>
+                <a:spcPts val="1125"/>
+              </a:spcBef>
+              <a:buClr>
+                <a:srgbClr val="C00000"/>
+              </a:buClr>
+              <a:buSzPts val="2100"/>
+              <a:buFont typeface="Arial"/>
+              <a:buAutoNum type="arabicPeriod"/>
+            </a:pPr>
+            <a:r>
+              <a:rPr lang="en-US" sz="3600" dirty="0">
+                <a:solidFill>
+                  <a:srgbClr val="C00000"/>
+                </a:solidFill>
+                <a:latin typeface="Pragmatica" panose="020B0403040502020204"/>
+                <a:sym typeface="Consolas"/>
+              </a:rPr>
+              <a:t>Create a custom Copilot agent in Copilot Studio tailored for specific Excel-related use cases</a:t>
+            </a:r>
+          </a:p>
+          <a:p>
+            <a:pPr marL="685800" indent="-542925">
+              <a:lnSpc>
+                <a:spcPct val="115000"/>
+              </a:lnSpc>
+              <a:spcBef>
+                <a:spcPts val="1125"/>
+              </a:spcBef>
+              <a:buClr>
+                <a:srgbClr val="C00000"/>
+              </a:buClr>
+              <a:buSzPts val="2100"/>
+              <a:buFont typeface="Arial"/>
+              <a:buAutoNum type="arabicPeriod"/>
+            </a:pPr>
+            <a:r>
+              <a:rPr lang="en-US" sz="3600" dirty="0">
+                <a:solidFill>
+                  <a:srgbClr val="C00000"/>
+                </a:solidFill>
+                <a:latin typeface="Pragmatica" panose="020B0403040502020204"/>
+                <a:sym typeface="Consolas"/>
+              </a:rPr>
+              <a:t>Add and manage trusted knowledge sources (like MVP websites) to ensure high-quality, domain-specific responses</a:t>
+            </a:r>
+          </a:p>
+          <a:p>
+            <a:pPr marL="685800" indent="-542925">
+              <a:lnSpc>
+                <a:spcPct val="115000"/>
+              </a:lnSpc>
+              <a:spcBef>
+                <a:spcPts val="1125"/>
+              </a:spcBef>
+              <a:buClr>
+                <a:srgbClr val="C00000"/>
+              </a:buClr>
+              <a:buSzPts val="2100"/>
+              <a:buFont typeface="Arial"/>
+              <a:buAutoNum type="arabicPeriod"/>
+            </a:pPr>
+            <a:r>
+              <a:rPr lang="en-US" sz="3600" dirty="0">
+                <a:solidFill>
+                  <a:srgbClr val="C00000"/>
+                </a:solidFill>
+                <a:latin typeface="Pragmatica" panose="020B0403040502020204"/>
+                <a:sym typeface="Consolas"/>
+              </a:rPr>
+              <a:t>Test and publish the agent with simple topics added </a:t>
+            </a:r>
+          </a:p>
+          <a:p>
+            <a:pPr marL="142875">
+              <a:lnSpc>
+                <a:spcPct val="115000"/>
+              </a:lnSpc>
+              <a:spcBef>
+                <a:spcPts val="1125"/>
+              </a:spcBef>
+              <a:buClr>
+                <a:srgbClr val="C00000"/>
+              </a:buClr>
+              <a:buSzPts val="2100"/>
+            </a:pPr>
+            <a:r>
+              <a:rPr lang="en-US" sz="3600" dirty="0">
+                <a:solidFill>
+                  <a:srgbClr val="C00000"/>
+                </a:solidFill>
+                <a:latin typeface="Pragmatica" panose="020B0403040502020204"/>
+                <a:sym typeface="Consolas"/>
+              </a:rPr>
+              <a:t>File: </a:t>
+            </a:r>
+            <a:r>
+              <a:rPr lang="en-US" sz="3600" dirty="0">
+                <a:solidFill>
+                  <a:srgbClr val="C00000"/>
+                </a:solidFill>
+                <a:latin typeface="Consolas" panose="020B0609020204030204" pitchFamily="49" charset="0"/>
+                <a:sym typeface="Consolas"/>
+              </a:rPr>
+              <a:t>mvp-knowledge-base-instructions.docx</a:t>
+            </a:r>
+          </a:p>
+        </p:txBody>
+      </p:sp>
+    </p:spTree>
+    <p:extLst>
+      <p:ext uri="{BB962C8B-B14F-4D97-AF65-F5344CB8AC3E}">
+        <p14:creationId xmlns:p14="http://schemas.microsoft.com/office/powerpoint/2010/main" val="471617120"/>
+      </p:ext>
+    </p:extLst>
+  </p:cSld>
+  <p:clrMapOvr>
+    <a:masterClrMapping/>
+  </p:clrMapOvr>
+</p:sld>
+</file>
+
+<file path=ppt/slides/slide12.xml><?xml version="1.0" encoding="utf-8"?>
+<p:sld xmlns:a="http://schemas.openxmlformats.org/drawingml/2006/main" xmlns:r="http://schemas.openxmlformats.org/officeDocument/2006/relationships" xmlns:p="http://schemas.openxmlformats.org/presentationml/2006/main">
+  <p:cSld>
+    <p:spTree>
+      <p:nvGrpSpPr>
+        <p:cNvPr id="1" name="">
+          <a:extLst>
+            <a:ext uri="{FF2B5EF4-FFF2-40B4-BE49-F238E27FC236}">
+              <a16:creationId xmlns:a16="http://schemas.microsoft.com/office/drawing/2014/main" id="{608C2A64-DE04-BD92-31A8-820C77D9746F}"/>
+            </a:ext>
+          </a:extLst>
+        </p:cNvPr>
+        <p:cNvGrpSpPr/>
+        <p:nvPr/>
+      </p:nvGrpSpPr>
+      <p:grpSpPr>
+        <a:xfrm>
+          <a:off x="0" y="0"/>
+          <a:ext cx="0" cy="0"/>
+          <a:chOff x="0" y="0"/>
+          <a:chExt cx="0" cy="0"/>
+        </a:xfrm>
+      </p:grpSpPr>
+      <p:pic>
+        <p:nvPicPr>
+          <p:cNvPr id="10" name="Picture 9">
+            <a:extLst>
+              <a:ext uri="{FF2B5EF4-FFF2-40B4-BE49-F238E27FC236}">
+                <a16:creationId xmlns:a16="http://schemas.microsoft.com/office/drawing/2014/main" id="{FEC22D6C-55B5-9EBB-6AEF-6E4DABFE9B0F}"/>
+              </a:ext>
+            </a:extLst>
+          </p:cNvPr>
+          <p:cNvPicPr>
+            <a:picLocks noChangeAspect="1"/>
+          </p:cNvPicPr>
+          <p:nvPr/>
+        </p:nvPicPr>
+        <p:blipFill rotWithShape="1">
+          <a:blip r:embed="rId2">
+            <a:extLst>
+              <a:ext uri="{28A0092B-C50C-407E-A947-70E740481C1C}">
+                <a14:useLocalDpi xmlns:a14="http://schemas.microsoft.com/office/drawing/2010/main" val="0"/>
+              </a:ext>
+            </a:extLst>
+          </a:blip>
+          <a:srcRect l="50728" t="56371"/>
+          <a:stretch/>
+        </p:blipFill>
+        <p:spPr>
+          <a:xfrm>
+            <a:off x="12204691" y="3316148"/>
+            <a:ext cx="6083309" cy="6970854"/>
+          </a:xfrm>
+          <a:prstGeom prst="rect">
+            <a:avLst/>
+          </a:prstGeom>
+        </p:spPr>
+      </p:pic>
+      <p:pic>
+        <p:nvPicPr>
+          <p:cNvPr id="4" name="Picture 3">
+            <a:extLst>
+              <a:ext uri="{FF2B5EF4-FFF2-40B4-BE49-F238E27FC236}">
+                <a16:creationId xmlns:a16="http://schemas.microsoft.com/office/drawing/2014/main" id="{A5C23ED6-024D-6DB4-5772-2A38CA349FDF}"/>
+              </a:ext>
+            </a:extLst>
+          </p:cNvPr>
+          <p:cNvPicPr>
+            <a:picLocks noChangeAspect="1"/>
+          </p:cNvPicPr>
+          <p:nvPr/>
+        </p:nvPicPr>
+        <p:blipFill>
+          <a:blip r:embed="rId3">
+            <a:extLst>
+              <a:ext uri="{28A0092B-C50C-407E-A947-70E740481C1C}">
+                <a14:useLocalDpi xmlns:a14="http://schemas.microsoft.com/office/drawing/2010/main" val="0"/>
+              </a:ext>
+            </a:extLst>
+          </a:blip>
+          <a:stretch>
+            <a:fillRect/>
+          </a:stretch>
+        </p:blipFill>
+        <p:spPr>
+          <a:xfrm>
+            <a:off x="-807744" y="-3724155"/>
+            <a:ext cx="15257208" cy="11189825"/>
+          </a:xfrm>
+          <a:prstGeom prst="rect">
+            <a:avLst/>
+          </a:prstGeom>
+        </p:spPr>
+      </p:pic>
+      <p:sp>
+        <p:nvSpPr>
+          <p:cNvPr id="11" name="TextBox 10">
+            <a:extLst>
+              <a:ext uri="{FF2B5EF4-FFF2-40B4-BE49-F238E27FC236}">
+                <a16:creationId xmlns:a16="http://schemas.microsoft.com/office/drawing/2014/main" id="{8038220C-8358-352B-9440-F8C04CC09758}"/>
+              </a:ext>
+            </a:extLst>
+          </p:cNvPr>
+          <p:cNvSpPr txBox="1"/>
+          <p:nvPr/>
+        </p:nvSpPr>
+        <p:spPr>
+          <a:xfrm>
+            <a:off x="486137" y="2531318"/>
+            <a:ext cx="11979797" cy="923330"/>
+          </a:xfrm>
+          <a:prstGeom prst="rect">
+            <a:avLst/>
+          </a:prstGeom>
+          <a:noFill/>
+        </p:spPr>
+        <p:txBody>
+          <a:bodyPr wrap="square" rtlCol="0">
+            <a:spAutoFit/>
+          </a:bodyPr>
+          <a:lstStyle/>
+          <a:p>
+            <a:r>
+              <a:rPr lang="en-US" sz="5400" b="1" dirty="0">
+                <a:solidFill>
+                  <a:srgbClr val="CF3338"/>
+                </a:solidFill>
+                <a:latin typeface="Pragmatica" panose="020B0403040502020204" pitchFamily="34" charset="0"/>
+              </a:rPr>
+              <a:t>Questions?</a:t>
+            </a:r>
+          </a:p>
+        </p:txBody>
+      </p:sp>
+      <p:pic>
+        <p:nvPicPr>
+          <p:cNvPr id="5" name="Picture 4">
+            <a:extLst>
+              <a:ext uri="{FF2B5EF4-FFF2-40B4-BE49-F238E27FC236}">
+                <a16:creationId xmlns:a16="http://schemas.microsoft.com/office/drawing/2014/main" id="{B9C4B0BF-555F-0A08-E78F-4C9AB29B72CE}"/>
+              </a:ext>
+            </a:extLst>
+          </p:cNvPr>
+          <p:cNvPicPr>
+            <a:picLocks noChangeAspect="1"/>
+          </p:cNvPicPr>
+          <p:nvPr/>
+        </p:nvPicPr>
+        <p:blipFill>
+          <a:blip r:embed="rId4">
+            <a:extLst>
+              <a:ext uri="{28A0092B-C50C-407E-A947-70E740481C1C}">
+                <a14:useLocalDpi xmlns:a14="http://schemas.microsoft.com/office/drawing/2010/main" val="0"/>
+              </a:ext>
+            </a:extLst>
+          </a:blip>
+          <a:srcRect/>
+          <a:stretch/>
+        </p:blipFill>
+        <p:spPr>
+          <a:xfrm>
+            <a:off x="12204691" y="3317239"/>
+            <a:ext cx="6083309" cy="6968672"/>
+          </a:xfrm>
+          <a:prstGeom prst="rect">
+            <a:avLst/>
+          </a:prstGeom>
+        </p:spPr>
+      </p:pic>
+    </p:spTree>
+    <p:extLst>
+      <p:ext uri="{BB962C8B-B14F-4D97-AF65-F5344CB8AC3E}">
+        <p14:creationId xmlns:p14="http://schemas.microsoft.com/office/powerpoint/2010/main" val="499556233"/>
+      </p:ext>
+    </p:extLst>
+  </p:cSld>
+  <p:clrMapOvr>
+    <a:masterClrMapping/>
+  </p:clrMapOvr>
+</p:sld>
+</file>
+
+<file path=ppt/slides/slide13.xml><?xml version="1.0" encoding="utf-8"?>
+<p:sld xmlns:a="http://schemas.openxmlformats.org/drawingml/2006/main" xmlns:r="http://schemas.openxmlformats.org/officeDocument/2006/relationships" xmlns:p="http://schemas.openxmlformats.org/presentationml/2006/main">
+  <p:cSld>
+    <p:spTree>
+      <p:nvGrpSpPr>
+        <p:cNvPr id="1" name="">
+          <a:extLst>
+            <a:ext uri="{FF2B5EF4-FFF2-40B4-BE49-F238E27FC236}">
+              <a16:creationId xmlns:a16="http://schemas.microsoft.com/office/drawing/2014/main" id="{C6C98B75-B4E6-621C-E5FF-E91B93686488}"/>
             </a:ext>
           </a:extLst>
         </p:cNvPr>
@@ -11499,7 +11268,7 @@
           <p:cNvPr id="11" name="TextBox 10">
             <a:extLst>
               <a:ext uri="{FF2B5EF4-FFF2-40B4-BE49-F238E27FC236}">
-                <a16:creationId xmlns:a16="http://schemas.microsoft.com/office/drawing/2014/main" id="{B1CC141A-C0A3-41C3-0FC8-806BFEBA97E9}"/>
+                <a16:creationId xmlns:a16="http://schemas.microsoft.com/office/drawing/2014/main" id="{44B16A43-7960-9C0B-5FEC-79C3B6725D25}"/>
               </a:ext>
             </a:extLst>
           </p:cNvPr>
@@ -11509,7 +11278,7 @@
         <p:spPr>
           <a:xfrm>
             <a:off x="520861" y="170082"/>
-            <a:ext cx="11979797" cy="1477328"/>
+            <a:ext cx="16395539" cy="1938992"/>
           </a:xfrm>
           <a:prstGeom prst="rect">
             <a:avLst/>
@@ -11523,147 +11292,10 @@
           <a:lstStyle/>
           <a:p>
             <a:r>
-              <a:rPr lang="en-US" sz="9000" dirty="0">
+              <a:rPr lang="en-US" sz="6000" dirty="0">
                 <a:latin typeface="Aliens &amp; cows" panose="00000500000000000000" pitchFamily="2" charset="0"/>
               </a:rPr>
-              <a:t>Takeaways</a:t>
-            </a:r>
-          </a:p>
-        </p:txBody>
-      </p:sp>
-      <p:sp>
-        <p:nvSpPr>
-          <p:cNvPr id="3" name="TextBox 2">
-            <a:extLst>
-              <a:ext uri="{FF2B5EF4-FFF2-40B4-BE49-F238E27FC236}">
-                <a16:creationId xmlns:a16="http://schemas.microsoft.com/office/drawing/2014/main" id="{C333A47B-7E72-DB76-4A8C-B9C0801D685B}"/>
-              </a:ext>
-            </a:extLst>
-          </p:cNvPr>
-          <p:cNvSpPr txBox="1"/>
-          <p:nvPr/>
-        </p:nvSpPr>
-        <p:spPr>
-          <a:xfrm>
-            <a:off x="520860" y="1866900"/>
-            <a:ext cx="16776539" cy="6001643"/>
-          </a:xfrm>
-          <a:prstGeom prst="rect">
-            <a:avLst/>
-          </a:prstGeom>
-          <a:noFill/>
-        </p:spPr>
-        <p:txBody>
-          <a:bodyPr wrap="square" rtlCol="0">
-            <a:spAutoFit/>
-          </a:bodyPr>
-          <a:lstStyle/>
-          <a:p>
-            <a:pPr marL="685800" indent="-685800">
-              <a:buClr>
-                <a:srgbClr val="CF3338"/>
-              </a:buClr>
-              <a:buFont typeface="Arial" panose="020B0604020202020204" pitchFamily="34" charset="0"/>
-              <a:buChar char="•"/>
-            </a:pPr>
-            <a:r>
-              <a:rPr lang="en-US" sz="4800" dirty="0">
-                <a:solidFill>
-                  <a:srgbClr val="707070"/>
-                </a:solidFill>
-                <a:latin typeface="Pragmatica" panose="020B0403040502020204" pitchFamily="34" charset="0"/>
-              </a:rPr>
-              <a:t>Excel’s AI stack is expanding fast but still coming together</a:t>
-            </a:r>
-          </a:p>
-          <a:p>
-            <a:pPr marL="685800" indent="-685800">
-              <a:buClr>
-                <a:srgbClr val="CF3338"/>
-              </a:buClr>
-              <a:buFont typeface="Arial" panose="020B0604020202020204" pitchFamily="34" charset="0"/>
-              <a:buChar char="•"/>
-            </a:pPr>
-            <a:r>
-              <a:rPr lang="en-US" sz="4800" dirty="0">
-                <a:solidFill>
-                  <a:srgbClr val="707070"/>
-                </a:solidFill>
-                <a:latin typeface="Pragmatica" panose="020B0403040502020204" pitchFamily="34" charset="0"/>
-              </a:rPr>
-              <a:t>Copilots assist; Agents act and reason across steps</a:t>
-            </a:r>
-          </a:p>
-          <a:p>
-            <a:pPr marL="685800" indent="-685800">
-              <a:buClr>
-                <a:srgbClr val="CF3338"/>
-              </a:buClr>
-              <a:buFont typeface="Arial" panose="020B0604020202020204" pitchFamily="34" charset="0"/>
-              <a:buChar char="•"/>
-            </a:pPr>
-            <a:r>
-              <a:rPr lang="en-US" sz="4800" dirty="0">
-                <a:solidFill>
-                  <a:srgbClr val="707070"/>
-                </a:solidFill>
-                <a:latin typeface="Pragmatica" panose="020B0403040502020204" pitchFamily="34" charset="0"/>
-              </a:rPr>
-              <a:t>Agent Mode shifts your role from doing work to managing AI</a:t>
-            </a:r>
-          </a:p>
-          <a:p>
-            <a:pPr marL="685800" indent="-685800">
-              <a:buClr>
-                <a:srgbClr val="CF3338"/>
-              </a:buClr>
-              <a:buFont typeface="Arial" panose="020B0604020202020204" pitchFamily="34" charset="0"/>
-              <a:buChar char="•"/>
-            </a:pPr>
-            <a:r>
-              <a:rPr lang="en-US" sz="4800" dirty="0">
-                <a:solidFill>
-                  <a:srgbClr val="707070"/>
-                </a:solidFill>
-                <a:latin typeface="Pragmatica" panose="020B0403040502020204" pitchFamily="34" charset="0"/>
-              </a:rPr>
-              <a:t>Excel is becoming the front end for Microsoft’s data and automation stack</a:t>
-            </a:r>
-          </a:p>
-          <a:p>
-            <a:pPr marL="685800" indent="-685800">
-              <a:buClr>
-                <a:srgbClr val="CF3338"/>
-              </a:buClr>
-              <a:buFont typeface="Arial" panose="020B0604020202020204" pitchFamily="34" charset="0"/>
-              <a:buChar char="•"/>
-            </a:pPr>
-            <a:r>
-              <a:rPr lang="en-US" sz="4800" dirty="0">
-                <a:solidFill>
-                  <a:srgbClr val="707070"/>
-                </a:solidFill>
-                <a:latin typeface="Pragmatica" panose="020B0403040502020204" pitchFamily="34" charset="0"/>
-              </a:rPr>
-              <a:t>Power Query, Dataflows, and Python are the glue that make AI useful</a:t>
-            </a:r>
-          </a:p>
-          <a:p>
-            <a:pPr marL="685800" indent="-685800">
-              <a:buClr>
-                <a:srgbClr val="CF3338"/>
-              </a:buClr>
-              <a:buFont typeface="Arial" panose="020B0604020202020204" pitchFamily="34" charset="0"/>
-              <a:buChar char="•"/>
-            </a:pPr>
-            <a:r>
-              <a:rPr lang="en-US" sz="4800" dirty="0">
-                <a:solidFill>
-                  <a:srgbClr val="707070"/>
-                </a:solidFill>
-                <a:latin typeface="Pragmatica" panose="020B0403040502020204" pitchFamily="34" charset="0"/>
-              </a:rPr>
-              <a:t>Winning teams think in systems, not just features.</a:t>
+              <a:t>Automated AI workflows with Power Automate + Copilot </a:t>
             </a:r>
           </a:p>
         </p:txBody>
@@ -11673,7 +11305,7 @@
           <p:cNvPr id="15" name="Picture 14" descr="A close up of a sign&#10;&#10;Description automatically generated">
             <a:extLst>
               <a:ext uri="{FF2B5EF4-FFF2-40B4-BE49-F238E27FC236}">
-                <a16:creationId xmlns:a16="http://schemas.microsoft.com/office/drawing/2014/main" id="{1A5E1433-4A47-1485-201C-C236A16D5096}"/>
+                <a16:creationId xmlns:a16="http://schemas.microsoft.com/office/drawing/2014/main" id="{2D74052B-8ACF-437B-C4DC-8CBE14F0B365}"/>
               </a:ext>
             </a:extLst>
           </p:cNvPr>
@@ -11683,7 +11315,7 @@
           <p:nvPr/>
         </p:nvPicPr>
         <p:blipFill>
-          <a:blip r:embed="rId2">
+          <a:blip r:embed="rId3">
             <a:extLst>
               <a:ext uri="{28A0092B-C50C-407E-A947-70E740481C1C}">
                 <a14:useLocalDpi xmlns:a14="http://schemas.microsoft.com/office/drawing/2010/main" val="0"/>
@@ -11704,10 +11336,97 @@
           </a:prstGeom>
         </p:spPr>
       </p:pic>
+      <p:sp>
+        <p:nvSpPr>
+          <p:cNvPr id="4" name="TextBox 3">
+            <a:extLst>
+              <a:ext uri="{FF2B5EF4-FFF2-40B4-BE49-F238E27FC236}">
+                <a16:creationId xmlns:a16="http://schemas.microsoft.com/office/drawing/2014/main" id="{B8C1EB5B-ED7A-D25D-8E41-6686DC70C2BA}"/>
+              </a:ext>
+            </a:extLst>
+          </p:cNvPr>
+          <p:cNvSpPr txBox="1"/>
+          <p:nvPr/>
+        </p:nvSpPr>
+        <p:spPr>
+          <a:xfrm>
+            <a:off x="228600" y="9196959"/>
+            <a:ext cx="5638800" cy="646331"/>
+          </a:xfrm>
+          <a:prstGeom prst="rect">
+            <a:avLst/>
+          </a:prstGeom>
+          <a:noFill/>
+        </p:spPr>
+        <p:txBody>
+          <a:bodyPr wrap="square">
+            <a:spAutoFit/>
+          </a:bodyPr>
+          <a:lstStyle/>
+          <a:p>
+            <a:r>
+              <a:rPr lang="en-US" sz="3600" dirty="0"/>
+              <a:t>Source: Tobias </a:t>
+            </a:r>
+            <a:r>
+              <a:rPr lang="en-US" sz="3600" dirty="0" err="1"/>
+              <a:t>Zwingmann</a:t>
+            </a:r>
+            <a:endParaRPr lang="en-US" sz="3600" dirty="0"/>
+          </a:p>
+        </p:txBody>
+      </p:sp>
+      <p:pic>
+        <p:nvPicPr>
+          <p:cNvPr id="2052" name="Picture 4">
+            <a:extLst>
+              <a:ext uri="{FF2B5EF4-FFF2-40B4-BE49-F238E27FC236}">
+                <a16:creationId xmlns:a16="http://schemas.microsoft.com/office/drawing/2014/main" id="{855DDFC5-5083-02A7-A2F7-7CE52A0B4B30}"/>
+              </a:ext>
+            </a:extLst>
+          </p:cNvPr>
+          <p:cNvPicPr>
+            <a:picLocks noChangeAspect="1" noChangeArrowheads="1"/>
+          </p:cNvPicPr>
+          <p:nvPr/>
+        </p:nvPicPr>
+        <p:blipFill rotWithShape="1">
+          <a:blip r:embed="rId4">
+            <a:extLst>
+              <a:ext uri="{28A0092B-C50C-407E-A947-70E740481C1C}">
+                <a14:useLocalDpi xmlns:a14="http://schemas.microsoft.com/office/drawing/2010/main" val="0"/>
+              </a:ext>
+            </a:extLst>
+          </a:blip>
+          <a:srcRect t="27848"/>
+          <a:stretch>
+            <a:fillRect/>
+          </a:stretch>
+        </p:blipFill>
+        <p:spPr bwMode="auto">
+          <a:xfrm>
+            <a:off x="1828800" y="2514600"/>
+            <a:ext cx="15341318" cy="5257800"/>
+          </a:xfrm>
+          <a:prstGeom prst="rect">
+            <a:avLst/>
+          </a:prstGeom>
+          <a:noFill/>
+          <a:extLst>
+            <a:ext uri="{909E8E84-426E-40DD-AFC4-6F175D3DCCD1}">
+              <a14:hiddenFill xmlns:a14="http://schemas.microsoft.com/office/drawing/2010/main">
+                <a:solidFill>
+                  <a:srgbClr val="FFFFFF"/>
+                </a:solidFill>
+              </a14:hiddenFill>
+            </a:ext>
+          </a:extLst>
+        </p:spPr>
+      </p:pic>
     </p:spTree>
     <p:extLst>
       <p:ext uri="{BB962C8B-B14F-4D97-AF65-F5344CB8AC3E}">
-        <p14:creationId xmlns:p14="http://schemas.microsoft.com/office/powerpoint/2010/main" val="300998790"/>
+        <p14:creationId xmlns:p14="http://schemas.microsoft.com/office/powerpoint/2010/main" val="1284153711"/>
       </p:ext>
     </p:extLst>
   </p:cSld>
@@ -11717,7 +11436,203 @@
 </p:sld>
 </file>
 
-<file path=ppt/slides/slide12.xml><?xml version="1.0" encoding="utf-8"?>
+<file path=ppt/slides/slide14.xml><?xml version="1.0" encoding="utf-8"?>
+<p:sld xmlns:a="http://schemas.openxmlformats.org/drawingml/2006/main" xmlns:r="http://schemas.openxmlformats.org/officeDocument/2006/relationships" xmlns:p="http://schemas.openxmlformats.org/presentationml/2006/main">
+  <p:cSld>
+    <p:spTree>
+      <p:nvGrpSpPr>
+        <p:cNvPr id="1" name="">
+          <a:extLst>
+            <a:ext uri="{FF2B5EF4-FFF2-40B4-BE49-F238E27FC236}">
+              <a16:creationId xmlns:a16="http://schemas.microsoft.com/office/drawing/2014/main" id="{33AFFBA3-97A6-DA63-F5D2-28FD4463F02B}"/>
+            </a:ext>
+          </a:extLst>
+        </p:cNvPr>
+        <p:cNvGrpSpPr/>
+        <p:nvPr/>
+      </p:nvGrpSpPr>
+      <p:grpSpPr>
+        <a:xfrm>
+          <a:off x="0" y="0"/>
+          <a:ext cx="0" cy="0"/>
+          <a:chOff x="0" y="0"/>
+          <a:chExt cx="0" cy="0"/>
+        </a:xfrm>
+      </p:grpSpPr>
+      <p:sp>
+        <p:nvSpPr>
+          <p:cNvPr id="11" name="TextBox 10">
+            <a:extLst>
+              <a:ext uri="{FF2B5EF4-FFF2-40B4-BE49-F238E27FC236}">
+                <a16:creationId xmlns:a16="http://schemas.microsoft.com/office/drawing/2014/main" id="{89B7EACC-66F8-71B7-745D-30FF25DB8890}"/>
+              </a:ext>
+            </a:extLst>
+          </p:cNvPr>
+          <p:cNvSpPr txBox="1"/>
+          <p:nvPr/>
+        </p:nvSpPr>
+        <p:spPr>
+          <a:xfrm>
+            <a:off x="520861" y="170082"/>
+            <a:ext cx="16395539" cy="923330"/>
+          </a:xfrm>
+          <a:prstGeom prst="rect">
+            <a:avLst/>
+          </a:prstGeom>
+          <a:noFill/>
+        </p:spPr>
+        <p:txBody>
+          <a:bodyPr wrap="square" rtlCol="0">
+            <a:spAutoFit/>
+          </a:bodyPr>
+          <a:lstStyle/>
+          <a:p>
+            <a:r>
+              <a:rPr lang="en-US" sz="5400" dirty="0">
+                <a:latin typeface="Aliens &amp; cows" panose="00000500000000000000" pitchFamily="2" charset="0"/>
+              </a:rPr>
+              <a:t>Agentic workflows with Power Automate + Copilot Studio </a:t>
+            </a:r>
+          </a:p>
+        </p:txBody>
+      </p:sp>
+      <p:pic>
+        <p:nvPicPr>
+          <p:cNvPr id="15" name="Picture 14" descr="A close up of a sign&#10;&#10;Description automatically generated">
+            <a:extLst>
+              <a:ext uri="{FF2B5EF4-FFF2-40B4-BE49-F238E27FC236}">
+                <a16:creationId xmlns:a16="http://schemas.microsoft.com/office/drawing/2014/main" id="{4E9CDCDF-A7D1-E32F-4EBC-174712D7038D}"/>
+              </a:ext>
+            </a:extLst>
+          </p:cNvPr>
+          <p:cNvPicPr>
+            <a:picLocks noChangeAspect="1"/>
+          </p:cNvPicPr>
+          <p:nvPr/>
+        </p:nvPicPr>
+        <p:blipFill>
+          <a:blip r:embed="rId3">
+            <a:extLst>
+              <a:ext uri="{28A0092B-C50C-407E-A947-70E740481C1C}">
+                <a14:useLocalDpi xmlns:a14="http://schemas.microsoft.com/office/drawing/2010/main" val="0"/>
+              </a:ext>
+            </a:extLst>
+          </a:blip>
+          <a:stretch>
+            <a:fillRect/>
+          </a:stretch>
+        </p:blipFill>
+        <p:spPr>
+          <a:xfrm>
+            <a:off x="16341036" y="8058429"/>
+            <a:ext cx="1942857" cy="2228571"/>
+          </a:xfrm>
+          <a:prstGeom prst="rect">
+            <a:avLst/>
+          </a:prstGeom>
+        </p:spPr>
+      </p:pic>
+      <p:sp>
+        <p:nvSpPr>
+          <p:cNvPr id="4" name="TextBox 3">
+            <a:extLst>
+              <a:ext uri="{FF2B5EF4-FFF2-40B4-BE49-F238E27FC236}">
+                <a16:creationId xmlns:a16="http://schemas.microsoft.com/office/drawing/2014/main" id="{93680795-F53D-257D-9454-224111B5D4EB}"/>
+              </a:ext>
+            </a:extLst>
+          </p:cNvPr>
+          <p:cNvSpPr txBox="1"/>
+          <p:nvPr/>
+        </p:nvSpPr>
+        <p:spPr>
+          <a:xfrm>
+            <a:off x="228600" y="9196959"/>
+            <a:ext cx="5638800" cy="646331"/>
+          </a:xfrm>
+          <a:prstGeom prst="rect">
+            <a:avLst/>
+          </a:prstGeom>
+          <a:noFill/>
+        </p:spPr>
+        <p:txBody>
+          <a:bodyPr wrap="square">
+            <a:spAutoFit/>
+          </a:bodyPr>
+          <a:lstStyle/>
+          <a:p>
+            <a:r>
+              <a:rPr lang="en-US" sz="3600" dirty="0"/>
+              <a:t>Source: Tobias </a:t>
+            </a:r>
+            <a:r>
+              <a:rPr lang="en-US" sz="3600" dirty="0" err="1"/>
+              <a:t>Zwingmann</a:t>
+            </a:r>
+            <a:endParaRPr lang="en-US" sz="3600" dirty="0"/>
+          </a:p>
+        </p:txBody>
+      </p:sp>
+      <p:pic>
+        <p:nvPicPr>
+          <p:cNvPr id="3074" name="Picture 2">
+            <a:extLst>
+              <a:ext uri="{FF2B5EF4-FFF2-40B4-BE49-F238E27FC236}">
+                <a16:creationId xmlns:a16="http://schemas.microsoft.com/office/drawing/2014/main" id="{F5BC2C18-45FC-A6BA-CD00-8C167E4AA5D3}"/>
+              </a:ext>
+            </a:extLst>
+          </p:cNvPr>
+          <p:cNvPicPr>
+            <a:picLocks noChangeAspect="1" noChangeArrowheads="1"/>
+          </p:cNvPicPr>
+          <p:nvPr/>
+        </p:nvPicPr>
+        <p:blipFill rotWithShape="1">
+          <a:blip r:embed="rId4">
+            <a:extLst>
+              <a:ext uri="{28A0092B-C50C-407E-A947-70E740481C1C}">
+                <a14:useLocalDpi xmlns:a14="http://schemas.microsoft.com/office/drawing/2010/main" val="0"/>
+              </a:ext>
+            </a:extLst>
+          </a:blip>
+          <a:srcRect t="16332"/>
+          <a:stretch>
+            <a:fillRect/>
+          </a:stretch>
+        </p:blipFill>
+        <p:spPr bwMode="auto">
+          <a:xfrm>
+            <a:off x="723900" y="1481633"/>
+            <a:ext cx="16840200" cy="7323733"/>
+          </a:xfrm>
+          <a:prstGeom prst="rect">
+            <a:avLst/>
+          </a:prstGeom>
+          <a:noFill/>
+          <a:extLst>
+            <a:ext uri="{909E8E84-426E-40DD-AFC4-6F175D3DCCD1}">
+              <a14:hiddenFill xmlns:a14="http://schemas.microsoft.com/office/drawing/2010/main">
+                <a:solidFill>
+                  <a:srgbClr val="FFFFFF"/>
+                </a:solidFill>
+              </a14:hiddenFill>
+            </a:ext>
+          </a:extLst>
+        </p:spPr>
+      </p:pic>
+    </p:spTree>
+    <p:extLst>
+      <p:ext uri="{BB962C8B-B14F-4D97-AF65-F5344CB8AC3E}">
+        <p14:creationId xmlns:p14="http://schemas.microsoft.com/office/powerpoint/2010/main" val="233933055"/>
+      </p:ext>
+    </p:extLst>
+  </p:cSld>
+  <p:clrMapOvr>
+    <a:masterClrMapping/>
+  </p:clrMapOvr>
+</p:sld>
+</file>
+
+<file path=ppt/slides/slide15.xml><?xml version="1.0" encoding="utf-8"?>
 <p:sld xmlns:a="http://schemas.openxmlformats.org/drawingml/2006/main" xmlns:r="http://schemas.openxmlformats.org/officeDocument/2006/relationships" xmlns:p="http://schemas.openxmlformats.org/presentationml/2006/main">
   <p:cSld>
     <p:spTree>
@@ -11891,7 +11806,7 @@
                 </a:solidFill>
                 <a:latin typeface="Pragmatica" panose="020B0403040502020204" pitchFamily="34" charset="0"/>
               </a:rPr>
-              <a:t>Book a discovery call to plan your next moves</a:t>
+              <a:t>Get in touch to plan your next moves</a:t>
             </a:r>
           </a:p>
         </p:txBody>
@@ -11945,7 +11860,7 @@
 </p:sld>
 </file>
 
-<file path=ppt/slides/slide13.xml><?xml version="1.0" encoding="utf-8"?>
+<file path=ppt/slides/slide16.xml><?xml version="1.0" encoding="utf-8"?>
 <p:sld xmlns:a="http://schemas.openxmlformats.org/drawingml/2006/main" xmlns:r="http://schemas.openxmlformats.org/officeDocument/2006/relationships" xmlns:p="http://schemas.openxmlformats.org/presentationml/2006/main">
   <p:cSld>
     <p:spTree>
@@ -12103,7 +12018,7 @@
 </p:sld>
 </file>
 
-<file path=ppt/slides/slide14.xml><?xml version="1.0" encoding="utf-8"?>
+<file path=ppt/slides/slide17.xml><?xml version="1.0" encoding="utf-8"?>
 <p:sld xmlns:a="http://schemas.openxmlformats.org/drawingml/2006/main" xmlns:r="http://schemas.openxmlformats.org/officeDocument/2006/relationships" xmlns:p="http://schemas.openxmlformats.org/presentationml/2006/main">
   <p:cSld>
     <p:spTree>
@@ -12111,7 +12026,7 @@
         <p:cNvPr id="1" name="">
           <a:extLst>
             <a:ext uri="{FF2B5EF4-FFF2-40B4-BE49-F238E27FC236}">
-              <a16:creationId xmlns:a16="http://schemas.microsoft.com/office/drawing/2014/main" id="{E85323C9-D5F7-C820-78B9-E169BDF2311C}"/>
+              <a16:creationId xmlns:a16="http://schemas.microsoft.com/office/drawing/2014/main" id="{62D0FEE0-1585-1CA1-B126-07BE6F8A4899}"/>
             </a:ext>
           </a:extLst>
         </p:cNvPr>
@@ -12126,18 +12041,25 @@
           <a:chExt cx="0" cy="0"/>
         </a:xfrm>
       </p:grpSpPr>
-      <p:sp>
-        <p:nvSpPr>
-          <p:cNvPr id="4" name="Rectangle 3">
+      <p:pic>
+        <p:nvPicPr>
+          <p:cNvPr id="5" name="Picture 4">
             <a:extLst>
               <a:ext uri="{FF2B5EF4-FFF2-40B4-BE49-F238E27FC236}">
-                <a16:creationId xmlns:a16="http://schemas.microsoft.com/office/drawing/2014/main" id="{28971779-1F50-1702-DEC1-87CD482189F0}"/>
+                <a16:creationId xmlns:a16="http://schemas.microsoft.com/office/drawing/2014/main" id="{36881496-D23A-3D77-A320-5198134F7DF1}"/>
               </a:ext>
             </a:extLst>
           </p:cNvPr>
-          <p:cNvSpPr/>
+          <p:cNvPicPr>
+            <a:picLocks noChangeAspect="1"/>
+          </p:cNvPicPr>
           <p:nvPr/>
-        </p:nvSpPr>
+        </p:nvPicPr>
+        <p:blipFill>
+          <a:blip r:embed="rId2"/>
+          <a:srcRect/>
+          <a:stretch/>
+        </p:blipFill>
         <p:spPr>
           <a:xfrm>
             <a:off x="0" y="0"/>
@@ -12146,82 +12068,152 @@
           <a:prstGeom prst="rect">
             <a:avLst/>
           </a:prstGeom>
-          <a:solidFill>
-            <a:srgbClr val="CF3338"/>
-          </a:solidFill>
-          <a:ln>
-            <a:noFill/>
-          </a:ln>
         </p:spPr>
-        <p:style>
-          <a:lnRef idx="2">
-            <a:schemeClr val="accent1">
-              <a:shade val="50000"/>
-            </a:schemeClr>
-          </a:lnRef>
-          <a:fillRef idx="1">
-            <a:schemeClr val="accent1"/>
-          </a:fillRef>
-          <a:effectRef idx="0">
-            <a:schemeClr val="accent1"/>
-          </a:effectRef>
-          <a:fontRef idx="minor">
-            <a:schemeClr val="lt1"/>
-          </a:fontRef>
-        </p:style>
-        <p:txBody>
-          <a:bodyPr rtlCol="0" anchor="ctr"/>
-          <a:lstStyle/>
-          <a:p>
-            <a:pPr algn="ctr"/>
-            <a:endParaRPr lang="en-US" sz="2700"/>
-          </a:p>
-        </p:txBody>
-      </p:sp>
+      </p:pic>
       <p:sp>
         <p:nvSpPr>
-          <p:cNvPr id="5" name="TextBox 4">
+          <p:cNvPr id="2" name="Title 1">
             <a:extLst>
               <a:ext uri="{FF2B5EF4-FFF2-40B4-BE49-F238E27FC236}">
-                <a16:creationId xmlns:a16="http://schemas.microsoft.com/office/drawing/2014/main" id="{5ECC4C7B-C529-5329-03AC-796804551DC1}"/>
+                <a16:creationId xmlns:a16="http://schemas.microsoft.com/office/drawing/2014/main" id="{04A3749B-D6B8-CD96-C6ED-D83C8153B2F0}"/>
               </a:ext>
             </a:extLst>
           </p:cNvPr>
-          <p:cNvSpPr txBox="1"/>
+          <p:cNvSpPr>
+            <a:spLocks noGrp="1"/>
+          </p:cNvSpPr>
+          <p:nvPr>
+            <p:ph type="ctrTitle"/>
+          </p:nvPr>
+        </p:nvSpPr>
+        <p:spPr>
+          <a:xfrm>
+            <a:off x="2286000" y="2598656"/>
+            <a:ext cx="13716000" cy="3581400"/>
+          </a:xfrm>
+        </p:spPr>
+        <p:txBody>
+          <a:bodyPr>
+            <a:normAutofit/>
+          </a:bodyPr>
+          <a:lstStyle/>
+          <a:p>
+            <a:r>
+              <a:rPr lang="en-US" sz="9900" b="1" dirty="0">
+                <a:solidFill>
+                  <a:srgbClr val="241F62"/>
+                </a:solidFill>
+                <a:latin typeface="+mn-lt"/>
+              </a:rPr>
+              <a:t>THANK YOU</a:t>
+            </a:r>
+            <a:endParaRPr lang="en-BG" sz="9900" b="1" dirty="0">
+              <a:solidFill>
+                <a:srgbClr val="241F62"/>
+              </a:solidFill>
+              <a:latin typeface="+mn-lt"/>
+            </a:endParaRPr>
+          </a:p>
+        </p:txBody>
+      </p:sp>
+      <p:pic>
+        <p:nvPicPr>
+          <p:cNvPr id="7" name="Picture 6">
+            <a:extLst>
+              <a:ext uri="{FF2B5EF4-FFF2-40B4-BE49-F238E27FC236}">
+                <a16:creationId xmlns:a16="http://schemas.microsoft.com/office/drawing/2014/main" id="{3FD6AC7F-1054-5A62-472F-AB412916EB96}"/>
+              </a:ext>
+            </a:extLst>
+          </p:cNvPr>
+          <p:cNvPicPr>
+            <a:picLocks noChangeAspect="1"/>
+          </p:cNvPicPr>
+          <p:nvPr/>
+        </p:nvPicPr>
+        <p:blipFill>
+          <a:blip r:embed="rId3"/>
+          <a:srcRect b="22069"/>
+          <a:stretch/>
+        </p:blipFill>
+        <p:spPr>
+          <a:xfrm>
+            <a:off x="8153400" y="8430867"/>
+            <a:ext cx="1981200" cy="979833"/>
+          </a:xfrm>
+          <a:prstGeom prst="rect">
+            <a:avLst/>
+          </a:prstGeom>
+        </p:spPr>
+      </p:pic>
+      <p:sp>
+        <p:nvSpPr>
+          <p:cNvPr id="3" name="Title 1">
+            <a:extLst>
+              <a:ext uri="{FF2B5EF4-FFF2-40B4-BE49-F238E27FC236}">
+                <a16:creationId xmlns:a16="http://schemas.microsoft.com/office/drawing/2014/main" id="{45B0E24A-7B4A-1422-EA99-6AEC7FAD05DA}"/>
+              </a:ext>
+            </a:extLst>
+          </p:cNvPr>
+          <p:cNvSpPr txBox="1">
+            <a:spLocks/>
+          </p:cNvSpPr>
           <p:nvPr/>
         </p:nvSpPr>
         <p:spPr>
           <a:xfrm>
-            <a:off x="781292" y="590309"/>
-            <a:ext cx="15486926" cy="1615827"/>
+            <a:off x="13454742" y="548858"/>
+            <a:ext cx="4082145" cy="945771"/>
           </a:xfrm>
           <a:prstGeom prst="rect">
             <a:avLst/>
           </a:prstGeom>
-          <a:noFill/>
         </p:spPr>
         <p:txBody>
-          <a:bodyPr wrap="square" rtlCol="0">
-            <a:spAutoFit/>
+          <a:bodyPr vert="horz" lIns="137160" tIns="68580" rIns="137160" bIns="68580" rtlCol="0" anchor="ctr">
+            <a:normAutofit/>
           </a:bodyPr>
-          <a:lstStyle/>
-          <a:p>
-            <a:r>
-              <a:rPr lang="en-US" sz="9900" b="1" dirty="0">
+          <a:lstStyle>
+            <a:lvl1pPr algn="l" defTabSz="914400" rtl="0" eaLnBrk="1" latinLnBrk="0" hangingPunct="1">
+              <a:lnSpc>
+                <a:spcPct val="90000"/>
+              </a:lnSpc>
+              <a:spcBef>
+                <a:spcPct val="0"/>
+              </a:spcBef>
+              <a:buNone/>
+              <a:defRPr sz="4800" b="1" kern="1200">
                 <a:solidFill>
                   <a:schemeClr val="bg1"/>
                 </a:solidFill>
-                <a:latin typeface="Normafixed Tryout" panose="00000409000000000000" pitchFamily="49" charset="0"/>
+                <a:latin typeface="+mn-lt"/>
+                <a:ea typeface="+mj-ea"/>
+                <a:cs typeface="+mj-cs"/>
+              </a:defRPr>
+            </a:lvl1pPr>
+          </a:lstStyle>
+          <a:p>
+            <a:r>
+              <a:rPr lang="en-GB" sz="4200" dirty="0">
+                <a:solidFill>
+                  <a:srgbClr val="241F62"/>
+                </a:solidFill>
+                <a:latin typeface="+mj-lt"/>
               </a:rPr>
-              <a:t>Thank you</a:t>
-            </a:r>
+              <a:t>George Mount</a:t>
+            </a:r>
+            <a:endParaRPr lang="en-BG" sz="4200" dirty="0">
+              <a:solidFill>
+                <a:srgbClr val="241F62"/>
+              </a:solidFill>
+              <a:latin typeface="+mj-lt"/>
+            </a:endParaRPr>
           </a:p>
         </p:txBody>
       </p:sp>
     </p:spTree>
     <p:extLst>
       <p:ext uri="{BB962C8B-B14F-4D97-AF65-F5344CB8AC3E}">
-        <p14:creationId xmlns:p14="http://schemas.microsoft.com/office/powerpoint/2010/main" val="657829062"/>
+        <p14:creationId xmlns:p14="http://schemas.microsoft.com/office/powerpoint/2010/main" val="886633570"/>
       </p:ext>
     </p:extLst>
   </p:cSld>
@@ -12487,7 +12479,7 @@
         </p:blipFill>
         <p:spPr bwMode="auto">
           <a:xfrm>
-            <a:off x="1447800" y="4762500"/>
+            <a:off x="2806530" y="7521455"/>
             <a:ext cx="5057775" cy="2028825"/>
           </a:xfrm>
           <a:prstGeom prst="rect">
@@ -12534,8 +12526,8 @@
         </p:blipFill>
         <p:spPr bwMode="auto">
           <a:xfrm>
-            <a:off x="14825966" y="6492068"/>
-            <a:ext cx="2348390" cy="2348390"/>
+            <a:off x="2502896" y="3743408"/>
+            <a:ext cx="3437261" cy="3437261"/>
           </a:xfrm>
           <a:prstGeom prst="rect">
             <a:avLst/>
@@ -12581,7 +12573,7 @@
         </p:blipFill>
         <p:spPr bwMode="auto">
           <a:xfrm>
-            <a:off x="7840039" y="7385414"/>
+            <a:off x="12954000" y="7292317"/>
             <a:ext cx="5018711" cy="2064841"/>
           </a:xfrm>
           <a:prstGeom prst="rect">
@@ -13104,6 +13096,263 @@
         <p:cNvPr id="1" name="">
           <a:extLst>
             <a:ext uri="{FF2B5EF4-FFF2-40B4-BE49-F238E27FC236}">
+              <a16:creationId xmlns:a16="http://schemas.microsoft.com/office/drawing/2014/main" id="{2DF5349B-DB31-7CF0-253B-40E005108FA5}"/>
+            </a:ext>
+          </a:extLst>
+        </p:cNvPr>
+        <p:cNvGrpSpPr/>
+        <p:nvPr/>
+      </p:nvGrpSpPr>
+      <p:grpSpPr>
+        <a:xfrm>
+          <a:off x="0" y="0"/>
+          <a:ext cx="0" cy="0"/>
+          <a:chOff x="0" y="0"/>
+          <a:chExt cx="0" cy="0"/>
+        </a:xfrm>
+      </p:grpSpPr>
+      <p:sp>
+        <p:nvSpPr>
+          <p:cNvPr id="4" name="Rectangle 3">
+            <a:extLst>
+              <a:ext uri="{FF2B5EF4-FFF2-40B4-BE49-F238E27FC236}">
+                <a16:creationId xmlns:a16="http://schemas.microsoft.com/office/drawing/2014/main" id="{F2656377-103E-7009-5B54-C4B68D82227D}"/>
+              </a:ext>
+            </a:extLst>
+          </p:cNvPr>
+          <p:cNvSpPr/>
+          <p:nvPr/>
+        </p:nvSpPr>
+        <p:spPr>
+          <a:xfrm>
+            <a:off x="9861630" y="0"/>
+            <a:ext cx="8426370" cy="10287000"/>
+          </a:xfrm>
+          <a:prstGeom prst="rect">
+            <a:avLst/>
+          </a:prstGeom>
+          <a:solidFill>
+            <a:srgbClr val="CF3338"/>
+          </a:solidFill>
+          <a:ln>
+            <a:noFill/>
+          </a:ln>
+        </p:spPr>
+        <p:style>
+          <a:lnRef idx="2">
+            <a:schemeClr val="accent1">
+              <a:shade val="50000"/>
+            </a:schemeClr>
+          </a:lnRef>
+          <a:fillRef idx="1">
+            <a:schemeClr val="accent1"/>
+          </a:fillRef>
+          <a:effectRef idx="0">
+            <a:schemeClr val="accent1"/>
+          </a:effectRef>
+          <a:fontRef idx="minor">
+            <a:schemeClr val="lt1"/>
+          </a:fontRef>
+        </p:style>
+        <p:txBody>
+          <a:bodyPr rtlCol="0" anchor="ctr"/>
+          <a:lstStyle/>
+          <a:p>
+            <a:pPr algn="ctr"/>
+            <a:endParaRPr lang="en-US" sz="2700"/>
+          </a:p>
+        </p:txBody>
+      </p:sp>
+      <p:pic>
+        <p:nvPicPr>
+          <p:cNvPr id="2" name="Picture 1">
+            <a:extLst>
+              <a:ext uri="{FF2B5EF4-FFF2-40B4-BE49-F238E27FC236}">
+                <a16:creationId xmlns:a16="http://schemas.microsoft.com/office/drawing/2014/main" id="{3E7DFBDB-D475-7CC0-8525-A9747D8D0849}"/>
+              </a:ext>
+            </a:extLst>
+          </p:cNvPr>
+          <p:cNvPicPr>
+            <a:picLocks noChangeAspect="1"/>
+          </p:cNvPicPr>
+          <p:nvPr/>
+        </p:nvPicPr>
+        <p:blipFill rotWithShape="1">
+          <a:blip r:embed="rId3">
+            <a:extLst>
+              <a:ext uri="{28A0092B-C50C-407E-A947-70E740481C1C}">
+                <a14:useLocalDpi xmlns:a14="http://schemas.microsoft.com/office/drawing/2010/main" val="0"/>
+              </a:ext>
+            </a:extLst>
+          </a:blip>
+          <a:srcRect l="69227" t="33418" r="20112" b="50548"/>
+          <a:stretch/>
+        </p:blipFill>
+        <p:spPr>
+          <a:xfrm>
+            <a:off x="15579524" y="7544693"/>
+            <a:ext cx="2708477" cy="2987579"/>
+          </a:xfrm>
+          <a:prstGeom prst="rect">
+            <a:avLst/>
+          </a:prstGeom>
+        </p:spPr>
+      </p:pic>
+      <p:sp>
+        <p:nvSpPr>
+          <p:cNvPr id="3" name="TextBox 2">
+            <a:extLst>
+              <a:ext uri="{FF2B5EF4-FFF2-40B4-BE49-F238E27FC236}">
+                <a16:creationId xmlns:a16="http://schemas.microsoft.com/office/drawing/2014/main" id="{975AF735-7C85-1BA0-0030-14B6DCFFCC84}"/>
+              </a:ext>
+            </a:extLst>
+          </p:cNvPr>
+          <p:cNvSpPr txBox="1"/>
+          <p:nvPr/>
+        </p:nvSpPr>
+        <p:spPr>
+          <a:xfrm>
+            <a:off x="260431" y="329879"/>
+            <a:ext cx="8906720" cy="6153479"/>
+          </a:xfrm>
+          <a:prstGeom prst="rect">
+            <a:avLst/>
+          </a:prstGeom>
+          <a:noFill/>
+        </p:spPr>
+        <p:txBody>
+          <a:bodyPr wrap="square" rtlCol="0">
+            <a:spAutoFit/>
+          </a:bodyPr>
+          <a:lstStyle/>
+          <a:p>
+            <a:r>
+              <a:rPr lang="en-US" sz="6000" b="1" dirty="0">
+                <a:solidFill>
+                  <a:srgbClr val="CF3338"/>
+                </a:solidFill>
+                <a:latin typeface="Pragmatica" panose="020B0403040502020204" pitchFamily="34" charset="0"/>
+              </a:rPr>
+              <a:t>Demo: Researcher &amp; Analyst agents</a:t>
+            </a:r>
+          </a:p>
+          <a:p>
+            <a:endParaRPr lang="en-US" sz="4200" dirty="0">
+              <a:solidFill>
+                <a:srgbClr val="CF3338"/>
+              </a:solidFill>
+              <a:latin typeface="Pragmatica" panose="020B0403040502020204" pitchFamily="34" charset="0"/>
+            </a:endParaRPr>
+          </a:p>
+          <a:p>
+            <a:pPr marL="685800" indent="-542925">
+              <a:lnSpc>
+                <a:spcPct val="115000"/>
+              </a:lnSpc>
+              <a:spcBef>
+                <a:spcPts val="1125"/>
+              </a:spcBef>
+              <a:buClr>
+                <a:srgbClr val="C00000"/>
+              </a:buClr>
+              <a:buSzPts val="2100"/>
+              <a:buFont typeface="Arial"/>
+              <a:buAutoNum type="arabicPeriod"/>
+            </a:pPr>
+            <a:r>
+              <a:rPr lang="en-US" sz="3600" dirty="0">
+                <a:solidFill>
+                  <a:srgbClr val="C00000"/>
+                </a:solidFill>
+                <a:latin typeface="Pragmatica" panose="020B0403040502020204"/>
+                <a:sym typeface="Consolas"/>
+              </a:rPr>
+              <a:t>Researcher agent: framing questions and gathering context</a:t>
+            </a:r>
+          </a:p>
+          <a:p>
+            <a:pPr marL="685800" indent="-542925">
+              <a:lnSpc>
+                <a:spcPct val="115000"/>
+              </a:lnSpc>
+              <a:spcBef>
+                <a:spcPts val="1125"/>
+              </a:spcBef>
+              <a:buClr>
+                <a:srgbClr val="C00000"/>
+              </a:buClr>
+              <a:buSzPts val="2100"/>
+              <a:buFont typeface="Arial"/>
+              <a:buAutoNum type="arabicPeriod"/>
+            </a:pPr>
+            <a:r>
+              <a:rPr lang="en-US" sz="3600" dirty="0">
+                <a:solidFill>
+                  <a:srgbClr val="C00000"/>
+                </a:solidFill>
+                <a:latin typeface="Pragmatica" panose="020B0403040502020204"/>
+                <a:sym typeface="Consolas"/>
+              </a:rPr>
+              <a:t>Analyst agent: analyzing, visualizing, and executing with data</a:t>
+            </a:r>
+          </a:p>
+          <a:p>
+            <a:pPr marL="142875">
+              <a:lnSpc>
+                <a:spcPct val="115000"/>
+              </a:lnSpc>
+              <a:spcBef>
+                <a:spcPts val="1125"/>
+              </a:spcBef>
+              <a:buClr>
+                <a:srgbClr val="C00000"/>
+              </a:buClr>
+              <a:buSzPts val="2100"/>
+            </a:pPr>
+            <a:r>
+              <a:rPr lang="en-US" sz="3600" dirty="0">
+                <a:solidFill>
+                  <a:srgbClr val="C00000"/>
+                </a:solidFill>
+                <a:latin typeface="Pragmatica" panose="020B0403040502020204"/>
+                <a:sym typeface="Consolas"/>
+              </a:rPr>
+              <a:t>Dataset: </a:t>
+            </a:r>
+            <a:r>
+              <a:rPr lang="en-US" sz="3600" dirty="0">
+                <a:solidFill>
+                  <a:srgbClr val="C00000"/>
+                </a:solidFill>
+                <a:latin typeface="Consolas" panose="020B0609020204030204" pitchFamily="49" charset="0"/>
+                <a:sym typeface="Consolas"/>
+              </a:rPr>
+              <a:t>analyst-researcher.xlsx</a:t>
+            </a:r>
+          </a:p>
+        </p:txBody>
+      </p:sp>
+    </p:spTree>
+    <p:extLst>
+      <p:ext uri="{BB962C8B-B14F-4D97-AF65-F5344CB8AC3E}">
+        <p14:creationId xmlns:p14="http://schemas.microsoft.com/office/powerpoint/2010/main" val="3292215816"/>
+      </p:ext>
+    </p:extLst>
+  </p:cSld>
+  <p:clrMapOvr>
+    <a:masterClrMapping/>
+  </p:clrMapOvr>
+</p:sld>
+</file>
+
+<file path=ppt/slides/slide7.xml><?xml version="1.0" encoding="utf-8"?>
+<p:sld xmlns:a="http://schemas.openxmlformats.org/drawingml/2006/main" xmlns:r="http://schemas.openxmlformats.org/officeDocument/2006/relationships" xmlns:p="http://schemas.openxmlformats.org/presentationml/2006/main">
+  <p:cSld>
+    <p:spTree>
+      <p:nvGrpSpPr>
+        <p:cNvPr id="1" name="">
+          <a:extLst>
+            <a:ext uri="{FF2B5EF4-FFF2-40B4-BE49-F238E27FC236}">
               <a16:creationId xmlns:a16="http://schemas.microsoft.com/office/drawing/2014/main" id="{210C3270-992F-73FB-7E73-4DA42D379BBE}"/>
             </a:ext>
           </a:extLst>
@@ -13299,7 +13548,7 @@
 </p:sld>
 </file>
 
-<file path=ppt/slides/slide7.xml><?xml version="1.0" encoding="utf-8"?>
+<file path=ppt/slides/slide8.xml><?xml version="1.0" encoding="utf-8"?>
 <p:sld xmlns:a="http://schemas.openxmlformats.org/drawingml/2006/main" xmlns:r="http://schemas.openxmlformats.org/officeDocument/2006/relationships" xmlns:p="http://schemas.openxmlformats.org/presentationml/2006/main">
   <p:cSld>
     <p:spTree>
@@ -14825,160 +15074,6 @@
 </p:sld>
 </file>
 
-<file path=ppt/slides/slide8.xml><?xml version="1.0" encoding="utf-8"?>
-<p:sld xmlns:a="http://schemas.openxmlformats.org/drawingml/2006/main" xmlns:r="http://schemas.openxmlformats.org/officeDocument/2006/relationships" xmlns:p="http://schemas.openxmlformats.org/presentationml/2006/main">
-  <p:cSld>
-    <p:spTree>
-      <p:nvGrpSpPr>
-        <p:cNvPr id="1" name="">
-          <a:extLst>
-            <a:ext uri="{FF2B5EF4-FFF2-40B4-BE49-F238E27FC236}">
-              <a16:creationId xmlns:a16="http://schemas.microsoft.com/office/drawing/2014/main" id="{320FB617-C0E7-3228-013C-BAC06730C5D4}"/>
-            </a:ext>
-          </a:extLst>
-        </p:cNvPr>
-        <p:cNvGrpSpPr/>
-        <p:nvPr/>
-      </p:nvGrpSpPr>
-      <p:grpSpPr>
-        <a:xfrm>
-          <a:off x="0" y="0"/>
-          <a:ext cx="0" cy="0"/>
-          <a:chOff x="0" y="0"/>
-          <a:chExt cx="0" cy="0"/>
-        </a:xfrm>
-      </p:grpSpPr>
-      <p:pic>
-        <p:nvPicPr>
-          <p:cNvPr id="15" name="Picture 14" descr="A close up of a sign&#10;&#10;Description automatically generated">
-            <a:extLst>
-              <a:ext uri="{FF2B5EF4-FFF2-40B4-BE49-F238E27FC236}">
-                <a16:creationId xmlns:a16="http://schemas.microsoft.com/office/drawing/2014/main" id="{E21B4799-3E87-1700-15F4-3686FC94E355}"/>
-              </a:ext>
-            </a:extLst>
-          </p:cNvPr>
-          <p:cNvPicPr>
-            <a:picLocks noChangeAspect="1"/>
-          </p:cNvPicPr>
-          <p:nvPr/>
-        </p:nvPicPr>
-        <p:blipFill>
-          <a:blip r:embed="rId3">
-            <a:extLst>
-              <a:ext uri="{28A0092B-C50C-407E-A947-70E740481C1C}">
-                <a14:useLocalDpi xmlns:a14="http://schemas.microsoft.com/office/drawing/2010/main" val="0"/>
-              </a:ext>
-            </a:extLst>
-          </a:blip>
-          <a:stretch>
-            <a:fillRect/>
-          </a:stretch>
-        </p:blipFill>
-        <p:spPr>
-          <a:xfrm>
-            <a:off x="16341036" y="8058429"/>
-            <a:ext cx="1942857" cy="2228571"/>
-          </a:xfrm>
-          <a:prstGeom prst="rect">
-            <a:avLst/>
-          </a:prstGeom>
-        </p:spPr>
-      </p:pic>
-      <p:pic>
-        <p:nvPicPr>
-          <p:cNvPr id="1026" name="Picture 2">
-            <a:extLst>
-              <a:ext uri="{FF2B5EF4-FFF2-40B4-BE49-F238E27FC236}">
-                <a16:creationId xmlns:a16="http://schemas.microsoft.com/office/drawing/2014/main" id="{9F1D89B2-86AC-689C-CB18-860F1A902B8F}"/>
-              </a:ext>
-            </a:extLst>
-          </p:cNvPr>
-          <p:cNvPicPr>
-            <a:picLocks noChangeAspect="1" noChangeArrowheads="1"/>
-          </p:cNvPicPr>
-          <p:nvPr/>
-        </p:nvPicPr>
-        <p:blipFill>
-          <a:blip r:embed="rId4">
-            <a:extLst>
-              <a:ext uri="{28A0092B-C50C-407E-A947-70E740481C1C}">
-                <a14:useLocalDpi xmlns:a14="http://schemas.microsoft.com/office/drawing/2010/main" val="0"/>
-              </a:ext>
-            </a:extLst>
-          </a:blip>
-          <a:srcRect/>
-          <a:stretch>
-            <a:fillRect/>
-          </a:stretch>
-        </p:blipFill>
-        <p:spPr bwMode="auto">
-          <a:xfrm>
-            <a:off x="4267200" y="266700"/>
-            <a:ext cx="9753600" cy="9753600"/>
-          </a:xfrm>
-          <a:prstGeom prst="rect">
-            <a:avLst/>
-          </a:prstGeom>
-          <a:noFill/>
-          <a:extLst>
-            <a:ext uri="{909E8E84-426E-40DD-AFC4-6F175D3DCCD1}">
-              <a14:hiddenFill xmlns:a14="http://schemas.microsoft.com/office/drawing/2010/main">
-                <a:solidFill>
-                  <a:srgbClr val="FFFFFF"/>
-                </a:solidFill>
-              </a14:hiddenFill>
-            </a:ext>
-          </a:extLst>
-        </p:spPr>
-      </p:pic>
-      <p:sp>
-        <p:nvSpPr>
-          <p:cNvPr id="4" name="TextBox 3">
-            <a:extLst>
-              <a:ext uri="{FF2B5EF4-FFF2-40B4-BE49-F238E27FC236}">
-                <a16:creationId xmlns:a16="http://schemas.microsoft.com/office/drawing/2014/main" id="{94252A70-2368-1C9D-63DF-7611C458B4EF}"/>
-              </a:ext>
-            </a:extLst>
-          </p:cNvPr>
-          <p:cNvSpPr txBox="1"/>
-          <p:nvPr/>
-        </p:nvSpPr>
-        <p:spPr>
-          <a:xfrm>
-            <a:off x="516282" y="8648700"/>
-            <a:ext cx="2590800" cy="1200329"/>
-          </a:xfrm>
-          <a:prstGeom prst="rect">
-            <a:avLst/>
-          </a:prstGeom>
-          <a:noFill/>
-        </p:spPr>
-        <p:txBody>
-          <a:bodyPr wrap="square">
-            <a:spAutoFit/>
-          </a:bodyPr>
-          <a:lstStyle/>
-          <a:p>
-            <a:r>
-              <a:rPr lang="en-US" dirty="0"/>
-              <a:t>https://stringfestanalytics.com/how-to-understand-the-modern-excel-ai-stack/</a:t>
-            </a:r>
-          </a:p>
-        </p:txBody>
-      </p:sp>
-    </p:spTree>
-    <p:extLst>
-      <p:ext uri="{BB962C8B-B14F-4D97-AF65-F5344CB8AC3E}">
-        <p14:creationId xmlns:p14="http://schemas.microsoft.com/office/powerpoint/2010/main" val="1116754903"/>
-      </p:ext>
-    </p:extLst>
-  </p:cSld>
-  <p:clrMapOvr>
-    <a:masterClrMapping/>
-  </p:clrMapOvr>
-</p:sld>
-</file>
-
 <file path=ppt/slides/slide9.xml><?xml version="1.0" encoding="utf-8"?>
 <p:sld xmlns:a="http://schemas.openxmlformats.org/drawingml/2006/main" xmlns:r="http://schemas.openxmlformats.org/officeDocument/2006/relationships" xmlns:p="http://schemas.openxmlformats.org/presentationml/2006/main">
   <p:cSld>

--- a/first-excel-agent.pptx
+++ b/first-excel-agent.pptx
@@ -5,7 +5,7 @@
     <p:sldMasterId id="2147483648" r:id="rId1"/>
   </p:sldMasterIdLst>
   <p:notesMasterIdLst>
-    <p:notesMasterId r:id="rId19"/>
+    <p:notesMasterId r:id="rId20"/>
   </p:notesMasterIdLst>
   <p:sldIdLst>
     <p:sldId id="444" r:id="rId2"/>
@@ -13,28 +13,29 @@
     <p:sldId id="426" r:id="rId4"/>
     <p:sldId id="435" r:id="rId5"/>
     <p:sldId id="436" r:id="rId6"/>
-    <p:sldId id="471" r:id="rId7"/>
-    <p:sldId id="437" r:id="rId8"/>
-    <p:sldId id="438" r:id="rId9"/>
-    <p:sldId id="407" r:id="rId10"/>
-    <p:sldId id="443" r:id="rId11"/>
-    <p:sldId id="467" r:id="rId12"/>
-    <p:sldId id="470" r:id="rId13"/>
-    <p:sldId id="446" r:id="rId14"/>
-    <p:sldId id="469" r:id="rId15"/>
-    <p:sldId id="442" r:id="rId16"/>
-    <p:sldId id="415" r:id="rId17"/>
-    <p:sldId id="468" r:id="rId18"/>
+    <p:sldId id="472" r:id="rId7"/>
+    <p:sldId id="471" r:id="rId8"/>
+    <p:sldId id="437" r:id="rId9"/>
+    <p:sldId id="438" r:id="rId10"/>
+    <p:sldId id="407" r:id="rId11"/>
+    <p:sldId id="443" r:id="rId12"/>
+    <p:sldId id="467" r:id="rId13"/>
+    <p:sldId id="470" r:id="rId14"/>
+    <p:sldId id="446" r:id="rId15"/>
+    <p:sldId id="469" r:id="rId16"/>
+    <p:sldId id="442" r:id="rId17"/>
+    <p:sldId id="415" r:id="rId18"/>
+    <p:sldId id="468" r:id="rId19"/>
   </p:sldIdLst>
   <p:sldSz cx="18288000" cy="10287000"/>
   <p:notesSz cx="6858000" cy="9144000"/>
   <p:embeddedFontLst>
     <p:embeddedFont>
       <p:font typeface="Consolas" panose="020B0609020204030204" pitchFamily="49" charset="0"/>
-      <p:regular r:id="rId20"/>
-      <p:bold r:id="rId21"/>
-      <p:italic r:id="rId22"/>
-      <p:boldItalic r:id="rId23"/>
+      <p:regular r:id="rId21"/>
+      <p:bold r:id="rId22"/>
+      <p:italic r:id="rId23"/>
+      <p:boldItalic r:id="rId24"/>
     </p:embeddedFont>
   </p:embeddedFontLst>
   <p:defaultTextStyle>
@@ -6167,7 +6168,7 @@
           <a:p>
             <a:fld id="{17A98A70-FA8C-4354-959C-C70678AC9BCF}" type="datetimeFigureOut">
               <a:rPr lang="en-US" smtClean="0"/>
-              <a:t>11/11/2025</a:t>
+              <a:t>11/15/2025</a:t>
             </a:fld>
             <a:endParaRPr lang="en-US"/>
           </a:p>
@@ -6439,6 +6440,93 @@
   <p:cSld>
     <p:spTree>
       <p:nvGrpSpPr>
+        <p:cNvPr id="1" name=""/>
+        <p:cNvGrpSpPr/>
+        <p:nvPr/>
+      </p:nvGrpSpPr>
+      <p:grpSpPr>
+        <a:xfrm>
+          <a:off x="0" y="0"/>
+          <a:ext cx="0" cy="0"/>
+          <a:chOff x="0" y="0"/>
+          <a:chExt cx="0" cy="0"/>
+        </a:xfrm>
+      </p:grpSpPr>
+      <p:sp>
+        <p:nvSpPr>
+          <p:cNvPr id="2" name="Slide Image Placeholder 1"/>
+          <p:cNvSpPr>
+            <a:spLocks noGrp="1" noRot="1" noChangeAspect="1"/>
+          </p:cNvSpPr>
+          <p:nvPr>
+            <p:ph type="sldImg"/>
+          </p:nvPr>
+        </p:nvSpPr>
+        <p:spPr/>
+      </p:sp>
+      <p:sp>
+        <p:nvSpPr>
+          <p:cNvPr id="3" name="Notes Placeholder 2"/>
+          <p:cNvSpPr>
+            <a:spLocks noGrp="1"/>
+          </p:cNvSpPr>
+          <p:nvPr>
+            <p:ph type="body" idx="1"/>
+          </p:nvPr>
+        </p:nvSpPr>
+        <p:spPr/>
+        <p:txBody>
+          <a:bodyPr/>
+          <a:lstStyle/>
+          <a:p>
+            <a:r>
+              <a:rPr lang="en-US" dirty="0"/>
+              <a:t>In Microsoft’s ecosystem, “agent” ≠ chatbot. It’s an AI entity that can break down a user goal into steps, choose actions, pull from data, and execute. It’s not fully autonomous like science fiction — instead it’s “structured autonomy”: goal-driven, step-oriented, and operating inside a controlled environment (Excel, Teams, Power Platform, etc.).</a:t>
+            </a:r>
+          </a:p>
+        </p:txBody>
+      </p:sp>
+      <p:sp>
+        <p:nvSpPr>
+          <p:cNvPr id="4" name="Slide Number Placeholder 3"/>
+          <p:cNvSpPr>
+            <a:spLocks noGrp="1"/>
+          </p:cNvSpPr>
+          <p:nvPr>
+            <p:ph type="sldNum" sz="quarter" idx="5"/>
+          </p:nvPr>
+        </p:nvSpPr>
+        <p:spPr/>
+        <p:txBody>
+          <a:bodyPr/>
+          <a:lstStyle/>
+          <a:p>
+            <a:fld id="{FFB500C5-13F7-48FC-8160-C29AECF6C602}" type="slidenum">
+              <a:rPr lang="en-US" smtClean="0"/>
+              <a:t>6</a:t>
+            </a:fld>
+            <a:endParaRPr lang="en-US"/>
+          </a:p>
+        </p:txBody>
+      </p:sp>
+    </p:spTree>
+    <p:extLst>
+      <p:ext uri="{BB962C8B-B14F-4D97-AF65-F5344CB8AC3E}">
+        <p14:creationId xmlns:p14="http://schemas.microsoft.com/office/powerpoint/2010/main" val="3046541755"/>
+      </p:ext>
+    </p:extLst>
+  </p:cSld>
+  <p:clrMapOvr>
+    <a:masterClrMapping/>
+  </p:clrMapOvr>
+</p:notes>
+</file>
+
+<file path=ppt/notesSlides/notesSlide2.xml><?xml version="1.0" encoding="utf-8"?>
+<p:notes xmlns:a="http://schemas.openxmlformats.org/drawingml/2006/main" xmlns:r="http://schemas.openxmlformats.org/officeDocument/2006/relationships" xmlns:p="http://schemas.openxmlformats.org/presentationml/2006/main">
+  <p:cSld>
+    <p:spTree>
+      <p:nvGrpSpPr>
         <p:cNvPr id="1" name="">
           <a:extLst>
             <a:ext uri="{FF2B5EF4-FFF2-40B4-BE49-F238E27FC236}">
@@ -6547,7 +6635,7 @@
           <a:p>
             <a:fld id="{1300335D-9F13-4B80-ADC5-B0EA3E10FF6B}" type="slidenum">
               <a:rPr lang="en-US" smtClean="0"/>
-              <a:t>6</a:t>
+              <a:t>7</a:t>
             </a:fld>
             <a:endParaRPr lang="en-US"/>
           </a:p>
@@ -6557,138 +6645,6 @@
     <p:extLst>
       <p:ext uri="{BB962C8B-B14F-4D97-AF65-F5344CB8AC3E}">
         <p14:creationId xmlns:p14="http://schemas.microsoft.com/office/powerpoint/2010/main" val="683163244"/>
-      </p:ext>
-    </p:extLst>
-  </p:cSld>
-  <p:clrMapOvr>
-    <a:masterClrMapping/>
-  </p:clrMapOvr>
-</p:notes>
-</file>
-
-<file path=ppt/notesSlides/notesSlide2.xml><?xml version="1.0" encoding="utf-8"?>
-<p:notes xmlns:a="http://schemas.openxmlformats.org/drawingml/2006/main" xmlns:r="http://schemas.openxmlformats.org/officeDocument/2006/relationships" xmlns:p="http://schemas.openxmlformats.org/presentationml/2006/main">
-  <p:cSld>
-    <p:spTree>
-      <p:nvGrpSpPr>
-        <p:cNvPr id="1" name=""/>
-        <p:cNvGrpSpPr/>
-        <p:nvPr/>
-      </p:nvGrpSpPr>
-      <p:grpSpPr>
-        <a:xfrm>
-          <a:off x="0" y="0"/>
-          <a:ext cx="0" cy="0"/>
-          <a:chOff x="0" y="0"/>
-          <a:chExt cx="0" cy="0"/>
-        </a:xfrm>
-      </p:grpSpPr>
-      <p:sp>
-        <p:nvSpPr>
-          <p:cNvPr id="2" name="Slide Image Placeholder 1"/>
-          <p:cNvSpPr>
-            <a:spLocks noGrp="1" noRot="1" noChangeAspect="1"/>
-          </p:cNvSpPr>
-          <p:nvPr>
-            <p:ph type="sldImg"/>
-          </p:nvPr>
-        </p:nvSpPr>
-        <p:spPr/>
-      </p:sp>
-      <p:sp>
-        <p:nvSpPr>
-          <p:cNvPr id="3" name="Notes Placeholder 2"/>
-          <p:cNvSpPr>
-            <a:spLocks noGrp="1"/>
-          </p:cNvSpPr>
-          <p:nvPr>
-            <p:ph type="body" idx="1"/>
-          </p:nvPr>
-        </p:nvSpPr>
-        <p:spPr/>
-        <p:txBody>
-          <a:bodyPr/>
-          <a:lstStyle/>
-          <a:p>
-            <a:r>
-              <a:rPr lang="en-US" sz="900" dirty="0"/>
-              <a:t>When people hear Copilot and Agent Mode, they often assume they are the same thing, but they represent very different stages in how AI works inside Excel.</a:t>
-            </a:r>
-          </a:p>
-          <a:p>
-            <a:endParaRPr lang="en-US" sz="900" dirty="0"/>
-          </a:p>
-          <a:p>
-            <a:r>
-              <a:rPr lang="en-US" sz="900" dirty="0"/>
-              <a:t>Copilot is what most of us have used so far. It is a great assistant when you need to generate a formula, summarize some data, or clean up a quick report. You ask it a question, it gives an answer, and then it is up to you to decide what to do next. It is reactive. It waits for your prompt each time.</a:t>
-            </a:r>
-          </a:p>
-          <a:p>
-            <a:endParaRPr lang="en-US" sz="900" dirty="0"/>
-          </a:p>
-          <a:p>
-            <a:r>
-              <a:rPr lang="en-US" sz="900" dirty="0"/>
-              <a:t>Agent Mode takes this a step further. Instead of a single prompt and response, the agent can plan, execute, and evaluate multiple steps on its own. It does not just answer you, it actually works with you, refining its approach until it gets the result right. Think of it as the difference between giving someone an instruction versus giving them a project.</a:t>
-            </a:r>
-          </a:p>
-          <a:p>
-            <a:endParaRPr lang="en-US" sz="900" dirty="0"/>
-          </a:p>
-          <a:p>
-            <a:r>
-              <a:rPr lang="en-US" sz="900" dirty="0"/>
-              <a:t>That also changes your role as the analyst. With Copilot, you are still the one doing the work, just faster. With Agent Mode, you become more of a manager or reviewer, someone who guides, oversees, and checks the agent’s work. The focus shifts from “Can I get this formula right?” to “Can I structure and verify the workflow my agent is running?”</a:t>
-            </a:r>
-          </a:p>
-          <a:p>
-            <a:endParaRPr lang="en-US" sz="900" dirty="0"/>
-          </a:p>
-          <a:p>
-            <a:r>
-              <a:rPr lang="en-US" sz="900" dirty="0"/>
-              <a:t>In terms of output, Copilot is great for speed. You will get something usable right away. Agent Mode is built for reliability. It double checks itself, validates formulas, and produces outputs that are more auditable and refreshable. That is what makes it better suited for more complex or higher stakes workflows like financial models, reconciliations, or recurring dashboards.</a:t>
-            </a:r>
-          </a:p>
-          <a:p>
-            <a:endParaRPr lang="en-US" sz="900" dirty="0"/>
-          </a:p>
-          <a:p>
-            <a:r>
-              <a:rPr lang="en-US" sz="900" dirty="0"/>
-              <a:t>So the short version is: Copilot accelerates your work. Agent Mode begins to do the work. The real opportunity for Excel professionals is learning how to manage and guide these new digital teammates effectively.</a:t>
-            </a:r>
-          </a:p>
-        </p:txBody>
-      </p:sp>
-      <p:sp>
-        <p:nvSpPr>
-          <p:cNvPr id="4" name="Slide Number Placeholder 3"/>
-          <p:cNvSpPr>
-            <a:spLocks noGrp="1"/>
-          </p:cNvSpPr>
-          <p:nvPr>
-            <p:ph type="sldNum" sz="quarter" idx="5"/>
-          </p:nvPr>
-        </p:nvSpPr>
-        <p:spPr/>
-        <p:txBody>
-          <a:bodyPr/>
-          <a:lstStyle/>
-          <a:p>
-            <a:fld id="{FFB500C5-13F7-48FC-8160-C29AECF6C602}" type="slidenum">
-              <a:rPr lang="en-US" smtClean="0"/>
-              <a:t>8</a:t>
-            </a:fld>
-            <a:endParaRPr lang="en-US"/>
-          </a:p>
-        </p:txBody>
-      </p:sp>
-    </p:spTree>
-    <p:extLst>
-      <p:ext uri="{BB962C8B-B14F-4D97-AF65-F5344CB8AC3E}">
-        <p14:creationId xmlns:p14="http://schemas.microsoft.com/office/powerpoint/2010/main" val="2986116311"/>
       </p:ext>
     </p:extLst>
   </p:cSld>
@@ -6742,12 +6698,54 @@
           <a:bodyPr/>
           <a:lstStyle/>
           <a:p>
-            <a:pPr marL="0" indent="0">
-              <a:buNone/>
-            </a:pPr>
-            <a:r>
-              <a:rPr lang="en-US" dirty="0"/>
-              <a:t>https://stringfestanalytics.com/how-to-get-started-with-agent-mode-in-excel/</a:t>
+            <a:r>
+              <a:rPr lang="en-US" sz="900" dirty="0"/>
+              <a:t>When people hear Copilot and Agent Mode, they often assume they are the same thing, but they represent very different stages in how AI works inside Excel.</a:t>
+            </a:r>
+          </a:p>
+          <a:p>
+            <a:endParaRPr lang="en-US" sz="900" dirty="0"/>
+          </a:p>
+          <a:p>
+            <a:r>
+              <a:rPr lang="en-US" sz="900" dirty="0"/>
+              <a:t>Copilot is what most of us have used so far. It is a great assistant when you need to generate a formula, summarize some data, or clean up a quick report. You ask it a question, it gives an answer, and then it is up to you to decide what to do next. It is reactive. It waits for your prompt each time.</a:t>
+            </a:r>
+          </a:p>
+          <a:p>
+            <a:endParaRPr lang="en-US" sz="900" dirty="0"/>
+          </a:p>
+          <a:p>
+            <a:r>
+              <a:rPr lang="en-US" sz="900" dirty="0"/>
+              <a:t>Agent Mode takes this a step further. Instead of a single prompt and response, the agent can plan, execute, and evaluate multiple steps on its own. It does not just answer you, it actually works with you, refining its approach until it gets the result right. Think of it as the difference between giving someone an instruction versus giving them a project.</a:t>
+            </a:r>
+          </a:p>
+          <a:p>
+            <a:endParaRPr lang="en-US" sz="900" dirty="0"/>
+          </a:p>
+          <a:p>
+            <a:r>
+              <a:rPr lang="en-US" sz="900" dirty="0"/>
+              <a:t>That also changes your role as the analyst. With Copilot, you are still the one doing the work, just faster. With Agent Mode, you become more of a manager or reviewer, someone who guides, oversees, and checks the agent’s work. The focus shifts from “Can I get this formula right?” to “Can I structure and verify the workflow my agent is running?”</a:t>
+            </a:r>
+          </a:p>
+          <a:p>
+            <a:endParaRPr lang="en-US" sz="900" dirty="0"/>
+          </a:p>
+          <a:p>
+            <a:r>
+              <a:rPr lang="en-US" sz="900" dirty="0"/>
+              <a:t>In terms of output, Copilot is great for speed. You will get something usable right away. Agent Mode is built for reliability. It double checks itself, validates formulas, and produces outputs that are more auditable and refreshable. That is what makes it better suited for more complex or higher stakes workflows like financial models, reconciliations, or recurring dashboards.</a:t>
+            </a:r>
+          </a:p>
+          <a:p>
+            <a:endParaRPr lang="en-US" sz="900" dirty="0"/>
+          </a:p>
+          <a:p>
+            <a:r>
+              <a:rPr lang="en-US" sz="900" dirty="0"/>
+              <a:t>So the short version is: Copilot accelerates your work. Agent Mode begins to do the work. The real opportunity for Excel professionals is learning how to manage and guide these new digital teammates effectively.</a:t>
             </a:r>
           </a:p>
         </p:txBody>
@@ -6767,9 +6765,99 @@
           <a:bodyPr/>
           <a:lstStyle/>
           <a:p>
+            <a:fld id="{FFB500C5-13F7-48FC-8160-C29AECF6C602}" type="slidenum">
+              <a:rPr lang="en-US" smtClean="0"/>
+              <a:t>9</a:t>
+            </a:fld>
+            <a:endParaRPr lang="en-US"/>
+          </a:p>
+        </p:txBody>
+      </p:sp>
+    </p:spTree>
+    <p:extLst>
+      <p:ext uri="{BB962C8B-B14F-4D97-AF65-F5344CB8AC3E}">
+        <p14:creationId xmlns:p14="http://schemas.microsoft.com/office/powerpoint/2010/main" val="2986116311"/>
+      </p:ext>
+    </p:extLst>
+  </p:cSld>
+  <p:clrMapOvr>
+    <a:masterClrMapping/>
+  </p:clrMapOvr>
+</p:notes>
+</file>
+
+<file path=ppt/notesSlides/notesSlide4.xml><?xml version="1.0" encoding="utf-8"?>
+<p:notes xmlns:a="http://schemas.openxmlformats.org/drawingml/2006/main" xmlns:r="http://schemas.openxmlformats.org/officeDocument/2006/relationships" xmlns:p="http://schemas.openxmlformats.org/presentationml/2006/main">
+  <p:cSld>
+    <p:spTree>
+      <p:nvGrpSpPr>
+        <p:cNvPr id="1" name=""/>
+        <p:cNvGrpSpPr/>
+        <p:nvPr/>
+      </p:nvGrpSpPr>
+      <p:grpSpPr>
+        <a:xfrm>
+          <a:off x="0" y="0"/>
+          <a:ext cx="0" cy="0"/>
+          <a:chOff x="0" y="0"/>
+          <a:chExt cx="0" cy="0"/>
+        </a:xfrm>
+      </p:grpSpPr>
+      <p:sp>
+        <p:nvSpPr>
+          <p:cNvPr id="2" name="Slide Image Placeholder 1"/>
+          <p:cNvSpPr>
+            <a:spLocks noGrp="1" noRot="1" noChangeAspect="1"/>
+          </p:cNvSpPr>
+          <p:nvPr>
+            <p:ph type="sldImg"/>
+          </p:nvPr>
+        </p:nvSpPr>
+        <p:spPr/>
+      </p:sp>
+      <p:sp>
+        <p:nvSpPr>
+          <p:cNvPr id="3" name="Notes Placeholder 2"/>
+          <p:cNvSpPr>
+            <a:spLocks noGrp="1"/>
+          </p:cNvSpPr>
+          <p:nvPr>
+            <p:ph type="body" idx="1"/>
+          </p:nvPr>
+        </p:nvSpPr>
+        <p:spPr/>
+        <p:txBody>
+          <a:bodyPr/>
+          <a:lstStyle/>
+          <a:p>
+            <a:pPr marL="0" indent="0">
+              <a:buNone/>
+            </a:pPr>
+            <a:r>
+              <a:rPr lang="en-US" dirty="0"/>
+              <a:t>https://stringfestanalytics.com/how-to-get-started-with-agent-mode-in-excel/</a:t>
+            </a:r>
+          </a:p>
+        </p:txBody>
+      </p:sp>
+      <p:sp>
+        <p:nvSpPr>
+          <p:cNvPr id="4" name="Slide Number Placeholder 3"/>
+          <p:cNvSpPr>
+            <a:spLocks noGrp="1"/>
+          </p:cNvSpPr>
+          <p:nvPr>
+            <p:ph type="sldNum" sz="quarter" idx="5"/>
+          </p:nvPr>
+        </p:nvSpPr>
+        <p:spPr/>
+        <p:txBody>
+          <a:bodyPr/>
+          <a:lstStyle/>
+          <a:p>
             <a:fld id="{1300335D-9F13-4B80-ADC5-B0EA3E10FF6B}" type="slidenum">
               <a:rPr lang="en-US" smtClean="0"/>
-              <a:t>9</a:t>
+              <a:t>10</a:t>
             </a:fld>
             <a:endParaRPr lang="en-US"/>
           </a:p>
@@ -6788,7 +6876,7 @@
 </p:notes>
 </file>
 
-<file path=ppt/notesSlides/notesSlide4.xml><?xml version="1.0" encoding="utf-8"?>
+<file path=ppt/notesSlides/notesSlide5.xml><?xml version="1.0" encoding="utf-8"?>
 <p:notes xmlns:a="http://schemas.openxmlformats.org/drawingml/2006/main" xmlns:r="http://schemas.openxmlformats.org/officeDocument/2006/relationships" xmlns:p="http://schemas.openxmlformats.org/presentationml/2006/main">
   <p:cSld>
     <p:spTree>
@@ -6925,7 +7013,7 @@
           <a:p>
             <a:fld id="{FFB500C5-13F7-48FC-8160-C29AECF6C602}" type="slidenum">
               <a:rPr lang="en-US" smtClean="0"/>
-              <a:t>10</a:t>
+              <a:t>11</a:t>
             </a:fld>
             <a:endParaRPr lang="en-US"/>
           </a:p>
@@ -6944,7 +7032,7 @@
 </p:notes>
 </file>
 
-<file path=ppt/notesSlides/notesSlide5.xml><?xml version="1.0" encoding="utf-8"?>
+<file path=ppt/notesSlides/notesSlide6.xml><?xml version="1.0" encoding="utf-8"?>
 <p:notes xmlns:a="http://schemas.openxmlformats.org/drawingml/2006/main" xmlns:r="http://schemas.openxmlformats.org/officeDocument/2006/relationships" xmlns:p="http://schemas.openxmlformats.org/presentationml/2006/main">
   <p:cSld>
     <p:spTree>
@@ -7006,12 +7094,159 @@
           <a:bodyPr/>
           <a:lstStyle/>
           <a:p>
-            <a:pPr marL="0" indent="0">
-              <a:buNone/>
-            </a:pPr>
             <a:r>
               <a:rPr lang="en-US" dirty="0"/>
-              <a:t>https://stringfestanalytics.com/how-to-turn-your-excel-workbook-into-a-chatbot-with-copilot-studio/</a:t>
+              <a:t>“Earlier we said chatbots are </a:t>
+            </a:r>
+            <a:r>
+              <a:rPr lang="en-US" i="1" dirty="0"/>
+              <a:t>not</a:t>
+            </a:r>
+            <a:r>
+              <a:rPr lang="en-US" dirty="0"/>
+              <a:t> agents — and that’s absolutely true in the strict Microsoft definition.</a:t>
+            </a:r>
+            <a:br>
+              <a:rPr lang="en-US" dirty="0"/>
+            </a:br>
+            <a:r>
+              <a:rPr lang="en-US" dirty="0"/>
+              <a:t>Chatbots respond.</a:t>
+            </a:r>
+            <a:br>
+              <a:rPr lang="en-US" dirty="0"/>
+            </a:br>
+            <a:r>
+              <a:rPr lang="en-US" dirty="0"/>
+              <a:t>Agents </a:t>
+            </a:r>
+            <a:r>
+              <a:rPr lang="en-US" i="1" dirty="0"/>
+              <a:t>reason</a:t>
+            </a:r>
+            <a:r>
+              <a:rPr lang="en-US" dirty="0"/>
+              <a:t> and </a:t>
+            </a:r>
+            <a:r>
+              <a:rPr lang="en-US" i="1" dirty="0"/>
+              <a:t>act</a:t>
+            </a:r>
+            <a:r>
+              <a:rPr lang="en-US" dirty="0"/>
+              <a:t>.</a:t>
+            </a:r>
+          </a:p>
+          <a:p>
+            <a:r>
+              <a:rPr lang="en-US" dirty="0"/>
+              <a:t>So why are we building a chatbot here?</a:t>
+            </a:r>
+          </a:p>
+          <a:p>
+            <a:r>
+              <a:rPr lang="en-US" dirty="0"/>
+              <a:t>Because when you’re teaching people this stuff, you need a project they can actually finish.</a:t>
+            </a:r>
+            <a:br>
+              <a:rPr lang="en-US" dirty="0"/>
+            </a:br>
+            <a:r>
+              <a:rPr lang="en-US" dirty="0"/>
+              <a:t>A fully agentic workflow takes hours and a ton of setup — environment variables, triggers, actions, tool calling, evaluation loops. It’s way too much for a short session like this.</a:t>
+            </a:r>
+          </a:p>
+          <a:p>
+            <a:r>
+              <a:rPr lang="en-US" dirty="0"/>
+              <a:t>But a Copilot Studio chatbot uses </a:t>
+            </a:r>
+            <a:r>
+              <a:rPr lang="en-US" b="1" dirty="0"/>
+              <a:t>all the same foundational pieces</a:t>
+            </a:r>
+            <a:r>
+              <a:rPr lang="en-US" dirty="0"/>
+              <a:t>:</a:t>
+            </a:r>
+          </a:p>
+          <a:p>
+            <a:r>
+              <a:rPr lang="en-US" dirty="0"/>
+              <a:t>intents</a:t>
+            </a:r>
+          </a:p>
+          <a:p>
+            <a:r>
+              <a:rPr lang="en-US" dirty="0"/>
+              <a:t>topics</a:t>
+            </a:r>
+          </a:p>
+          <a:p>
+            <a:r>
+              <a:rPr lang="en-US" dirty="0"/>
+              <a:t>orchestration</a:t>
+            </a:r>
+          </a:p>
+          <a:p>
+            <a:r>
+              <a:rPr lang="en-US" dirty="0"/>
+              <a:t>knowledge bases</a:t>
+            </a:r>
+          </a:p>
+          <a:p>
+            <a:r>
+              <a:rPr lang="en-US" dirty="0"/>
+              <a:t>grounding</a:t>
+            </a:r>
+          </a:p>
+          <a:p>
+            <a:r>
+              <a:rPr lang="en-US" dirty="0"/>
+              <a:t>troubleshooting AI responses</a:t>
+            </a:r>
+          </a:p>
+          <a:p>
+            <a:r>
+              <a:rPr lang="en-US" dirty="0"/>
+              <a:t>In other words, building a chatbot is the </a:t>
+            </a:r>
+            <a:r>
+              <a:rPr lang="en-US" b="1" dirty="0"/>
+              <a:t>on-ramp</a:t>
+            </a:r>
+            <a:r>
+              <a:rPr lang="en-US" dirty="0"/>
+              <a:t> to building real enterprise agents.</a:t>
+            </a:r>
+            <a:br>
+              <a:rPr lang="en-US" dirty="0"/>
+            </a:br>
+            <a:r>
+              <a:rPr lang="en-US" dirty="0"/>
+              <a:t>This is exactly how Microsoft teaches the progression internally:</a:t>
+            </a:r>
+            <a:br>
+              <a:rPr lang="en-US" dirty="0"/>
+            </a:br>
+            <a:r>
+              <a:rPr lang="en-US" b="1" dirty="0"/>
+              <a:t>Chatbot → Copilot → Agent → Automated agentic workflow.</a:t>
+            </a:r>
+            <a:endParaRPr lang="en-US" dirty="0"/>
+          </a:p>
+          <a:p>
+            <a:r>
+              <a:rPr lang="en-US" dirty="0"/>
+              <a:t>So what we’re building today is not a full-blown agent — it’s a </a:t>
+            </a:r>
+            <a:r>
+              <a:rPr lang="en-US" i="1" dirty="0"/>
+              <a:t>teachable slice</a:t>
+            </a:r>
+            <a:r>
+              <a:rPr lang="en-US" dirty="0"/>
+              <a:t> of the agent stack that fits in the time we have and still gives you a meaningful, publishable artifact. After this, you’ll know how to plug in Excel knowledge, how to structure your copilots, and how to combine them with Agent Mode later.”</a:t>
             </a:r>
           </a:p>
         </p:txBody>
@@ -7039,7 +7274,7 @@
           <a:p>
             <a:fld id="{1300335D-9F13-4B80-ADC5-B0EA3E10FF6B}" type="slidenum">
               <a:rPr lang="en-US" smtClean="0"/>
-              <a:t>11</a:t>
+              <a:t>12</a:t>
             </a:fld>
             <a:endParaRPr lang="en-US"/>
           </a:p>
@@ -7049,164 +7284,6 @@
     <p:extLst>
       <p:ext uri="{BB962C8B-B14F-4D97-AF65-F5344CB8AC3E}">
         <p14:creationId xmlns:p14="http://schemas.microsoft.com/office/powerpoint/2010/main" val="2699619239"/>
-      </p:ext>
-    </p:extLst>
-  </p:cSld>
-  <p:clrMapOvr>
-    <a:masterClrMapping/>
-  </p:clrMapOvr>
-</p:notes>
-</file>
-
-<file path=ppt/notesSlides/notesSlide6.xml><?xml version="1.0" encoding="utf-8"?>
-<p:notes xmlns:a="http://schemas.openxmlformats.org/drawingml/2006/main" xmlns:r="http://schemas.openxmlformats.org/officeDocument/2006/relationships" xmlns:p="http://schemas.openxmlformats.org/presentationml/2006/main">
-  <p:cSld>
-    <p:spTree>
-      <p:nvGrpSpPr>
-        <p:cNvPr id="1" name=""/>
-        <p:cNvGrpSpPr/>
-        <p:nvPr/>
-      </p:nvGrpSpPr>
-      <p:grpSpPr>
-        <a:xfrm>
-          <a:off x="0" y="0"/>
-          <a:ext cx="0" cy="0"/>
-          <a:chOff x="0" y="0"/>
-          <a:chExt cx="0" cy="0"/>
-        </a:xfrm>
-      </p:grpSpPr>
-      <p:sp>
-        <p:nvSpPr>
-          <p:cNvPr id="2" name="Slide Image Placeholder 1"/>
-          <p:cNvSpPr>
-            <a:spLocks noGrp="1" noRot="1" noChangeAspect="1"/>
-          </p:cNvSpPr>
-          <p:nvPr>
-            <p:ph type="sldImg"/>
-          </p:nvPr>
-        </p:nvSpPr>
-        <p:spPr/>
-      </p:sp>
-      <p:sp>
-        <p:nvSpPr>
-          <p:cNvPr id="3" name="Notes Placeholder 2"/>
-          <p:cNvSpPr>
-            <a:spLocks noGrp="1"/>
-          </p:cNvSpPr>
-          <p:nvPr>
-            <p:ph type="body" idx="1"/>
-          </p:nvPr>
-        </p:nvSpPr>
-        <p:spPr/>
-        <p:txBody>
-          <a:bodyPr/>
-          <a:lstStyle/>
-          <a:p>
-            <a:r>
-              <a:rPr lang="en-US" dirty="0"/>
-              <a:t>This diagram shows what an automated AI workflow looks like — a sequence of predefined steps that move from a trigger to a final output. You can think of it as a chain reaction: something starts the process, different actions happen automatically, and along the way, AI steps in to add intelligence or decision-making.</a:t>
-            </a:r>
-          </a:p>
-          <a:p>
-            <a:r>
-              <a:rPr lang="en-US" dirty="0"/>
-              <a:t>It all begins with a </a:t>
-            </a:r>
-            <a:r>
-              <a:rPr lang="en-US" b="1" dirty="0"/>
-              <a:t>trigger</a:t>
-            </a:r>
-            <a:r>
-              <a:rPr lang="en-US" dirty="0"/>
-              <a:t> — something that tells the workflow to start. In Excel or Power Automate, that could be a new row added to a table, a file uploaded to OneDrive, or even a scheduled time like “every Monday morning.” The trigger is what kicks everything off without you having to manually do anything.</a:t>
-            </a:r>
-          </a:p>
-          <a:p>
-            <a:r>
-              <a:rPr lang="en-US" dirty="0"/>
-              <a:t>Then we have </a:t>
-            </a:r>
-            <a:r>
-              <a:rPr lang="en-US" b="1" dirty="0"/>
-              <a:t>Step 1</a:t>
-            </a:r>
-            <a:r>
-              <a:rPr lang="en-US" dirty="0"/>
-              <a:t>, which is often a preparation step. Maybe it’s collecting the data, formatting it, or sending it into Excel. This could be where Power Automate connects to a SharePoint list, a form submission, or a Teams message and feeds that data into your workbook.</a:t>
-            </a:r>
-          </a:p>
-          <a:p>
-            <a:r>
-              <a:rPr lang="en-US" dirty="0"/>
-              <a:t>Next comes the </a:t>
-            </a:r>
-            <a:r>
-              <a:rPr lang="en-US" b="1" dirty="0"/>
-              <a:t>AI Step</a:t>
-            </a:r>
-            <a:r>
-              <a:rPr lang="en-US" dirty="0"/>
-              <a:t> — this is where Copilot or another AI model gets involved. This could be an AI Builder action inside Power Automate that summarizes text, classifies feedback, or extracts key details from a document. Or it might be Copilot inside Excel generating a formula, building a chart, or explaining data patterns automatically. The AI step takes what used to be manual analysis and turns it into an automated, intelligent action.</a:t>
-            </a:r>
-          </a:p>
-          <a:p>
-            <a:r>
-              <a:rPr lang="en-US" dirty="0"/>
-              <a:t>After that, there can be more steps — maybe sending results back to Excel, notifying someone in Teams, or updating a dashboard. Each step builds on the last, flowing seamlessly without human intervention.</a:t>
-            </a:r>
-          </a:p>
-          <a:p>
-            <a:r>
-              <a:rPr lang="en-US" dirty="0"/>
-              <a:t>Finally, we reach the </a:t>
-            </a:r>
-            <a:r>
-              <a:rPr lang="en-US" b="1" dirty="0"/>
-              <a:t>output</a:t>
-            </a:r>
-            <a:r>
-              <a:rPr lang="en-US" dirty="0"/>
-              <a:t>, which is the end goal of the automation. That might be a refreshed Excel report, an email summary, or a new dataset ready for review. The beauty of it is that the whole process runs automatically once it’s designed — no constant copying, pasting, or checking formulas.</a:t>
-            </a:r>
-          </a:p>
-          <a:p>
-            <a:r>
-              <a:rPr lang="en-US" dirty="0"/>
-              <a:t>So, in short, this kind of workflow connects automation tools like Power Automate with AI capabilities from Copilot or AI Builder to take everyday Excel tasks — things like reporting, data cleaning, or summarizing — and turn them into intelligent, repeatable processes.</a:t>
-            </a:r>
-          </a:p>
-          <a:p>
-            <a:endParaRPr lang="en-US" dirty="0"/>
-          </a:p>
-        </p:txBody>
-      </p:sp>
-      <p:sp>
-        <p:nvSpPr>
-          <p:cNvPr id="4" name="Slide Number Placeholder 3"/>
-          <p:cNvSpPr>
-            <a:spLocks noGrp="1"/>
-          </p:cNvSpPr>
-          <p:nvPr>
-            <p:ph type="sldNum" sz="quarter" idx="5"/>
-          </p:nvPr>
-        </p:nvSpPr>
-        <p:spPr/>
-        <p:txBody>
-          <a:bodyPr/>
-          <a:lstStyle/>
-          <a:p>
-            <a:fld id="{FFB500C5-13F7-48FC-8160-C29AECF6C602}" type="slidenum">
-              <a:rPr lang="en-US" smtClean="0"/>
-              <a:t>13</a:t>
-            </a:fld>
-            <a:endParaRPr lang="en-US"/>
-          </a:p>
-        </p:txBody>
-      </p:sp>
-    </p:spTree>
-    <p:extLst>
-      <p:ext uri="{BB962C8B-B14F-4D97-AF65-F5344CB8AC3E}">
-        <p14:creationId xmlns:p14="http://schemas.microsoft.com/office/powerpoint/2010/main" val="4064505773"/>
       </p:ext>
     </p:extLst>
   </p:cSld>
@@ -7262,81 +7339,75 @@
           <a:p>
             <a:r>
               <a:rPr lang="en-US" dirty="0"/>
-              <a:t>Now, this next diagram shows the big shift we’re seeing with AI — moving from </a:t>
+              <a:t>This diagram shows what an automated AI workflow looks like — a sequence of predefined steps that move from a trigger to a final output. You can think of it as a chain reaction: something starts the process, different actions happen automatically, and along the way, AI steps in to add intelligence or decision-making.</a:t>
+            </a:r>
+          </a:p>
+          <a:p>
+            <a:r>
+              <a:rPr lang="en-US" dirty="0"/>
+              <a:t>It all begins with a </a:t>
             </a:r>
             <a:r>
               <a:rPr lang="en-US" b="1" dirty="0"/>
-              <a:t>automation</a:t>
+              <a:t>trigger</a:t>
             </a:r>
             <a:r>
               <a:rPr lang="en-US" dirty="0"/>
-              <a:t> to </a:t>
+              <a:t> — something that tells the workflow to start. In Excel or Power Automate, that could be a new row added to a table, a file uploaded to OneDrive, or even a scheduled time like “every Monday morning.” The trigger is what kicks everything off without you having to manually do anything.</a:t>
+            </a:r>
+          </a:p>
+          <a:p>
+            <a:r>
+              <a:rPr lang="en-US" dirty="0"/>
+              <a:t>Then we have </a:t>
             </a:r>
             <a:r>
               <a:rPr lang="en-US" b="1" dirty="0"/>
-              <a:t>agency</a:t>
+              <a:t>Step 1</a:t>
             </a:r>
             <a:r>
               <a:rPr lang="en-US" dirty="0"/>
-              <a:t>. In the previous model, we had a predefined sequence of steps. Everything had to be mapped out ahead of time — if X happens, then do Y, then Z. That’s great for structured processes, but it doesn’t leave room for flexibility or judgment.</a:t>
+              <a:t>, which is often a preparation step. Maybe it’s collecting the data, formatting it, or sending it into Excel. This could be where Power Automate connects to a SharePoint list, a form submission, or a Teams message and feeds that data into your workbook.</a:t>
             </a:r>
           </a:p>
           <a:p>
             <a:r>
               <a:rPr lang="en-US" dirty="0"/>
-              <a:t>In this model, the </a:t>
+              <a:t>Next comes the </a:t>
             </a:r>
             <a:r>
               <a:rPr lang="en-US" b="1" dirty="0"/>
-              <a:t>AI Agent</a:t>
+              <a:t>AI Step</a:t>
             </a:r>
             <a:r>
               <a:rPr lang="en-US" dirty="0"/>
-              <a:t> doesn’t just follow a script — it thinks through what to do next. When the trigger fires, the agent decides on its own which actions to take and which tools to use to reach the goal. It can pull from its </a:t>
+              <a:t> — this is where Copilot or another AI model gets involved. This could be an AI Builder action inside Power Automate that summarizes text, classifies feedback, or extracts key details from a document. Or it might be Copilot inside Excel generating a formula, building a chart, or explaining data patterns automatically. The AI step takes what used to be manual analysis and turns it into an automated, intelligent action.</a:t>
+            </a:r>
+          </a:p>
+          <a:p>
+            <a:r>
+              <a:rPr lang="en-US" dirty="0"/>
+              <a:t>After that, there can be more steps — maybe sending results back to Excel, notifying someone in Teams, or updating a dashboard. Each step builds on the last, flowing seamlessly without human intervention.</a:t>
+            </a:r>
+          </a:p>
+          <a:p>
+            <a:r>
+              <a:rPr lang="en-US" dirty="0"/>
+              <a:t>Finally, we reach the </a:t>
             </a:r>
             <a:r>
               <a:rPr lang="en-US" b="1" dirty="0"/>
-              <a:t>instructions</a:t>
+              <a:t>output</a:t>
             </a:r>
             <a:r>
               <a:rPr lang="en-US" dirty="0"/>
-              <a:t> — what it’s been told it’s allowed or supposed to do — along with </a:t>
-            </a:r>
-            <a:r>
-              <a:rPr lang="en-US" b="1" dirty="0"/>
-              <a:t>memory</a:t>
-            </a:r>
+              <a:t>, which is the end goal of the automation. That might be a refreshed Excel report, an email summary, or a new dataset ready for review. The beauty of it is that the whole process runs automatically once it’s designed — no constant copying, pasting, or checking formulas.</a:t>
+            </a:r>
+          </a:p>
+          <a:p>
             <a:r>
               <a:rPr lang="en-US" dirty="0"/>
-              <a:t>, which helps it recall past context, and </a:t>
-            </a:r>
-            <a:r>
-              <a:rPr lang="en-US" b="1" dirty="0"/>
-              <a:t>tools</a:t>
-            </a:r>
-            <a:r>
-              <a:rPr lang="en-US" dirty="0"/>
-              <a:t>, which might include things like Excel, Power Automate, or SharePoint.</a:t>
-            </a:r>
-          </a:p>
-          <a:p>
-            <a:r>
-              <a:rPr lang="en-US" dirty="0"/>
-              <a:t>For example, instead of a static Power Automate flow that’s hard-coded to send an email every time a report updates, an agent could look at the new data, decide if a report even needs to be generated, check who the right stakeholders are, and then use the right tool — maybe Copilot in Excel to summarize the data, or Power Automate to share the results. The key difference is that the agent chooses the path dynamically, based on what it knows and what it’s trying to accomplish — not just what’s been pre-programmed.</a:t>
-            </a:r>
-          </a:p>
-          <a:p>
-            <a:r>
-              <a:rPr lang="en-US" dirty="0"/>
-              <a:t>This is what we mean when we talk about Copilot moving into the </a:t>
-            </a:r>
-            <a:r>
-              <a:rPr lang="en-US" b="1" dirty="0"/>
-              <a:t>agentic era</a:t>
-            </a:r>
-            <a:r>
-              <a:rPr lang="en-US" dirty="0"/>
-              <a:t> — it’s not just automating, it’s adapting. It’s capable of reasoning, taking initiative, and using multiple Microsoft 365 tools together to achieve an outcome — all without you needing to define every single step.</a:t>
+              <a:t>So, in short, this kind of workflow connects automation tools like Power Automate with AI capabilities from Copilot or AI Builder to take everyday Excel tasks — things like reporting, data cleaning, or summarizing — and turn them into intelligent, repeatable processes.</a:t>
             </a:r>
           </a:p>
           <a:p>
@@ -7370,7 +7441,7 @@
     </p:spTree>
     <p:extLst>
       <p:ext uri="{BB962C8B-B14F-4D97-AF65-F5344CB8AC3E}">
-        <p14:creationId xmlns:p14="http://schemas.microsoft.com/office/powerpoint/2010/main" val="3297094883"/>
+        <p14:creationId xmlns:p14="http://schemas.microsoft.com/office/powerpoint/2010/main" val="4064505773"/>
       </p:ext>
     </p:extLst>
   </p:cSld>
@@ -7425,45 +7496,86 @@
           <a:lstStyle/>
           <a:p>
             <a:r>
-              <a:rPr lang="en-US" b="0" dirty="0"/>
-              <a:t>When I say audit your team’s data and automation skills, I mean really take stock of what you already have. Who knows Power Query? Who can write a bit of Python or create a simple flow in Power Automate? Before you chase shiny new AI tools, get a baseline of your current capabilities.</a:t>
-            </a:r>
-          </a:p>
-          <a:p>
-            <a:endParaRPr lang="en-US" b="0" dirty="0"/>
-          </a:p>
-          <a:p>
-            <a:r>
-              <a:rPr lang="en-US" b="0" dirty="0"/>
-              <a:t>Next, start small with Office Scripts and Power Automate. These are great low-risk ways to build repeatable logic and connect Excel to other systems. Once you understand how those pieces work, Agent Mode and Copilot will make a lot more sense.</a:t>
-            </a:r>
-          </a:p>
-          <a:p>
-            <a:endParaRPr lang="en-US" b="0" dirty="0"/>
-          </a:p>
-          <a:p>
-            <a:r>
-              <a:rPr lang="en-US" b="0" dirty="0"/>
-              <a:t>Then, experiment safely with Copilot and Agent Mode. Try them in sandboxed files or low-stakes tasks. Learn how they interpret prompts, where they struggle, and how they can support your workflows. The goal is to build trust with the tools before relying on them in production.</a:t>
-            </a:r>
-          </a:p>
-          <a:p>
-            <a:r>
-              <a:rPr lang="en-US" b="0" dirty="0"/>
-              <a:t>From there, build a roadmap for AI adoption and governance. This is where system thinking comes in. Decide which processes to automate, who owns the workflows, and how you will review and audit results. This ensures the technology actually scales.</a:t>
-            </a:r>
-          </a:p>
-          <a:p>
-            <a:endParaRPr lang="en-US" b="0" dirty="0"/>
-          </a:p>
-          <a:p>
-            <a:r>
-              <a:rPr lang="en-US" b="0" dirty="0"/>
-              <a:t>Finally, book a discovery call to plan your next moves. Every organization is at a different stage with these tools, and having a plan makes all the difference. I can help you map the skills, systems, and priorities that will make this stack work for you.</a:t>
-            </a:r>
-          </a:p>
-          <a:p>
-            <a:endParaRPr lang="en-US" b="0" dirty="0"/>
+              <a:rPr lang="en-US" dirty="0"/>
+              <a:t>Now, this next diagram shows the big shift we’re seeing with AI — moving from </a:t>
+            </a:r>
+            <a:r>
+              <a:rPr lang="en-US" b="1" dirty="0"/>
+              <a:t>automation</a:t>
+            </a:r>
+            <a:r>
+              <a:rPr lang="en-US" dirty="0"/>
+              <a:t> to </a:t>
+            </a:r>
+            <a:r>
+              <a:rPr lang="en-US" b="1" dirty="0"/>
+              <a:t>agency</a:t>
+            </a:r>
+            <a:r>
+              <a:rPr lang="en-US" dirty="0"/>
+              <a:t>. In the previous model, we had a predefined sequence of steps. Everything had to be mapped out ahead of time — if X happens, then do Y, then Z. That’s great for structured processes, but it doesn’t leave room for flexibility or judgment.</a:t>
+            </a:r>
+          </a:p>
+          <a:p>
+            <a:r>
+              <a:rPr lang="en-US" dirty="0"/>
+              <a:t>In this model, the </a:t>
+            </a:r>
+            <a:r>
+              <a:rPr lang="en-US" b="1" dirty="0"/>
+              <a:t>AI Agent</a:t>
+            </a:r>
+            <a:r>
+              <a:rPr lang="en-US" dirty="0"/>
+              <a:t> doesn’t just follow a script — it thinks through what to do next. When the trigger fires, the agent decides on its own which actions to take and which tools to use to reach the goal. It can pull from its </a:t>
+            </a:r>
+            <a:r>
+              <a:rPr lang="en-US" b="1" dirty="0"/>
+              <a:t>instructions</a:t>
+            </a:r>
+            <a:r>
+              <a:rPr lang="en-US" dirty="0"/>
+              <a:t> — what it’s been told it’s allowed or supposed to do — along with </a:t>
+            </a:r>
+            <a:r>
+              <a:rPr lang="en-US" b="1" dirty="0"/>
+              <a:t>memory</a:t>
+            </a:r>
+            <a:r>
+              <a:rPr lang="en-US" dirty="0"/>
+              <a:t>, which helps it recall past context, and </a:t>
+            </a:r>
+            <a:r>
+              <a:rPr lang="en-US" b="1" dirty="0"/>
+              <a:t>tools</a:t>
+            </a:r>
+            <a:r>
+              <a:rPr lang="en-US" dirty="0"/>
+              <a:t>, which might include things like Excel, Power Automate, or SharePoint.</a:t>
+            </a:r>
+          </a:p>
+          <a:p>
+            <a:r>
+              <a:rPr lang="en-US" dirty="0"/>
+              <a:t>For example, instead of a static Power Automate flow that’s hard-coded to send an email every time a report updates, an agent could look at the new data, decide if a report even needs to be generated, check who the right stakeholders are, and then use the right tool — maybe Copilot in Excel to summarize the data, or Power Automate to share the results. The key difference is that the agent chooses the path dynamically, based on what it knows and what it’s trying to accomplish — not just what’s been pre-programmed.</a:t>
+            </a:r>
+          </a:p>
+          <a:p>
+            <a:r>
+              <a:rPr lang="en-US" dirty="0"/>
+              <a:t>This is what we mean when we talk about Copilot moving into the </a:t>
+            </a:r>
+            <a:r>
+              <a:rPr lang="en-US" b="1" dirty="0"/>
+              <a:t>agentic era</a:t>
+            </a:r>
+            <a:r>
+              <a:rPr lang="en-US" dirty="0"/>
+              <a:t> — it’s not just automating, it’s adapting. It’s capable of reasoning, taking initiative, and using multiple Microsoft 365 tools together to achieve an outcome — all without you needing to define every single step.</a:t>
+            </a:r>
+          </a:p>
+          <a:p>
+            <a:endParaRPr lang="en-US" dirty="0"/>
           </a:p>
         </p:txBody>
       </p:sp>
@@ -7485,6 +7597,129 @@
             <a:fld id="{FFB500C5-13F7-48FC-8160-C29AECF6C602}" type="slidenum">
               <a:rPr lang="en-US" smtClean="0"/>
               <a:t>15</a:t>
+            </a:fld>
+            <a:endParaRPr lang="en-US"/>
+          </a:p>
+        </p:txBody>
+      </p:sp>
+    </p:spTree>
+    <p:extLst>
+      <p:ext uri="{BB962C8B-B14F-4D97-AF65-F5344CB8AC3E}">
+        <p14:creationId xmlns:p14="http://schemas.microsoft.com/office/powerpoint/2010/main" val="3297094883"/>
+      </p:ext>
+    </p:extLst>
+  </p:cSld>
+  <p:clrMapOvr>
+    <a:masterClrMapping/>
+  </p:clrMapOvr>
+</p:notes>
+</file>
+
+<file path=ppt/notesSlides/notesSlide9.xml><?xml version="1.0" encoding="utf-8"?>
+<p:notes xmlns:a="http://schemas.openxmlformats.org/drawingml/2006/main" xmlns:r="http://schemas.openxmlformats.org/officeDocument/2006/relationships" xmlns:p="http://schemas.openxmlformats.org/presentationml/2006/main">
+  <p:cSld>
+    <p:spTree>
+      <p:nvGrpSpPr>
+        <p:cNvPr id="1" name=""/>
+        <p:cNvGrpSpPr/>
+        <p:nvPr/>
+      </p:nvGrpSpPr>
+      <p:grpSpPr>
+        <a:xfrm>
+          <a:off x="0" y="0"/>
+          <a:ext cx="0" cy="0"/>
+          <a:chOff x="0" y="0"/>
+          <a:chExt cx="0" cy="0"/>
+        </a:xfrm>
+      </p:grpSpPr>
+      <p:sp>
+        <p:nvSpPr>
+          <p:cNvPr id="2" name="Slide Image Placeholder 1"/>
+          <p:cNvSpPr>
+            <a:spLocks noGrp="1" noRot="1" noChangeAspect="1"/>
+          </p:cNvSpPr>
+          <p:nvPr>
+            <p:ph type="sldImg"/>
+          </p:nvPr>
+        </p:nvSpPr>
+        <p:spPr/>
+      </p:sp>
+      <p:sp>
+        <p:nvSpPr>
+          <p:cNvPr id="3" name="Notes Placeholder 2"/>
+          <p:cNvSpPr>
+            <a:spLocks noGrp="1"/>
+          </p:cNvSpPr>
+          <p:nvPr>
+            <p:ph type="body" idx="1"/>
+          </p:nvPr>
+        </p:nvSpPr>
+        <p:spPr/>
+        <p:txBody>
+          <a:bodyPr/>
+          <a:lstStyle/>
+          <a:p>
+            <a:r>
+              <a:rPr lang="en-US" b="0" dirty="0"/>
+              <a:t>When I say audit your team’s data and automation skills, I mean really take stock of what you already have. Who knows Power Query? Who can write a bit of Python or create a simple flow in Power Automate? Before you chase shiny new AI tools, get a baseline of your current capabilities.</a:t>
+            </a:r>
+          </a:p>
+          <a:p>
+            <a:endParaRPr lang="en-US" b="0" dirty="0"/>
+          </a:p>
+          <a:p>
+            <a:r>
+              <a:rPr lang="en-US" b="0" dirty="0"/>
+              <a:t>Next, start small with Office Scripts and Power Automate. These are great low-risk ways to build repeatable logic and connect Excel to other systems. Once you understand how those pieces work, Agent Mode and Copilot will make a lot more sense.</a:t>
+            </a:r>
+          </a:p>
+          <a:p>
+            <a:endParaRPr lang="en-US" b="0" dirty="0"/>
+          </a:p>
+          <a:p>
+            <a:r>
+              <a:rPr lang="en-US" b="0" dirty="0"/>
+              <a:t>Then, experiment safely with Copilot and Agent Mode. Try them in sandboxed files or low-stakes tasks. Learn how they interpret prompts, where they struggle, and how they can support your workflows. The goal is to build trust with the tools before relying on them in production.</a:t>
+            </a:r>
+          </a:p>
+          <a:p>
+            <a:r>
+              <a:rPr lang="en-US" b="0" dirty="0"/>
+              <a:t>From there, build a roadmap for AI adoption and governance. This is where system thinking comes in. Decide which processes to automate, who owns the workflows, and how you will review and audit results. This ensures the technology actually scales.</a:t>
+            </a:r>
+          </a:p>
+          <a:p>
+            <a:endParaRPr lang="en-US" b="0" dirty="0"/>
+          </a:p>
+          <a:p>
+            <a:r>
+              <a:rPr lang="en-US" b="0" dirty="0"/>
+              <a:t>Finally, book a discovery call to plan your next moves. Every organization is at a different stage with these tools, and having a plan makes all the difference. I can help you map the skills, systems, and priorities that will make this stack work for you.</a:t>
+            </a:r>
+          </a:p>
+          <a:p>
+            <a:endParaRPr lang="en-US" b="0" dirty="0"/>
+          </a:p>
+        </p:txBody>
+      </p:sp>
+      <p:sp>
+        <p:nvSpPr>
+          <p:cNvPr id="4" name="Slide Number Placeholder 3"/>
+          <p:cNvSpPr>
+            <a:spLocks noGrp="1"/>
+          </p:cNvSpPr>
+          <p:nvPr>
+            <p:ph type="sldNum" sz="quarter" idx="5"/>
+          </p:nvPr>
+        </p:nvSpPr>
+        <p:spPr/>
+        <p:txBody>
+          <a:bodyPr/>
+          <a:lstStyle/>
+          <a:p>
+            <a:fld id="{FFB500C5-13F7-48FC-8160-C29AECF6C602}" type="slidenum">
+              <a:rPr lang="en-US" smtClean="0"/>
+              <a:t>16</a:t>
             </a:fld>
             <a:endParaRPr lang="en-US"/>
           </a:p>
@@ -7683,7 +7918,7 @@
             <a:fld id="{1D8BD707-D9CF-40AE-B4C6-C98DA3205C09}" type="datetimeFigureOut">
               <a:rPr lang="en-US" smtClean="0"/>
               <a:pPr/>
-              <a:t>11/11/2025</a:t>
+              <a:t>11/15/2025</a:t>
             </a:fld>
             <a:endParaRPr lang="en-US"/>
           </a:p>
@@ -7848,7 +8083,7 @@
             <a:fld id="{1D8BD707-D9CF-40AE-B4C6-C98DA3205C09}" type="datetimeFigureOut">
               <a:rPr lang="en-US" smtClean="0"/>
               <a:pPr/>
-              <a:t>11/11/2025</a:t>
+              <a:t>11/15/2025</a:t>
             </a:fld>
             <a:endParaRPr lang="en-US"/>
           </a:p>
@@ -8023,7 +8258,7 @@
             <a:fld id="{1D8BD707-D9CF-40AE-B4C6-C98DA3205C09}" type="datetimeFigureOut">
               <a:rPr lang="en-US" smtClean="0"/>
               <a:pPr/>
-              <a:t>11/11/2025</a:t>
+              <a:t>11/15/2025</a:t>
             </a:fld>
             <a:endParaRPr lang="en-US"/>
           </a:p>
@@ -8188,7 +8423,7 @@
             <a:fld id="{1D8BD707-D9CF-40AE-B4C6-C98DA3205C09}" type="datetimeFigureOut">
               <a:rPr lang="en-US" smtClean="0"/>
               <a:pPr/>
-              <a:t>11/11/2025</a:t>
+              <a:t>11/15/2025</a:t>
             </a:fld>
             <a:endParaRPr lang="en-US"/>
           </a:p>
@@ -8430,7 +8665,7 @@
             <a:fld id="{1D8BD707-D9CF-40AE-B4C6-C98DA3205C09}" type="datetimeFigureOut">
               <a:rPr lang="en-US" smtClean="0"/>
               <a:pPr/>
-              <a:t>11/11/2025</a:t>
+              <a:t>11/15/2025</a:t>
             </a:fld>
             <a:endParaRPr lang="en-US"/>
           </a:p>
@@ -8712,7 +8947,7 @@
             <a:fld id="{1D8BD707-D9CF-40AE-B4C6-C98DA3205C09}" type="datetimeFigureOut">
               <a:rPr lang="en-US" smtClean="0"/>
               <a:pPr/>
-              <a:t>11/11/2025</a:t>
+              <a:t>11/15/2025</a:t>
             </a:fld>
             <a:endParaRPr lang="en-US"/>
           </a:p>
@@ -9128,7 +9363,7 @@
             <a:fld id="{1D8BD707-D9CF-40AE-B4C6-C98DA3205C09}" type="datetimeFigureOut">
               <a:rPr lang="en-US" smtClean="0"/>
               <a:pPr/>
-              <a:t>11/11/2025</a:t>
+              <a:t>11/15/2025</a:t>
             </a:fld>
             <a:endParaRPr lang="en-US"/>
           </a:p>
@@ -9242,7 +9477,7 @@
             <a:fld id="{1D8BD707-D9CF-40AE-B4C6-C98DA3205C09}" type="datetimeFigureOut">
               <a:rPr lang="en-US" smtClean="0"/>
               <a:pPr/>
-              <a:t>11/11/2025</a:t>
+              <a:t>11/15/2025</a:t>
             </a:fld>
             <a:endParaRPr lang="en-US"/>
           </a:p>
@@ -9334,7 +9569,7 @@
             <a:fld id="{1D8BD707-D9CF-40AE-B4C6-C98DA3205C09}" type="datetimeFigureOut">
               <a:rPr lang="en-US" smtClean="0"/>
               <a:pPr/>
-              <a:t>11/11/2025</a:t>
+              <a:t>11/15/2025</a:t>
             </a:fld>
             <a:endParaRPr lang="en-US"/>
           </a:p>
@@ -9606,7 +9841,7 @@
             <a:fld id="{1D8BD707-D9CF-40AE-B4C6-C98DA3205C09}" type="datetimeFigureOut">
               <a:rPr lang="en-US" smtClean="0"/>
               <a:pPr/>
-              <a:t>11/11/2025</a:t>
+              <a:t>11/15/2025</a:t>
             </a:fld>
             <a:endParaRPr lang="en-US"/>
           </a:p>
@@ -9855,7 +10090,7 @@
             <a:fld id="{1D8BD707-D9CF-40AE-B4C6-C98DA3205C09}" type="datetimeFigureOut">
               <a:rPr lang="en-US" smtClean="0"/>
               <a:pPr/>
-              <a:t>11/11/2025</a:t>
+              <a:t>11/15/2025</a:t>
             </a:fld>
             <a:endParaRPr lang="en-US"/>
           </a:p>
@@ -10068,7 +10303,7 @@
             <a:fld id="{1D8BD707-D9CF-40AE-B4C6-C98DA3205C09}" type="datetimeFigureOut">
               <a:rPr lang="en-US" smtClean="0"/>
               <a:pPr/>
-              <a:t>11/11/2025</a:t>
+              <a:t>11/15/2025</a:t>
             </a:fld>
             <a:endParaRPr lang="en-US"/>
           </a:p>
@@ -10626,6 +10861,309 @@
   <p:cSld>
     <p:spTree>
       <p:nvGrpSpPr>
+        <p:cNvPr id="1" name=""/>
+        <p:cNvGrpSpPr/>
+        <p:nvPr/>
+      </p:nvGrpSpPr>
+      <p:grpSpPr>
+        <a:xfrm>
+          <a:off x="0" y="0"/>
+          <a:ext cx="0" cy="0"/>
+          <a:chOff x="0" y="0"/>
+          <a:chExt cx="0" cy="0"/>
+        </a:xfrm>
+      </p:grpSpPr>
+      <p:sp>
+        <p:nvSpPr>
+          <p:cNvPr id="4" name="Rectangle 3"/>
+          <p:cNvSpPr/>
+          <p:nvPr/>
+        </p:nvSpPr>
+        <p:spPr>
+          <a:xfrm>
+            <a:off x="9861630" y="0"/>
+            <a:ext cx="8426370" cy="10287000"/>
+          </a:xfrm>
+          <a:prstGeom prst="rect">
+            <a:avLst/>
+          </a:prstGeom>
+          <a:solidFill>
+            <a:srgbClr val="CF3338"/>
+          </a:solidFill>
+          <a:ln>
+            <a:noFill/>
+          </a:ln>
+        </p:spPr>
+        <p:style>
+          <a:lnRef idx="2">
+            <a:schemeClr val="accent1">
+              <a:shade val="50000"/>
+            </a:schemeClr>
+          </a:lnRef>
+          <a:fillRef idx="1">
+            <a:schemeClr val="accent1"/>
+          </a:fillRef>
+          <a:effectRef idx="0">
+            <a:schemeClr val="accent1"/>
+          </a:effectRef>
+          <a:fontRef idx="minor">
+            <a:schemeClr val="lt1"/>
+          </a:fontRef>
+        </p:style>
+        <p:txBody>
+          <a:bodyPr rtlCol="0" anchor="ctr"/>
+          <a:lstStyle/>
+          <a:p>
+            <a:pPr algn="ctr"/>
+            <a:endParaRPr lang="en-US" sz="2700"/>
+          </a:p>
+        </p:txBody>
+      </p:sp>
+      <p:pic>
+        <p:nvPicPr>
+          <p:cNvPr id="2" name="Picture 1"/>
+          <p:cNvPicPr>
+            <a:picLocks noChangeAspect="1"/>
+          </p:cNvPicPr>
+          <p:nvPr/>
+        </p:nvPicPr>
+        <p:blipFill rotWithShape="1">
+          <a:blip r:embed="rId3">
+            <a:extLst>
+              <a:ext uri="{28A0092B-C50C-407E-A947-70E740481C1C}">
+                <a14:useLocalDpi xmlns:a14="http://schemas.microsoft.com/office/drawing/2010/main" val="0"/>
+              </a:ext>
+            </a:extLst>
+          </a:blip>
+          <a:srcRect l="69227" t="33418" r="20112" b="50548"/>
+          <a:stretch/>
+        </p:blipFill>
+        <p:spPr>
+          <a:xfrm>
+            <a:off x="15579524" y="7544693"/>
+            <a:ext cx="2708477" cy="2987579"/>
+          </a:xfrm>
+          <a:prstGeom prst="rect">
+            <a:avLst/>
+          </a:prstGeom>
+        </p:spPr>
+      </p:pic>
+      <p:sp>
+        <p:nvSpPr>
+          <p:cNvPr id="3" name="TextBox 2"/>
+          <p:cNvSpPr txBox="1"/>
+          <p:nvPr/>
+        </p:nvSpPr>
+        <p:spPr>
+          <a:xfrm>
+            <a:off x="260431" y="329879"/>
+            <a:ext cx="8906720" cy="8490401"/>
+          </a:xfrm>
+          <a:prstGeom prst="rect">
+            <a:avLst/>
+          </a:prstGeom>
+          <a:noFill/>
+        </p:spPr>
+        <p:txBody>
+          <a:bodyPr wrap="square" rtlCol="0">
+            <a:spAutoFit/>
+          </a:bodyPr>
+          <a:lstStyle/>
+          <a:p>
+            <a:r>
+              <a:rPr lang="en-US" sz="6000" b="1" dirty="0">
+                <a:solidFill>
+                  <a:srgbClr val="CF3338"/>
+                </a:solidFill>
+                <a:latin typeface="Pragmatica" panose="020B0403040502020204" pitchFamily="34" charset="0"/>
+              </a:rPr>
+              <a:t>Demo: Agent Mode in action</a:t>
+            </a:r>
+          </a:p>
+          <a:p>
+            <a:endParaRPr lang="en-US" sz="4200" dirty="0">
+              <a:solidFill>
+                <a:srgbClr val="CF3338"/>
+              </a:solidFill>
+              <a:latin typeface="Pragmatica" panose="020B0403040502020204" pitchFamily="34" charset="0"/>
+            </a:endParaRPr>
+          </a:p>
+          <a:p>
+            <a:pPr marL="685800" indent="-542925">
+              <a:lnSpc>
+                <a:spcPct val="115000"/>
+              </a:lnSpc>
+              <a:spcBef>
+                <a:spcPts val="1125"/>
+              </a:spcBef>
+              <a:buClr>
+                <a:srgbClr val="C00000"/>
+              </a:buClr>
+              <a:buSzPts val="2100"/>
+              <a:buFont typeface="Arial"/>
+              <a:buAutoNum type="arabicPeriod"/>
+            </a:pPr>
+            <a:r>
+              <a:rPr lang="en-US" sz="3600" dirty="0">
+                <a:solidFill>
+                  <a:srgbClr val="C00000"/>
+                </a:solidFill>
+                <a:latin typeface="Pragmatica" panose="020B0403040502020204"/>
+                <a:sym typeface="Consolas"/>
+              </a:rPr>
+              <a:t>Loan calculator</a:t>
+            </a:r>
+          </a:p>
+          <a:p>
+            <a:pPr marL="685800" indent="-542925">
+              <a:lnSpc>
+                <a:spcPct val="115000"/>
+              </a:lnSpc>
+              <a:spcBef>
+                <a:spcPts val="1125"/>
+              </a:spcBef>
+              <a:buClr>
+                <a:srgbClr val="C00000"/>
+              </a:buClr>
+              <a:buSzPts val="2100"/>
+              <a:buFont typeface="Arial"/>
+              <a:buAutoNum type="arabicPeriod"/>
+            </a:pPr>
+            <a:r>
+              <a:rPr lang="en-US" sz="3600" dirty="0">
+                <a:solidFill>
+                  <a:srgbClr val="C00000"/>
+                </a:solidFill>
+                <a:latin typeface="Pragmatica" panose="020B0403040502020204"/>
+                <a:sym typeface="Consolas"/>
+              </a:rPr>
+              <a:t>Variance analysis</a:t>
+            </a:r>
+          </a:p>
+          <a:p>
+            <a:pPr marL="685800" indent="-542925">
+              <a:lnSpc>
+                <a:spcPct val="115000"/>
+              </a:lnSpc>
+              <a:spcBef>
+                <a:spcPts val="1125"/>
+              </a:spcBef>
+              <a:buClr>
+                <a:srgbClr val="C00000"/>
+              </a:buClr>
+              <a:buSzPts val="2100"/>
+              <a:buFont typeface="Arial"/>
+              <a:buAutoNum type="arabicPeriod"/>
+            </a:pPr>
+            <a:r>
+              <a:rPr lang="en-US" sz="3600" dirty="0">
+                <a:solidFill>
+                  <a:srgbClr val="C00000"/>
+                </a:solidFill>
+                <a:latin typeface="Pragmatica" panose="020B0403040502020204"/>
+                <a:sym typeface="Consolas"/>
+              </a:rPr>
+              <a:t>Monthly close pack</a:t>
+            </a:r>
+          </a:p>
+          <a:p>
+            <a:pPr marL="685800" indent="-542925">
+              <a:lnSpc>
+                <a:spcPct val="115000"/>
+              </a:lnSpc>
+              <a:spcBef>
+                <a:spcPts val="1125"/>
+              </a:spcBef>
+              <a:buClr>
+                <a:srgbClr val="C00000"/>
+              </a:buClr>
+              <a:buSzPts val="2100"/>
+              <a:buFont typeface="Arial"/>
+              <a:buAutoNum type="arabicPeriod"/>
+            </a:pPr>
+            <a:endParaRPr lang="en-US" sz="3600" dirty="0">
+              <a:solidFill>
+                <a:srgbClr val="C00000"/>
+              </a:solidFill>
+              <a:latin typeface="Pragmatica" panose="020B0403040502020204"/>
+              <a:sym typeface="Consolas"/>
+            </a:endParaRPr>
+          </a:p>
+          <a:p>
+            <a:pPr marL="142875">
+              <a:lnSpc>
+                <a:spcPct val="115000"/>
+              </a:lnSpc>
+              <a:spcBef>
+                <a:spcPts val="1125"/>
+              </a:spcBef>
+              <a:buClr>
+                <a:srgbClr val="C00000"/>
+              </a:buClr>
+              <a:buSzPts val="2100"/>
+            </a:pPr>
+            <a:r>
+              <a:rPr lang="en-US" sz="3600" dirty="0">
+                <a:solidFill>
+                  <a:srgbClr val="C00000"/>
+                </a:solidFill>
+                <a:latin typeface="Pragmatica" panose="020B0403040502020204"/>
+                <a:sym typeface="Consolas"/>
+              </a:rPr>
+              <a:t>What does Agent Mode do well, poorly, or not at all? </a:t>
+            </a:r>
+          </a:p>
+          <a:p>
+            <a:pPr marL="142875">
+              <a:lnSpc>
+                <a:spcPct val="115000"/>
+              </a:lnSpc>
+              <a:spcBef>
+                <a:spcPts val="1125"/>
+              </a:spcBef>
+              <a:buClr>
+                <a:srgbClr val="C00000"/>
+              </a:buClr>
+              <a:buSzPts val="2100"/>
+            </a:pPr>
+            <a:r>
+              <a:rPr lang="en-US" sz="3600" dirty="0">
+                <a:solidFill>
+                  <a:srgbClr val="C00000"/>
+                </a:solidFill>
+                <a:latin typeface="Pragmatica" panose="020B0403040502020204"/>
+                <a:sym typeface="Consolas"/>
+              </a:rPr>
+              <a:t>How does this relate to other tools in the Excel AI stack?</a:t>
+            </a:r>
+            <a:endParaRPr lang="en-US" sz="3600" dirty="0">
+              <a:solidFill>
+                <a:srgbClr val="C00000"/>
+              </a:solidFill>
+              <a:latin typeface="Consolas" panose="020B0609020204030204" pitchFamily="49" charset="0"/>
+              <a:sym typeface="Consolas"/>
+            </a:endParaRPr>
+          </a:p>
+        </p:txBody>
+      </p:sp>
+    </p:spTree>
+    <p:extLst>
+      <p:ext uri="{BB962C8B-B14F-4D97-AF65-F5344CB8AC3E}">
+        <p14:creationId xmlns:p14="http://schemas.microsoft.com/office/powerpoint/2010/main" val="3871531779"/>
+      </p:ext>
+    </p:extLst>
+  </p:cSld>
+  <p:clrMapOvr>
+    <a:masterClrMapping/>
+  </p:clrMapOvr>
+</p:sld>
+</file>
+
+<file path=ppt/slides/slide11.xml><?xml version="1.0" encoding="utf-8"?>
+<p:sld xmlns:a="http://schemas.openxmlformats.org/drawingml/2006/main" xmlns:r="http://schemas.openxmlformats.org/officeDocument/2006/relationships" xmlns:p="http://schemas.openxmlformats.org/presentationml/2006/main">
+  <p:cSld>
+    <p:spTree>
+      <p:nvGrpSpPr>
         <p:cNvPr id="1" name="">
           <a:extLst>
             <a:ext uri="{FF2B5EF4-FFF2-40B4-BE49-F238E27FC236}">
@@ -10775,7 +11313,7 @@
 </p:sld>
 </file>
 
-<file path=ppt/slides/slide11.xml><?xml version="1.0" encoding="utf-8"?>
+<file path=ppt/slides/slide12.xml><?xml version="1.0" encoding="utf-8"?>
 <p:sld xmlns:a="http://schemas.openxmlformats.org/drawingml/2006/main" xmlns:r="http://schemas.openxmlformats.org/officeDocument/2006/relationships" xmlns:p="http://schemas.openxmlformats.org/presentationml/2006/main">
   <p:cSld>
     <p:spTree>
@@ -11058,7 +11596,7 @@
 </p:sld>
 </file>
 
-<file path=ppt/slides/slide12.xml><?xml version="1.0" encoding="utf-8"?>
+<file path=ppt/slides/slide13.xml><?xml version="1.0" encoding="utf-8"?>
 <p:sld xmlns:a="http://schemas.openxmlformats.org/drawingml/2006/main" xmlns:r="http://schemas.openxmlformats.org/officeDocument/2006/relationships" xmlns:p="http://schemas.openxmlformats.org/presentationml/2006/main">
   <p:cSld>
     <p:spTree>
@@ -11240,7 +11778,7 @@
 </p:sld>
 </file>
 
-<file path=ppt/slides/slide13.xml><?xml version="1.0" encoding="utf-8"?>
+<file path=ppt/slides/slide14.xml><?xml version="1.0" encoding="utf-8"?>
 <p:sld xmlns:a="http://schemas.openxmlformats.org/drawingml/2006/main" xmlns:r="http://schemas.openxmlformats.org/officeDocument/2006/relationships" xmlns:p="http://schemas.openxmlformats.org/presentationml/2006/main">
   <p:cSld>
     <p:spTree>
@@ -11436,7 +11974,7 @@
 </p:sld>
 </file>
 
-<file path=ppt/slides/slide14.xml><?xml version="1.0" encoding="utf-8"?>
+<file path=ppt/slides/slide15.xml><?xml version="1.0" encoding="utf-8"?>
 <p:sld xmlns:a="http://schemas.openxmlformats.org/drawingml/2006/main" xmlns:r="http://schemas.openxmlformats.org/officeDocument/2006/relationships" xmlns:p="http://schemas.openxmlformats.org/presentationml/2006/main">
   <p:cSld>
     <p:spTree>
@@ -11632,7 +12170,7 @@
 </p:sld>
 </file>
 
-<file path=ppt/slides/slide15.xml><?xml version="1.0" encoding="utf-8"?>
+<file path=ppt/slides/slide16.xml><?xml version="1.0" encoding="utf-8"?>
 <p:sld xmlns:a="http://schemas.openxmlformats.org/drawingml/2006/main" xmlns:r="http://schemas.openxmlformats.org/officeDocument/2006/relationships" xmlns:p="http://schemas.openxmlformats.org/presentationml/2006/main">
   <p:cSld>
     <p:spTree>
@@ -11860,7 +12398,7 @@
 </p:sld>
 </file>
 
-<file path=ppt/slides/slide16.xml><?xml version="1.0" encoding="utf-8"?>
+<file path=ppt/slides/slide17.xml><?xml version="1.0" encoding="utf-8"?>
 <p:sld xmlns:a="http://schemas.openxmlformats.org/drawingml/2006/main" xmlns:r="http://schemas.openxmlformats.org/officeDocument/2006/relationships" xmlns:p="http://schemas.openxmlformats.org/presentationml/2006/main">
   <p:cSld>
     <p:spTree>
@@ -12018,7 +12556,7 @@
 </p:sld>
 </file>
 
-<file path=ppt/slides/slide17.xml><?xml version="1.0" encoding="utf-8"?>
+<file path=ppt/slides/slide18.xml><?xml version="1.0" encoding="utf-8"?>
 <p:sld xmlns:a="http://schemas.openxmlformats.org/drawingml/2006/main" xmlns:r="http://schemas.openxmlformats.org/officeDocument/2006/relationships" xmlns:p="http://schemas.openxmlformats.org/presentationml/2006/main">
   <p:cSld>
     <p:spTree>
@@ -13096,6 +13634,216 @@
         <p:cNvPr id="1" name="">
           <a:extLst>
             <a:ext uri="{FF2B5EF4-FFF2-40B4-BE49-F238E27FC236}">
+              <a16:creationId xmlns:a16="http://schemas.microsoft.com/office/drawing/2014/main" id="{915B8467-3264-164E-245A-CA973080BF71}"/>
+            </a:ext>
+          </a:extLst>
+        </p:cNvPr>
+        <p:cNvGrpSpPr/>
+        <p:nvPr/>
+      </p:nvGrpSpPr>
+      <p:grpSpPr>
+        <a:xfrm>
+          <a:off x="0" y="0"/>
+          <a:ext cx="0" cy="0"/>
+          <a:chOff x="0" y="0"/>
+          <a:chExt cx="0" cy="0"/>
+        </a:xfrm>
+      </p:grpSpPr>
+      <p:sp>
+        <p:nvSpPr>
+          <p:cNvPr id="11" name="TextBox 10">
+            <a:extLst>
+              <a:ext uri="{FF2B5EF4-FFF2-40B4-BE49-F238E27FC236}">
+                <a16:creationId xmlns:a16="http://schemas.microsoft.com/office/drawing/2014/main" id="{663C3EA9-9B9C-11DC-B9AA-2A75B2C1D4E1}"/>
+              </a:ext>
+            </a:extLst>
+          </p:cNvPr>
+          <p:cNvSpPr txBox="1"/>
+          <p:nvPr/>
+        </p:nvSpPr>
+        <p:spPr>
+          <a:xfrm>
+            <a:off x="520861" y="170082"/>
+            <a:ext cx="11979797" cy="2862322"/>
+          </a:xfrm>
+          <a:prstGeom prst="rect">
+            <a:avLst/>
+          </a:prstGeom>
+          <a:noFill/>
+        </p:spPr>
+        <p:txBody>
+          <a:bodyPr wrap="square" rtlCol="0">
+            <a:spAutoFit/>
+          </a:bodyPr>
+          <a:lstStyle/>
+          <a:p>
+            <a:r>
+              <a:rPr lang="en-US" sz="9000" dirty="0">
+                <a:latin typeface="Aliens &amp; cows" panose="00000500000000000000" pitchFamily="2" charset="0"/>
+              </a:rPr>
+              <a:t>What Microsoft means by “agent”</a:t>
+            </a:r>
+          </a:p>
+        </p:txBody>
+      </p:sp>
+      <p:sp>
+        <p:nvSpPr>
+          <p:cNvPr id="3" name="TextBox 2">
+            <a:extLst>
+              <a:ext uri="{FF2B5EF4-FFF2-40B4-BE49-F238E27FC236}">
+                <a16:creationId xmlns:a16="http://schemas.microsoft.com/office/drawing/2014/main" id="{6B4AC10A-C819-B1A8-EDB5-937D9D353771}"/>
+              </a:ext>
+            </a:extLst>
+          </p:cNvPr>
+          <p:cNvSpPr txBox="1"/>
+          <p:nvPr/>
+        </p:nvSpPr>
+        <p:spPr>
+          <a:xfrm>
+            <a:off x="520861" y="3191948"/>
+            <a:ext cx="14393120" cy="4616648"/>
+          </a:xfrm>
+          <a:prstGeom prst="rect">
+            <a:avLst/>
+          </a:prstGeom>
+          <a:noFill/>
+        </p:spPr>
+        <p:txBody>
+          <a:bodyPr wrap="square" rtlCol="0">
+            <a:spAutoFit/>
+          </a:bodyPr>
+          <a:lstStyle/>
+          <a:p>
+            <a:pPr marL="685800" indent="-685800">
+              <a:buClr>
+                <a:srgbClr val="CF3338"/>
+              </a:buClr>
+              <a:buFont typeface="Arial" panose="020B0604020202020204" pitchFamily="34" charset="0"/>
+              <a:buChar char="•"/>
+            </a:pPr>
+            <a:r>
+              <a:rPr lang="en-US" sz="4200" dirty="0">
+                <a:solidFill>
+                  <a:srgbClr val="707070"/>
+                </a:solidFill>
+                <a:latin typeface="Pragmatica" panose="020B0403040502020204" pitchFamily="34" charset="0"/>
+              </a:rPr>
+              <a:t>An agent is an AI system that can understand goals, reason about steps, and take actions to complete a task.</a:t>
+            </a:r>
+          </a:p>
+          <a:p>
+            <a:pPr marL="685800" indent="-685800">
+              <a:buClr>
+                <a:srgbClr val="CF3338"/>
+              </a:buClr>
+              <a:buFont typeface="Arial" panose="020B0604020202020204" pitchFamily="34" charset="0"/>
+              <a:buChar char="•"/>
+            </a:pPr>
+            <a:r>
+              <a:rPr lang="en-US" sz="4200" dirty="0">
+                <a:solidFill>
+                  <a:srgbClr val="707070"/>
+                </a:solidFill>
+                <a:latin typeface="Pragmatica" panose="020B0403040502020204" pitchFamily="34" charset="0"/>
+              </a:rPr>
+              <a:t>Goes beyond Q&amp;A → performs multi-step workflows driven by user intent.</a:t>
+            </a:r>
+          </a:p>
+          <a:p>
+            <a:pPr marL="685800" indent="-685800">
+              <a:buClr>
+                <a:srgbClr val="CF3338"/>
+              </a:buClr>
+              <a:buFont typeface="Arial" panose="020B0604020202020204" pitchFamily="34" charset="0"/>
+              <a:buChar char="•"/>
+            </a:pPr>
+            <a:r>
+              <a:rPr lang="en-US" sz="4200" dirty="0">
+                <a:solidFill>
+                  <a:srgbClr val="707070"/>
+                </a:solidFill>
+                <a:latin typeface="Pragmatica" panose="020B0403040502020204" pitchFamily="34" charset="0"/>
+              </a:rPr>
+              <a:t>Uses memory, tools, and environment signals to stay on track.</a:t>
+            </a:r>
+          </a:p>
+          <a:p>
+            <a:pPr marL="685800" indent="-685800">
+              <a:buClr>
+                <a:srgbClr val="CF3338"/>
+              </a:buClr>
+              <a:buFont typeface="Arial" panose="020B0604020202020204" pitchFamily="34" charset="0"/>
+              <a:buChar char="•"/>
+            </a:pPr>
+            <a:r>
+              <a:rPr lang="en-US" sz="4200" dirty="0">
+                <a:solidFill>
+                  <a:srgbClr val="707070"/>
+                </a:solidFill>
+                <a:latin typeface="Pragmatica" panose="020B0403040502020204" pitchFamily="34" charset="0"/>
+              </a:rPr>
+              <a:t>Designed to be autonomous but bounded (rules, safety, context).</a:t>
+            </a:r>
+          </a:p>
+        </p:txBody>
+      </p:sp>
+      <p:pic>
+        <p:nvPicPr>
+          <p:cNvPr id="15" name="Picture 14" descr="A close up of a sign&#10;&#10;Description automatically generated">
+            <a:extLst>
+              <a:ext uri="{FF2B5EF4-FFF2-40B4-BE49-F238E27FC236}">
+                <a16:creationId xmlns:a16="http://schemas.microsoft.com/office/drawing/2014/main" id="{B63E6436-73B5-9AF2-AAA0-310632B9B9C8}"/>
+              </a:ext>
+            </a:extLst>
+          </p:cNvPr>
+          <p:cNvPicPr>
+            <a:picLocks noChangeAspect="1"/>
+          </p:cNvPicPr>
+          <p:nvPr/>
+        </p:nvPicPr>
+        <p:blipFill>
+          <a:blip r:embed="rId3">
+            <a:extLst>
+              <a:ext uri="{28A0092B-C50C-407E-A947-70E740481C1C}">
+                <a14:useLocalDpi xmlns:a14="http://schemas.microsoft.com/office/drawing/2010/main" val="0"/>
+              </a:ext>
+            </a:extLst>
+          </a:blip>
+          <a:stretch>
+            <a:fillRect/>
+          </a:stretch>
+        </p:blipFill>
+        <p:spPr>
+          <a:xfrm>
+            <a:off x="16341036" y="8058429"/>
+            <a:ext cx="1942857" cy="2228571"/>
+          </a:xfrm>
+          <a:prstGeom prst="rect">
+            <a:avLst/>
+          </a:prstGeom>
+        </p:spPr>
+      </p:pic>
+    </p:spTree>
+    <p:extLst>
+      <p:ext uri="{BB962C8B-B14F-4D97-AF65-F5344CB8AC3E}">
+        <p14:creationId xmlns:p14="http://schemas.microsoft.com/office/powerpoint/2010/main" val="573408289"/>
+      </p:ext>
+    </p:extLst>
+  </p:cSld>
+  <p:clrMapOvr>
+    <a:masterClrMapping/>
+  </p:clrMapOvr>
+</p:sld>
+</file>
+
+<file path=ppt/slides/slide7.xml><?xml version="1.0" encoding="utf-8"?>
+<p:sld xmlns:a="http://schemas.openxmlformats.org/drawingml/2006/main" xmlns:r="http://schemas.openxmlformats.org/officeDocument/2006/relationships" xmlns:p="http://schemas.openxmlformats.org/presentationml/2006/main">
+  <p:cSld>
+    <p:spTree>
+      <p:nvGrpSpPr>
+        <p:cNvPr id="1" name="">
+          <a:extLst>
+            <a:ext uri="{FF2B5EF4-FFF2-40B4-BE49-F238E27FC236}">
               <a16:creationId xmlns:a16="http://schemas.microsoft.com/office/drawing/2014/main" id="{2DF5349B-DB31-7CF0-253B-40E005108FA5}"/>
             </a:ext>
           </a:extLst>
@@ -13345,7 +14093,7 @@
 </p:sld>
 </file>
 
-<file path=ppt/slides/slide7.xml><?xml version="1.0" encoding="utf-8"?>
+<file path=ppt/slides/slide8.xml><?xml version="1.0" encoding="utf-8"?>
 <p:sld xmlns:a="http://schemas.openxmlformats.org/drawingml/2006/main" xmlns:r="http://schemas.openxmlformats.org/officeDocument/2006/relationships" xmlns:p="http://schemas.openxmlformats.org/presentationml/2006/main">
   <p:cSld>
     <p:spTree>
@@ -13548,7 +14296,7 @@
 </p:sld>
 </file>
 
-<file path=ppt/slides/slide8.xml><?xml version="1.0" encoding="utf-8"?>
+<file path=ppt/slides/slide9.xml><?xml version="1.0" encoding="utf-8"?>
 <p:sld xmlns:a="http://schemas.openxmlformats.org/drawingml/2006/main" xmlns:r="http://schemas.openxmlformats.org/officeDocument/2006/relationships" xmlns:p="http://schemas.openxmlformats.org/presentationml/2006/main">
   <p:cSld>
     <p:spTree>
@@ -15074,309 +15822,6 @@
 </p:sld>
 </file>
 
-<file path=ppt/slides/slide9.xml><?xml version="1.0" encoding="utf-8"?>
-<p:sld xmlns:a="http://schemas.openxmlformats.org/drawingml/2006/main" xmlns:r="http://schemas.openxmlformats.org/officeDocument/2006/relationships" xmlns:p="http://schemas.openxmlformats.org/presentationml/2006/main">
-  <p:cSld>
-    <p:spTree>
-      <p:nvGrpSpPr>
-        <p:cNvPr id="1" name=""/>
-        <p:cNvGrpSpPr/>
-        <p:nvPr/>
-      </p:nvGrpSpPr>
-      <p:grpSpPr>
-        <a:xfrm>
-          <a:off x="0" y="0"/>
-          <a:ext cx="0" cy="0"/>
-          <a:chOff x="0" y="0"/>
-          <a:chExt cx="0" cy="0"/>
-        </a:xfrm>
-      </p:grpSpPr>
-      <p:sp>
-        <p:nvSpPr>
-          <p:cNvPr id="4" name="Rectangle 3"/>
-          <p:cNvSpPr/>
-          <p:nvPr/>
-        </p:nvSpPr>
-        <p:spPr>
-          <a:xfrm>
-            <a:off x="9861630" y="0"/>
-            <a:ext cx="8426370" cy="10287000"/>
-          </a:xfrm>
-          <a:prstGeom prst="rect">
-            <a:avLst/>
-          </a:prstGeom>
-          <a:solidFill>
-            <a:srgbClr val="CF3338"/>
-          </a:solidFill>
-          <a:ln>
-            <a:noFill/>
-          </a:ln>
-        </p:spPr>
-        <p:style>
-          <a:lnRef idx="2">
-            <a:schemeClr val="accent1">
-              <a:shade val="50000"/>
-            </a:schemeClr>
-          </a:lnRef>
-          <a:fillRef idx="1">
-            <a:schemeClr val="accent1"/>
-          </a:fillRef>
-          <a:effectRef idx="0">
-            <a:schemeClr val="accent1"/>
-          </a:effectRef>
-          <a:fontRef idx="minor">
-            <a:schemeClr val="lt1"/>
-          </a:fontRef>
-        </p:style>
-        <p:txBody>
-          <a:bodyPr rtlCol="0" anchor="ctr"/>
-          <a:lstStyle/>
-          <a:p>
-            <a:pPr algn="ctr"/>
-            <a:endParaRPr lang="en-US" sz="2700"/>
-          </a:p>
-        </p:txBody>
-      </p:sp>
-      <p:pic>
-        <p:nvPicPr>
-          <p:cNvPr id="2" name="Picture 1"/>
-          <p:cNvPicPr>
-            <a:picLocks noChangeAspect="1"/>
-          </p:cNvPicPr>
-          <p:nvPr/>
-        </p:nvPicPr>
-        <p:blipFill rotWithShape="1">
-          <a:blip r:embed="rId3">
-            <a:extLst>
-              <a:ext uri="{28A0092B-C50C-407E-A947-70E740481C1C}">
-                <a14:useLocalDpi xmlns:a14="http://schemas.microsoft.com/office/drawing/2010/main" val="0"/>
-              </a:ext>
-            </a:extLst>
-          </a:blip>
-          <a:srcRect l="69227" t="33418" r="20112" b="50548"/>
-          <a:stretch/>
-        </p:blipFill>
-        <p:spPr>
-          <a:xfrm>
-            <a:off x="15579524" y="7544693"/>
-            <a:ext cx="2708477" cy="2987579"/>
-          </a:xfrm>
-          <a:prstGeom prst="rect">
-            <a:avLst/>
-          </a:prstGeom>
-        </p:spPr>
-      </p:pic>
-      <p:sp>
-        <p:nvSpPr>
-          <p:cNvPr id="3" name="TextBox 2"/>
-          <p:cNvSpPr txBox="1"/>
-          <p:nvPr/>
-        </p:nvSpPr>
-        <p:spPr>
-          <a:xfrm>
-            <a:off x="260431" y="329879"/>
-            <a:ext cx="8906720" cy="8490401"/>
-          </a:xfrm>
-          <a:prstGeom prst="rect">
-            <a:avLst/>
-          </a:prstGeom>
-          <a:noFill/>
-        </p:spPr>
-        <p:txBody>
-          <a:bodyPr wrap="square" rtlCol="0">
-            <a:spAutoFit/>
-          </a:bodyPr>
-          <a:lstStyle/>
-          <a:p>
-            <a:r>
-              <a:rPr lang="en-US" sz="6000" b="1" dirty="0">
-                <a:solidFill>
-                  <a:srgbClr val="CF3338"/>
-                </a:solidFill>
-                <a:latin typeface="Pragmatica" panose="020B0403040502020204" pitchFamily="34" charset="0"/>
-              </a:rPr>
-              <a:t>Demo: Agent Mode in action</a:t>
-            </a:r>
-          </a:p>
-          <a:p>
-            <a:endParaRPr lang="en-US" sz="4200" dirty="0">
-              <a:solidFill>
-                <a:srgbClr val="CF3338"/>
-              </a:solidFill>
-              <a:latin typeface="Pragmatica" panose="020B0403040502020204" pitchFamily="34" charset="0"/>
-            </a:endParaRPr>
-          </a:p>
-          <a:p>
-            <a:pPr marL="685800" indent="-542925">
-              <a:lnSpc>
-                <a:spcPct val="115000"/>
-              </a:lnSpc>
-              <a:spcBef>
-                <a:spcPts val="1125"/>
-              </a:spcBef>
-              <a:buClr>
-                <a:srgbClr val="C00000"/>
-              </a:buClr>
-              <a:buSzPts val="2100"/>
-              <a:buFont typeface="Arial"/>
-              <a:buAutoNum type="arabicPeriod"/>
-            </a:pPr>
-            <a:r>
-              <a:rPr lang="en-US" sz="3600" dirty="0">
-                <a:solidFill>
-                  <a:srgbClr val="C00000"/>
-                </a:solidFill>
-                <a:latin typeface="Pragmatica" panose="020B0403040502020204"/>
-                <a:sym typeface="Consolas"/>
-              </a:rPr>
-              <a:t>Loan calculator</a:t>
-            </a:r>
-          </a:p>
-          <a:p>
-            <a:pPr marL="685800" indent="-542925">
-              <a:lnSpc>
-                <a:spcPct val="115000"/>
-              </a:lnSpc>
-              <a:spcBef>
-                <a:spcPts val="1125"/>
-              </a:spcBef>
-              <a:buClr>
-                <a:srgbClr val="C00000"/>
-              </a:buClr>
-              <a:buSzPts val="2100"/>
-              <a:buFont typeface="Arial"/>
-              <a:buAutoNum type="arabicPeriod"/>
-            </a:pPr>
-            <a:r>
-              <a:rPr lang="en-US" sz="3600" dirty="0">
-                <a:solidFill>
-                  <a:srgbClr val="C00000"/>
-                </a:solidFill>
-                <a:latin typeface="Pragmatica" panose="020B0403040502020204"/>
-                <a:sym typeface="Consolas"/>
-              </a:rPr>
-              <a:t>Variance analysis</a:t>
-            </a:r>
-          </a:p>
-          <a:p>
-            <a:pPr marL="685800" indent="-542925">
-              <a:lnSpc>
-                <a:spcPct val="115000"/>
-              </a:lnSpc>
-              <a:spcBef>
-                <a:spcPts val="1125"/>
-              </a:spcBef>
-              <a:buClr>
-                <a:srgbClr val="C00000"/>
-              </a:buClr>
-              <a:buSzPts val="2100"/>
-              <a:buFont typeface="Arial"/>
-              <a:buAutoNum type="arabicPeriod"/>
-            </a:pPr>
-            <a:r>
-              <a:rPr lang="en-US" sz="3600" dirty="0">
-                <a:solidFill>
-                  <a:srgbClr val="C00000"/>
-                </a:solidFill>
-                <a:latin typeface="Pragmatica" panose="020B0403040502020204"/>
-                <a:sym typeface="Consolas"/>
-              </a:rPr>
-              <a:t>Monthly close pack</a:t>
-            </a:r>
-          </a:p>
-          <a:p>
-            <a:pPr marL="685800" indent="-542925">
-              <a:lnSpc>
-                <a:spcPct val="115000"/>
-              </a:lnSpc>
-              <a:spcBef>
-                <a:spcPts val="1125"/>
-              </a:spcBef>
-              <a:buClr>
-                <a:srgbClr val="C00000"/>
-              </a:buClr>
-              <a:buSzPts val="2100"/>
-              <a:buFont typeface="Arial"/>
-              <a:buAutoNum type="arabicPeriod"/>
-            </a:pPr>
-            <a:endParaRPr lang="en-US" sz="3600" dirty="0">
-              <a:solidFill>
-                <a:srgbClr val="C00000"/>
-              </a:solidFill>
-              <a:latin typeface="Pragmatica" panose="020B0403040502020204"/>
-              <a:sym typeface="Consolas"/>
-            </a:endParaRPr>
-          </a:p>
-          <a:p>
-            <a:pPr marL="142875">
-              <a:lnSpc>
-                <a:spcPct val="115000"/>
-              </a:lnSpc>
-              <a:spcBef>
-                <a:spcPts val="1125"/>
-              </a:spcBef>
-              <a:buClr>
-                <a:srgbClr val="C00000"/>
-              </a:buClr>
-              <a:buSzPts val="2100"/>
-            </a:pPr>
-            <a:r>
-              <a:rPr lang="en-US" sz="3600" dirty="0">
-                <a:solidFill>
-                  <a:srgbClr val="C00000"/>
-                </a:solidFill>
-                <a:latin typeface="Pragmatica" panose="020B0403040502020204"/>
-                <a:sym typeface="Consolas"/>
-              </a:rPr>
-              <a:t>What does Agent Mode do well, poorly, or not at all? </a:t>
-            </a:r>
-          </a:p>
-          <a:p>
-            <a:pPr marL="142875">
-              <a:lnSpc>
-                <a:spcPct val="115000"/>
-              </a:lnSpc>
-              <a:spcBef>
-                <a:spcPts val="1125"/>
-              </a:spcBef>
-              <a:buClr>
-                <a:srgbClr val="C00000"/>
-              </a:buClr>
-              <a:buSzPts val="2100"/>
-            </a:pPr>
-            <a:r>
-              <a:rPr lang="en-US" sz="3600" dirty="0">
-                <a:solidFill>
-                  <a:srgbClr val="C00000"/>
-                </a:solidFill>
-                <a:latin typeface="Pragmatica" panose="020B0403040502020204"/>
-                <a:sym typeface="Consolas"/>
-              </a:rPr>
-              <a:t>How does this relate to other tools in the Excel AI stack?</a:t>
-            </a:r>
-            <a:endParaRPr lang="en-US" sz="3600" dirty="0">
-              <a:solidFill>
-                <a:srgbClr val="C00000"/>
-              </a:solidFill>
-              <a:latin typeface="Consolas" panose="020B0609020204030204" pitchFamily="49" charset="0"/>
-              <a:sym typeface="Consolas"/>
-            </a:endParaRPr>
-          </a:p>
-        </p:txBody>
-      </p:sp>
-    </p:spTree>
-    <p:extLst>
-      <p:ext uri="{BB962C8B-B14F-4D97-AF65-F5344CB8AC3E}">
-        <p14:creationId xmlns:p14="http://schemas.microsoft.com/office/powerpoint/2010/main" val="3871531779"/>
-      </p:ext>
-    </p:extLst>
-  </p:cSld>
-  <p:clrMapOvr>
-    <a:masterClrMapping/>
-  </p:clrMapOvr>
-</p:sld>
-</file>
-
 <file path=ppt/theme/theme1.xml><?xml version="1.0" encoding="utf-8"?>
 <a:theme xmlns:a="http://schemas.openxmlformats.org/drawingml/2006/main" name="Office Theme">
   <a:themeElements>

--- a/first-excel-agent.pptx
+++ b/first-excel-agent.pptx
@@ -1973,7 +1973,7 @@
   <dgm:whole/>
   <dgm:extLst>
     <a:ext uri="http://schemas.microsoft.com/office/drawing/2008/diagram">
-      <dsp:dataModelExt xmlns:dsp="http://schemas.microsoft.com/office/drawing/2008/diagram" relId="rId7" minVer="http://schemas.openxmlformats.org/drawingml/2006/diagram"/>
+      <dsp:dataModelExt xmlns:dsp="http://schemas.microsoft.com/office/drawing/2008/diagram" relId="rId8" minVer="http://schemas.openxmlformats.org/drawingml/2006/diagram"/>
     </a:ext>
   </dgm:extLst>
 </dgm:dataModel>
@@ -2280,7 +2280,7 @@
   <dgm:whole/>
   <dgm:extLst>
     <a:ext uri="http://schemas.microsoft.com/office/drawing/2008/diagram">
-      <dsp:dataModelExt xmlns:dsp="http://schemas.microsoft.com/office/drawing/2008/diagram" relId="rId7" minVer="http://schemas.openxmlformats.org/drawingml/2006/diagram"/>
+      <dsp:dataModelExt xmlns:dsp="http://schemas.microsoft.com/office/drawing/2008/diagram" relId="rId8" minVer="http://schemas.openxmlformats.org/drawingml/2006/diagram"/>
     </a:ext>
   </dgm:extLst>
 </dgm:dataModel>
@@ -6481,7 +6481,7 @@
           <a:p>
             <a:r>
               <a:rPr lang="en-US" dirty="0"/>
-              <a:t>In Microsoft’s ecosystem, “agent” ≠ chatbot. It’s an AI entity that can break down a user goal into steps, choose actions, pull from data, and execute. It’s not fully autonomous like science fiction — instead it’s “structured autonomy”: goal-driven, step-oriented, and operating inside a controlled environment (Excel, Teams, Power Platform, etc.).</a:t>
+              <a:t>When we look back at Excel’s history, you can see these clear jumps in capability. Each one changed what analysts could do without leaving the tool. Formulas gave people real calculation power. PivotTables took that further with fast summarization and reporting. Power Query opened the door to repeatable data cleaning and transformation. And then Copilot arrived and added natural language on top of all of that. Each step expanded what “Excel work” could mean.</a:t>
             </a:r>
           </a:p>
         </p:txBody>
@@ -6503,6 +6503,619 @@
           <a:p>
             <a:fld id="{FFB500C5-13F7-48FC-8160-C29AECF6C602}" type="slidenum">
               <a:rPr lang="en-US" smtClean="0"/>
+              <a:t>4</a:t>
+            </a:fld>
+            <a:endParaRPr lang="en-US"/>
+          </a:p>
+        </p:txBody>
+      </p:sp>
+    </p:spTree>
+    <p:extLst>
+      <p:ext uri="{BB962C8B-B14F-4D97-AF65-F5344CB8AC3E}">
+        <p14:creationId xmlns:p14="http://schemas.microsoft.com/office/powerpoint/2010/main" val="1307367271"/>
+      </p:ext>
+    </p:extLst>
+  </p:cSld>
+  <p:clrMapOvr>
+    <a:masterClrMapping/>
+  </p:clrMapOvr>
+</p:notes>
+</file>
+
+<file path=ppt/notesSlides/notesSlide10.xml><?xml version="1.0" encoding="utf-8"?>
+<p:notes xmlns:a="http://schemas.openxmlformats.org/drawingml/2006/main" xmlns:r="http://schemas.openxmlformats.org/officeDocument/2006/relationships" xmlns:p="http://schemas.openxmlformats.org/presentationml/2006/main">
+  <p:cSld>
+    <p:spTree>
+      <p:nvGrpSpPr>
+        <p:cNvPr id="1" name=""/>
+        <p:cNvGrpSpPr/>
+        <p:nvPr/>
+      </p:nvGrpSpPr>
+      <p:grpSpPr>
+        <a:xfrm>
+          <a:off x="0" y="0"/>
+          <a:ext cx="0" cy="0"/>
+          <a:chOff x="0" y="0"/>
+          <a:chExt cx="0" cy="0"/>
+        </a:xfrm>
+      </p:grpSpPr>
+      <p:sp>
+        <p:nvSpPr>
+          <p:cNvPr id="2" name="Slide Image Placeholder 1"/>
+          <p:cNvSpPr>
+            <a:spLocks noGrp="1" noRot="1" noChangeAspect="1"/>
+          </p:cNvSpPr>
+          <p:nvPr>
+            <p:ph type="sldImg"/>
+          </p:nvPr>
+        </p:nvSpPr>
+        <p:spPr/>
+      </p:sp>
+      <p:sp>
+        <p:nvSpPr>
+          <p:cNvPr id="3" name="Notes Placeholder 2"/>
+          <p:cNvSpPr>
+            <a:spLocks noGrp="1"/>
+          </p:cNvSpPr>
+          <p:nvPr>
+            <p:ph type="body" idx="1"/>
+          </p:nvPr>
+        </p:nvSpPr>
+        <p:spPr/>
+        <p:txBody>
+          <a:bodyPr/>
+          <a:lstStyle/>
+          <a:p>
+            <a:r>
+              <a:rPr lang="en-US" dirty="0"/>
+              <a:t>This diagram shows what an automated AI workflow looks like — a sequence of predefined steps that move from a trigger to a final output. You can think of it as a chain reaction: something starts the process, different actions happen automatically, and along the way, AI steps in to add intelligence or decision-making.</a:t>
+            </a:r>
+          </a:p>
+          <a:p>
+            <a:r>
+              <a:rPr lang="en-US" dirty="0"/>
+              <a:t>It all begins with a </a:t>
+            </a:r>
+            <a:r>
+              <a:rPr lang="en-US" b="1" dirty="0"/>
+              <a:t>trigger</a:t>
+            </a:r>
+            <a:r>
+              <a:rPr lang="en-US" dirty="0"/>
+              <a:t> — something that tells the workflow to start. In Excel or Power Automate, that could be a new row added to a table, a file uploaded to OneDrive, or even a scheduled time like “every Monday morning.” The trigger is what kicks everything off without you having to manually do anything.</a:t>
+            </a:r>
+          </a:p>
+          <a:p>
+            <a:r>
+              <a:rPr lang="en-US" dirty="0"/>
+              <a:t>Then we have </a:t>
+            </a:r>
+            <a:r>
+              <a:rPr lang="en-US" b="1" dirty="0"/>
+              <a:t>Step 1</a:t>
+            </a:r>
+            <a:r>
+              <a:rPr lang="en-US" dirty="0"/>
+              <a:t>, which is often a preparation step. Maybe it’s collecting the data, formatting it, or sending it into Excel. This could be where Power Automate connects to a SharePoint list, a form submission, or a Teams message and feeds that data into your workbook.</a:t>
+            </a:r>
+          </a:p>
+          <a:p>
+            <a:r>
+              <a:rPr lang="en-US" dirty="0"/>
+              <a:t>Next comes the </a:t>
+            </a:r>
+            <a:r>
+              <a:rPr lang="en-US" b="1" dirty="0"/>
+              <a:t>AI Step</a:t>
+            </a:r>
+            <a:r>
+              <a:rPr lang="en-US" dirty="0"/>
+              <a:t> — this is where Copilot or another AI model gets involved. This could be an AI Builder action inside Power Automate that summarizes text, classifies feedback, or extracts key details from a document. Or it might be Copilot inside Excel generating a formula, building a chart, or explaining data patterns automatically. The AI step takes what used to be manual analysis and turns it into an automated, intelligent action.</a:t>
+            </a:r>
+          </a:p>
+          <a:p>
+            <a:r>
+              <a:rPr lang="en-US" dirty="0"/>
+              <a:t>After that, there can be more steps — maybe sending results back to Excel, notifying someone in Teams, or updating a dashboard. Each step builds on the last, flowing seamlessly without human intervention.</a:t>
+            </a:r>
+          </a:p>
+          <a:p>
+            <a:r>
+              <a:rPr lang="en-US" dirty="0"/>
+              <a:t>Finally, we reach the </a:t>
+            </a:r>
+            <a:r>
+              <a:rPr lang="en-US" b="1" dirty="0"/>
+              <a:t>output</a:t>
+            </a:r>
+            <a:r>
+              <a:rPr lang="en-US" dirty="0"/>
+              <a:t>, which is the end goal of the automation. That might be a refreshed Excel report, an email summary, or a new dataset ready for review. The beauty of it is that the whole process runs automatically once it’s designed — no constant copying, pasting, or checking formulas.</a:t>
+            </a:r>
+          </a:p>
+          <a:p>
+            <a:r>
+              <a:rPr lang="en-US" dirty="0"/>
+              <a:t>So, in short, this kind of workflow connects automation tools like Power Automate with AI capabilities from Copilot or AI Builder to take everyday Excel tasks — things like reporting, data cleaning, or summarizing — and turn them into intelligent, repeatable processes.</a:t>
+            </a:r>
+          </a:p>
+          <a:p>
+            <a:endParaRPr lang="en-US" dirty="0"/>
+          </a:p>
+        </p:txBody>
+      </p:sp>
+      <p:sp>
+        <p:nvSpPr>
+          <p:cNvPr id="4" name="Slide Number Placeholder 3"/>
+          <p:cNvSpPr>
+            <a:spLocks noGrp="1"/>
+          </p:cNvSpPr>
+          <p:nvPr>
+            <p:ph type="sldNum" sz="quarter" idx="5"/>
+          </p:nvPr>
+        </p:nvSpPr>
+        <p:spPr/>
+        <p:txBody>
+          <a:bodyPr/>
+          <a:lstStyle/>
+          <a:p>
+            <a:fld id="{FFB500C5-13F7-48FC-8160-C29AECF6C602}" type="slidenum">
+              <a:rPr lang="en-US" smtClean="0"/>
+              <a:t>14</a:t>
+            </a:fld>
+            <a:endParaRPr lang="en-US"/>
+          </a:p>
+        </p:txBody>
+      </p:sp>
+    </p:spTree>
+    <p:extLst>
+      <p:ext uri="{BB962C8B-B14F-4D97-AF65-F5344CB8AC3E}">
+        <p14:creationId xmlns:p14="http://schemas.microsoft.com/office/powerpoint/2010/main" val="4064505773"/>
+      </p:ext>
+    </p:extLst>
+  </p:cSld>
+  <p:clrMapOvr>
+    <a:masterClrMapping/>
+  </p:clrMapOvr>
+</p:notes>
+</file>
+
+<file path=ppt/notesSlides/notesSlide11.xml><?xml version="1.0" encoding="utf-8"?>
+<p:notes xmlns:a="http://schemas.openxmlformats.org/drawingml/2006/main" xmlns:r="http://schemas.openxmlformats.org/officeDocument/2006/relationships" xmlns:p="http://schemas.openxmlformats.org/presentationml/2006/main">
+  <p:cSld>
+    <p:spTree>
+      <p:nvGrpSpPr>
+        <p:cNvPr id="1" name=""/>
+        <p:cNvGrpSpPr/>
+        <p:nvPr/>
+      </p:nvGrpSpPr>
+      <p:grpSpPr>
+        <a:xfrm>
+          <a:off x="0" y="0"/>
+          <a:ext cx="0" cy="0"/>
+          <a:chOff x="0" y="0"/>
+          <a:chExt cx="0" cy="0"/>
+        </a:xfrm>
+      </p:grpSpPr>
+      <p:sp>
+        <p:nvSpPr>
+          <p:cNvPr id="2" name="Slide Image Placeholder 1"/>
+          <p:cNvSpPr>
+            <a:spLocks noGrp="1" noRot="1" noChangeAspect="1"/>
+          </p:cNvSpPr>
+          <p:nvPr>
+            <p:ph type="sldImg"/>
+          </p:nvPr>
+        </p:nvSpPr>
+        <p:spPr/>
+      </p:sp>
+      <p:sp>
+        <p:nvSpPr>
+          <p:cNvPr id="3" name="Notes Placeholder 2"/>
+          <p:cNvSpPr>
+            <a:spLocks noGrp="1"/>
+          </p:cNvSpPr>
+          <p:nvPr>
+            <p:ph type="body" idx="1"/>
+          </p:nvPr>
+        </p:nvSpPr>
+        <p:spPr/>
+        <p:txBody>
+          <a:bodyPr/>
+          <a:lstStyle/>
+          <a:p>
+            <a:r>
+              <a:rPr lang="en-US" dirty="0"/>
+              <a:t>This diagram shows the core idea behind an agentic workflow. Everything starts with a trigger. That could be a scheduled time, a user action, an event in another system, or even a message. Once the trigger fires, control passes to the AI </a:t>
+            </a:r>
+            <a:r>
+              <a:rPr lang="en-US" dirty="0" err="1"/>
+              <a:t>agent.The</a:t>
+            </a:r>
+            <a:r>
+              <a:rPr lang="en-US" dirty="0"/>
+              <a:t> agent’s job is to figure out the steps needed to reach the goal. And the important part is that the agent isn’t just following a script. It can draw on three things: the instructions you gave it, the memory it has access to, and the tools it’s allowed to use. Those might include connectors, APIs, retrieval sources, or actions in Power </a:t>
+            </a:r>
+            <a:r>
+              <a:rPr lang="en-US" dirty="0" err="1"/>
+              <a:t>Automate.From</a:t>
+            </a:r>
+            <a:r>
+              <a:rPr lang="en-US" dirty="0"/>
+              <a:t> there, the agent decides which actions to take and in what order. It keeps adjusting based on the context it sees, and it keeps working until it produces an output. That output might be a document, a dataset, a message, an update in a system, or something else </a:t>
+            </a:r>
+            <a:r>
+              <a:rPr lang="en-US" dirty="0" err="1"/>
+              <a:t>entirely.So</a:t>
+            </a:r>
+            <a:r>
+              <a:rPr lang="en-US" dirty="0"/>
+              <a:t> even though we’re building this in Copilot Studio, the workflow here is very agent-like. It’s not just a single prompt. It’s a goal-directed system that figures out the how on its own.</a:t>
+            </a:r>
+          </a:p>
+        </p:txBody>
+      </p:sp>
+      <p:sp>
+        <p:nvSpPr>
+          <p:cNvPr id="4" name="Slide Number Placeholder 3"/>
+          <p:cNvSpPr>
+            <a:spLocks noGrp="1"/>
+          </p:cNvSpPr>
+          <p:nvPr>
+            <p:ph type="sldNum" sz="quarter" idx="5"/>
+          </p:nvPr>
+        </p:nvSpPr>
+        <p:spPr/>
+        <p:txBody>
+          <a:bodyPr/>
+          <a:lstStyle/>
+          <a:p>
+            <a:fld id="{FFB500C5-13F7-48FC-8160-C29AECF6C602}" type="slidenum">
+              <a:rPr lang="en-US" smtClean="0"/>
+              <a:t>15</a:t>
+            </a:fld>
+            <a:endParaRPr lang="en-US"/>
+          </a:p>
+        </p:txBody>
+      </p:sp>
+    </p:spTree>
+    <p:extLst>
+      <p:ext uri="{BB962C8B-B14F-4D97-AF65-F5344CB8AC3E}">
+        <p14:creationId xmlns:p14="http://schemas.microsoft.com/office/powerpoint/2010/main" val="3297094883"/>
+      </p:ext>
+    </p:extLst>
+  </p:cSld>
+  <p:clrMapOvr>
+    <a:masterClrMapping/>
+  </p:clrMapOvr>
+</p:notes>
+</file>
+
+<file path=ppt/notesSlides/notesSlide12.xml><?xml version="1.0" encoding="utf-8"?>
+<p:notes xmlns:a="http://schemas.openxmlformats.org/drawingml/2006/main" xmlns:r="http://schemas.openxmlformats.org/officeDocument/2006/relationships" xmlns:p="http://schemas.openxmlformats.org/presentationml/2006/main">
+  <p:cSld>
+    <p:spTree>
+      <p:nvGrpSpPr>
+        <p:cNvPr id="1" name=""/>
+        <p:cNvGrpSpPr/>
+        <p:nvPr/>
+      </p:nvGrpSpPr>
+      <p:grpSpPr>
+        <a:xfrm>
+          <a:off x="0" y="0"/>
+          <a:ext cx="0" cy="0"/>
+          <a:chOff x="0" y="0"/>
+          <a:chExt cx="0" cy="0"/>
+        </a:xfrm>
+      </p:grpSpPr>
+      <p:sp>
+        <p:nvSpPr>
+          <p:cNvPr id="2" name="Slide Image Placeholder 1"/>
+          <p:cNvSpPr>
+            <a:spLocks noGrp="1" noRot="1" noChangeAspect="1"/>
+          </p:cNvSpPr>
+          <p:nvPr>
+            <p:ph type="sldImg"/>
+          </p:nvPr>
+        </p:nvSpPr>
+        <p:spPr/>
+      </p:sp>
+      <p:sp>
+        <p:nvSpPr>
+          <p:cNvPr id="3" name="Notes Placeholder 2"/>
+          <p:cNvSpPr>
+            <a:spLocks noGrp="1"/>
+          </p:cNvSpPr>
+          <p:nvPr>
+            <p:ph type="body" idx="1"/>
+          </p:nvPr>
+        </p:nvSpPr>
+        <p:spPr/>
+        <p:txBody>
+          <a:bodyPr/>
+          <a:lstStyle/>
+          <a:p>
+            <a:r>
+              <a:rPr lang="en-US" b="0" dirty="0"/>
+              <a:t>When I say audit your team’s data and automation skills, I mean really take stock of what you already have. Who knows Power Query? Who can write a bit of Python or create a simple flow in Power Automate? Before you chase shiny new AI tools, get a baseline of your current capabilities.</a:t>
+            </a:r>
+          </a:p>
+          <a:p>
+            <a:endParaRPr lang="en-US" b="0" dirty="0"/>
+          </a:p>
+          <a:p>
+            <a:r>
+              <a:rPr lang="en-US" b="0" dirty="0"/>
+              <a:t>Next, start small with Office Scripts and Power Automate. These are great low-risk ways to build repeatable logic and connect Excel to other systems. Once you understand how those pieces work, Agent Mode and Copilot will make a lot more sense.</a:t>
+            </a:r>
+          </a:p>
+          <a:p>
+            <a:endParaRPr lang="en-US" b="0" dirty="0"/>
+          </a:p>
+          <a:p>
+            <a:r>
+              <a:rPr lang="en-US" b="0" dirty="0"/>
+              <a:t>Then, experiment safely with Copilot and Agent Mode. Try them in sandboxed files or low-stakes tasks. Learn how they interpret prompts, where they struggle, and how they can support your workflows. The goal is to build trust with the tools before relying on them in production.</a:t>
+            </a:r>
+          </a:p>
+          <a:p>
+            <a:r>
+              <a:rPr lang="en-US" b="0" dirty="0"/>
+              <a:t>From there, build a roadmap for AI adoption and governance. This is where system thinking comes in. Decide which processes to automate, who owns the workflows, and how you will review and audit results. This ensures the technology actually scales.</a:t>
+            </a:r>
+          </a:p>
+          <a:p>
+            <a:endParaRPr lang="en-US" b="0" dirty="0"/>
+          </a:p>
+          <a:p>
+            <a:r>
+              <a:rPr lang="en-US" b="0" dirty="0"/>
+              <a:t>Finally, book a discovery call to plan your next moves. Every organization is at a different stage with these tools, and having a plan makes all the difference. I can help you map the skills, systems, and priorities that will make this stack work for you.</a:t>
+            </a:r>
+          </a:p>
+          <a:p>
+            <a:endParaRPr lang="en-US" b="0" dirty="0"/>
+          </a:p>
+        </p:txBody>
+      </p:sp>
+      <p:sp>
+        <p:nvSpPr>
+          <p:cNvPr id="4" name="Slide Number Placeholder 3"/>
+          <p:cNvSpPr>
+            <a:spLocks noGrp="1"/>
+          </p:cNvSpPr>
+          <p:nvPr>
+            <p:ph type="sldNum" sz="quarter" idx="5"/>
+          </p:nvPr>
+        </p:nvSpPr>
+        <p:spPr/>
+        <p:txBody>
+          <a:bodyPr/>
+          <a:lstStyle/>
+          <a:p>
+            <a:fld id="{FFB500C5-13F7-48FC-8160-C29AECF6C602}" type="slidenum">
+              <a:rPr lang="en-US" smtClean="0"/>
+              <a:t>16</a:t>
+            </a:fld>
+            <a:endParaRPr lang="en-US"/>
+          </a:p>
+        </p:txBody>
+      </p:sp>
+    </p:spTree>
+    <p:extLst>
+      <p:ext uri="{BB962C8B-B14F-4D97-AF65-F5344CB8AC3E}">
+        <p14:creationId xmlns:p14="http://schemas.microsoft.com/office/powerpoint/2010/main" val="2455904390"/>
+      </p:ext>
+    </p:extLst>
+  </p:cSld>
+  <p:clrMapOvr>
+    <a:masterClrMapping/>
+  </p:clrMapOvr>
+</p:notes>
+</file>
+
+<file path=ppt/notesSlides/notesSlide2.xml><?xml version="1.0" encoding="utf-8"?>
+<p:notes xmlns:a="http://schemas.openxmlformats.org/drawingml/2006/main" xmlns:r="http://schemas.openxmlformats.org/officeDocument/2006/relationships" xmlns:p="http://schemas.openxmlformats.org/presentationml/2006/main">
+  <p:cSld>
+    <p:spTree>
+      <p:nvGrpSpPr>
+        <p:cNvPr id="1" name=""/>
+        <p:cNvGrpSpPr/>
+        <p:nvPr/>
+      </p:nvGrpSpPr>
+      <p:grpSpPr>
+        <a:xfrm>
+          <a:off x="0" y="0"/>
+          <a:ext cx="0" cy="0"/>
+          <a:chOff x="0" y="0"/>
+          <a:chExt cx="0" cy="0"/>
+        </a:xfrm>
+      </p:grpSpPr>
+      <p:sp>
+        <p:nvSpPr>
+          <p:cNvPr id="2" name="Slide Image Placeholder 1"/>
+          <p:cNvSpPr>
+            <a:spLocks noGrp="1" noRot="1" noChangeAspect="1"/>
+          </p:cNvSpPr>
+          <p:nvPr>
+            <p:ph type="sldImg"/>
+          </p:nvPr>
+        </p:nvSpPr>
+        <p:spPr/>
+      </p:sp>
+      <p:sp>
+        <p:nvSpPr>
+          <p:cNvPr id="3" name="Notes Placeholder 2"/>
+          <p:cNvSpPr>
+            <a:spLocks noGrp="1"/>
+          </p:cNvSpPr>
+          <p:nvPr>
+            <p:ph type="body" idx="1"/>
+          </p:nvPr>
+        </p:nvSpPr>
+        <p:spPr/>
+        <p:txBody>
+          <a:bodyPr/>
+          <a:lstStyle/>
+          <a:p>
+            <a:r>
+              <a:rPr lang="en-US" dirty="0"/>
+              <a:t>And now we’re at the next step. AI agents aren’t just another feature. They represent a shift from you doing the work </a:t>
+            </a:r>
+            <a:r>
+              <a:rPr lang="en-US" i="1" dirty="0"/>
+              <a:t>inside</a:t>
+            </a:r>
+            <a:r>
+              <a:rPr lang="en-US" dirty="0"/>
+              <a:t> Excel to Excel coordinating work for you across tools, data, and processes. This is the same kind of leap we saw when Power Query arrived, but bigger. It means we can start automating decisions, workflows, and tasks that used to take multiple systems and a lot of manual effort. Today I’ll show you what that looks like in practice and how Excel users can take advantage of it right now.</a:t>
+            </a:r>
+          </a:p>
+        </p:txBody>
+      </p:sp>
+      <p:sp>
+        <p:nvSpPr>
+          <p:cNvPr id="4" name="Slide Number Placeholder 3"/>
+          <p:cNvSpPr>
+            <a:spLocks noGrp="1"/>
+          </p:cNvSpPr>
+          <p:nvPr>
+            <p:ph type="sldNum" sz="quarter" idx="5"/>
+          </p:nvPr>
+        </p:nvSpPr>
+        <p:spPr/>
+        <p:txBody>
+          <a:bodyPr/>
+          <a:lstStyle/>
+          <a:p>
+            <a:fld id="{FFB500C5-13F7-48FC-8160-C29AECF6C602}" type="slidenum">
+              <a:rPr lang="en-US" smtClean="0"/>
+              <a:t>5</a:t>
+            </a:fld>
+            <a:endParaRPr lang="en-US"/>
+          </a:p>
+        </p:txBody>
+      </p:sp>
+    </p:spTree>
+    <p:extLst>
+      <p:ext uri="{BB962C8B-B14F-4D97-AF65-F5344CB8AC3E}">
+        <p14:creationId xmlns:p14="http://schemas.microsoft.com/office/powerpoint/2010/main" val="27251802"/>
+      </p:ext>
+    </p:extLst>
+  </p:cSld>
+  <p:clrMapOvr>
+    <a:masterClrMapping/>
+  </p:clrMapOvr>
+</p:notes>
+</file>
+
+<file path=ppt/notesSlides/notesSlide3.xml><?xml version="1.0" encoding="utf-8"?>
+<p:notes xmlns:a="http://schemas.openxmlformats.org/drawingml/2006/main" xmlns:r="http://schemas.openxmlformats.org/officeDocument/2006/relationships" xmlns:p="http://schemas.openxmlformats.org/presentationml/2006/main">
+  <p:cSld>
+    <p:spTree>
+      <p:nvGrpSpPr>
+        <p:cNvPr id="1" name=""/>
+        <p:cNvGrpSpPr/>
+        <p:nvPr/>
+      </p:nvGrpSpPr>
+      <p:grpSpPr>
+        <a:xfrm>
+          <a:off x="0" y="0"/>
+          <a:ext cx="0" cy="0"/>
+          <a:chOff x="0" y="0"/>
+          <a:chExt cx="0" cy="0"/>
+        </a:xfrm>
+      </p:grpSpPr>
+      <p:sp>
+        <p:nvSpPr>
+          <p:cNvPr id="2" name="Slide Image Placeholder 1"/>
+          <p:cNvSpPr>
+            <a:spLocks noGrp="1" noRot="1" noChangeAspect="1"/>
+          </p:cNvSpPr>
+          <p:nvPr>
+            <p:ph type="sldImg"/>
+          </p:nvPr>
+        </p:nvSpPr>
+        <p:spPr/>
+      </p:sp>
+      <p:sp>
+        <p:nvSpPr>
+          <p:cNvPr id="3" name="Notes Placeholder 2"/>
+          <p:cNvSpPr>
+            <a:spLocks noGrp="1"/>
+          </p:cNvSpPr>
+          <p:nvPr>
+            <p:ph type="body" idx="1"/>
+          </p:nvPr>
+        </p:nvSpPr>
+        <p:spPr/>
+        <p:txBody>
+          <a:bodyPr/>
+          <a:lstStyle/>
+          <a:p>
+            <a:pPr marL="158750" indent="0">
+              <a:buNone/>
+            </a:pPr>
+            <a:r>
+              <a:rPr lang="en-US" dirty="0"/>
+              <a:t>When Microsoft uses the word “agent,” they’re talking about something more advanced than a normal chatbot. An agent is meant to understand a goal, break it down into steps, and then take actions to complete those steps. So instead of you asking a quick question and getting an answer, an agent can actually carry out a workflow on your behalf.</a:t>
+            </a:r>
+          </a:p>
+          <a:p>
+            <a:pPr marL="158750" indent="0">
+              <a:buNone/>
+            </a:pPr>
+            <a:endParaRPr lang="en-US" dirty="0"/>
+          </a:p>
+          <a:p>
+            <a:pPr marL="158750" indent="0">
+              <a:buNone/>
+            </a:pPr>
+            <a:r>
+              <a:rPr lang="en-US" dirty="0"/>
+              <a:t>It can use memory, tools, and signals from its environment to stay oriented. That means it doesn’t lose the thread every time you ask something new. It can keep track of what you’re trying to accomplish and move the task forward.</a:t>
+            </a:r>
+          </a:p>
+          <a:p>
+            <a:pPr marL="158750" indent="0">
+              <a:buNone/>
+            </a:pPr>
+            <a:endParaRPr lang="en-US" dirty="0"/>
+          </a:p>
+          <a:p>
+            <a:pPr marL="158750" indent="0">
+              <a:buNone/>
+            </a:pPr>
+            <a:r>
+              <a:rPr lang="en-US" dirty="0"/>
+              <a:t>Microsoft also emphasizes that agents are autonomous but still bounded. They operate inside rules, safety constraints, and context so they can take initiative without running off and doing unpredictable things. This is the shift we’re stepping into: Excel isn’t just giving you answers, it’s starting to *do work* for you.</a:t>
+            </a:r>
+          </a:p>
+          <a:p>
+            <a:pPr marL="158750" indent="0">
+              <a:buNone/>
+            </a:pPr>
+            <a:endParaRPr lang="en-US" dirty="0"/>
+          </a:p>
+        </p:txBody>
+      </p:sp>
+      <p:sp>
+        <p:nvSpPr>
+          <p:cNvPr id="4" name="Slide Number Placeholder 3"/>
+          <p:cNvSpPr>
+            <a:spLocks noGrp="1"/>
+          </p:cNvSpPr>
+          <p:nvPr>
+            <p:ph type="sldNum" sz="quarter" idx="5"/>
+          </p:nvPr>
+        </p:nvSpPr>
+        <p:spPr/>
+        <p:txBody>
+          <a:bodyPr/>
+          <a:lstStyle/>
+          <a:p>
+            <a:fld id="{FFB500C5-13F7-48FC-8160-C29AECF6C602}" type="slidenum">
+              <a:rPr lang="en-US" smtClean="0"/>
               <a:t>6</a:t>
             </a:fld>
             <a:endParaRPr lang="en-US"/>
@@ -6522,7 +7135,7 @@
 </p:notes>
 </file>
 
-<file path=ppt/notesSlides/notesSlide2.xml><?xml version="1.0" encoding="utf-8"?>
+<file path=ppt/notesSlides/notesSlide4.xml><?xml version="1.0" encoding="utf-8"?>
 <p:notes xmlns:a="http://schemas.openxmlformats.org/drawingml/2006/main" xmlns:r="http://schemas.openxmlformats.org/officeDocument/2006/relationships" xmlns:p="http://schemas.openxmlformats.org/presentationml/2006/main">
   <p:cSld>
     <p:spTree>
@@ -6584,31 +7197,10 @@
           <a:bodyPr/>
           <a:lstStyle/>
           <a:p>
-            <a:pPr marL="228600" indent="-228600">
-              <a:buAutoNum type="arabicPeriod"/>
+            <a:pPr marL="0" indent="0">
+              <a:buNone/>
             </a:pPr>
-            <a:r>
-              <a:rPr lang="en-US" dirty="0"/>
-              <a:t>False!</a:t>
-            </a:r>
-          </a:p>
-          <a:p>
-            <a:pPr marL="228600" indent="-228600">
-              <a:buAutoNum type="arabicPeriod"/>
-            </a:pPr>
-            <a:r>
-              <a:rPr lang="en-US" dirty="0"/>
-              <a:t>Function, Formula, Function</a:t>
-            </a:r>
-          </a:p>
-          <a:p>
-            <a:pPr marL="228600" indent="-228600">
-              <a:buAutoNum type="arabicPeriod"/>
-            </a:pPr>
-            <a:r>
-              <a:rPr lang="en-US" dirty="0"/>
-              <a:t>Argument</a:t>
-            </a:r>
+            <a:endParaRPr lang="en-US" dirty="0"/>
           </a:p>
         </p:txBody>
       </p:sp>
@@ -6654,7 +7246,7 @@
 </p:notes>
 </file>
 
-<file path=ppt/notesSlides/notesSlide3.xml><?xml version="1.0" encoding="utf-8"?>
+<file path=ppt/notesSlides/notesSlide5.xml><?xml version="1.0" encoding="utf-8"?>
 <p:notes xmlns:a="http://schemas.openxmlformats.org/drawingml/2006/main" xmlns:r="http://schemas.openxmlformats.org/officeDocument/2006/relationships" xmlns:p="http://schemas.openxmlformats.org/presentationml/2006/main">
   <p:cSld>
     <p:spTree>
@@ -6699,54 +7291,51 @@
           <a:lstStyle/>
           <a:p>
             <a:r>
-              <a:rPr lang="en-US" sz="900" dirty="0"/>
-              <a:t>When people hear Copilot and Agent Mode, they often assume they are the same thing, but they represent very different stages in how AI works inside Excel.</a:t>
-            </a:r>
-          </a:p>
-          <a:p>
-            <a:endParaRPr lang="en-US" sz="900" dirty="0"/>
-          </a:p>
-          <a:p>
-            <a:r>
-              <a:rPr lang="en-US" sz="900" dirty="0"/>
-              <a:t>Copilot is what most of us have used so far. It is a great assistant when you need to generate a formula, summarize some data, or clean up a quick report. You ask it a question, it gives an answer, and then it is up to you to decide what to do next. It is reactive. It waits for your prompt each time.</a:t>
-            </a:r>
-          </a:p>
-          <a:p>
-            <a:endParaRPr lang="en-US" sz="900" dirty="0"/>
-          </a:p>
-          <a:p>
-            <a:r>
-              <a:rPr lang="en-US" sz="900" dirty="0"/>
-              <a:t>Agent Mode takes this a step further. Instead of a single prompt and response, the agent can plan, execute, and evaluate multiple steps on its own. It does not just answer you, it actually works with you, refining its approach until it gets the result right. Think of it as the difference between giving someone an instruction versus giving them a project.</a:t>
-            </a:r>
-          </a:p>
-          <a:p>
-            <a:endParaRPr lang="en-US" sz="900" dirty="0"/>
-          </a:p>
-          <a:p>
-            <a:r>
-              <a:rPr lang="en-US" sz="900" dirty="0"/>
-              <a:t>That also changes your role as the analyst. With Copilot, you are still the one doing the work, just faster. With Agent Mode, you become more of a manager or reviewer, someone who guides, oversees, and checks the agent’s work. The focus shifts from “Can I get this formula right?” to “Can I structure and verify the workflow my agent is running?”</a:t>
-            </a:r>
-          </a:p>
-          <a:p>
-            <a:endParaRPr lang="en-US" sz="900" dirty="0"/>
-          </a:p>
-          <a:p>
-            <a:r>
-              <a:rPr lang="en-US" sz="900" dirty="0"/>
-              <a:t>In terms of output, Copilot is great for speed. You will get something usable right away. Agent Mode is built for reliability. It double checks itself, validates formulas, and produces outputs that are more auditable and refreshable. That is what makes it better suited for more complex or higher stakes workflows like financial models, reconciliations, or recurring dashboards.</a:t>
-            </a:r>
-          </a:p>
-          <a:p>
-            <a:endParaRPr lang="en-US" sz="900" dirty="0"/>
-          </a:p>
-          <a:p>
-            <a:r>
-              <a:rPr lang="en-US" sz="900" dirty="0"/>
-              <a:t>So the short version is: Copilot accelerates your work. Agent Mode begins to do the work. The real opportunity for Excel professionals is learning how to manage and guide these new digital teammates effectively.</a:t>
-            </a:r>
+              <a:rPr lang="en-US" dirty="0"/>
+              <a:t>This framework helps make sense of all the vocabulary we’ve been talking about. Instead of treating “copilots” and “agents” as fuzzy marketing terms, it breaks things down by two dimensions: how integrated the tool is with your systems, and how much automation it can actually perform.</a:t>
+            </a:r>
+          </a:p>
+          <a:p>
+            <a:endParaRPr lang="en-US" dirty="0"/>
+          </a:p>
+          <a:p>
+            <a:r>
+              <a:rPr lang="en-US" dirty="0"/>
+              <a:t>In the top left, you have copilots. They’re highly integrated because they sit inside your existing apps, but they still rely on you to drive the workflow. They improve your work, but they don’t take it over.</a:t>
+            </a:r>
+          </a:p>
+          <a:p>
+            <a:endParaRPr lang="en-US" dirty="0"/>
+          </a:p>
+          <a:p>
+            <a:r>
+              <a:rPr lang="en-US" dirty="0"/>
+              <a:t>On the right, you have agents. They combine that same level of integration with the ability to take multi-step actions on their own. So they’re not just responding to you, they’re actually completing tasks across systems.</a:t>
+            </a:r>
+          </a:p>
+          <a:p>
+            <a:endParaRPr lang="en-US" dirty="0"/>
+          </a:p>
+          <a:p>
+            <a:r>
+              <a:rPr lang="en-US" dirty="0"/>
+              <a:t>Below that, you have assistants and autopilots. These are less connected to your internal data and tools, even if some of them can automate quite a bit.</a:t>
+            </a:r>
+          </a:p>
+          <a:p>
+            <a:endParaRPr lang="en-US" dirty="0"/>
+          </a:p>
+          <a:p>
+            <a:r>
+              <a:rPr lang="en-US" dirty="0"/>
+              <a:t>The main idea here is that Excel is moving from the “copilot” box toward the “agent” box. That’s why everything suddenly feels like it’s changing. It isn’t just giving you answers anymore — it’s starting to orchestrate real work.</a:t>
+            </a:r>
+          </a:p>
+          <a:p>
+            <a:endParaRPr lang="en-US" dirty="0"/>
+          </a:p>
+          <a:p>
+            <a:endParaRPr lang="en-US" dirty="0"/>
           </a:p>
         </p:txBody>
       </p:sp>
@@ -6767,7 +7356,7 @@
           <a:p>
             <a:fld id="{FFB500C5-13F7-48FC-8160-C29AECF6C602}" type="slidenum">
               <a:rPr lang="en-US" smtClean="0"/>
-              <a:t>9</a:t>
+              <a:t>8</a:t>
             </a:fld>
             <a:endParaRPr lang="en-US"/>
           </a:p>
@@ -6776,7 +7365,7 @@
     </p:spTree>
     <p:extLst>
       <p:ext uri="{BB962C8B-B14F-4D97-AF65-F5344CB8AC3E}">
-        <p14:creationId xmlns:p14="http://schemas.microsoft.com/office/powerpoint/2010/main" val="2986116311"/>
+        <p14:creationId xmlns:p14="http://schemas.microsoft.com/office/powerpoint/2010/main" val="2771570579"/>
       </p:ext>
     </p:extLst>
   </p:cSld>
@@ -6786,7 +7375,7 @@
 </p:notes>
 </file>
 
-<file path=ppt/notesSlides/notesSlide4.xml><?xml version="1.0" encoding="utf-8"?>
+<file path=ppt/notesSlides/notesSlide6.xml><?xml version="1.0" encoding="utf-8"?>
 <p:notes xmlns:a="http://schemas.openxmlformats.org/drawingml/2006/main" xmlns:r="http://schemas.openxmlformats.org/officeDocument/2006/relationships" xmlns:p="http://schemas.openxmlformats.org/presentationml/2006/main">
   <p:cSld>
     <p:spTree>
@@ -6830,12 +7419,54 @@
           <a:bodyPr/>
           <a:lstStyle/>
           <a:p>
-            <a:pPr marL="0" indent="0">
-              <a:buNone/>
-            </a:pPr>
-            <a:r>
-              <a:rPr lang="en-US" dirty="0"/>
-              <a:t>https://stringfestanalytics.com/how-to-get-started-with-agent-mode-in-excel/</a:t>
+            <a:r>
+              <a:rPr lang="en-US" sz="900" dirty="0"/>
+              <a:t>When people hear Copilot and Agent Mode, they often assume they are the same thing, but they represent very different stages in how AI works inside Excel.</a:t>
+            </a:r>
+          </a:p>
+          <a:p>
+            <a:endParaRPr lang="en-US" sz="900" dirty="0"/>
+          </a:p>
+          <a:p>
+            <a:r>
+              <a:rPr lang="en-US" sz="900" dirty="0"/>
+              <a:t>Copilot is what most of us have used so far. It is a great assistant when you need to generate a formula, summarize some data, or clean up a quick report. You ask it a question, it gives an answer, and then it is up to you to decide what to do next. It is reactive. It waits for your prompt each time.</a:t>
+            </a:r>
+          </a:p>
+          <a:p>
+            <a:endParaRPr lang="en-US" sz="900" dirty="0"/>
+          </a:p>
+          <a:p>
+            <a:r>
+              <a:rPr lang="en-US" sz="900" dirty="0"/>
+              <a:t>Agent Mode takes this a step further. Instead of a single prompt and response, the agent can plan, execute, and evaluate multiple steps on its own. It does not just answer you, it actually works with you, refining its approach until it gets the result right. Think of it as the difference between giving someone an instruction versus giving them a project.</a:t>
+            </a:r>
+          </a:p>
+          <a:p>
+            <a:endParaRPr lang="en-US" sz="900" dirty="0"/>
+          </a:p>
+          <a:p>
+            <a:r>
+              <a:rPr lang="en-US" sz="900" dirty="0"/>
+              <a:t>That also changes your role as the analyst. With Copilot, you are still the one doing the work, just faster. With Agent Mode, you become more of a manager or reviewer, someone who guides, oversees, and checks the agent’s work. The focus shifts from “Can I get this formula right?” to “Can I structure and verify the workflow my agent is running?”</a:t>
+            </a:r>
+          </a:p>
+          <a:p>
+            <a:endParaRPr lang="en-US" sz="900" dirty="0"/>
+          </a:p>
+          <a:p>
+            <a:r>
+              <a:rPr lang="en-US" sz="900" dirty="0"/>
+              <a:t>In terms of output, Copilot is great for speed. You will get something usable right away. Agent Mode is built for reliability. It double checks itself, validates formulas, and produces outputs that are more auditable and refreshable. That is what makes it better suited for more complex or higher stakes workflows like financial models, reconciliations, or recurring dashboards.</a:t>
+            </a:r>
+          </a:p>
+          <a:p>
+            <a:endParaRPr lang="en-US" sz="900" dirty="0"/>
+          </a:p>
+          <a:p>
+            <a:r>
+              <a:rPr lang="en-US" sz="900" dirty="0"/>
+              <a:t>So the short version is: Copilot accelerates your work. Agent Mode begins to do the work. The real opportunity for Excel professionals is learning how to manage and guide these new digital teammates effectively.</a:t>
             </a:r>
           </a:p>
         </p:txBody>
@@ -6855,6 +7486,120 @@
           <a:bodyPr/>
           <a:lstStyle/>
           <a:p>
+            <a:fld id="{FFB500C5-13F7-48FC-8160-C29AECF6C602}" type="slidenum">
+              <a:rPr lang="en-US" smtClean="0"/>
+              <a:t>9</a:t>
+            </a:fld>
+            <a:endParaRPr lang="en-US"/>
+          </a:p>
+        </p:txBody>
+      </p:sp>
+    </p:spTree>
+    <p:extLst>
+      <p:ext uri="{BB962C8B-B14F-4D97-AF65-F5344CB8AC3E}">
+        <p14:creationId xmlns:p14="http://schemas.microsoft.com/office/powerpoint/2010/main" val="2986116311"/>
+      </p:ext>
+    </p:extLst>
+  </p:cSld>
+  <p:clrMapOvr>
+    <a:masterClrMapping/>
+  </p:clrMapOvr>
+</p:notes>
+</file>
+
+<file path=ppt/notesSlides/notesSlide7.xml><?xml version="1.0" encoding="utf-8"?>
+<p:notes xmlns:a="http://schemas.openxmlformats.org/drawingml/2006/main" xmlns:r="http://schemas.openxmlformats.org/officeDocument/2006/relationships" xmlns:p="http://schemas.openxmlformats.org/presentationml/2006/main">
+  <p:cSld>
+    <p:spTree>
+      <p:nvGrpSpPr>
+        <p:cNvPr id="1" name=""/>
+        <p:cNvGrpSpPr/>
+        <p:nvPr/>
+      </p:nvGrpSpPr>
+      <p:grpSpPr>
+        <a:xfrm>
+          <a:off x="0" y="0"/>
+          <a:ext cx="0" cy="0"/>
+          <a:chOff x="0" y="0"/>
+          <a:chExt cx="0" cy="0"/>
+        </a:xfrm>
+      </p:grpSpPr>
+      <p:sp>
+        <p:nvSpPr>
+          <p:cNvPr id="2" name="Slide Image Placeholder 1"/>
+          <p:cNvSpPr>
+            <a:spLocks noGrp="1" noRot="1" noChangeAspect="1"/>
+          </p:cNvSpPr>
+          <p:nvPr>
+            <p:ph type="sldImg"/>
+          </p:nvPr>
+        </p:nvSpPr>
+        <p:spPr/>
+      </p:sp>
+      <p:sp>
+        <p:nvSpPr>
+          <p:cNvPr id="3" name="Notes Placeholder 2"/>
+          <p:cNvSpPr>
+            <a:spLocks noGrp="1"/>
+          </p:cNvSpPr>
+          <p:nvPr>
+            <p:ph type="body" idx="1"/>
+          </p:nvPr>
+        </p:nvSpPr>
+        <p:spPr/>
+        <p:txBody>
+          <a:bodyPr/>
+          <a:lstStyle/>
+          <a:p>
+            <a:pPr marL="0" indent="0">
+              <a:buNone/>
+            </a:pPr>
+            <a:r>
+              <a:rPr lang="en-US" dirty="0"/>
+              <a:t>For this exercise, we’re going to experiment with Agent Mode using a simple workbook called agent-mode.xlsx. The goal isn’t to “finish” anything perfectly — the goal is to see how the agent behaves with different kinds of </a:t>
+            </a:r>
+            <a:r>
+              <a:rPr lang="en-US" dirty="0" err="1"/>
+              <a:t>tasks.I’ve</a:t>
+            </a:r>
+            <a:r>
+              <a:rPr lang="en-US" dirty="0"/>
+              <a:t> given you three example use cases to try. The loan calculator is a straightforward structured task. Variance analysis introduces more contextual decision-making. And the monthly close pack is intentionally a little messy, because that’s what real work often looks like. Try a couple of these and see how far Agent Mode gets before it needs </a:t>
+            </a:r>
+            <a:r>
+              <a:rPr lang="en-US" dirty="0" err="1"/>
+              <a:t>clarification.As</a:t>
+            </a:r>
+            <a:r>
+              <a:rPr lang="en-US" dirty="0"/>
+              <a:t> you’re working, pay attention to what the agent does well. Does it follow instructions? Does it break down the task correctly? And just as important, notice where it stalls or gives vague answers. Those gaps tell us a lot about where the technology is </a:t>
+            </a:r>
+            <a:r>
+              <a:rPr lang="en-US" dirty="0" err="1"/>
+              <a:t>today.Finally</a:t>
+            </a:r>
+            <a:r>
+              <a:rPr lang="en-US" dirty="0"/>
+              <a:t>, think about how this fits in with the other AI tools we’ve talked about. When should something be a Power Query step? When should it be a Copilot prompt? When should it be an Agent Mode workflow? The more you tease that apart, the easier it becomes to choose the right tool in real work.</a:t>
+            </a:r>
+          </a:p>
+        </p:txBody>
+      </p:sp>
+      <p:sp>
+        <p:nvSpPr>
+          <p:cNvPr id="4" name="Slide Number Placeholder 3"/>
+          <p:cNvSpPr>
+            <a:spLocks noGrp="1"/>
+          </p:cNvSpPr>
+          <p:nvPr>
+            <p:ph type="sldNum" sz="quarter" idx="5"/>
+          </p:nvPr>
+        </p:nvSpPr>
+        <p:spPr/>
+        <p:txBody>
+          <a:bodyPr/>
+          <a:lstStyle/>
+          <a:p>
             <a:fld id="{1300335D-9F13-4B80-ADC5-B0EA3E10FF6B}" type="slidenum">
               <a:rPr lang="en-US" smtClean="0"/>
               <a:t>10</a:t>
@@ -6876,7 +7621,7 @@
 </p:notes>
 </file>
 
-<file path=ppt/notesSlides/notesSlide5.xml><?xml version="1.0" encoding="utf-8"?>
+<file path=ppt/notesSlides/notesSlide8.xml><?xml version="1.0" encoding="utf-8"?>
 <p:notes xmlns:a="http://schemas.openxmlformats.org/drawingml/2006/main" xmlns:r="http://schemas.openxmlformats.org/officeDocument/2006/relationships" xmlns:p="http://schemas.openxmlformats.org/presentationml/2006/main">
   <p:cSld>
     <p:spTree>
@@ -6940,7 +7685,7 @@
           <a:p>
             <a:r>
               <a:rPr lang="en-US" sz="900" dirty="0"/>
-              <a:t>When people hear Copilot and Agent Mode, they often assume they are the same thing, but they represent very different stages in how AI works inside Excel.</a:t>
+              <a:t>This slide brings everything together. One of the biggest challenges with the new AI features is understanding where each piece fits. It’s not one tool — it’s a full stack. And the order matters, because each layer depends on the ones below it.</a:t>
             </a:r>
           </a:p>
           <a:p>
@@ -6949,7 +7694,7 @@
           <a:p>
             <a:r>
               <a:rPr lang="en-US" sz="900" dirty="0"/>
-              <a:t>Copilot is what most of us have used so far. It is a great assistant when you need to generate a formula, summarize some data, or clean up a quick report. You ask it a question, it gives an answer, and then it is up to you to decide what to do next. It is reactive. It waits for your prompt each time.</a:t>
+              <a:t>At the foundation, you have Power BI and Dataverse. That’s your governed data backbone. Without clean, consistent data, nothing else in this stack works well.</a:t>
             </a:r>
           </a:p>
           <a:p>
@@ -6958,7 +7703,7 @@
           <a:p>
             <a:r>
               <a:rPr lang="en-US" sz="900" dirty="0"/>
-              <a:t>Agent Mode takes this a step further. Instead of a single prompt and response, the agent can plan, execute, and evaluate multiple steps on its own. It does not just answer you, it actually works with you, refining its approach until it gets the result right. Think of it as the difference between giving someone an instruction versus giving them a project.</a:t>
+              <a:t>Above that is Power Query and Dataflows. This is where the data gets shaped, cleaned, and prepared. If you’ve ever spent hours fixing CSVs or cleaning exports, you already know why this layer is essential.</a:t>
             </a:r>
           </a:p>
           <a:p>
@@ -6967,7 +7712,7 @@
           <a:p>
             <a:r>
               <a:rPr lang="en-US" sz="900" dirty="0"/>
-              <a:t>That also changes your role as the analyst. With Copilot, you are still the one doing the work, just faster. With Agent Mode, you become more of a manager or reviewer, someone who guides, oversees, and checks the agent’s work. The focus shifts from “Can I get this formula right?” to “Can I structure and verify the workflow my agent is running?”</a:t>
+              <a:t>Then we get to Excel itself — Agent Mode, Copilot, and Python. This is where analysis happens. This is where you explore, model, visualize, and interact with the data. It’s the heart of the analyst workflow.</a:t>
             </a:r>
           </a:p>
           <a:p>
@@ -6976,7 +7721,7 @@
           <a:p>
             <a:r>
               <a:rPr lang="en-US" sz="900" dirty="0"/>
-              <a:t>In terms of output, Copilot is great for speed. You will get something usable right away. Agent Mode is built for reliability. It double checks itself, validates formulas, and produces outputs that are more auditable and refreshable. That is what makes it better suited for more complex or higher stakes workflows like financial models, reconciliations, or recurring dashboards.</a:t>
+              <a:t>Next is Office Scripts and Power Automate. Once you know what you want done, this layer lets you automate it. It’s the glue between Excel and the rest of your systems.</a:t>
             </a:r>
           </a:p>
           <a:p>
@@ -6985,8 +7730,20 @@
           <a:p>
             <a:r>
               <a:rPr lang="en-US" sz="900" dirty="0"/>
-              <a:t>So the short version is: Copilot accelerates your work. Agent Mode begins to do the work. The real opportunity for Excel professionals is learning how to manage and guide these new digital teammates effectively.</a:t>
-            </a:r>
+              <a:t>At the top is Copilot Studio. This is where you customize, govern, and scale your AI. If you want an agent or copilot that truly understands your business, this is the layer that lets you build it.</a:t>
+            </a:r>
+          </a:p>
+          <a:p>
+            <a:endParaRPr lang="en-US" sz="900" dirty="0"/>
+          </a:p>
+          <a:p>
+            <a:r>
+              <a:rPr lang="en-US" sz="900" dirty="0"/>
+              <a:t>So the big takeaway is: no single tool solves everything. When you put the layers together, that’s when you get the modern Excel experience — an ecosystem that can clean data, analyze it, automate it, and now even act on it.</a:t>
+            </a:r>
+          </a:p>
+          <a:p>
+            <a:endParaRPr lang="en-US" sz="900" dirty="0"/>
           </a:p>
         </p:txBody>
       </p:sp>
@@ -7032,7 +7789,7 @@
 </p:notes>
 </file>
 
-<file path=ppt/notesSlides/notesSlide6.xml><?xml version="1.0" encoding="utf-8"?>
+<file path=ppt/notesSlides/notesSlide9.xml><?xml version="1.0" encoding="utf-8"?>
 <p:notes xmlns:a="http://schemas.openxmlformats.org/drawingml/2006/main" xmlns:r="http://schemas.openxmlformats.org/officeDocument/2006/relationships" xmlns:p="http://schemas.openxmlformats.org/presentationml/2006/main">
   <p:cSld>
     <p:spTree>
@@ -7284,451 +8041,6 @@
     <p:extLst>
       <p:ext uri="{BB962C8B-B14F-4D97-AF65-F5344CB8AC3E}">
         <p14:creationId xmlns:p14="http://schemas.microsoft.com/office/powerpoint/2010/main" val="2699619239"/>
-      </p:ext>
-    </p:extLst>
-  </p:cSld>
-  <p:clrMapOvr>
-    <a:masterClrMapping/>
-  </p:clrMapOvr>
-</p:notes>
-</file>
-
-<file path=ppt/notesSlides/notesSlide7.xml><?xml version="1.0" encoding="utf-8"?>
-<p:notes xmlns:a="http://schemas.openxmlformats.org/drawingml/2006/main" xmlns:r="http://schemas.openxmlformats.org/officeDocument/2006/relationships" xmlns:p="http://schemas.openxmlformats.org/presentationml/2006/main">
-  <p:cSld>
-    <p:spTree>
-      <p:nvGrpSpPr>
-        <p:cNvPr id="1" name=""/>
-        <p:cNvGrpSpPr/>
-        <p:nvPr/>
-      </p:nvGrpSpPr>
-      <p:grpSpPr>
-        <a:xfrm>
-          <a:off x="0" y="0"/>
-          <a:ext cx="0" cy="0"/>
-          <a:chOff x="0" y="0"/>
-          <a:chExt cx="0" cy="0"/>
-        </a:xfrm>
-      </p:grpSpPr>
-      <p:sp>
-        <p:nvSpPr>
-          <p:cNvPr id="2" name="Slide Image Placeholder 1"/>
-          <p:cNvSpPr>
-            <a:spLocks noGrp="1" noRot="1" noChangeAspect="1"/>
-          </p:cNvSpPr>
-          <p:nvPr>
-            <p:ph type="sldImg"/>
-          </p:nvPr>
-        </p:nvSpPr>
-        <p:spPr/>
-      </p:sp>
-      <p:sp>
-        <p:nvSpPr>
-          <p:cNvPr id="3" name="Notes Placeholder 2"/>
-          <p:cNvSpPr>
-            <a:spLocks noGrp="1"/>
-          </p:cNvSpPr>
-          <p:nvPr>
-            <p:ph type="body" idx="1"/>
-          </p:nvPr>
-        </p:nvSpPr>
-        <p:spPr/>
-        <p:txBody>
-          <a:bodyPr/>
-          <a:lstStyle/>
-          <a:p>
-            <a:r>
-              <a:rPr lang="en-US" dirty="0"/>
-              <a:t>This diagram shows what an automated AI workflow looks like — a sequence of predefined steps that move from a trigger to a final output. You can think of it as a chain reaction: something starts the process, different actions happen automatically, and along the way, AI steps in to add intelligence or decision-making.</a:t>
-            </a:r>
-          </a:p>
-          <a:p>
-            <a:r>
-              <a:rPr lang="en-US" dirty="0"/>
-              <a:t>It all begins with a </a:t>
-            </a:r>
-            <a:r>
-              <a:rPr lang="en-US" b="1" dirty="0"/>
-              <a:t>trigger</a:t>
-            </a:r>
-            <a:r>
-              <a:rPr lang="en-US" dirty="0"/>
-              <a:t> — something that tells the workflow to start. In Excel or Power Automate, that could be a new row added to a table, a file uploaded to OneDrive, or even a scheduled time like “every Monday morning.” The trigger is what kicks everything off without you having to manually do anything.</a:t>
-            </a:r>
-          </a:p>
-          <a:p>
-            <a:r>
-              <a:rPr lang="en-US" dirty="0"/>
-              <a:t>Then we have </a:t>
-            </a:r>
-            <a:r>
-              <a:rPr lang="en-US" b="1" dirty="0"/>
-              <a:t>Step 1</a:t>
-            </a:r>
-            <a:r>
-              <a:rPr lang="en-US" dirty="0"/>
-              <a:t>, which is often a preparation step. Maybe it’s collecting the data, formatting it, or sending it into Excel. This could be where Power Automate connects to a SharePoint list, a form submission, or a Teams message and feeds that data into your workbook.</a:t>
-            </a:r>
-          </a:p>
-          <a:p>
-            <a:r>
-              <a:rPr lang="en-US" dirty="0"/>
-              <a:t>Next comes the </a:t>
-            </a:r>
-            <a:r>
-              <a:rPr lang="en-US" b="1" dirty="0"/>
-              <a:t>AI Step</a:t>
-            </a:r>
-            <a:r>
-              <a:rPr lang="en-US" dirty="0"/>
-              <a:t> — this is where Copilot or another AI model gets involved. This could be an AI Builder action inside Power Automate that summarizes text, classifies feedback, or extracts key details from a document. Or it might be Copilot inside Excel generating a formula, building a chart, or explaining data patterns automatically. The AI step takes what used to be manual analysis and turns it into an automated, intelligent action.</a:t>
-            </a:r>
-          </a:p>
-          <a:p>
-            <a:r>
-              <a:rPr lang="en-US" dirty="0"/>
-              <a:t>After that, there can be more steps — maybe sending results back to Excel, notifying someone in Teams, or updating a dashboard. Each step builds on the last, flowing seamlessly without human intervention.</a:t>
-            </a:r>
-          </a:p>
-          <a:p>
-            <a:r>
-              <a:rPr lang="en-US" dirty="0"/>
-              <a:t>Finally, we reach the </a:t>
-            </a:r>
-            <a:r>
-              <a:rPr lang="en-US" b="1" dirty="0"/>
-              <a:t>output</a:t>
-            </a:r>
-            <a:r>
-              <a:rPr lang="en-US" dirty="0"/>
-              <a:t>, which is the end goal of the automation. That might be a refreshed Excel report, an email summary, or a new dataset ready for review. The beauty of it is that the whole process runs automatically once it’s designed — no constant copying, pasting, or checking formulas.</a:t>
-            </a:r>
-          </a:p>
-          <a:p>
-            <a:r>
-              <a:rPr lang="en-US" dirty="0"/>
-              <a:t>So, in short, this kind of workflow connects automation tools like Power Automate with AI capabilities from Copilot or AI Builder to take everyday Excel tasks — things like reporting, data cleaning, or summarizing — and turn them into intelligent, repeatable processes.</a:t>
-            </a:r>
-          </a:p>
-          <a:p>
-            <a:endParaRPr lang="en-US" dirty="0"/>
-          </a:p>
-        </p:txBody>
-      </p:sp>
-      <p:sp>
-        <p:nvSpPr>
-          <p:cNvPr id="4" name="Slide Number Placeholder 3"/>
-          <p:cNvSpPr>
-            <a:spLocks noGrp="1"/>
-          </p:cNvSpPr>
-          <p:nvPr>
-            <p:ph type="sldNum" sz="quarter" idx="5"/>
-          </p:nvPr>
-        </p:nvSpPr>
-        <p:spPr/>
-        <p:txBody>
-          <a:bodyPr/>
-          <a:lstStyle/>
-          <a:p>
-            <a:fld id="{FFB500C5-13F7-48FC-8160-C29AECF6C602}" type="slidenum">
-              <a:rPr lang="en-US" smtClean="0"/>
-              <a:t>14</a:t>
-            </a:fld>
-            <a:endParaRPr lang="en-US"/>
-          </a:p>
-        </p:txBody>
-      </p:sp>
-    </p:spTree>
-    <p:extLst>
-      <p:ext uri="{BB962C8B-B14F-4D97-AF65-F5344CB8AC3E}">
-        <p14:creationId xmlns:p14="http://schemas.microsoft.com/office/powerpoint/2010/main" val="4064505773"/>
-      </p:ext>
-    </p:extLst>
-  </p:cSld>
-  <p:clrMapOvr>
-    <a:masterClrMapping/>
-  </p:clrMapOvr>
-</p:notes>
-</file>
-
-<file path=ppt/notesSlides/notesSlide8.xml><?xml version="1.0" encoding="utf-8"?>
-<p:notes xmlns:a="http://schemas.openxmlformats.org/drawingml/2006/main" xmlns:r="http://schemas.openxmlformats.org/officeDocument/2006/relationships" xmlns:p="http://schemas.openxmlformats.org/presentationml/2006/main">
-  <p:cSld>
-    <p:spTree>
-      <p:nvGrpSpPr>
-        <p:cNvPr id="1" name=""/>
-        <p:cNvGrpSpPr/>
-        <p:nvPr/>
-      </p:nvGrpSpPr>
-      <p:grpSpPr>
-        <a:xfrm>
-          <a:off x="0" y="0"/>
-          <a:ext cx="0" cy="0"/>
-          <a:chOff x="0" y="0"/>
-          <a:chExt cx="0" cy="0"/>
-        </a:xfrm>
-      </p:grpSpPr>
-      <p:sp>
-        <p:nvSpPr>
-          <p:cNvPr id="2" name="Slide Image Placeholder 1"/>
-          <p:cNvSpPr>
-            <a:spLocks noGrp="1" noRot="1" noChangeAspect="1"/>
-          </p:cNvSpPr>
-          <p:nvPr>
-            <p:ph type="sldImg"/>
-          </p:nvPr>
-        </p:nvSpPr>
-        <p:spPr/>
-      </p:sp>
-      <p:sp>
-        <p:nvSpPr>
-          <p:cNvPr id="3" name="Notes Placeholder 2"/>
-          <p:cNvSpPr>
-            <a:spLocks noGrp="1"/>
-          </p:cNvSpPr>
-          <p:nvPr>
-            <p:ph type="body" idx="1"/>
-          </p:nvPr>
-        </p:nvSpPr>
-        <p:spPr/>
-        <p:txBody>
-          <a:bodyPr/>
-          <a:lstStyle/>
-          <a:p>
-            <a:r>
-              <a:rPr lang="en-US" dirty="0"/>
-              <a:t>Now, this next diagram shows the big shift we’re seeing with AI — moving from </a:t>
-            </a:r>
-            <a:r>
-              <a:rPr lang="en-US" b="1" dirty="0"/>
-              <a:t>automation</a:t>
-            </a:r>
-            <a:r>
-              <a:rPr lang="en-US" dirty="0"/>
-              <a:t> to </a:t>
-            </a:r>
-            <a:r>
-              <a:rPr lang="en-US" b="1" dirty="0"/>
-              <a:t>agency</a:t>
-            </a:r>
-            <a:r>
-              <a:rPr lang="en-US" dirty="0"/>
-              <a:t>. In the previous model, we had a predefined sequence of steps. Everything had to be mapped out ahead of time — if X happens, then do Y, then Z. That’s great for structured processes, but it doesn’t leave room for flexibility or judgment.</a:t>
-            </a:r>
-          </a:p>
-          <a:p>
-            <a:r>
-              <a:rPr lang="en-US" dirty="0"/>
-              <a:t>In this model, the </a:t>
-            </a:r>
-            <a:r>
-              <a:rPr lang="en-US" b="1" dirty="0"/>
-              <a:t>AI Agent</a:t>
-            </a:r>
-            <a:r>
-              <a:rPr lang="en-US" dirty="0"/>
-              <a:t> doesn’t just follow a script — it thinks through what to do next. When the trigger fires, the agent decides on its own which actions to take and which tools to use to reach the goal. It can pull from its </a:t>
-            </a:r>
-            <a:r>
-              <a:rPr lang="en-US" b="1" dirty="0"/>
-              <a:t>instructions</a:t>
-            </a:r>
-            <a:r>
-              <a:rPr lang="en-US" dirty="0"/>
-              <a:t> — what it’s been told it’s allowed or supposed to do — along with </a:t>
-            </a:r>
-            <a:r>
-              <a:rPr lang="en-US" b="1" dirty="0"/>
-              <a:t>memory</a:t>
-            </a:r>
-            <a:r>
-              <a:rPr lang="en-US" dirty="0"/>
-              <a:t>, which helps it recall past context, and </a:t>
-            </a:r>
-            <a:r>
-              <a:rPr lang="en-US" b="1" dirty="0"/>
-              <a:t>tools</a:t>
-            </a:r>
-            <a:r>
-              <a:rPr lang="en-US" dirty="0"/>
-              <a:t>, which might include things like Excel, Power Automate, or SharePoint.</a:t>
-            </a:r>
-          </a:p>
-          <a:p>
-            <a:r>
-              <a:rPr lang="en-US" dirty="0"/>
-              <a:t>For example, instead of a static Power Automate flow that’s hard-coded to send an email every time a report updates, an agent could look at the new data, decide if a report even needs to be generated, check who the right stakeholders are, and then use the right tool — maybe Copilot in Excel to summarize the data, or Power Automate to share the results. The key difference is that the agent chooses the path dynamically, based on what it knows and what it’s trying to accomplish — not just what’s been pre-programmed.</a:t>
-            </a:r>
-          </a:p>
-          <a:p>
-            <a:r>
-              <a:rPr lang="en-US" dirty="0"/>
-              <a:t>This is what we mean when we talk about Copilot moving into the </a:t>
-            </a:r>
-            <a:r>
-              <a:rPr lang="en-US" b="1" dirty="0"/>
-              <a:t>agentic era</a:t>
-            </a:r>
-            <a:r>
-              <a:rPr lang="en-US" dirty="0"/>
-              <a:t> — it’s not just automating, it’s adapting. It’s capable of reasoning, taking initiative, and using multiple Microsoft 365 tools together to achieve an outcome — all without you needing to define every single step.</a:t>
-            </a:r>
-          </a:p>
-          <a:p>
-            <a:endParaRPr lang="en-US" dirty="0"/>
-          </a:p>
-        </p:txBody>
-      </p:sp>
-      <p:sp>
-        <p:nvSpPr>
-          <p:cNvPr id="4" name="Slide Number Placeholder 3"/>
-          <p:cNvSpPr>
-            <a:spLocks noGrp="1"/>
-          </p:cNvSpPr>
-          <p:nvPr>
-            <p:ph type="sldNum" sz="quarter" idx="5"/>
-          </p:nvPr>
-        </p:nvSpPr>
-        <p:spPr/>
-        <p:txBody>
-          <a:bodyPr/>
-          <a:lstStyle/>
-          <a:p>
-            <a:fld id="{FFB500C5-13F7-48FC-8160-C29AECF6C602}" type="slidenum">
-              <a:rPr lang="en-US" smtClean="0"/>
-              <a:t>15</a:t>
-            </a:fld>
-            <a:endParaRPr lang="en-US"/>
-          </a:p>
-        </p:txBody>
-      </p:sp>
-    </p:spTree>
-    <p:extLst>
-      <p:ext uri="{BB962C8B-B14F-4D97-AF65-F5344CB8AC3E}">
-        <p14:creationId xmlns:p14="http://schemas.microsoft.com/office/powerpoint/2010/main" val="3297094883"/>
-      </p:ext>
-    </p:extLst>
-  </p:cSld>
-  <p:clrMapOvr>
-    <a:masterClrMapping/>
-  </p:clrMapOvr>
-</p:notes>
-</file>
-
-<file path=ppt/notesSlides/notesSlide9.xml><?xml version="1.0" encoding="utf-8"?>
-<p:notes xmlns:a="http://schemas.openxmlformats.org/drawingml/2006/main" xmlns:r="http://schemas.openxmlformats.org/officeDocument/2006/relationships" xmlns:p="http://schemas.openxmlformats.org/presentationml/2006/main">
-  <p:cSld>
-    <p:spTree>
-      <p:nvGrpSpPr>
-        <p:cNvPr id="1" name=""/>
-        <p:cNvGrpSpPr/>
-        <p:nvPr/>
-      </p:nvGrpSpPr>
-      <p:grpSpPr>
-        <a:xfrm>
-          <a:off x="0" y="0"/>
-          <a:ext cx="0" cy="0"/>
-          <a:chOff x="0" y="0"/>
-          <a:chExt cx="0" cy="0"/>
-        </a:xfrm>
-      </p:grpSpPr>
-      <p:sp>
-        <p:nvSpPr>
-          <p:cNvPr id="2" name="Slide Image Placeholder 1"/>
-          <p:cNvSpPr>
-            <a:spLocks noGrp="1" noRot="1" noChangeAspect="1"/>
-          </p:cNvSpPr>
-          <p:nvPr>
-            <p:ph type="sldImg"/>
-          </p:nvPr>
-        </p:nvSpPr>
-        <p:spPr/>
-      </p:sp>
-      <p:sp>
-        <p:nvSpPr>
-          <p:cNvPr id="3" name="Notes Placeholder 2"/>
-          <p:cNvSpPr>
-            <a:spLocks noGrp="1"/>
-          </p:cNvSpPr>
-          <p:nvPr>
-            <p:ph type="body" idx="1"/>
-          </p:nvPr>
-        </p:nvSpPr>
-        <p:spPr/>
-        <p:txBody>
-          <a:bodyPr/>
-          <a:lstStyle/>
-          <a:p>
-            <a:r>
-              <a:rPr lang="en-US" b="0" dirty="0"/>
-              <a:t>When I say audit your team’s data and automation skills, I mean really take stock of what you already have. Who knows Power Query? Who can write a bit of Python or create a simple flow in Power Automate? Before you chase shiny new AI tools, get a baseline of your current capabilities.</a:t>
-            </a:r>
-          </a:p>
-          <a:p>
-            <a:endParaRPr lang="en-US" b="0" dirty="0"/>
-          </a:p>
-          <a:p>
-            <a:r>
-              <a:rPr lang="en-US" b="0" dirty="0"/>
-              <a:t>Next, start small with Office Scripts and Power Automate. These are great low-risk ways to build repeatable logic and connect Excel to other systems. Once you understand how those pieces work, Agent Mode and Copilot will make a lot more sense.</a:t>
-            </a:r>
-          </a:p>
-          <a:p>
-            <a:endParaRPr lang="en-US" b="0" dirty="0"/>
-          </a:p>
-          <a:p>
-            <a:r>
-              <a:rPr lang="en-US" b="0" dirty="0"/>
-              <a:t>Then, experiment safely with Copilot and Agent Mode. Try them in sandboxed files or low-stakes tasks. Learn how they interpret prompts, where they struggle, and how they can support your workflows. The goal is to build trust with the tools before relying on them in production.</a:t>
-            </a:r>
-          </a:p>
-          <a:p>
-            <a:r>
-              <a:rPr lang="en-US" b="0" dirty="0"/>
-              <a:t>From there, build a roadmap for AI adoption and governance. This is where system thinking comes in. Decide which processes to automate, who owns the workflows, and how you will review and audit results. This ensures the technology actually scales.</a:t>
-            </a:r>
-          </a:p>
-          <a:p>
-            <a:endParaRPr lang="en-US" b="0" dirty="0"/>
-          </a:p>
-          <a:p>
-            <a:r>
-              <a:rPr lang="en-US" b="0" dirty="0"/>
-              <a:t>Finally, book a discovery call to plan your next moves. Every organization is at a different stage with these tools, and having a plan makes all the difference. I can help you map the skills, systems, and priorities that will make this stack work for you.</a:t>
-            </a:r>
-          </a:p>
-          <a:p>
-            <a:endParaRPr lang="en-US" b="0" dirty="0"/>
-          </a:p>
-        </p:txBody>
-      </p:sp>
-      <p:sp>
-        <p:nvSpPr>
-          <p:cNvPr id="4" name="Slide Number Placeholder 3"/>
-          <p:cNvSpPr>
-            <a:spLocks noGrp="1"/>
-          </p:cNvSpPr>
-          <p:nvPr>
-            <p:ph type="sldNum" sz="quarter" idx="5"/>
-          </p:nvPr>
-        </p:nvSpPr>
-        <p:spPr/>
-        <p:txBody>
-          <a:bodyPr/>
-          <a:lstStyle/>
-          <a:p>
-            <a:fld id="{FFB500C5-13F7-48FC-8160-C29AECF6C602}" type="slidenum">
-              <a:rPr lang="en-US" smtClean="0"/>
-              <a:t>16</a:t>
-            </a:fld>
-            <a:endParaRPr lang="en-US"/>
-          </a:p>
-        </p:txBody>
-      </p:sp>
-    </p:spTree>
-    <p:extLst>
-      <p:ext uri="{BB962C8B-B14F-4D97-AF65-F5344CB8AC3E}">
-        <p14:creationId xmlns:p14="http://schemas.microsoft.com/office/powerpoint/2010/main" val="2455904390"/>
       </p:ext>
     </p:extLst>
   </p:cSld>
@@ -11889,7 +12201,7 @@
         <p:spPr>
           <a:xfrm>
             <a:off x="228600" y="9196959"/>
-            <a:ext cx="5638800" cy="646331"/>
+            <a:ext cx="15163800" cy="1200329"/>
           </a:xfrm>
           <a:prstGeom prst="rect">
             <a:avLst/>
@@ -11904,13 +12216,8 @@
           <a:p>
             <a:r>
               <a:rPr lang="en-US" sz="3600" dirty="0"/>
-              <a:t>Source: Tobias </a:t>
-            </a:r>
-            <a:r>
-              <a:rPr lang="en-US" sz="3600" dirty="0" err="1"/>
-              <a:t>Zwingmann</a:t>
-            </a:r>
-            <a:endParaRPr lang="en-US" sz="3600" dirty="0"/>
+              <a:t>Source: https://blog.tobiaszwingmann.com/p/ai-workflows-vs-ai-agents-vs-everything-in-between</a:t>
+            </a:r>
           </a:p>
         </p:txBody>
       </p:sp>
@@ -12029,7 +12336,7 @@
               <a:rPr lang="en-US" sz="5400" dirty="0">
                 <a:latin typeface="Aliens &amp; cows" panose="00000500000000000000" pitchFamily="2" charset="0"/>
               </a:rPr>
-              <a:t>Agentic workflows with Power Automate + Copilot Studio </a:t>
+              <a:t>Agentic workflows with Copilot Studio  + Agent Flows</a:t>
             </a:r>
           </a:p>
         </p:txBody>
@@ -12085,7 +12392,7 @@
         <p:spPr>
           <a:xfrm>
             <a:off x="228600" y="9196959"/>
-            <a:ext cx="5638800" cy="646331"/>
+            <a:ext cx="15087600" cy="1200329"/>
           </a:xfrm>
           <a:prstGeom prst="rect">
             <a:avLst/>
@@ -12100,13 +12407,8 @@
           <a:p>
             <a:r>
               <a:rPr lang="en-US" sz="3600" dirty="0"/>
-              <a:t>Source: Tobias </a:t>
-            </a:r>
-            <a:r>
-              <a:rPr lang="en-US" sz="3600" dirty="0" err="1"/>
-              <a:t>Zwingmann</a:t>
-            </a:r>
-            <a:endParaRPr lang="en-US" sz="3600" dirty="0"/>
+              <a:t>Source: https://blog.tobiaszwingmann.com/p/ai-workflows-vs-ai-agents-vs-everything-in-between</a:t>
+            </a:r>
           </a:p>
         </p:txBody>
       </p:sp>
@@ -13391,7 +13693,7 @@
           <p:nvPr/>
         </p:nvPicPr>
         <p:blipFill>
-          <a:blip r:embed="rId2">
+          <a:blip r:embed="rId3">
             <a:extLst>
               <a:ext uri="{28A0092B-C50C-407E-A947-70E740481C1C}">
                 <a14:useLocalDpi xmlns:a14="http://schemas.microsoft.com/office/drawing/2010/main" val="0"/>
@@ -13436,7 +13738,7 @@
         </p:xfrm>
         <a:graphic>
           <a:graphicData uri="http://schemas.openxmlformats.org/drawingml/2006/diagram">
-            <dgm:relIds xmlns:dgm="http://schemas.openxmlformats.org/drawingml/2006/diagram" xmlns:r="http://schemas.openxmlformats.org/officeDocument/2006/relationships" r:dm="rId3" r:lo="rId4" r:qs="rId5" r:cs="rId6"/>
+            <dgm:relIds xmlns:dgm="http://schemas.openxmlformats.org/drawingml/2006/diagram" xmlns:r="http://schemas.openxmlformats.org/officeDocument/2006/relationships" r:dm="rId4" r:lo="rId5" r:qs="rId6" r:cs="rId7"/>
           </a:graphicData>
         </a:graphic>
       </p:graphicFrame>
@@ -13564,7 +13866,7 @@
           <p:nvPr/>
         </p:nvPicPr>
         <p:blipFill>
-          <a:blip r:embed="rId2">
+          <a:blip r:embed="rId3">
             <a:extLst>
               <a:ext uri="{28A0092B-C50C-407E-A947-70E740481C1C}">
                 <a14:useLocalDpi xmlns:a14="http://schemas.microsoft.com/office/drawing/2010/main" val="0"/>
@@ -13609,7 +13911,7 @@
         </p:xfrm>
         <a:graphic>
           <a:graphicData uri="http://schemas.openxmlformats.org/drawingml/2006/diagram">
-            <dgm:relIds xmlns:dgm="http://schemas.openxmlformats.org/drawingml/2006/diagram" xmlns:r="http://schemas.openxmlformats.org/officeDocument/2006/relationships" r:dm="rId3" r:lo="rId4" r:qs="rId5" r:cs="rId6"/>
+            <dgm:relIds xmlns:dgm="http://schemas.openxmlformats.org/drawingml/2006/diagram" xmlns:r="http://schemas.openxmlformats.org/officeDocument/2006/relationships" r:dm="rId4" r:lo="rId5" r:qs="rId6" r:cs="rId7"/>
           </a:graphicData>
         </a:graphic>
       </p:graphicFrame>
@@ -14168,7 +14470,7 @@
           <p:nvPr/>
         </p:nvPicPr>
         <p:blipFill>
-          <a:blip r:embed="rId2">
+          <a:blip r:embed="rId3">
             <a:extLst>
               <a:ext uri="{28A0092B-C50C-407E-A947-70E740481C1C}">
                 <a14:useLocalDpi xmlns:a14="http://schemas.microsoft.com/office/drawing/2010/main" val="0"/>
@@ -14219,7 +14521,7 @@
           <a:p>
             <a:r>
               <a:rPr lang="en-US" sz="3600" dirty="0">
-                <a:hlinkClick r:id="rId3">
+                <a:hlinkClick r:id="rId4">
                   <a:extLst>
                     <a:ext uri="{A12FA001-AC4F-418D-AE19-62706E023703}">
                       <ahyp:hlinkClr xmlns:ahyp="http://schemas.microsoft.com/office/drawing/2018/hyperlinkcolor" val="tx"/>
@@ -14251,7 +14553,7 @@
           <p:nvPr/>
         </p:nvPicPr>
         <p:blipFill>
-          <a:blip r:embed="rId4">
+          <a:blip r:embed="rId5">
             <a:extLst>
               <a:ext uri="{28A0092B-C50C-407E-A947-70E740481C1C}">
                 <a14:useLocalDpi xmlns:a14="http://schemas.microsoft.com/office/drawing/2010/main" val="0"/>

--- a/first-excel-agent.pptx
+++ b/first-excel-agent.pptx
@@ -6168,7 +6168,7 @@
           <a:p>
             <a:fld id="{17A98A70-FA8C-4354-959C-C70678AC9BCF}" type="datetimeFigureOut">
               <a:rPr lang="en-US" smtClean="0"/>
-              <a:t>11/15/2025</a:t>
+              <a:t>11/19/2025</a:t>
             </a:fld>
             <a:endParaRPr lang="en-US"/>
           </a:p>
@@ -8230,7 +8230,7 @@
             <a:fld id="{1D8BD707-D9CF-40AE-B4C6-C98DA3205C09}" type="datetimeFigureOut">
               <a:rPr lang="en-US" smtClean="0"/>
               <a:pPr/>
-              <a:t>11/15/2025</a:t>
+              <a:t>11/19/2025</a:t>
             </a:fld>
             <a:endParaRPr lang="en-US"/>
           </a:p>
@@ -8395,7 +8395,7 @@
             <a:fld id="{1D8BD707-D9CF-40AE-B4C6-C98DA3205C09}" type="datetimeFigureOut">
               <a:rPr lang="en-US" smtClean="0"/>
               <a:pPr/>
-              <a:t>11/15/2025</a:t>
+              <a:t>11/19/2025</a:t>
             </a:fld>
             <a:endParaRPr lang="en-US"/>
           </a:p>
@@ -8570,7 +8570,7 @@
             <a:fld id="{1D8BD707-D9CF-40AE-B4C6-C98DA3205C09}" type="datetimeFigureOut">
               <a:rPr lang="en-US" smtClean="0"/>
               <a:pPr/>
-              <a:t>11/15/2025</a:t>
+              <a:t>11/19/2025</a:t>
             </a:fld>
             <a:endParaRPr lang="en-US"/>
           </a:p>
@@ -8735,7 +8735,7 @@
             <a:fld id="{1D8BD707-D9CF-40AE-B4C6-C98DA3205C09}" type="datetimeFigureOut">
               <a:rPr lang="en-US" smtClean="0"/>
               <a:pPr/>
-              <a:t>11/15/2025</a:t>
+              <a:t>11/19/2025</a:t>
             </a:fld>
             <a:endParaRPr lang="en-US"/>
           </a:p>
@@ -8977,7 +8977,7 @@
             <a:fld id="{1D8BD707-D9CF-40AE-B4C6-C98DA3205C09}" type="datetimeFigureOut">
               <a:rPr lang="en-US" smtClean="0"/>
               <a:pPr/>
-              <a:t>11/15/2025</a:t>
+              <a:t>11/19/2025</a:t>
             </a:fld>
             <a:endParaRPr lang="en-US"/>
           </a:p>
@@ -9259,7 +9259,7 @@
             <a:fld id="{1D8BD707-D9CF-40AE-B4C6-C98DA3205C09}" type="datetimeFigureOut">
               <a:rPr lang="en-US" smtClean="0"/>
               <a:pPr/>
-              <a:t>11/15/2025</a:t>
+              <a:t>11/19/2025</a:t>
             </a:fld>
             <a:endParaRPr lang="en-US"/>
           </a:p>
@@ -9675,7 +9675,7 @@
             <a:fld id="{1D8BD707-D9CF-40AE-B4C6-C98DA3205C09}" type="datetimeFigureOut">
               <a:rPr lang="en-US" smtClean="0"/>
               <a:pPr/>
-              <a:t>11/15/2025</a:t>
+              <a:t>11/19/2025</a:t>
             </a:fld>
             <a:endParaRPr lang="en-US"/>
           </a:p>
@@ -9789,7 +9789,7 @@
             <a:fld id="{1D8BD707-D9CF-40AE-B4C6-C98DA3205C09}" type="datetimeFigureOut">
               <a:rPr lang="en-US" smtClean="0"/>
               <a:pPr/>
-              <a:t>11/15/2025</a:t>
+              <a:t>11/19/2025</a:t>
             </a:fld>
             <a:endParaRPr lang="en-US"/>
           </a:p>
@@ -9881,7 +9881,7 @@
             <a:fld id="{1D8BD707-D9CF-40AE-B4C6-C98DA3205C09}" type="datetimeFigureOut">
               <a:rPr lang="en-US" smtClean="0"/>
               <a:pPr/>
-              <a:t>11/15/2025</a:t>
+              <a:t>11/19/2025</a:t>
             </a:fld>
             <a:endParaRPr lang="en-US"/>
           </a:p>
@@ -10153,7 +10153,7 @@
             <a:fld id="{1D8BD707-D9CF-40AE-B4C6-C98DA3205C09}" type="datetimeFigureOut">
               <a:rPr lang="en-US" smtClean="0"/>
               <a:pPr/>
-              <a:t>11/15/2025</a:t>
+              <a:t>11/19/2025</a:t>
             </a:fld>
             <a:endParaRPr lang="en-US"/>
           </a:p>
@@ -10402,7 +10402,7 @@
             <a:fld id="{1D8BD707-D9CF-40AE-B4C6-C98DA3205C09}" type="datetimeFigureOut">
               <a:rPr lang="en-US" smtClean="0"/>
               <a:pPr/>
-              <a:t>11/15/2025</a:t>
+              <a:t>11/19/2025</a:t>
             </a:fld>
             <a:endParaRPr lang="en-US"/>
           </a:p>
@@ -10615,7 +10615,7 @@
             <a:fld id="{1D8BD707-D9CF-40AE-B4C6-C98DA3205C09}" type="datetimeFigureOut">
               <a:rPr lang="en-US" smtClean="0"/>
               <a:pPr/>
-              <a:t>11/15/2025</a:t>
+              <a:t>11/19/2025</a:t>
             </a:fld>
             <a:endParaRPr lang="en-US"/>
           </a:p>
@@ -12547,7 +12547,7 @@
         <p:spPr>
           <a:xfrm>
             <a:off x="520860" y="1866900"/>
-            <a:ext cx="16776539" cy="3785652"/>
+            <a:ext cx="16776539" cy="6001643"/>
           </a:xfrm>
           <a:prstGeom prst="rect">
             <a:avLst/>
@@ -12647,6 +12647,49 @@
                 <a:latin typeface="Pragmatica" panose="020B0403040502020204" pitchFamily="34" charset="0"/>
               </a:rPr>
               <a:t>Get in touch to plan your next moves</a:t>
+            </a:r>
+          </a:p>
+          <a:p>
+            <a:pPr marL="1143000" lvl="1" indent="-685800">
+              <a:buClr>
+                <a:srgbClr val="CF3338"/>
+              </a:buClr>
+              <a:buFont typeface="Arial" panose="020B0604020202020204" pitchFamily="34" charset="0"/>
+              <a:buChar char="•"/>
+            </a:pPr>
+            <a:r>
+              <a:rPr lang="en-US" sz="4800" dirty="0">
+                <a:solidFill>
+                  <a:srgbClr val="707070"/>
+                </a:solidFill>
+                <a:latin typeface="Pragmatica" panose="020B0403040502020204" pitchFamily="34" charset="0"/>
+              </a:rPr>
+              <a:t>Book your spot now: </a:t>
+            </a:r>
+            <a:r>
+              <a:rPr lang="en-US" sz="4800" dirty="0">
+                <a:solidFill>
+                  <a:srgbClr val="CF3338"/>
+                </a:solidFill>
+                <a:latin typeface="Pragmatica" panose="020B0403040502020204" pitchFamily="34" charset="0"/>
+                <a:hlinkClick r:id="rId3">
+                  <a:extLst>
+                    <a:ext uri="{A12FA001-AC4F-418D-AE19-62706E023703}">
+                      <ahyp:hlinkClr xmlns:ahyp="http://schemas.microsoft.com/office/drawing/2018/hyperlinkcolor" val="tx"/>
+                    </a:ext>
+                  </a:extLst>
+                </a:hlinkClick>
+              </a:rPr>
+              <a:t>https://globalexcelsummit.com/product/becoming-a-citizen-developer-with-power-platform</a:t>
+            </a:r>
+            <a:r>
+              <a:rPr lang="en-US" sz="4800" dirty="0">
+                <a:solidFill>
+                  <a:srgbClr val="CF3338"/>
+                </a:solidFill>
+                <a:latin typeface="Pragmatica" panose="020B0403040502020204" pitchFamily="34" charset="0"/>
+              </a:rPr>
+              <a:t>  </a:t>
             </a:r>
           </a:p>
         </p:txBody>
@@ -12666,7 +12709,7 @@
           <p:nvPr/>
         </p:nvPicPr>
         <p:blipFill>
-          <a:blip r:embed="rId3">
+          <a:blip r:embed="rId4">
             <a:extLst>
               <a:ext uri="{28A0092B-C50C-407E-A947-70E740481C1C}">
                 <a14:useLocalDpi xmlns:a14="http://schemas.microsoft.com/office/drawing/2010/main" val="0"/>

--- a/first-excel-agent.pptx
+++ b/first-excel-agent.pptx
@@ -6168,7 +6168,7 @@
           <a:p>
             <a:fld id="{17A98A70-FA8C-4354-959C-C70678AC9BCF}" type="datetimeFigureOut">
               <a:rPr lang="en-US" smtClean="0"/>
-              <a:t>11/19/2025</a:t>
+              <a:t>11/20/2025</a:t>
             </a:fld>
             <a:endParaRPr lang="en-US"/>
           </a:p>
@@ -6481,8 +6481,52 @@
           <a:p>
             <a:r>
               <a:rPr lang="en-US" dirty="0"/>
-              <a:t>When we look back at Excel’s history, you can see these clear jumps in capability. Each one changed what analysts could do without leaving the tool. Formulas gave people real calculation power. PivotTables took that further with fast summarization and reporting. Power Query opened the door to repeatable data cleaning and transformation. And then Copilot arrived and added natural language on top of all of that. Each step expanded what “Excel work” could mean.</a:t>
-            </a:r>
+              <a:t>This session sets the foundation for understanding Excel’s new AI workflow.</a:t>
+            </a:r>
+            <a:br>
+              <a:rPr lang="en-US" dirty="0"/>
+            </a:br>
+            <a:r>
+              <a:rPr lang="en-US" dirty="0"/>
+              <a:t>First, we’ll look at the difference between </a:t>
+            </a:r>
+            <a:r>
+              <a:rPr lang="en-US" b="1" dirty="0"/>
+              <a:t>regular Copilot</a:t>
+            </a:r>
+            <a:r>
+              <a:rPr lang="en-US" dirty="0"/>
+              <a:t> and </a:t>
+            </a:r>
+            <a:r>
+              <a:rPr lang="en-US" b="1" dirty="0"/>
+              <a:t>Agent Mode</a:t>
+            </a:r>
+            <a:r>
+              <a:rPr lang="en-US" dirty="0"/>
+              <a:t>. Copilot responds to one-off prompts, while Agent Mode lets you build reusable tools that run logic consistently every time.</a:t>
+            </a:r>
+          </a:p>
+          <a:p>
+            <a:r>
+              <a:rPr lang="en-US" dirty="0"/>
+              <a:t>Next, we’ll build a small Agent Mode tool together using natural language prompts. The goal is to show how approachable this is, even if you’ve never automated anything before.</a:t>
+            </a:r>
+          </a:p>
+          <a:p>
+            <a:r>
+              <a:rPr lang="en-US" dirty="0"/>
+              <a:t>Finally, we’ll zoom out and place Excel Agents inside the larger Microsoft AI ecosystem. That includes how they connect to Copilot Studio, Dataverse, and the Power Platform so you can take what you build in Excel and plug it into broader workflows.</a:t>
+            </a:r>
+          </a:p>
+          <a:p>
+            <a:r>
+              <a:rPr lang="en-US" dirty="0"/>
+              <a:t>By the end, participants should understand both the “why” and the “how” behind getting started with Excel Agents.</a:t>
+            </a:r>
+          </a:p>
+          <a:p>
+            <a:endParaRPr lang="en-US" dirty="0"/>
           </a:p>
         </p:txBody>
       </p:sp>
@@ -6503,7 +6547,7 @@
           <a:p>
             <a:fld id="{FFB500C5-13F7-48FC-8160-C29AECF6C602}" type="slidenum">
               <a:rPr lang="en-US" smtClean="0"/>
-              <a:t>4</a:t>
+              <a:t>3</a:t>
             </a:fld>
             <a:endParaRPr lang="en-US"/>
           </a:p>
@@ -6512,7 +6556,7 @@
     </p:spTree>
     <p:extLst>
       <p:ext uri="{BB962C8B-B14F-4D97-AF65-F5344CB8AC3E}">
-        <p14:creationId xmlns:p14="http://schemas.microsoft.com/office/powerpoint/2010/main" val="1307367271"/>
+        <p14:creationId xmlns:p14="http://schemas.microsoft.com/office/powerpoint/2010/main" val="512122202"/>
       </p:ext>
     </p:extLst>
   </p:cSld>
@@ -6527,7 +6571,13 @@
   <p:cSld>
     <p:spTree>
       <p:nvGrpSpPr>
-        <p:cNvPr id="1" name=""/>
+        <p:cNvPr id="1" name="">
+          <a:extLst>
+            <a:ext uri="{FF2B5EF4-FFF2-40B4-BE49-F238E27FC236}">
+              <a16:creationId xmlns:a16="http://schemas.microsoft.com/office/drawing/2014/main" id="{3814B1B5-A60D-967D-49BC-6F3ABD430E95}"/>
+            </a:ext>
+          </a:extLst>
+        </p:cNvPr>
         <p:cNvGrpSpPr/>
         <p:nvPr/>
       </p:nvGrpSpPr>
@@ -6541,7 +6591,13 @@
       </p:grpSpPr>
       <p:sp>
         <p:nvSpPr>
-          <p:cNvPr id="2" name="Slide Image Placeholder 1"/>
+          <p:cNvPr id="2" name="Slide Image Placeholder 1">
+            <a:extLst>
+              <a:ext uri="{FF2B5EF4-FFF2-40B4-BE49-F238E27FC236}">
+                <a16:creationId xmlns:a16="http://schemas.microsoft.com/office/drawing/2014/main" id="{8BF92654-5E87-00BA-6746-303D497ED469}"/>
+              </a:ext>
+            </a:extLst>
+          </p:cNvPr>
           <p:cNvSpPr>
             <a:spLocks noGrp="1" noRot="1" noChangeAspect="1"/>
           </p:cNvSpPr>
@@ -6553,7 +6609,13 @@
       </p:sp>
       <p:sp>
         <p:nvSpPr>
-          <p:cNvPr id="3" name="Notes Placeholder 2"/>
+          <p:cNvPr id="3" name="Notes Placeholder 2">
+            <a:extLst>
+              <a:ext uri="{FF2B5EF4-FFF2-40B4-BE49-F238E27FC236}">
+                <a16:creationId xmlns:a16="http://schemas.microsoft.com/office/drawing/2014/main" id="{1EBC1A70-63B8-CA42-42BB-70F21EDD71D7}"/>
+              </a:ext>
+            </a:extLst>
+          </p:cNvPr>
           <p:cNvSpPr>
             <a:spLocks noGrp="1"/>
           </p:cNvSpPr>
@@ -6568,85 +6630,170 @@
           <a:p>
             <a:r>
               <a:rPr lang="en-US" dirty="0"/>
-              <a:t>This diagram shows what an automated AI workflow looks like — a sequence of predefined steps that move from a trigger to a final output. You can think of it as a chain reaction: something starts the process, different actions happen automatically, and along the way, AI steps in to add intelligence or decision-making.</a:t>
-            </a:r>
-          </a:p>
-          <a:p>
+              <a:t>“Earlier we said chatbots are </a:t>
+            </a:r>
+            <a:r>
+              <a:rPr lang="en-US" i="1" dirty="0"/>
+              <a:t>not</a:t>
+            </a:r>
             <a:r>
               <a:rPr lang="en-US" dirty="0"/>
-              <a:t>It all begins with a </a:t>
+              <a:t> agents — and that’s absolutely true in the strict Microsoft definition.</a:t>
+            </a:r>
+            <a:br>
+              <a:rPr lang="en-US" dirty="0"/>
+            </a:br>
+            <a:r>
+              <a:rPr lang="en-US" dirty="0"/>
+              <a:t>Chatbots respond.</a:t>
+            </a:r>
+            <a:br>
+              <a:rPr lang="en-US" dirty="0"/>
+            </a:br>
+            <a:r>
+              <a:rPr lang="en-US" dirty="0"/>
+              <a:t>Agents </a:t>
+            </a:r>
+            <a:r>
+              <a:rPr lang="en-US" i="1" dirty="0"/>
+              <a:t>reason</a:t>
+            </a:r>
+            <a:r>
+              <a:rPr lang="en-US" dirty="0"/>
+              <a:t> and </a:t>
+            </a:r>
+            <a:r>
+              <a:rPr lang="en-US" i="1" dirty="0"/>
+              <a:t>act</a:t>
+            </a:r>
+            <a:r>
+              <a:rPr lang="en-US" dirty="0"/>
+              <a:t>.</a:t>
+            </a:r>
+          </a:p>
+          <a:p>
+            <a:r>
+              <a:rPr lang="en-US" dirty="0"/>
+              <a:t>So why are we building a chatbot here?</a:t>
+            </a:r>
+          </a:p>
+          <a:p>
+            <a:r>
+              <a:rPr lang="en-US" dirty="0"/>
+              <a:t>Because when you’re teaching people this stuff, you need a project they can actually finish.</a:t>
+            </a:r>
+            <a:br>
+              <a:rPr lang="en-US" dirty="0"/>
+            </a:br>
+            <a:r>
+              <a:rPr lang="en-US" dirty="0"/>
+              <a:t>A fully agentic workflow takes hours and a ton of setup — environment variables, triggers, actions, tool calling, evaluation loops. It’s way too much for a short session like this.</a:t>
+            </a:r>
+          </a:p>
+          <a:p>
+            <a:r>
+              <a:rPr lang="en-US" dirty="0"/>
+              <a:t>But a Copilot Studio chatbot uses </a:t>
             </a:r>
             <a:r>
               <a:rPr lang="en-US" b="1" dirty="0"/>
-              <a:t>trigger</a:t>
+              <a:t>all the same foundational pieces</a:t>
             </a:r>
             <a:r>
               <a:rPr lang="en-US" dirty="0"/>
-              <a:t> — something that tells the workflow to start. In Excel or Power Automate, that could be a new row added to a table, a file uploaded to OneDrive, or even a scheduled time like “every Monday morning.” The trigger is what kicks everything off without you having to manually do anything.</a:t>
+              <a:t>:</a:t>
             </a:r>
           </a:p>
           <a:p>
             <a:r>
               <a:rPr lang="en-US" dirty="0"/>
-              <a:t>Then we have </a:t>
+              <a:t>intents</a:t>
+            </a:r>
+          </a:p>
+          <a:p>
+            <a:r>
+              <a:rPr lang="en-US" dirty="0"/>
+              <a:t>topics</a:t>
+            </a:r>
+          </a:p>
+          <a:p>
+            <a:r>
+              <a:rPr lang="en-US" dirty="0"/>
+              <a:t>orchestration</a:t>
+            </a:r>
+          </a:p>
+          <a:p>
+            <a:r>
+              <a:rPr lang="en-US" dirty="0"/>
+              <a:t>knowledge bases</a:t>
+            </a:r>
+          </a:p>
+          <a:p>
+            <a:r>
+              <a:rPr lang="en-US" dirty="0"/>
+              <a:t>grounding</a:t>
+            </a:r>
+          </a:p>
+          <a:p>
+            <a:r>
+              <a:rPr lang="en-US" dirty="0"/>
+              <a:t>troubleshooting AI responses</a:t>
+            </a:r>
+          </a:p>
+          <a:p>
+            <a:r>
+              <a:rPr lang="en-US" dirty="0"/>
+              <a:t>In other words, building a chatbot is the </a:t>
             </a:r>
             <a:r>
               <a:rPr lang="en-US" b="1" dirty="0"/>
-              <a:t>Step 1</a:t>
+              <a:t>on-ramp</a:t>
             </a:r>
             <a:r>
               <a:rPr lang="en-US" dirty="0"/>
-              <a:t>, which is often a preparation step. Maybe it’s collecting the data, formatting it, or sending it into Excel. This could be where Power Automate connects to a SharePoint list, a form submission, or a Teams message and feeds that data into your workbook.</a:t>
-            </a:r>
-          </a:p>
-          <a:p>
-            <a:r>
+              <a:t> to building real enterprise agents.</a:t>
+            </a:r>
+            <a:br>
               <a:rPr lang="en-US" dirty="0"/>
-              <a:t>Next comes the </a:t>
-            </a:r>
+            </a:br>
+            <a:r>
+              <a:rPr lang="en-US" dirty="0"/>
+              <a:t>This is exactly how Microsoft teaches the progression internally:</a:t>
+            </a:r>
+            <a:br>
+              <a:rPr lang="en-US" dirty="0"/>
+            </a:br>
             <a:r>
               <a:rPr lang="en-US" b="1" dirty="0"/>
-              <a:t>AI Step</a:t>
-            </a:r>
+              <a:t>Chatbot → Copilot → Agent → Automated agentic workflow.</a:t>
+            </a:r>
+            <a:endParaRPr lang="en-US" dirty="0"/>
+          </a:p>
+          <a:p>
             <a:r>
               <a:rPr lang="en-US" dirty="0"/>
-              <a:t> — this is where Copilot or another AI model gets involved. This could be an AI Builder action inside Power Automate that summarizes text, classifies feedback, or extracts key details from a document. Or it might be Copilot inside Excel generating a formula, building a chart, or explaining data patterns automatically. The AI step takes what used to be manual analysis and turns it into an automated, intelligent action.</a:t>
-            </a:r>
-          </a:p>
-          <a:p>
+              <a:t>So what we’re building today is not a full-blown agent — it’s a </a:t>
+            </a:r>
+            <a:r>
+              <a:rPr lang="en-US" i="1" dirty="0"/>
+              <a:t>teachable slice</a:t>
+            </a:r>
             <a:r>
               <a:rPr lang="en-US" dirty="0"/>
-              <a:t>After that, there can be more steps — maybe sending results back to Excel, notifying someone in Teams, or updating a dashboard. Each step builds on the last, flowing seamlessly without human intervention.</a:t>
-            </a:r>
-          </a:p>
-          <a:p>
-            <a:r>
-              <a:rPr lang="en-US" dirty="0"/>
-              <a:t>Finally, we reach the </a:t>
-            </a:r>
-            <a:r>
-              <a:rPr lang="en-US" b="1" dirty="0"/>
-              <a:t>output</a:t>
-            </a:r>
-            <a:r>
-              <a:rPr lang="en-US" dirty="0"/>
-              <a:t>, which is the end goal of the automation. That might be a refreshed Excel report, an email summary, or a new dataset ready for review. The beauty of it is that the whole process runs automatically once it’s designed — no constant copying, pasting, or checking formulas.</a:t>
-            </a:r>
-          </a:p>
-          <a:p>
-            <a:r>
-              <a:rPr lang="en-US" dirty="0"/>
-              <a:t>So, in short, this kind of workflow connects automation tools like Power Automate with AI capabilities from Copilot or AI Builder to take everyday Excel tasks — things like reporting, data cleaning, or summarizing — and turn them into intelligent, repeatable processes.</a:t>
-            </a:r>
-          </a:p>
-          <a:p>
-            <a:endParaRPr lang="en-US" dirty="0"/>
+              <a:t> of the agent stack that fits in the time we have and still gives you a meaningful, publishable artifact. After this, you’ll know how to plug in Excel knowledge, how to structure your copilots, and how to combine them with Agent Mode later.”</a:t>
+            </a:r>
           </a:p>
         </p:txBody>
       </p:sp>
       <p:sp>
         <p:nvSpPr>
-          <p:cNvPr id="4" name="Slide Number Placeholder 3"/>
+          <p:cNvPr id="4" name="Slide Number Placeholder 3">
+            <a:extLst>
+              <a:ext uri="{FF2B5EF4-FFF2-40B4-BE49-F238E27FC236}">
+                <a16:creationId xmlns:a16="http://schemas.microsoft.com/office/drawing/2014/main" id="{62A5ACB8-FCC1-D3E3-8AE3-DDDF3FBF49DE}"/>
+              </a:ext>
+            </a:extLst>
+          </p:cNvPr>
           <p:cNvSpPr>
             <a:spLocks noGrp="1"/>
           </p:cNvSpPr>
@@ -6659,9 +6806,9 @@
           <a:bodyPr/>
           <a:lstStyle/>
           <a:p>
-            <a:fld id="{FFB500C5-13F7-48FC-8160-C29AECF6C602}" type="slidenum">
+            <a:fld id="{1300335D-9F13-4B80-ADC5-B0EA3E10FF6B}" type="slidenum">
               <a:rPr lang="en-US" smtClean="0"/>
-              <a:t>14</a:t>
+              <a:t>12</a:t>
             </a:fld>
             <a:endParaRPr lang="en-US"/>
           </a:p>
@@ -6670,7 +6817,7 @@
     </p:spTree>
     <p:extLst>
       <p:ext uri="{BB962C8B-B14F-4D97-AF65-F5344CB8AC3E}">
-        <p14:creationId xmlns:p14="http://schemas.microsoft.com/office/powerpoint/2010/main" val="4064505773"/>
+        <p14:creationId xmlns:p14="http://schemas.microsoft.com/office/powerpoint/2010/main" val="2699619239"/>
       </p:ext>
     </p:extLst>
   </p:cSld>
@@ -6726,32 +6873,79 @@
           <a:p>
             <a:r>
               <a:rPr lang="en-US" dirty="0"/>
-              <a:t>This diagram shows the core idea behind an agentic workflow. Everything starts with a trigger. That could be a scheduled time, a user action, an event in another system, or even a message. Once the trigger fires, control passes to the AI </a:t>
-            </a:r>
-            <a:r>
-              <a:rPr lang="en-US" dirty="0" err="1"/>
-              <a:t>agent.The</a:t>
-            </a:r>
+              <a:t>This diagram shows what an automated AI workflow looks like — a sequence of predefined steps that move from a trigger to a final output. You can think of it as a chain reaction: something starts the process, different actions happen automatically, and along the way, AI steps in to add intelligence or decision-making.</a:t>
+            </a:r>
+          </a:p>
+          <a:p>
             <a:r>
               <a:rPr lang="en-US" dirty="0"/>
-              <a:t> agent’s job is to figure out the steps needed to reach the goal. And the important part is that the agent isn’t just following a script. It can draw on three things: the instructions you gave it, the memory it has access to, and the tools it’s allowed to use. Those might include connectors, APIs, retrieval sources, or actions in Power </a:t>
-            </a:r>
-            <a:r>
-              <a:rPr lang="en-US" dirty="0" err="1"/>
-              <a:t>Automate.From</a:t>
+              <a:t>It all begins with a </a:t>
+            </a:r>
+            <a:r>
+              <a:rPr lang="en-US" b="1" dirty="0"/>
+              <a:t>trigger</a:t>
             </a:r>
             <a:r>
               <a:rPr lang="en-US" dirty="0"/>
-              <a:t> there, the agent decides which actions to take and in what order. It keeps adjusting based on the context it sees, and it keeps working until it produces an output. That output might be a document, a dataset, a message, an update in a system, or something else </a:t>
-            </a:r>
-            <a:r>
-              <a:rPr lang="en-US" dirty="0" err="1"/>
-              <a:t>entirely.So</a:t>
-            </a:r>
+              <a:t> — something that tells the workflow to start. In Excel or Power Automate, that could be a new row added to a table, a file uploaded to OneDrive, or even a scheduled time like “every Monday morning.” The trigger is what kicks everything off without you having to manually do anything.</a:t>
+            </a:r>
+          </a:p>
+          <a:p>
             <a:r>
               <a:rPr lang="en-US" dirty="0"/>
-              <a:t> even though we’re building this in Copilot Studio, the workflow here is very agent-like. It’s not just a single prompt. It’s a goal-directed system that figures out the how on its own.</a:t>
-            </a:r>
+              <a:t>Then we have </a:t>
+            </a:r>
+            <a:r>
+              <a:rPr lang="en-US" b="1" dirty="0"/>
+              <a:t>Step 1</a:t>
+            </a:r>
+            <a:r>
+              <a:rPr lang="en-US" dirty="0"/>
+              <a:t>, which is often a preparation step. Maybe it’s collecting the data, formatting it, or sending it into Excel. This could be where Power Automate connects to a SharePoint list, a form submission, or a Teams message and feeds that data into your workbook.</a:t>
+            </a:r>
+          </a:p>
+          <a:p>
+            <a:r>
+              <a:rPr lang="en-US" dirty="0"/>
+              <a:t>Next comes the </a:t>
+            </a:r>
+            <a:r>
+              <a:rPr lang="en-US" b="1" dirty="0"/>
+              <a:t>AI Step</a:t>
+            </a:r>
+            <a:r>
+              <a:rPr lang="en-US" dirty="0"/>
+              <a:t> — this is where Copilot or another AI model gets involved. This could be an AI Builder action inside Power Automate that summarizes text, classifies feedback, or extracts key details from a document. Or it might be Copilot inside Excel generating a formula, building a chart, or explaining data patterns automatically. The AI step takes what used to be manual analysis and turns it into an automated, intelligent action.</a:t>
+            </a:r>
+          </a:p>
+          <a:p>
+            <a:r>
+              <a:rPr lang="en-US" dirty="0"/>
+              <a:t>After that, there can be more steps — maybe sending results back to Excel, notifying someone in Teams, or updating a dashboard. Each step builds on the last, flowing seamlessly without human intervention.</a:t>
+            </a:r>
+          </a:p>
+          <a:p>
+            <a:r>
+              <a:rPr lang="en-US" dirty="0"/>
+              <a:t>Finally, we reach the </a:t>
+            </a:r>
+            <a:r>
+              <a:rPr lang="en-US" b="1" dirty="0"/>
+              <a:t>output</a:t>
+            </a:r>
+            <a:r>
+              <a:rPr lang="en-US" dirty="0"/>
+              <a:t>, which is the end goal of the automation. That might be a refreshed Excel report, an email summary, or a new dataset ready for review. The beauty of it is that the whole process runs automatically once it’s designed — no constant copying, pasting, or checking formulas.</a:t>
+            </a:r>
+          </a:p>
+          <a:p>
+            <a:r>
+              <a:rPr lang="en-US" dirty="0"/>
+              <a:t>So, in short, this kind of workflow connects automation tools like Power Automate with AI capabilities from Copilot or AI Builder to take everyday Excel tasks — things like reporting, data cleaning, or summarizing — and turn them into intelligent, repeatable processes.</a:t>
+            </a:r>
+          </a:p>
+          <a:p>
+            <a:endParaRPr lang="en-US" dirty="0"/>
           </a:p>
         </p:txBody>
       </p:sp>
@@ -6772,6 +6966,117 @@
           <a:p>
             <a:fld id="{FFB500C5-13F7-48FC-8160-C29AECF6C602}" type="slidenum">
               <a:rPr lang="en-US" smtClean="0"/>
+              <a:t>14</a:t>
+            </a:fld>
+            <a:endParaRPr lang="en-US"/>
+          </a:p>
+        </p:txBody>
+      </p:sp>
+    </p:spTree>
+    <p:extLst>
+      <p:ext uri="{BB962C8B-B14F-4D97-AF65-F5344CB8AC3E}">
+        <p14:creationId xmlns:p14="http://schemas.microsoft.com/office/powerpoint/2010/main" val="4064505773"/>
+      </p:ext>
+    </p:extLst>
+  </p:cSld>
+  <p:clrMapOvr>
+    <a:masterClrMapping/>
+  </p:clrMapOvr>
+</p:notes>
+</file>
+
+<file path=ppt/notesSlides/notesSlide12.xml><?xml version="1.0" encoding="utf-8"?>
+<p:notes xmlns:a="http://schemas.openxmlformats.org/drawingml/2006/main" xmlns:r="http://schemas.openxmlformats.org/officeDocument/2006/relationships" xmlns:p="http://schemas.openxmlformats.org/presentationml/2006/main">
+  <p:cSld>
+    <p:spTree>
+      <p:nvGrpSpPr>
+        <p:cNvPr id="1" name=""/>
+        <p:cNvGrpSpPr/>
+        <p:nvPr/>
+      </p:nvGrpSpPr>
+      <p:grpSpPr>
+        <a:xfrm>
+          <a:off x="0" y="0"/>
+          <a:ext cx="0" cy="0"/>
+          <a:chOff x="0" y="0"/>
+          <a:chExt cx="0" cy="0"/>
+        </a:xfrm>
+      </p:grpSpPr>
+      <p:sp>
+        <p:nvSpPr>
+          <p:cNvPr id="2" name="Slide Image Placeholder 1"/>
+          <p:cNvSpPr>
+            <a:spLocks noGrp="1" noRot="1" noChangeAspect="1"/>
+          </p:cNvSpPr>
+          <p:nvPr>
+            <p:ph type="sldImg"/>
+          </p:nvPr>
+        </p:nvSpPr>
+        <p:spPr/>
+      </p:sp>
+      <p:sp>
+        <p:nvSpPr>
+          <p:cNvPr id="3" name="Notes Placeholder 2"/>
+          <p:cNvSpPr>
+            <a:spLocks noGrp="1"/>
+          </p:cNvSpPr>
+          <p:nvPr>
+            <p:ph type="body" idx="1"/>
+          </p:nvPr>
+        </p:nvSpPr>
+        <p:spPr/>
+        <p:txBody>
+          <a:bodyPr/>
+          <a:lstStyle/>
+          <a:p>
+            <a:r>
+              <a:rPr lang="en-US" dirty="0"/>
+              <a:t>This diagram shows the core idea behind an agentic workflow. Everything starts with a trigger. That could be a scheduled time, a user action, an event in another system, or even a message. Once the trigger fires, control passes to the AI </a:t>
+            </a:r>
+            <a:r>
+              <a:rPr lang="en-US" dirty="0" err="1"/>
+              <a:t>agent.The</a:t>
+            </a:r>
+            <a:r>
+              <a:rPr lang="en-US" dirty="0"/>
+              <a:t> agent’s job is to figure out the steps needed to reach the goal. And the important part is that the agent isn’t just following a script. It can draw on three things: the instructions you gave it, the memory it has access to, and the tools it’s allowed to use. Those might include connectors, APIs, retrieval sources, or actions in Power </a:t>
+            </a:r>
+            <a:r>
+              <a:rPr lang="en-US" dirty="0" err="1"/>
+              <a:t>Automate.From</a:t>
+            </a:r>
+            <a:r>
+              <a:rPr lang="en-US" dirty="0"/>
+              <a:t> there, the agent decides which actions to take and in what order. It keeps adjusting based on the context it sees, and it keeps working until it produces an output. That output might be a document, a dataset, a message, an update in a system, or something else </a:t>
+            </a:r>
+            <a:r>
+              <a:rPr lang="en-US" dirty="0" err="1"/>
+              <a:t>entirely.So</a:t>
+            </a:r>
+            <a:r>
+              <a:rPr lang="en-US" dirty="0"/>
+              <a:t> even though we’re building this in Copilot Studio, the workflow here is very agent-like. It’s not just a single prompt. It’s a goal-directed system that figures out the how on its own.</a:t>
+            </a:r>
+          </a:p>
+        </p:txBody>
+      </p:sp>
+      <p:sp>
+        <p:nvSpPr>
+          <p:cNvPr id="4" name="Slide Number Placeholder 3"/>
+          <p:cNvSpPr>
+            <a:spLocks noGrp="1"/>
+          </p:cNvSpPr>
+          <p:nvPr>
+            <p:ph type="sldNum" sz="quarter" idx="5"/>
+          </p:nvPr>
+        </p:nvSpPr>
+        <p:spPr/>
+        <p:txBody>
+          <a:bodyPr/>
+          <a:lstStyle/>
+          <a:p>
+            <a:fld id="{FFB500C5-13F7-48FC-8160-C29AECF6C602}" type="slidenum">
+              <a:rPr lang="en-US" smtClean="0"/>
               <a:t>15</a:t>
             </a:fld>
             <a:endParaRPr lang="en-US"/>
@@ -6791,7 +7096,7 @@
 </p:notes>
 </file>
 
-<file path=ppt/notesSlides/notesSlide12.xml><?xml version="1.0" encoding="utf-8"?>
+<file path=ppt/notesSlides/notesSlide13.xml><?xml version="1.0" encoding="utf-8"?>
 <p:notes xmlns:a="http://schemas.openxmlformats.org/drawingml/2006/main" xmlns:r="http://schemas.openxmlformats.org/officeDocument/2006/relationships" xmlns:p="http://schemas.openxmlformats.org/presentationml/2006/main">
   <p:cSld>
     <p:spTree>
@@ -6960,15 +7265,7 @@
           <a:p>
             <a:r>
               <a:rPr lang="en-US" dirty="0"/>
-              <a:t>And now we’re at the next step. AI agents aren’t just another feature. They represent a shift from you doing the work </a:t>
-            </a:r>
-            <a:r>
-              <a:rPr lang="en-US" i="1" dirty="0"/>
-              <a:t>inside</a:t>
-            </a:r>
-            <a:r>
-              <a:rPr lang="en-US" dirty="0"/>
-              <a:t> Excel to Excel coordinating work for you across tools, data, and processes. This is the same kind of leap we saw when Power Query arrived, but bigger. It means we can start automating decisions, workflows, and tasks that used to take multiple systems and a lot of manual effort. Today I’ll show you what that looks like in practice and how Excel users can take advantage of it right now.</a:t>
+              <a:t>When we look back at Excel’s history, you can see these clear jumps in capability. Each one changed what analysts could do without leaving the tool. Formulas gave people real calculation power. PivotTables took that further with fast summarization and reporting. Power Query opened the door to repeatable data cleaning and transformation. And then Copilot arrived and added natural language on top of all of that. Each step expanded what “Excel work” could mean.</a:t>
             </a:r>
           </a:p>
         </p:txBody>
@@ -6990,7 +7287,7 @@
           <a:p>
             <a:fld id="{FFB500C5-13F7-48FC-8160-C29AECF6C602}" type="slidenum">
               <a:rPr lang="en-US" smtClean="0"/>
-              <a:t>5</a:t>
+              <a:t>4</a:t>
             </a:fld>
             <a:endParaRPr lang="en-US"/>
           </a:p>
@@ -6999,7 +7296,7 @@
     </p:spTree>
     <p:extLst>
       <p:ext uri="{BB962C8B-B14F-4D97-AF65-F5344CB8AC3E}">
-        <p14:creationId xmlns:p14="http://schemas.microsoft.com/office/powerpoint/2010/main" val="27251802"/>
+        <p14:creationId xmlns:p14="http://schemas.microsoft.com/office/powerpoint/2010/main" val="1307367271"/>
       </p:ext>
     </p:extLst>
   </p:cSld>
@@ -7053,49 +7350,18 @@
           <a:bodyPr/>
           <a:lstStyle/>
           <a:p>
-            <a:pPr marL="158750" indent="0">
-              <a:buNone/>
-            </a:pPr>
             <a:r>
               <a:rPr lang="en-US" dirty="0"/>
-              <a:t>When Microsoft uses the word “agent,” they’re talking about something more advanced than a normal chatbot. An agent is meant to understand a goal, break it down into steps, and then take actions to complete those steps. So instead of you asking a quick question and getting an answer, an agent can actually carry out a workflow on your behalf.</a:t>
-            </a:r>
-          </a:p>
-          <a:p>
-            <a:pPr marL="158750" indent="0">
-              <a:buNone/>
-            </a:pPr>
-            <a:endParaRPr lang="en-US" dirty="0"/>
-          </a:p>
-          <a:p>
-            <a:pPr marL="158750" indent="0">
-              <a:buNone/>
-            </a:pPr>
+              <a:t>And now we’re at the next step. AI agents aren’t just another feature. They represent a shift from you doing the work </a:t>
+            </a:r>
+            <a:r>
+              <a:rPr lang="en-US" i="1" dirty="0"/>
+              <a:t>inside</a:t>
+            </a:r>
             <a:r>
               <a:rPr lang="en-US" dirty="0"/>
-              <a:t>It can use memory, tools, and signals from its environment to stay oriented. That means it doesn’t lose the thread every time you ask something new. It can keep track of what you’re trying to accomplish and move the task forward.</a:t>
-            </a:r>
-          </a:p>
-          <a:p>
-            <a:pPr marL="158750" indent="0">
-              <a:buNone/>
-            </a:pPr>
-            <a:endParaRPr lang="en-US" dirty="0"/>
-          </a:p>
-          <a:p>
-            <a:pPr marL="158750" indent="0">
-              <a:buNone/>
-            </a:pPr>
-            <a:r>
-              <a:rPr lang="en-US" dirty="0"/>
-              <a:t>Microsoft also emphasizes that agents are autonomous but still bounded. They operate inside rules, safety constraints, and context so they can take initiative without running off and doing unpredictable things. This is the shift we’re stepping into: Excel isn’t just giving you answers, it’s starting to *do work* for you.</a:t>
-            </a:r>
-          </a:p>
-          <a:p>
-            <a:pPr marL="158750" indent="0">
-              <a:buNone/>
-            </a:pPr>
-            <a:endParaRPr lang="en-US" dirty="0"/>
+              <a:t> Excel to Excel coordinating work for you across tools, data, and processes. This is the same kind of leap we saw when Power Query arrived, but bigger. It means we can start automating decisions, workflows, and tasks that used to take multiple systems and a lot of manual effort. Today I’ll show you what that looks like in practice and how Excel users can take advantage of it right now.</a:t>
+            </a:r>
           </a:p>
         </p:txBody>
       </p:sp>
@@ -7116,6 +7382,132 @@
           <a:p>
             <a:fld id="{FFB500C5-13F7-48FC-8160-C29AECF6C602}" type="slidenum">
               <a:rPr lang="en-US" smtClean="0"/>
+              <a:t>5</a:t>
+            </a:fld>
+            <a:endParaRPr lang="en-US"/>
+          </a:p>
+        </p:txBody>
+      </p:sp>
+    </p:spTree>
+    <p:extLst>
+      <p:ext uri="{BB962C8B-B14F-4D97-AF65-F5344CB8AC3E}">
+        <p14:creationId xmlns:p14="http://schemas.microsoft.com/office/powerpoint/2010/main" val="27251802"/>
+      </p:ext>
+    </p:extLst>
+  </p:cSld>
+  <p:clrMapOvr>
+    <a:masterClrMapping/>
+  </p:clrMapOvr>
+</p:notes>
+</file>
+
+<file path=ppt/notesSlides/notesSlide4.xml><?xml version="1.0" encoding="utf-8"?>
+<p:notes xmlns:a="http://schemas.openxmlformats.org/drawingml/2006/main" xmlns:r="http://schemas.openxmlformats.org/officeDocument/2006/relationships" xmlns:p="http://schemas.openxmlformats.org/presentationml/2006/main">
+  <p:cSld>
+    <p:spTree>
+      <p:nvGrpSpPr>
+        <p:cNvPr id="1" name=""/>
+        <p:cNvGrpSpPr/>
+        <p:nvPr/>
+      </p:nvGrpSpPr>
+      <p:grpSpPr>
+        <a:xfrm>
+          <a:off x="0" y="0"/>
+          <a:ext cx="0" cy="0"/>
+          <a:chOff x="0" y="0"/>
+          <a:chExt cx="0" cy="0"/>
+        </a:xfrm>
+      </p:grpSpPr>
+      <p:sp>
+        <p:nvSpPr>
+          <p:cNvPr id="2" name="Slide Image Placeholder 1"/>
+          <p:cNvSpPr>
+            <a:spLocks noGrp="1" noRot="1" noChangeAspect="1"/>
+          </p:cNvSpPr>
+          <p:nvPr>
+            <p:ph type="sldImg"/>
+          </p:nvPr>
+        </p:nvSpPr>
+        <p:spPr/>
+      </p:sp>
+      <p:sp>
+        <p:nvSpPr>
+          <p:cNvPr id="3" name="Notes Placeholder 2"/>
+          <p:cNvSpPr>
+            <a:spLocks noGrp="1"/>
+          </p:cNvSpPr>
+          <p:nvPr>
+            <p:ph type="body" idx="1"/>
+          </p:nvPr>
+        </p:nvSpPr>
+        <p:spPr/>
+        <p:txBody>
+          <a:bodyPr/>
+          <a:lstStyle/>
+          <a:p>
+            <a:pPr marL="158750" indent="0">
+              <a:buNone/>
+            </a:pPr>
+            <a:r>
+              <a:rPr lang="en-US" dirty="0"/>
+              <a:t>When Microsoft uses the word “agent,” they’re talking about something more advanced than a normal chatbot. An agent is meant to understand a goal, break it down into steps, and then take actions to complete those steps. So instead of you asking a quick question and getting an answer, an agent can actually carry out a workflow on your behalf.</a:t>
+            </a:r>
+          </a:p>
+          <a:p>
+            <a:pPr marL="158750" indent="0">
+              <a:buNone/>
+            </a:pPr>
+            <a:endParaRPr lang="en-US" dirty="0"/>
+          </a:p>
+          <a:p>
+            <a:pPr marL="158750" indent="0">
+              <a:buNone/>
+            </a:pPr>
+            <a:r>
+              <a:rPr lang="en-US" dirty="0"/>
+              <a:t>It can use memory, tools, and signals from its environment to stay oriented. That means it doesn’t lose the thread every time you ask something new. It can keep track of what you’re trying to accomplish and move the task forward.</a:t>
+            </a:r>
+          </a:p>
+          <a:p>
+            <a:pPr marL="158750" indent="0">
+              <a:buNone/>
+            </a:pPr>
+            <a:endParaRPr lang="en-US" dirty="0"/>
+          </a:p>
+          <a:p>
+            <a:pPr marL="158750" indent="0">
+              <a:buNone/>
+            </a:pPr>
+            <a:r>
+              <a:rPr lang="en-US" dirty="0"/>
+              <a:t>Microsoft also emphasizes that agents are autonomous but still bounded. They operate inside rules, safety constraints, and context so they can take initiative without running off and doing unpredictable things. This is the shift we’re stepping into: Excel isn’t just giving you answers, it’s starting to *do work* for you.</a:t>
+            </a:r>
+          </a:p>
+          <a:p>
+            <a:pPr marL="158750" indent="0">
+              <a:buNone/>
+            </a:pPr>
+            <a:endParaRPr lang="en-US" dirty="0"/>
+          </a:p>
+        </p:txBody>
+      </p:sp>
+      <p:sp>
+        <p:nvSpPr>
+          <p:cNvPr id="4" name="Slide Number Placeholder 3"/>
+          <p:cNvSpPr>
+            <a:spLocks noGrp="1"/>
+          </p:cNvSpPr>
+          <p:nvPr>
+            <p:ph type="sldNum" sz="quarter" idx="5"/>
+          </p:nvPr>
+        </p:nvSpPr>
+        <p:spPr/>
+        <p:txBody>
+          <a:bodyPr/>
+          <a:lstStyle/>
+          <a:p>
+            <a:fld id="{FFB500C5-13F7-48FC-8160-C29AECF6C602}" type="slidenum">
+              <a:rPr lang="en-US" smtClean="0"/>
               <a:t>6</a:t>
             </a:fld>
             <a:endParaRPr lang="en-US"/>
@@ -7135,7 +7527,7 @@
 </p:notes>
 </file>
 
-<file path=ppt/notesSlides/notesSlide4.xml><?xml version="1.0" encoding="utf-8"?>
+<file path=ppt/notesSlides/notesSlide5.xml><?xml version="1.0" encoding="utf-8"?>
 <p:notes xmlns:a="http://schemas.openxmlformats.org/drawingml/2006/main" xmlns:r="http://schemas.openxmlformats.org/officeDocument/2006/relationships" xmlns:p="http://schemas.openxmlformats.org/presentationml/2006/main">
   <p:cSld>
     <p:spTree>
@@ -7197,6 +7589,54 @@
           <a:bodyPr/>
           <a:lstStyle/>
           <a:p>
+            <a:r>
+              <a:rPr lang="en-US" dirty="0"/>
+              <a:t>In this demo we’re showing how Agent Mode supports two complementary roles.</a:t>
+            </a:r>
+          </a:p>
+          <a:p>
+            <a:r>
+              <a:rPr lang="en-US" dirty="0"/>
+              <a:t>First, the </a:t>
+            </a:r>
+            <a:r>
+              <a:rPr lang="en-US" b="1" dirty="0"/>
+              <a:t>Researcher agent</a:t>
+            </a:r>
+            <a:r>
+              <a:rPr lang="en-US" dirty="0"/>
+              <a:t>. This agent is all about framing the problem before we touch any data. It helps us clarify the business question, gather context, and surface assumptions or missing information. The goal is to make sure we’re solving the right problem rather than jumping straight into formulas or code.</a:t>
+            </a:r>
+          </a:p>
+          <a:p>
+            <a:r>
+              <a:rPr lang="en-US" dirty="0"/>
+              <a:t>Then we move to the </a:t>
+            </a:r>
+            <a:r>
+              <a:rPr lang="en-US" b="1" dirty="0"/>
+              <a:t>Analyst agent</a:t>
+            </a:r>
+            <a:r>
+              <a:rPr lang="en-US" dirty="0"/>
+              <a:t>. This one takes the clarified question and actually works with the dataset. It analyzes, visualizes, and executes the tasks we define. This separation mirrors real analyst workflows: one phase is about thinking, the other is about producing.</a:t>
+            </a:r>
+          </a:p>
+          <a:p>
+            <a:r>
+              <a:rPr lang="en-US" dirty="0"/>
+              <a:t>We’ll walk through both agents using the dataset in </a:t>
+            </a:r>
+            <a:r>
+              <a:rPr lang="en-US" i="1" dirty="0"/>
+              <a:t>analyst-researcher.xlsx</a:t>
+            </a:r>
+            <a:r>
+              <a:rPr lang="en-US" dirty="0"/>
+              <a:t>. The idea is to show how these agents can work together to create a more structured, repeatable analytic process inside Excel.</a:t>
+            </a:r>
+          </a:p>
+          <a:p>
             <a:pPr marL="0" indent="0">
               <a:buNone/>
             </a:pPr>
@@ -7237,135 +7677,6 @@
     <p:extLst>
       <p:ext uri="{BB962C8B-B14F-4D97-AF65-F5344CB8AC3E}">
         <p14:creationId xmlns:p14="http://schemas.microsoft.com/office/powerpoint/2010/main" val="683163244"/>
-      </p:ext>
-    </p:extLst>
-  </p:cSld>
-  <p:clrMapOvr>
-    <a:masterClrMapping/>
-  </p:clrMapOvr>
-</p:notes>
-</file>
-
-<file path=ppt/notesSlides/notesSlide5.xml><?xml version="1.0" encoding="utf-8"?>
-<p:notes xmlns:a="http://schemas.openxmlformats.org/drawingml/2006/main" xmlns:r="http://schemas.openxmlformats.org/officeDocument/2006/relationships" xmlns:p="http://schemas.openxmlformats.org/presentationml/2006/main">
-  <p:cSld>
-    <p:spTree>
-      <p:nvGrpSpPr>
-        <p:cNvPr id="1" name=""/>
-        <p:cNvGrpSpPr/>
-        <p:nvPr/>
-      </p:nvGrpSpPr>
-      <p:grpSpPr>
-        <a:xfrm>
-          <a:off x="0" y="0"/>
-          <a:ext cx="0" cy="0"/>
-          <a:chOff x="0" y="0"/>
-          <a:chExt cx="0" cy="0"/>
-        </a:xfrm>
-      </p:grpSpPr>
-      <p:sp>
-        <p:nvSpPr>
-          <p:cNvPr id="2" name="Slide Image Placeholder 1"/>
-          <p:cNvSpPr>
-            <a:spLocks noGrp="1" noRot="1" noChangeAspect="1"/>
-          </p:cNvSpPr>
-          <p:nvPr>
-            <p:ph type="sldImg"/>
-          </p:nvPr>
-        </p:nvSpPr>
-        <p:spPr/>
-      </p:sp>
-      <p:sp>
-        <p:nvSpPr>
-          <p:cNvPr id="3" name="Notes Placeholder 2"/>
-          <p:cNvSpPr>
-            <a:spLocks noGrp="1"/>
-          </p:cNvSpPr>
-          <p:nvPr>
-            <p:ph type="body" idx="1"/>
-          </p:nvPr>
-        </p:nvSpPr>
-        <p:spPr/>
-        <p:txBody>
-          <a:bodyPr/>
-          <a:lstStyle/>
-          <a:p>
-            <a:r>
-              <a:rPr lang="en-US" dirty="0"/>
-              <a:t>This framework helps make sense of all the vocabulary we’ve been talking about. Instead of treating “copilots” and “agents” as fuzzy marketing terms, it breaks things down by two dimensions: how integrated the tool is with your systems, and how much automation it can actually perform.</a:t>
-            </a:r>
-          </a:p>
-          <a:p>
-            <a:endParaRPr lang="en-US" dirty="0"/>
-          </a:p>
-          <a:p>
-            <a:r>
-              <a:rPr lang="en-US" dirty="0"/>
-              <a:t>In the top left, you have copilots. They’re highly integrated because they sit inside your existing apps, but they still rely on you to drive the workflow. They improve your work, but they don’t take it over.</a:t>
-            </a:r>
-          </a:p>
-          <a:p>
-            <a:endParaRPr lang="en-US" dirty="0"/>
-          </a:p>
-          <a:p>
-            <a:r>
-              <a:rPr lang="en-US" dirty="0"/>
-              <a:t>On the right, you have agents. They combine that same level of integration with the ability to take multi-step actions on their own. So they’re not just responding to you, they’re actually completing tasks across systems.</a:t>
-            </a:r>
-          </a:p>
-          <a:p>
-            <a:endParaRPr lang="en-US" dirty="0"/>
-          </a:p>
-          <a:p>
-            <a:r>
-              <a:rPr lang="en-US" dirty="0"/>
-              <a:t>Below that, you have assistants and autopilots. These are less connected to your internal data and tools, even if some of them can automate quite a bit.</a:t>
-            </a:r>
-          </a:p>
-          <a:p>
-            <a:endParaRPr lang="en-US" dirty="0"/>
-          </a:p>
-          <a:p>
-            <a:r>
-              <a:rPr lang="en-US" dirty="0"/>
-              <a:t>The main idea here is that Excel is moving from the “copilot” box toward the “agent” box. That’s why everything suddenly feels like it’s changing. It isn’t just giving you answers anymore — it’s starting to orchestrate real work.</a:t>
-            </a:r>
-          </a:p>
-          <a:p>
-            <a:endParaRPr lang="en-US" dirty="0"/>
-          </a:p>
-          <a:p>
-            <a:endParaRPr lang="en-US" dirty="0"/>
-          </a:p>
-        </p:txBody>
-      </p:sp>
-      <p:sp>
-        <p:nvSpPr>
-          <p:cNvPr id="4" name="Slide Number Placeholder 3"/>
-          <p:cNvSpPr>
-            <a:spLocks noGrp="1"/>
-          </p:cNvSpPr>
-          <p:nvPr>
-            <p:ph type="sldNum" sz="quarter" idx="5"/>
-          </p:nvPr>
-        </p:nvSpPr>
-        <p:spPr/>
-        <p:txBody>
-          <a:bodyPr/>
-          <a:lstStyle/>
-          <a:p>
-            <a:fld id="{FFB500C5-13F7-48FC-8160-C29AECF6C602}" type="slidenum">
-              <a:rPr lang="en-US" smtClean="0"/>
-              <a:t>8</a:t>
-            </a:fld>
-            <a:endParaRPr lang="en-US"/>
-          </a:p>
-        </p:txBody>
-      </p:sp>
-    </p:spTree>
-    <p:extLst>
-      <p:ext uri="{BB962C8B-B14F-4D97-AF65-F5344CB8AC3E}">
-        <p14:creationId xmlns:p14="http://schemas.microsoft.com/office/powerpoint/2010/main" val="2771570579"/>
       </p:ext>
     </p:extLst>
   </p:cSld>
@@ -7420,54 +7731,51 @@
           <a:lstStyle/>
           <a:p>
             <a:r>
-              <a:rPr lang="en-US" sz="900" dirty="0"/>
-              <a:t>When people hear Copilot and Agent Mode, they often assume they are the same thing, but they represent very different stages in how AI works inside Excel.</a:t>
-            </a:r>
-          </a:p>
-          <a:p>
-            <a:endParaRPr lang="en-US" sz="900" dirty="0"/>
-          </a:p>
-          <a:p>
-            <a:r>
-              <a:rPr lang="en-US" sz="900" dirty="0"/>
-              <a:t>Copilot is what most of us have used so far. It is a great assistant when you need to generate a formula, summarize some data, or clean up a quick report. You ask it a question, it gives an answer, and then it is up to you to decide what to do next. It is reactive. It waits for your prompt each time.</a:t>
-            </a:r>
-          </a:p>
-          <a:p>
-            <a:endParaRPr lang="en-US" sz="900" dirty="0"/>
-          </a:p>
-          <a:p>
-            <a:r>
-              <a:rPr lang="en-US" sz="900" dirty="0"/>
-              <a:t>Agent Mode takes this a step further. Instead of a single prompt and response, the agent can plan, execute, and evaluate multiple steps on its own. It does not just answer you, it actually works with you, refining its approach until it gets the result right. Think of it as the difference between giving someone an instruction versus giving them a project.</a:t>
-            </a:r>
-          </a:p>
-          <a:p>
-            <a:endParaRPr lang="en-US" sz="900" dirty="0"/>
-          </a:p>
-          <a:p>
-            <a:r>
-              <a:rPr lang="en-US" sz="900" dirty="0"/>
-              <a:t>That also changes your role as the analyst. With Copilot, you are still the one doing the work, just faster. With Agent Mode, you become more of a manager or reviewer, someone who guides, oversees, and checks the agent’s work. The focus shifts from “Can I get this formula right?” to “Can I structure and verify the workflow my agent is running?”</a:t>
-            </a:r>
-          </a:p>
-          <a:p>
-            <a:endParaRPr lang="en-US" sz="900" dirty="0"/>
-          </a:p>
-          <a:p>
-            <a:r>
-              <a:rPr lang="en-US" sz="900" dirty="0"/>
-              <a:t>In terms of output, Copilot is great for speed. You will get something usable right away. Agent Mode is built for reliability. It double checks itself, validates formulas, and produces outputs that are more auditable and refreshable. That is what makes it better suited for more complex or higher stakes workflows like financial models, reconciliations, or recurring dashboards.</a:t>
-            </a:r>
-          </a:p>
-          <a:p>
-            <a:endParaRPr lang="en-US" sz="900" dirty="0"/>
-          </a:p>
-          <a:p>
-            <a:r>
-              <a:rPr lang="en-US" sz="900" dirty="0"/>
-              <a:t>So the short version is: Copilot accelerates your work. Agent Mode begins to do the work. The real opportunity for Excel professionals is learning how to manage and guide these new digital teammates effectively.</a:t>
-            </a:r>
+              <a:rPr lang="en-US" dirty="0"/>
+              <a:t>This framework helps make sense of all the vocabulary we’ve been talking about. Instead of treating “copilots” and “agents” as fuzzy marketing terms, it breaks things down by two dimensions: how integrated the tool is with your systems, and how much automation it can actually perform.</a:t>
+            </a:r>
+          </a:p>
+          <a:p>
+            <a:endParaRPr lang="en-US" dirty="0"/>
+          </a:p>
+          <a:p>
+            <a:r>
+              <a:rPr lang="en-US" dirty="0"/>
+              <a:t>In the top left, you have copilots. They’re highly integrated because they sit inside your existing apps, but they still rely on you to drive the workflow. They improve your work, but they don’t take it over.</a:t>
+            </a:r>
+          </a:p>
+          <a:p>
+            <a:endParaRPr lang="en-US" dirty="0"/>
+          </a:p>
+          <a:p>
+            <a:r>
+              <a:rPr lang="en-US" dirty="0"/>
+              <a:t>On the right, you have agents. They combine that same level of integration with the ability to take multi-step actions on their own. So they’re not just responding to you, they’re actually completing tasks across systems.</a:t>
+            </a:r>
+          </a:p>
+          <a:p>
+            <a:endParaRPr lang="en-US" dirty="0"/>
+          </a:p>
+          <a:p>
+            <a:r>
+              <a:rPr lang="en-US" dirty="0"/>
+              <a:t>Below that, you have assistants and autopilots. These are less connected to your internal data and tools, even if some of them can automate quite a bit.</a:t>
+            </a:r>
+          </a:p>
+          <a:p>
+            <a:endParaRPr lang="en-US" dirty="0"/>
+          </a:p>
+          <a:p>
+            <a:r>
+              <a:rPr lang="en-US" dirty="0"/>
+              <a:t>The main idea here is that Excel is moving from the “copilot” box toward the “agent” box. That’s why everything suddenly feels like it’s changing. It isn’t just giving you answers anymore — it’s starting to orchestrate real work.</a:t>
+            </a:r>
+          </a:p>
+          <a:p>
+            <a:endParaRPr lang="en-US" dirty="0"/>
+          </a:p>
+          <a:p>
+            <a:endParaRPr lang="en-US" dirty="0"/>
           </a:p>
         </p:txBody>
       </p:sp>
@@ -7488,7 +7796,7 @@
           <a:p>
             <a:fld id="{FFB500C5-13F7-48FC-8160-C29AECF6C602}" type="slidenum">
               <a:rPr lang="en-US" smtClean="0"/>
-              <a:t>9</a:t>
+              <a:t>8</a:t>
             </a:fld>
             <a:endParaRPr lang="en-US"/>
           </a:p>
@@ -7497,7 +7805,7 @@
     </p:spTree>
     <p:extLst>
       <p:ext uri="{BB962C8B-B14F-4D97-AF65-F5344CB8AC3E}">
-        <p14:creationId xmlns:p14="http://schemas.microsoft.com/office/powerpoint/2010/main" val="2986116311"/>
+        <p14:creationId xmlns:p14="http://schemas.microsoft.com/office/powerpoint/2010/main" val="2771570579"/>
       </p:ext>
     </p:extLst>
   </p:cSld>
@@ -7551,36 +7859,54 @@
           <a:bodyPr/>
           <a:lstStyle/>
           <a:p>
-            <a:pPr marL="0" indent="0">
-              <a:buNone/>
-            </a:pPr>
-            <a:r>
-              <a:rPr lang="en-US" dirty="0"/>
-              <a:t>For this exercise, we’re going to experiment with Agent Mode using a simple workbook called agent-mode.xlsx. The goal isn’t to “finish” anything perfectly — the goal is to see how the agent behaves with different kinds of </a:t>
-            </a:r>
-            <a:r>
-              <a:rPr lang="en-US" dirty="0" err="1"/>
-              <a:t>tasks.I’ve</a:t>
-            </a:r>
-            <a:r>
-              <a:rPr lang="en-US" dirty="0"/>
-              <a:t> given you three example use cases to try. The loan calculator is a straightforward structured task. Variance analysis introduces more contextual decision-making. And the monthly close pack is intentionally a little messy, because that’s what real work often looks like. Try a couple of these and see how far Agent Mode gets before it needs </a:t>
-            </a:r>
-            <a:r>
-              <a:rPr lang="en-US" dirty="0" err="1"/>
-              <a:t>clarification.As</a:t>
-            </a:r>
-            <a:r>
-              <a:rPr lang="en-US" dirty="0"/>
-              <a:t> you’re working, pay attention to what the agent does well. Does it follow instructions? Does it break down the task correctly? And just as important, notice where it stalls or gives vague answers. Those gaps tell us a lot about where the technology is </a:t>
-            </a:r>
-            <a:r>
-              <a:rPr lang="en-US" dirty="0" err="1"/>
-              <a:t>today.Finally</a:t>
-            </a:r>
-            <a:r>
-              <a:rPr lang="en-US" dirty="0"/>
-              <a:t>, think about how this fits in with the other AI tools we’ve talked about. When should something be a Power Query step? When should it be a Copilot prompt? When should it be an Agent Mode workflow? The more you tease that apart, the easier it becomes to choose the right tool in real work.</a:t>
+            <a:r>
+              <a:rPr lang="en-US" sz="900" dirty="0"/>
+              <a:t>When people hear Copilot and Agent Mode, they often assume they are the same thing, but they represent very different stages in how AI works inside Excel.</a:t>
+            </a:r>
+          </a:p>
+          <a:p>
+            <a:endParaRPr lang="en-US" sz="900" dirty="0"/>
+          </a:p>
+          <a:p>
+            <a:r>
+              <a:rPr lang="en-US" sz="900" dirty="0"/>
+              <a:t>Copilot is what most of us have used so far. It is a great assistant when you need to generate a formula, summarize some data, or clean up a quick report. You ask it a question, it gives an answer, and then it is up to you to decide what to do next. It is reactive. It waits for your prompt each time.</a:t>
+            </a:r>
+          </a:p>
+          <a:p>
+            <a:endParaRPr lang="en-US" sz="900" dirty="0"/>
+          </a:p>
+          <a:p>
+            <a:r>
+              <a:rPr lang="en-US" sz="900" dirty="0"/>
+              <a:t>Agent Mode takes this a step further. Instead of a single prompt and response, the agent can plan, execute, and evaluate multiple steps on its own. It does not just answer you, it actually works with you, refining its approach until it gets the result right. Think of it as the difference between giving someone an instruction versus giving them a project.</a:t>
+            </a:r>
+          </a:p>
+          <a:p>
+            <a:endParaRPr lang="en-US" sz="900" dirty="0"/>
+          </a:p>
+          <a:p>
+            <a:r>
+              <a:rPr lang="en-US" sz="900" dirty="0"/>
+              <a:t>That also changes your role as the analyst. With Copilot, you are still the one doing the work, just faster. With Agent Mode, you become more of a manager or reviewer, someone who guides, oversees, and checks the agent’s work. The focus shifts from “Can I get this formula right?” to “Can I structure and verify the workflow my agent is running?”</a:t>
+            </a:r>
+          </a:p>
+          <a:p>
+            <a:endParaRPr lang="en-US" sz="900" dirty="0"/>
+          </a:p>
+          <a:p>
+            <a:r>
+              <a:rPr lang="en-US" sz="900" dirty="0"/>
+              <a:t>In terms of output, Copilot is great for speed. You will get something usable right away. Agent Mode is built for reliability. It double checks itself, validates formulas, and produces outputs that are more auditable and refreshable. That is what makes it better suited for more complex or higher stakes workflows like financial models, reconciliations, or recurring dashboards.</a:t>
+            </a:r>
+          </a:p>
+          <a:p>
+            <a:endParaRPr lang="en-US" sz="900" dirty="0"/>
+          </a:p>
+          <a:p>
+            <a:r>
+              <a:rPr lang="en-US" sz="900" dirty="0"/>
+              <a:t>So the short version is: Copilot accelerates your work. Agent Mode begins to do the work. The real opportunity for Excel professionals is learning how to manage and guide these new digital teammates effectively.</a:t>
             </a:r>
           </a:p>
         </p:txBody>
@@ -7600,6 +7926,120 @@
           <a:bodyPr/>
           <a:lstStyle/>
           <a:p>
+            <a:fld id="{FFB500C5-13F7-48FC-8160-C29AECF6C602}" type="slidenum">
+              <a:rPr lang="en-US" smtClean="0"/>
+              <a:t>9</a:t>
+            </a:fld>
+            <a:endParaRPr lang="en-US"/>
+          </a:p>
+        </p:txBody>
+      </p:sp>
+    </p:spTree>
+    <p:extLst>
+      <p:ext uri="{BB962C8B-B14F-4D97-AF65-F5344CB8AC3E}">
+        <p14:creationId xmlns:p14="http://schemas.microsoft.com/office/powerpoint/2010/main" val="2986116311"/>
+      </p:ext>
+    </p:extLst>
+  </p:cSld>
+  <p:clrMapOvr>
+    <a:masterClrMapping/>
+  </p:clrMapOvr>
+</p:notes>
+</file>
+
+<file path=ppt/notesSlides/notesSlide8.xml><?xml version="1.0" encoding="utf-8"?>
+<p:notes xmlns:a="http://schemas.openxmlformats.org/drawingml/2006/main" xmlns:r="http://schemas.openxmlformats.org/officeDocument/2006/relationships" xmlns:p="http://schemas.openxmlformats.org/presentationml/2006/main">
+  <p:cSld>
+    <p:spTree>
+      <p:nvGrpSpPr>
+        <p:cNvPr id="1" name=""/>
+        <p:cNvGrpSpPr/>
+        <p:nvPr/>
+      </p:nvGrpSpPr>
+      <p:grpSpPr>
+        <a:xfrm>
+          <a:off x="0" y="0"/>
+          <a:ext cx="0" cy="0"/>
+          <a:chOff x="0" y="0"/>
+          <a:chExt cx="0" cy="0"/>
+        </a:xfrm>
+      </p:grpSpPr>
+      <p:sp>
+        <p:nvSpPr>
+          <p:cNvPr id="2" name="Slide Image Placeholder 1"/>
+          <p:cNvSpPr>
+            <a:spLocks noGrp="1" noRot="1" noChangeAspect="1"/>
+          </p:cNvSpPr>
+          <p:nvPr>
+            <p:ph type="sldImg"/>
+          </p:nvPr>
+        </p:nvSpPr>
+        <p:spPr/>
+      </p:sp>
+      <p:sp>
+        <p:nvSpPr>
+          <p:cNvPr id="3" name="Notes Placeholder 2"/>
+          <p:cNvSpPr>
+            <a:spLocks noGrp="1"/>
+          </p:cNvSpPr>
+          <p:nvPr>
+            <p:ph type="body" idx="1"/>
+          </p:nvPr>
+        </p:nvSpPr>
+        <p:spPr/>
+        <p:txBody>
+          <a:bodyPr/>
+          <a:lstStyle/>
+          <a:p>
+            <a:pPr marL="0" indent="0">
+              <a:buNone/>
+            </a:pPr>
+            <a:r>
+              <a:rPr lang="en-US" dirty="0"/>
+              <a:t>For this exercise, we’re going to experiment with Agent Mode using a simple workbook called agent-mode.xlsx. The goal isn’t to “finish” anything perfectly — the goal is to see how the agent behaves with different kinds of </a:t>
+            </a:r>
+            <a:r>
+              <a:rPr lang="en-US" dirty="0" err="1"/>
+              <a:t>tasks.I’ve</a:t>
+            </a:r>
+            <a:r>
+              <a:rPr lang="en-US" dirty="0"/>
+              <a:t> given you three example use cases to try. The loan calculator is a straightforward structured task. Variance analysis introduces more contextual decision-making. And the monthly close pack is intentionally a little messy, because that’s what real work often looks like. Try a couple of these and see how far Agent Mode gets before it needs </a:t>
+            </a:r>
+            <a:r>
+              <a:rPr lang="en-US" dirty="0" err="1"/>
+              <a:t>clarification.As</a:t>
+            </a:r>
+            <a:r>
+              <a:rPr lang="en-US" dirty="0"/>
+              <a:t> you’re working, pay attention to what the agent does well. Does it follow instructions? Does it break down the task correctly? And just as important, notice where it stalls or gives vague answers. Those gaps tell us a lot about where the technology is </a:t>
+            </a:r>
+            <a:r>
+              <a:rPr lang="en-US" dirty="0" err="1"/>
+              <a:t>today.Finally</a:t>
+            </a:r>
+            <a:r>
+              <a:rPr lang="en-US" dirty="0"/>
+              <a:t>, think about how this fits in with the other AI tools we’ve talked about. When should something be a Power Query step? When should it be a Copilot prompt? When should it be an Agent Mode workflow? The more you tease that apart, the easier it becomes to choose the right tool in real work.</a:t>
+            </a:r>
+          </a:p>
+        </p:txBody>
+      </p:sp>
+      <p:sp>
+        <p:nvSpPr>
+          <p:cNvPr id="4" name="Slide Number Placeholder 3"/>
+          <p:cNvSpPr>
+            <a:spLocks noGrp="1"/>
+          </p:cNvSpPr>
+          <p:nvPr>
+            <p:ph type="sldNum" sz="quarter" idx="5"/>
+          </p:nvPr>
+        </p:nvSpPr>
+        <p:spPr/>
+        <p:txBody>
+          <a:bodyPr/>
+          <a:lstStyle/>
+          <a:p>
             <a:fld id="{1300335D-9F13-4B80-ADC5-B0EA3E10FF6B}" type="slidenum">
               <a:rPr lang="en-US" smtClean="0"/>
               <a:t>10</a:t>
@@ -7621,7 +8061,7 @@
 </p:notes>
 </file>
 
-<file path=ppt/notesSlides/notesSlide8.xml><?xml version="1.0" encoding="utf-8"?>
+<file path=ppt/notesSlides/notesSlide9.xml><?xml version="1.0" encoding="utf-8"?>
 <p:notes xmlns:a="http://schemas.openxmlformats.org/drawingml/2006/main" xmlns:r="http://schemas.openxmlformats.org/officeDocument/2006/relationships" xmlns:p="http://schemas.openxmlformats.org/presentationml/2006/main">
   <p:cSld>
     <p:spTree>
@@ -7780,267 +8220,6 @@
     <p:extLst>
       <p:ext uri="{BB962C8B-B14F-4D97-AF65-F5344CB8AC3E}">
         <p14:creationId xmlns:p14="http://schemas.microsoft.com/office/powerpoint/2010/main" val="649170800"/>
-      </p:ext>
-    </p:extLst>
-  </p:cSld>
-  <p:clrMapOvr>
-    <a:masterClrMapping/>
-  </p:clrMapOvr>
-</p:notes>
-</file>
-
-<file path=ppt/notesSlides/notesSlide9.xml><?xml version="1.0" encoding="utf-8"?>
-<p:notes xmlns:a="http://schemas.openxmlformats.org/drawingml/2006/main" xmlns:r="http://schemas.openxmlformats.org/officeDocument/2006/relationships" xmlns:p="http://schemas.openxmlformats.org/presentationml/2006/main">
-  <p:cSld>
-    <p:spTree>
-      <p:nvGrpSpPr>
-        <p:cNvPr id="1" name="">
-          <a:extLst>
-            <a:ext uri="{FF2B5EF4-FFF2-40B4-BE49-F238E27FC236}">
-              <a16:creationId xmlns:a16="http://schemas.microsoft.com/office/drawing/2014/main" id="{3814B1B5-A60D-967D-49BC-6F3ABD430E95}"/>
-            </a:ext>
-          </a:extLst>
-        </p:cNvPr>
-        <p:cNvGrpSpPr/>
-        <p:nvPr/>
-      </p:nvGrpSpPr>
-      <p:grpSpPr>
-        <a:xfrm>
-          <a:off x="0" y="0"/>
-          <a:ext cx="0" cy="0"/>
-          <a:chOff x="0" y="0"/>
-          <a:chExt cx="0" cy="0"/>
-        </a:xfrm>
-      </p:grpSpPr>
-      <p:sp>
-        <p:nvSpPr>
-          <p:cNvPr id="2" name="Slide Image Placeholder 1">
-            <a:extLst>
-              <a:ext uri="{FF2B5EF4-FFF2-40B4-BE49-F238E27FC236}">
-                <a16:creationId xmlns:a16="http://schemas.microsoft.com/office/drawing/2014/main" id="{8BF92654-5E87-00BA-6746-303D497ED469}"/>
-              </a:ext>
-            </a:extLst>
-          </p:cNvPr>
-          <p:cNvSpPr>
-            <a:spLocks noGrp="1" noRot="1" noChangeAspect="1"/>
-          </p:cNvSpPr>
-          <p:nvPr>
-            <p:ph type="sldImg"/>
-          </p:nvPr>
-        </p:nvSpPr>
-        <p:spPr/>
-      </p:sp>
-      <p:sp>
-        <p:nvSpPr>
-          <p:cNvPr id="3" name="Notes Placeholder 2">
-            <a:extLst>
-              <a:ext uri="{FF2B5EF4-FFF2-40B4-BE49-F238E27FC236}">
-                <a16:creationId xmlns:a16="http://schemas.microsoft.com/office/drawing/2014/main" id="{1EBC1A70-63B8-CA42-42BB-70F21EDD71D7}"/>
-              </a:ext>
-            </a:extLst>
-          </p:cNvPr>
-          <p:cNvSpPr>
-            <a:spLocks noGrp="1"/>
-          </p:cNvSpPr>
-          <p:nvPr>
-            <p:ph type="body" idx="1"/>
-          </p:nvPr>
-        </p:nvSpPr>
-        <p:spPr/>
-        <p:txBody>
-          <a:bodyPr/>
-          <a:lstStyle/>
-          <a:p>
-            <a:r>
-              <a:rPr lang="en-US" dirty="0"/>
-              <a:t>“Earlier we said chatbots are </a:t>
-            </a:r>
-            <a:r>
-              <a:rPr lang="en-US" i="1" dirty="0"/>
-              <a:t>not</a:t>
-            </a:r>
-            <a:r>
-              <a:rPr lang="en-US" dirty="0"/>
-              <a:t> agents — and that’s absolutely true in the strict Microsoft definition.</a:t>
-            </a:r>
-            <a:br>
-              <a:rPr lang="en-US" dirty="0"/>
-            </a:br>
-            <a:r>
-              <a:rPr lang="en-US" dirty="0"/>
-              <a:t>Chatbots respond.</a:t>
-            </a:r>
-            <a:br>
-              <a:rPr lang="en-US" dirty="0"/>
-            </a:br>
-            <a:r>
-              <a:rPr lang="en-US" dirty="0"/>
-              <a:t>Agents </a:t>
-            </a:r>
-            <a:r>
-              <a:rPr lang="en-US" i="1" dirty="0"/>
-              <a:t>reason</a:t>
-            </a:r>
-            <a:r>
-              <a:rPr lang="en-US" dirty="0"/>
-              <a:t> and </a:t>
-            </a:r>
-            <a:r>
-              <a:rPr lang="en-US" i="1" dirty="0"/>
-              <a:t>act</a:t>
-            </a:r>
-            <a:r>
-              <a:rPr lang="en-US" dirty="0"/>
-              <a:t>.</a:t>
-            </a:r>
-          </a:p>
-          <a:p>
-            <a:r>
-              <a:rPr lang="en-US" dirty="0"/>
-              <a:t>So why are we building a chatbot here?</a:t>
-            </a:r>
-          </a:p>
-          <a:p>
-            <a:r>
-              <a:rPr lang="en-US" dirty="0"/>
-              <a:t>Because when you’re teaching people this stuff, you need a project they can actually finish.</a:t>
-            </a:r>
-            <a:br>
-              <a:rPr lang="en-US" dirty="0"/>
-            </a:br>
-            <a:r>
-              <a:rPr lang="en-US" dirty="0"/>
-              <a:t>A fully agentic workflow takes hours and a ton of setup — environment variables, triggers, actions, tool calling, evaluation loops. It’s way too much for a short session like this.</a:t>
-            </a:r>
-          </a:p>
-          <a:p>
-            <a:r>
-              <a:rPr lang="en-US" dirty="0"/>
-              <a:t>But a Copilot Studio chatbot uses </a:t>
-            </a:r>
-            <a:r>
-              <a:rPr lang="en-US" b="1" dirty="0"/>
-              <a:t>all the same foundational pieces</a:t>
-            </a:r>
-            <a:r>
-              <a:rPr lang="en-US" dirty="0"/>
-              <a:t>:</a:t>
-            </a:r>
-          </a:p>
-          <a:p>
-            <a:r>
-              <a:rPr lang="en-US" dirty="0"/>
-              <a:t>intents</a:t>
-            </a:r>
-          </a:p>
-          <a:p>
-            <a:r>
-              <a:rPr lang="en-US" dirty="0"/>
-              <a:t>topics</a:t>
-            </a:r>
-          </a:p>
-          <a:p>
-            <a:r>
-              <a:rPr lang="en-US" dirty="0"/>
-              <a:t>orchestration</a:t>
-            </a:r>
-          </a:p>
-          <a:p>
-            <a:r>
-              <a:rPr lang="en-US" dirty="0"/>
-              <a:t>knowledge bases</a:t>
-            </a:r>
-          </a:p>
-          <a:p>
-            <a:r>
-              <a:rPr lang="en-US" dirty="0"/>
-              <a:t>grounding</a:t>
-            </a:r>
-          </a:p>
-          <a:p>
-            <a:r>
-              <a:rPr lang="en-US" dirty="0"/>
-              <a:t>troubleshooting AI responses</a:t>
-            </a:r>
-          </a:p>
-          <a:p>
-            <a:r>
-              <a:rPr lang="en-US" dirty="0"/>
-              <a:t>In other words, building a chatbot is the </a:t>
-            </a:r>
-            <a:r>
-              <a:rPr lang="en-US" b="1" dirty="0"/>
-              <a:t>on-ramp</a:t>
-            </a:r>
-            <a:r>
-              <a:rPr lang="en-US" dirty="0"/>
-              <a:t> to building real enterprise agents.</a:t>
-            </a:r>
-            <a:br>
-              <a:rPr lang="en-US" dirty="0"/>
-            </a:br>
-            <a:r>
-              <a:rPr lang="en-US" dirty="0"/>
-              <a:t>This is exactly how Microsoft teaches the progression internally:</a:t>
-            </a:r>
-            <a:br>
-              <a:rPr lang="en-US" dirty="0"/>
-            </a:br>
-            <a:r>
-              <a:rPr lang="en-US" b="1" dirty="0"/>
-              <a:t>Chatbot → Copilot → Agent → Automated agentic workflow.</a:t>
-            </a:r>
-            <a:endParaRPr lang="en-US" dirty="0"/>
-          </a:p>
-          <a:p>
-            <a:r>
-              <a:rPr lang="en-US" dirty="0"/>
-              <a:t>So what we’re building today is not a full-blown agent — it’s a </a:t>
-            </a:r>
-            <a:r>
-              <a:rPr lang="en-US" i="1" dirty="0"/>
-              <a:t>teachable slice</a:t>
-            </a:r>
-            <a:r>
-              <a:rPr lang="en-US" dirty="0"/>
-              <a:t> of the agent stack that fits in the time we have and still gives you a meaningful, publishable artifact. After this, you’ll know how to plug in Excel knowledge, how to structure your copilots, and how to combine them with Agent Mode later.”</a:t>
-            </a:r>
-          </a:p>
-        </p:txBody>
-      </p:sp>
-      <p:sp>
-        <p:nvSpPr>
-          <p:cNvPr id="4" name="Slide Number Placeholder 3">
-            <a:extLst>
-              <a:ext uri="{FF2B5EF4-FFF2-40B4-BE49-F238E27FC236}">
-                <a16:creationId xmlns:a16="http://schemas.microsoft.com/office/drawing/2014/main" id="{62A5ACB8-FCC1-D3E3-8AE3-DDDF3FBF49DE}"/>
-              </a:ext>
-            </a:extLst>
-          </p:cNvPr>
-          <p:cNvSpPr>
-            <a:spLocks noGrp="1"/>
-          </p:cNvSpPr>
-          <p:nvPr>
-            <p:ph type="sldNum" sz="quarter" idx="5"/>
-          </p:nvPr>
-        </p:nvSpPr>
-        <p:spPr/>
-        <p:txBody>
-          <a:bodyPr/>
-          <a:lstStyle/>
-          <a:p>
-            <a:fld id="{1300335D-9F13-4B80-ADC5-B0EA3E10FF6B}" type="slidenum">
-              <a:rPr lang="en-US" smtClean="0"/>
-              <a:t>12</a:t>
-            </a:fld>
-            <a:endParaRPr lang="en-US"/>
-          </a:p>
-        </p:txBody>
-      </p:sp>
-    </p:spTree>
-    <p:extLst>
-      <p:ext uri="{BB962C8B-B14F-4D97-AF65-F5344CB8AC3E}">
-        <p14:creationId xmlns:p14="http://schemas.microsoft.com/office/powerpoint/2010/main" val="2699619239"/>
       </p:ext>
     </p:extLst>
   </p:cSld>
@@ -8230,7 +8409,7 @@
             <a:fld id="{1D8BD707-D9CF-40AE-B4C6-C98DA3205C09}" type="datetimeFigureOut">
               <a:rPr lang="en-US" smtClean="0"/>
               <a:pPr/>
-              <a:t>11/19/2025</a:t>
+              <a:t>11/20/2025</a:t>
             </a:fld>
             <a:endParaRPr lang="en-US"/>
           </a:p>
@@ -8395,7 +8574,7 @@
             <a:fld id="{1D8BD707-D9CF-40AE-B4C6-C98DA3205C09}" type="datetimeFigureOut">
               <a:rPr lang="en-US" smtClean="0"/>
               <a:pPr/>
-              <a:t>11/19/2025</a:t>
+              <a:t>11/20/2025</a:t>
             </a:fld>
             <a:endParaRPr lang="en-US"/>
           </a:p>
@@ -8570,7 +8749,7 @@
             <a:fld id="{1D8BD707-D9CF-40AE-B4C6-C98DA3205C09}" type="datetimeFigureOut">
               <a:rPr lang="en-US" smtClean="0"/>
               <a:pPr/>
-              <a:t>11/19/2025</a:t>
+              <a:t>11/20/2025</a:t>
             </a:fld>
             <a:endParaRPr lang="en-US"/>
           </a:p>
@@ -8735,7 +8914,7 @@
             <a:fld id="{1D8BD707-D9CF-40AE-B4C6-C98DA3205C09}" type="datetimeFigureOut">
               <a:rPr lang="en-US" smtClean="0"/>
               <a:pPr/>
-              <a:t>11/19/2025</a:t>
+              <a:t>11/20/2025</a:t>
             </a:fld>
             <a:endParaRPr lang="en-US"/>
           </a:p>
@@ -8977,7 +9156,7 @@
             <a:fld id="{1D8BD707-D9CF-40AE-B4C6-C98DA3205C09}" type="datetimeFigureOut">
               <a:rPr lang="en-US" smtClean="0"/>
               <a:pPr/>
-              <a:t>11/19/2025</a:t>
+              <a:t>11/20/2025</a:t>
             </a:fld>
             <a:endParaRPr lang="en-US"/>
           </a:p>
@@ -9259,7 +9438,7 @@
             <a:fld id="{1D8BD707-D9CF-40AE-B4C6-C98DA3205C09}" type="datetimeFigureOut">
               <a:rPr lang="en-US" smtClean="0"/>
               <a:pPr/>
-              <a:t>11/19/2025</a:t>
+              <a:t>11/20/2025</a:t>
             </a:fld>
             <a:endParaRPr lang="en-US"/>
           </a:p>
@@ -9675,7 +9854,7 @@
             <a:fld id="{1D8BD707-D9CF-40AE-B4C6-C98DA3205C09}" type="datetimeFigureOut">
               <a:rPr lang="en-US" smtClean="0"/>
               <a:pPr/>
-              <a:t>11/19/2025</a:t>
+              <a:t>11/20/2025</a:t>
             </a:fld>
             <a:endParaRPr lang="en-US"/>
           </a:p>
@@ -9789,7 +9968,7 @@
             <a:fld id="{1D8BD707-D9CF-40AE-B4C6-C98DA3205C09}" type="datetimeFigureOut">
               <a:rPr lang="en-US" smtClean="0"/>
               <a:pPr/>
-              <a:t>11/19/2025</a:t>
+              <a:t>11/20/2025</a:t>
             </a:fld>
             <a:endParaRPr lang="en-US"/>
           </a:p>
@@ -9881,7 +10060,7 @@
             <a:fld id="{1D8BD707-D9CF-40AE-B4C6-C98DA3205C09}" type="datetimeFigureOut">
               <a:rPr lang="en-US" smtClean="0"/>
               <a:pPr/>
-              <a:t>11/19/2025</a:t>
+              <a:t>11/20/2025</a:t>
             </a:fld>
             <a:endParaRPr lang="en-US"/>
           </a:p>
@@ -10153,7 +10332,7 @@
             <a:fld id="{1D8BD707-D9CF-40AE-B4C6-C98DA3205C09}" type="datetimeFigureOut">
               <a:rPr lang="en-US" smtClean="0"/>
               <a:pPr/>
-              <a:t>11/19/2025</a:t>
+              <a:t>11/20/2025</a:t>
             </a:fld>
             <a:endParaRPr lang="en-US"/>
           </a:p>
@@ -10402,7 +10581,7 @@
             <a:fld id="{1D8BD707-D9CF-40AE-B4C6-C98DA3205C09}" type="datetimeFigureOut">
               <a:rPr lang="en-US" smtClean="0"/>
               <a:pPr/>
-              <a:t>11/19/2025</a:t>
+              <a:t>11/20/2025</a:t>
             </a:fld>
             <a:endParaRPr lang="en-US"/>
           </a:p>
@@ -10615,7 +10794,7 @@
             <a:fld id="{1D8BD707-D9CF-40AE-B4C6-C98DA3205C09}" type="datetimeFigureOut">
               <a:rPr lang="en-US" smtClean="0"/>
               <a:pPr/>
-              <a:t>11/19/2025</a:t>
+              <a:t>11/20/2025</a:t>
             </a:fld>
             <a:endParaRPr lang="en-US"/>
           </a:p>
@@ -11269,7 +11448,7 @@
         <p:spPr>
           <a:xfrm>
             <a:off x="260431" y="329879"/>
-            <a:ext cx="8906720" cy="8490401"/>
+            <a:ext cx="8906720" cy="10047431"/>
           </a:xfrm>
           <a:prstGeom prst="rect">
             <a:avLst/>
@@ -11448,11 +11627,59 @@
               </a:rPr>
               <a:t>How does this relate to other tools in the Excel AI stack?</a:t>
             </a:r>
+          </a:p>
+          <a:p>
+            <a:pPr marL="142875">
+              <a:lnSpc>
+                <a:spcPct val="115000"/>
+              </a:lnSpc>
+              <a:spcBef>
+                <a:spcPts val="1125"/>
+              </a:spcBef>
+              <a:buClr>
+                <a:srgbClr val="C00000"/>
+              </a:buClr>
+              <a:buSzPts val="2100"/>
+            </a:pPr>
+            <a:r>
+              <a:rPr lang="en-US" sz="3600" dirty="0">
+                <a:solidFill>
+                  <a:srgbClr val="C00000"/>
+                </a:solidFill>
+                <a:latin typeface="Pragmatica" panose="020B0403040502020204"/>
+                <a:sym typeface="Consolas"/>
+              </a:rPr>
+              <a:t>Workbook: </a:t>
+            </a:r>
+            <a:r>
+              <a:rPr lang="en-US" sz="3600" dirty="0">
+                <a:solidFill>
+                  <a:srgbClr val="C00000"/>
+                </a:solidFill>
+                <a:latin typeface="Consolas" panose="020B0609020204030204" pitchFamily="49" charset="0"/>
+                <a:sym typeface="Consolas"/>
+              </a:rPr>
+              <a:t>agent-mode.xlsx</a:t>
+            </a:r>
+          </a:p>
+          <a:p>
+            <a:pPr marL="142875">
+              <a:lnSpc>
+                <a:spcPct val="115000"/>
+              </a:lnSpc>
+              <a:spcBef>
+                <a:spcPts val="1125"/>
+              </a:spcBef>
+              <a:buClr>
+                <a:srgbClr val="C00000"/>
+              </a:buClr>
+              <a:buSzPts val="2100"/>
+            </a:pPr>
             <a:endParaRPr lang="en-US" sz="3600" dirty="0">
               <a:solidFill>
                 <a:srgbClr val="C00000"/>
               </a:solidFill>
-              <a:latin typeface="Consolas" panose="020B0609020204030204" pitchFamily="49" charset="0"/>
+              <a:latin typeface="Pragmatica" panose="020B0403040502020204"/>
               <a:sym typeface="Consolas"/>
             </a:endParaRPr>
           </a:p>
@@ -13627,7 +13854,7 @@
           <p:nvPr/>
         </p:nvPicPr>
         <p:blipFill>
-          <a:blip r:embed="rId2">
+          <a:blip r:embed="rId3">
             <a:extLst>
               <a:ext uri="{28A0092B-C50C-407E-A947-70E740481C1C}">
                 <a14:useLocalDpi xmlns:a14="http://schemas.microsoft.com/office/drawing/2010/main" val="0"/>
@@ -14073,7 +14300,7 @@
                 </a:solidFill>
                 <a:latin typeface="Pragmatica" panose="020B0403040502020204" pitchFamily="34" charset="0"/>
               </a:rPr>
-              <a:t>An agent is an AI system that can understand goals, reason about steps, and take actions to complete a task.</a:t>
+              <a:t>Agents interpret goals, break them into steps, and carry out tasks.</a:t>
             </a:r>
           </a:p>
           <a:p>
@@ -14091,7 +14318,7 @@
                 </a:solidFill>
                 <a:latin typeface="Pragmatica" panose="020B0403040502020204" pitchFamily="34" charset="0"/>
               </a:rPr>
-              <a:t>Goes beyond Q&amp;A → performs multi-step workflows driven by user intent.</a:t>
+              <a:t>They go beyond simple Q&amp;A by running multi-step workflows.</a:t>
             </a:r>
           </a:p>
           <a:p>
@@ -14109,7 +14336,7 @@
                 </a:solidFill>
                 <a:latin typeface="Pragmatica" panose="020B0403040502020204" pitchFamily="34" charset="0"/>
               </a:rPr>
-              <a:t>Uses memory, tools, and environment signals to stay on track.</a:t>
+              <a:t>They rely on memory, tools, and context to stay aligned with the user.</a:t>
             </a:r>
           </a:p>
           <a:p>
@@ -14127,7 +14354,7 @@
                 </a:solidFill>
                 <a:latin typeface="Pragmatica" panose="020B0403040502020204" pitchFamily="34" charset="0"/>
               </a:rPr>
-              <a:t>Designed to be autonomous but bounded (rules, safety, context).</a:t>
+              <a:t>They act autonomously but within defined rules and safeguards.</a:t>
             </a:r>
           </a:p>
         </p:txBody>
